--- a/PostCSS.pptx
+++ b/PostCSS.pptx
@@ -5,7 +5,7 @@
     <p:sldMasterId id="2147483648" r:id="rId1"/>
   </p:sldMasterIdLst>
   <p:notesMasterIdLst>
-    <p:notesMasterId r:id="rId8"/>
+    <p:notesMasterId r:id="rId9"/>
   </p:notesMasterIdLst>
   <p:sldIdLst>
     <p:sldId id="256" r:id="rId2"/>
@@ -14,12 +14,13 @@
     <p:sldId id="258" r:id="rId5"/>
     <p:sldId id="259" r:id="rId6"/>
     <p:sldId id="261" r:id="rId7"/>
+    <p:sldId id="262" r:id="rId8"/>
   </p:sldIdLst>
   <p:sldSz cx="9144000" cy="5143500" type="screen16x9"/>
   <p:notesSz cx="6858000" cy="9144000"/>
   <p:defaultTextStyle>
     <a:defPPr>
-      <a:defRPr lang="sr-Latn-RS"/>
+      <a:defRPr lang="x-none"/>
     </a:defPPr>
     <a:lvl1pPr marL="0" algn="l" defTabSz="914400" rtl="0" eaLnBrk="1" latinLnBrk="0" hangingPunct="1">
       <a:defRPr sz="1800" kern="1200">
@@ -114,7 +115,7 @@
   </p:defaultTextStyle>
   <p:extLst>
     <p:ext uri="{EFAFB233-063F-42B5-8137-9DF3F51BA10A}">
-      <p15:sldGuideLst xmlns:p15="http://schemas.microsoft.com/office/powerpoint/2012/main">
+      <p15:sldGuideLst xmlns:p15="http://schemas.microsoft.com/office/powerpoint/2012/main" xmlns="">
         <p15:guide id="1" orient="horz" pos="1620">
           <p15:clr>
             <a:srgbClr val="A4A3A4"/>
@@ -152,10 +153,10 @@
           <c:layoutTarget val="inner"/>
           <c:xMode val="edge"/>
           <c:yMode val="edge"/>
-          <c:x val="0.14933349737532808"/>
-          <c:y val="8.6133840425999184E-2"/>
-          <c:w val="0.84649983595800526"/>
-          <c:h val="0.90976454812514373"/>
+          <c:x val="0.149333497375328"/>
+          <c:y val="0.0861338404259992"/>
+          <c:w val="0.846499835958005"/>
+          <c:h val="0.909764548125144"/>
         </c:manualLayout>
       </c:layout>
       <c:barChart>
@@ -230,19 +231,19 @@
                 <c:formatCode>General</c:formatCode>
                 <c:ptCount val="5"/>
                 <c:pt idx="0">
-                  <c:v>36</c:v>
+                  <c:v>36.0</c:v>
                 </c:pt>
                 <c:pt idx="1">
-                  <c:v>136</c:v>
+                  <c:v>136.0</c:v>
                 </c:pt>
                 <c:pt idx="2">
-                  <c:v>160</c:v>
+                  <c:v>160.0</c:v>
                 </c:pt>
                 <c:pt idx="3">
-                  <c:v>167</c:v>
+                  <c:v>167.0</c:v>
                 </c:pt>
                 <c:pt idx="4">
-                  <c:v>1084</c:v>
+                  <c:v>1084.0</c:v>
                 </c:pt>
               </c:numCache>
             </c:numRef>
@@ -257,11 +258,11 @@
           <c:showBubbleSize val="0"/>
         </c:dLbls>
         <c:gapWidth val="182"/>
-        <c:axId val="401042608"/>
-        <c:axId val="401039864"/>
+        <c:axId val="2087551720"/>
+        <c:axId val="2087555384"/>
       </c:barChart>
       <c:catAx>
-        <c:axId val="401042608"/>
+        <c:axId val="2087551720"/>
         <c:scaling>
           <c:orientation val="maxMin"/>
         </c:scaling>
@@ -296,7 +297,7 @@
             <a:endParaRPr lang="en-US"/>
           </a:p>
         </c:txPr>
-        <c:crossAx val="401039864"/>
+        <c:crossAx val="2087555384"/>
         <c:crosses val="autoZero"/>
         <c:auto val="1"/>
         <c:lblAlgn val="ctr"/>
@@ -304,7 +305,7 @@
         <c:noMultiLvlLbl val="0"/>
       </c:catAx>
       <c:valAx>
-        <c:axId val="401039864"/>
+        <c:axId val="2087555384"/>
         <c:scaling>
           <c:orientation val="minMax"/>
         </c:scaling>
@@ -314,7 +315,7 @@
         <c:majorTickMark val="none"/>
         <c:minorTickMark val="none"/>
         <c:tickLblPos val="nextTo"/>
-        <c:crossAx val="401042608"/>
+        <c:crossAx val="2087551720"/>
         <c:crosses val="autoZero"/>
         <c:crossBetween val="between"/>
       </c:valAx>
@@ -347,7 +348,7 @@
       <a:endParaRPr lang="en-US"/>
     </a:p>
   </c:txPr>
-  <c:externalData r:id="rId3">
+  <c:externalData r:id="rId1">
     <c:autoUpdate val="0"/>
   </c:externalData>
 </c:chartSpace>
@@ -980,7 +981,7 @@
           <a:p>
             <a:fld id="{12F3DFAC-2CAA-464E-91A0-2BBEFEA0B668}" type="datetimeFigureOut">
               <a:rPr lang="en-US" smtClean="0"/>
-              <a:t>8/20/2015</a:t>
+              <a:t>21/08/15</a:t>
             </a:fld>
             <a:endParaRPr lang="en-US"/>
           </a:p>
@@ -1580,7 +1581,7 @@
   <p:timing>
     <p:tnLst>
       <p:par>
-        <p:cTn id="1" dur="indefinite" restart="never" nodeType="tmRoot"/>
+        <p:cTn xmlns:p14="http://schemas.microsoft.com/office/powerpoint/2010/main" id="1" dur="indefinite" restart="never" nodeType="tmRoot"/>
       </p:par>
     </p:tnLst>
   </p:timing>
@@ -1617,7 +1618,7 @@
   <p:timing>
     <p:tnLst>
       <p:par>
-        <p:cTn id="1" dur="indefinite" restart="never" nodeType="tmRoot"/>
+        <p:cTn xmlns:p14="http://schemas.microsoft.com/office/powerpoint/2010/main" id="1" dur="indefinite" restart="never" nodeType="tmRoot"/>
       </p:par>
     </p:tnLst>
   </p:timing>
@@ -1820,7 +1821,7 @@
   <p:timing>
     <p:tnLst>
       <p:par>
-        <p:cTn id="1" dur="indefinite" restart="never" nodeType="tmRoot"/>
+        <p:cTn xmlns:p14="http://schemas.microsoft.com/office/powerpoint/2010/main" id="1" dur="indefinite" restart="never" nodeType="tmRoot"/>
       </p:par>
     </p:tnLst>
   </p:timing>
@@ -2088,7 +2089,7 @@
   <p:timing>
     <p:tnLst>
       <p:par>
-        <p:cTn id="1" dur="indefinite" restart="never" nodeType="tmRoot"/>
+        <p:cTn xmlns:p14="http://schemas.microsoft.com/office/powerpoint/2010/main" id="1" dur="indefinite" restart="never" nodeType="tmRoot"/>
       </p:par>
     </p:tnLst>
   </p:timing>
@@ -2148,7 +2149,7 @@
   <p:timing>
     <p:tnLst>
       <p:par>
-        <p:cTn id="1" dur="indefinite" restart="never" nodeType="tmRoot"/>
+        <p:cTn xmlns:p14="http://schemas.microsoft.com/office/powerpoint/2010/main" id="1" dur="indefinite" restart="never" nodeType="tmRoot"/>
       </p:par>
     </p:tnLst>
   </p:timing>
@@ -2312,7 +2313,7 @@
   <p:timing>
     <p:tnLst>
       <p:par>
-        <p:cTn id="1" dur="indefinite" restart="never" nodeType="tmRoot"/>
+        <p:cTn xmlns:p14="http://schemas.microsoft.com/office/powerpoint/2010/main" id="1" dur="indefinite" restart="never" nodeType="tmRoot"/>
       </p:par>
     </p:tnLst>
   </p:timing>
@@ -2553,7 +2554,7 @@
   <p:timing>
     <p:tnLst>
       <p:par>
-        <p:cTn id="1" dur="indefinite" restart="never" nodeType="tmRoot"/>
+        <p:cTn xmlns:p14="http://schemas.microsoft.com/office/powerpoint/2010/main" id="1" dur="indefinite" restart="never" nodeType="tmRoot"/>
       </p:par>
     </p:tnLst>
   </p:timing>
@@ -2695,7 +2696,7 @@
   <p:timing>
     <p:tnLst>
       <p:par>
-        <p:cTn id="1" dur="indefinite" restart="never" nodeType="tmRoot"/>
+        <p:cTn xmlns:p14="http://schemas.microsoft.com/office/powerpoint/2010/main" id="1" dur="indefinite" restart="never" nodeType="tmRoot"/>
       </p:par>
     </p:tnLst>
   </p:timing>
@@ -2930,7 +2931,7 @@
   <p:timing>
     <p:tnLst>
       <p:par>
-        <p:cTn id="1" dur="indefinite" restart="never" nodeType="tmRoot"/>
+        <p:cTn xmlns:p14="http://schemas.microsoft.com/office/powerpoint/2010/main" id="1" dur="indefinite" restart="never" nodeType="tmRoot"/>
       </p:par>
     </p:tnLst>
   </p:timing>
@@ -3181,7 +3182,7 @@
   <p:timing>
     <p:tnLst>
       <p:par>
-        <p:cTn id="1" dur="indefinite" restart="never" nodeType="tmRoot"/>
+        <p:cTn xmlns:p14="http://schemas.microsoft.com/office/powerpoint/2010/main" id="1" dur="indefinite" restart="never" nodeType="tmRoot"/>
       </p:par>
     </p:tnLst>
   </p:timing>
@@ -3573,7 +3574,7 @@
   <p:timing>
     <p:tnLst>
       <p:par>
-        <p:cTn id="1" dur="indefinite" restart="never" nodeType="tmRoot"/>
+        <p:cTn xmlns:p14="http://schemas.microsoft.com/office/powerpoint/2010/main" id="1" dur="indefinite" restart="never" nodeType="tmRoot"/>
       </p:par>
     </p:tnLst>
   </p:timing>
@@ -3801,7 +3802,7 @@
   <p:timing>
     <p:tnLst>
       <p:par>
-        <p:cTn id="1" dur="indefinite" restart="never" nodeType="tmRoot"/>
+        <p:cTn xmlns:p14="http://schemas.microsoft.com/office/powerpoint/2010/main" id="1" dur="indefinite" restart="never" nodeType="tmRoot"/>
       </p:par>
     </p:tnLst>
   </p:timing>
@@ -3964,7 +3965,7 @@
     </p:bodyStyle>
     <p:otherStyle>
       <a:defPPr>
-        <a:defRPr lang="sr-Latn-RS"/>
+        <a:defRPr lang="x-none"/>
       </a:defPPr>
       <a:lvl1pPr marL="0" algn="l" defTabSz="914400" rtl="0" eaLnBrk="1" latinLnBrk="0" hangingPunct="1">
         <a:defRPr sz="1800" kern="1200">
@@ -4151,7 +4152,19 @@
           <a:p>
             <a:r>
               <a:rPr lang="en-US" sz="4000" dirty="0" smtClean="0"/>
-              <a:t>in real world</a:t>
+              <a:t>in </a:t>
+            </a:r>
+            <a:r>
+              <a:rPr lang="ta-IN" sz="4000" dirty="0" smtClean="0"/>
+              <a:t>a </a:t>
+            </a:r>
+            <a:r>
+              <a:rPr lang="en-US" sz="4000" dirty="0" smtClean="0"/>
+              <a:t>real</a:t>
+            </a:r>
+            <a:r>
+              <a:rPr lang="ta-IN" sz="4000" dirty="0" smtClean="0"/>
+              <a:t> life</a:t>
             </a:r>
             <a:endParaRPr lang="hr-HR" sz="4000" dirty="0"/>
           </a:p>
@@ -4259,7 +4272,7 @@
   <p:timing>
     <p:tnLst>
       <p:par>
-        <p:cTn id="1" dur="indefinite" restart="never" nodeType="tmRoot"/>
+        <p:cTn xmlns:p14="http://schemas.microsoft.com/office/powerpoint/2010/main" id="1" dur="indefinite" restart="never" nodeType="tmRoot"/>
       </p:par>
     </p:tnLst>
   </p:timing>
@@ -4295,7 +4308,9 @@
         </p:nvSpPr>
         <p:spPr/>
         <p:txBody>
-          <a:bodyPr/>
+          <a:bodyPr>
+            <a:normAutofit fontScale="90000"/>
+          </a:bodyPr>
           <a:lstStyle/>
           <a:p>
             <a:r>
@@ -4327,7 +4342,7 @@
         <p:spPr>
           <a:xfrm>
             <a:off x="611560" y="1977380"/>
-            <a:ext cx="5832648" cy="2538586"/>
+            <a:ext cx="6552728" cy="2538586"/>
           </a:xfrm>
         </p:spPr>
         <p:txBody>
@@ -4353,28 +4368,20 @@
               <a:t> </a:t>
             </a:r>
             <a:r>
-              <a:rPr lang="hr-HR" dirty="0" err="1" smtClean="0"/>
-              <a:t>an</a:t>
-            </a:r>
-            <a:r>
               <a:rPr lang="hr-HR" dirty="0" smtClean="0"/>
+              <a:t>a</a:t>
+            </a:r>
+            <a:r>
+              <a:rPr lang="ta-IN" dirty="0" smtClean="0"/>
               <a:t> </a:t>
             </a:r>
             <a:r>
               <a:rPr lang="en-US" dirty="0" smtClean="0"/>
-              <a:t>open</a:t>
-            </a:r>
-            <a:r>
-              <a:rPr lang="hr-HR" dirty="0" smtClean="0"/>
-              <a:t> </a:t>
-            </a:r>
-            <a:r>
-              <a:rPr lang="en-US" dirty="0" smtClean="0"/>
-              <a:t>source </a:t>
+              <a:t>tool to </a:t>
             </a:r>
             <a:r>
               <a:rPr lang="en-US" dirty="0"/>
-              <a:t>tool to transform styles with JS plugins</a:t>
+              <a:t>transform styles with JS plugins</a:t>
             </a:r>
             <a:r>
               <a:rPr lang="en-US" dirty="0" smtClean="0"/>
@@ -4391,11 +4398,15 @@
               <a:t>mixins</a:t>
             </a:r>
             <a:r>
-              <a:rPr lang="en-US" dirty="0"/>
-              <a:t>, </a:t>
-            </a:r>
-            <a:r>
-              <a:rPr lang="en-US" dirty="0" err="1"/>
+              <a:rPr lang="en-US" dirty="0" smtClean="0"/>
+              <a:t>,</a:t>
+            </a:r>
+            <a:r>
+              <a:rPr lang="ta-IN" dirty="0" smtClean="0"/>
+              <a:t> </a:t>
+            </a:r>
+            <a:r>
+              <a:rPr lang="en-US" dirty="0" err="1" smtClean="0"/>
               <a:t>transpile</a:t>
             </a:r>
             <a:r>
@@ -4418,7 +4429,7 @@
   <p:timing>
     <p:tnLst>
       <p:par>
-        <p:cTn id="1" dur="indefinite" restart="never" nodeType="tmRoot"/>
+        <p:cTn xmlns:p14="http://schemas.microsoft.com/office/powerpoint/2010/main" id="1" dur="indefinite" restart="never" nodeType="tmRoot"/>
       </p:par>
     </p:tnLst>
   </p:timing>
@@ -4786,7 +4797,7 @@
   <p:timing>
     <p:tnLst>
       <p:par>
-        <p:cTn id="1" dur="indefinite" restart="never" nodeType="tmRoot"/>
+        <p:cTn xmlns:p14="http://schemas.microsoft.com/office/powerpoint/2010/main" id="1" dur="indefinite" restart="never" nodeType="tmRoot"/>
       </p:par>
     </p:tnLst>
   </p:timing>
@@ -4914,7 +4925,7 @@
   <p:timing>
     <p:tnLst>
       <p:par>
-        <p:cTn id="1" dur="indefinite" restart="never" nodeType="tmRoot"/>
+        <p:cTn xmlns:p14="http://schemas.microsoft.com/office/powerpoint/2010/main" id="1" dur="indefinite" restart="never" nodeType="tmRoot"/>
       </p:par>
     </p:tnLst>
   </p:timing>
@@ -5060,7 +5071,7 @@
   <p:timing>
     <p:tnLst>
       <p:par>
-        <p:cTn id="1" dur="indefinite" restart="never" nodeType="tmRoot"/>
+        <p:cTn xmlns:p14="http://schemas.microsoft.com/office/powerpoint/2010/main" id="1" dur="indefinite" restart="never" nodeType="tmRoot"/>
       </p:par>
     </p:tnLst>
   </p:timing>
@@ -5117,11 +5128,215 @@
             <p:ph type="subTitle" idx="1"/>
           </p:nvPr>
         </p:nvSpPr>
-        <p:spPr/>
+        <p:spPr>
+          <a:xfrm>
+            <a:off x="611560" y="1563638"/>
+            <a:ext cx="6192688" cy="3384376"/>
+          </a:xfrm>
+        </p:spPr>
         <p:txBody>
-          <a:bodyPr/>
+          <a:bodyPr>
+            <a:normAutofit fontScale="92500" lnSpcReduction="20000"/>
+          </a:bodyPr>
           <a:lstStyle/>
           <a:p>
+            <a:pPr marL="457200" indent="-457200">
+              <a:lnSpc>
+                <a:spcPct val="110000"/>
+              </a:lnSpc>
+              <a:buFont typeface="Arial"/>
+              <a:buChar char="•"/>
+            </a:pPr>
+            <a:r>
+              <a:rPr lang="ta-IN" dirty="0" smtClean="0"/>
+              <a:t>Mixins</a:t>
+            </a:r>
+            <a:r>
+              <a:rPr lang="ta-IN" dirty="0"/>
+              <a:t> – </a:t>
+            </a:r>
+            <a:r>
+              <a:rPr lang="en-US" dirty="0" err="1" smtClean="0"/>
+              <a:t>postcss</a:t>
+            </a:r>
+            <a:r>
+              <a:rPr lang="en-US" dirty="0" err="1"/>
+              <a:t>-mixins</a:t>
+            </a:r>
+            <a:endParaRPr lang="en-US" dirty="0"/>
+          </a:p>
+          <a:p>
+            <a:pPr marL="457200" indent="-457200">
+              <a:lnSpc>
+                <a:spcPct val="110000"/>
+              </a:lnSpc>
+              <a:buFont typeface="Arial"/>
+              <a:buChar char="•"/>
+            </a:pPr>
+            <a:r>
+              <a:rPr lang="ta-IN" dirty="0"/>
+              <a:t>Variables – </a:t>
+            </a:r>
+            <a:r>
+              <a:rPr lang="en-US" dirty="0" err="1"/>
+              <a:t>postcss</a:t>
+            </a:r>
+            <a:r>
+              <a:rPr lang="en-US" dirty="0"/>
+              <a:t>-simple-</a:t>
+            </a:r>
+            <a:r>
+              <a:rPr lang="en-US" dirty="0" err="1"/>
+              <a:t>vars</a:t>
+            </a:r>
+            <a:endParaRPr lang="en-US" dirty="0"/>
+          </a:p>
+          <a:p>
+            <a:pPr marL="457200" indent="-457200">
+              <a:lnSpc>
+                <a:spcPct val="110000"/>
+              </a:lnSpc>
+              <a:buFont typeface="Arial"/>
+              <a:buChar char="•"/>
+            </a:pPr>
+            <a:r>
+              <a:rPr lang="ta-IN" dirty="0" smtClean="0"/>
+              <a:t>Nesting</a:t>
+            </a:r>
+            <a:r>
+              <a:rPr lang="ta-IN" dirty="0"/>
+              <a:t> – </a:t>
+            </a:r>
+            <a:r>
+              <a:rPr lang="en-US" dirty="0" err="1" smtClean="0"/>
+              <a:t>postcss</a:t>
+            </a:r>
+            <a:r>
+              <a:rPr lang="en-US" dirty="0"/>
+              <a:t>-nested</a:t>
+            </a:r>
+          </a:p>
+          <a:p>
+            <a:pPr marL="457200" indent="-457200">
+              <a:lnSpc>
+                <a:spcPct val="110000"/>
+              </a:lnSpc>
+              <a:buFont typeface="Arial"/>
+              <a:buChar char="•"/>
+            </a:pPr>
+            <a:r>
+              <a:rPr lang="ta-IN" dirty="0"/>
+              <a:t>C</a:t>
+            </a:r>
+            <a:r>
+              <a:rPr lang="en-US" dirty="0" err="1"/>
+              <a:t>ustom</a:t>
+            </a:r>
+            <a:r>
+              <a:rPr lang="ta-IN" dirty="0"/>
+              <a:t> </a:t>
+            </a:r>
+            <a:r>
+              <a:rPr lang="en-US" dirty="0"/>
+              <a:t>Media</a:t>
+            </a:r>
+            <a:r>
+              <a:rPr lang="ta-IN" dirty="0"/>
+              <a:t> </a:t>
+            </a:r>
+            <a:r>
+              <a:rPr lang="ta-IN" dirty="0" smtClean="0"/>
+              <a:t>Queries</a:t>
+            </a:r>
+            <a:r>
+              <a:rPr lang="ta-IN" dirty="0"/>
+              <a:t> – </a:t>
+            </a:r>
+            <a:r>
+              <a:rPr lang="en-US" dirty="0" err="1" smtClean="0"/>
+              <a:t>postcss</a:t>
+            </a:r>
+            <a:r>
+              <a:rPr lang="en-US" dirty="0"/>
+              <a:t>-custom-media</a:t>
+            </a:r>
+          </a:p>
+          <a:p>
+            <a:pPr marL="457200" indent="-457200">
+              <a:lnSpc>
+                <a:spcPct val="110000"/>
+              </a:lnSpc>
+              <a:buFont typeface="Arial"/>
+              <a:buChar char="•"/>
+            </a:pPr>
+            <a:r>
+              <a:rPr lang="ta-IN" dirty="0"/>
+              <a:t>Minification – </a:t>
+            </a:r>
+            <a:r>
+              <a:rPr lang="en-US" dirty="0" err="1"/>
+              <a:t>cssnano</a:t>
+            </a:r>
+            <a:endParaRPr lang="en-US" dirty="0"/>
+          </a:p>
+          <a:p>
+            <a:pPr marL="457200" indent="-457200">
+              <a:lnSpc>
+                <a:spcPct val="110000"/>
+              </a:lnSpc>
+              <a:buFont typeface="Arial"/>
+              <a:buChar char="•"/>
+            </a:pPr>
+            <a:r>
+              <a:rPr lang="ta-IN" dirty="0"/>
+              <a:t>Pixels to </a:t>
+            </a:r>
+            <a:r>
+              <a:rPr lang="ta-IN" dirty="0" smtClean="0"/>
+              <a:t>REM</a:t>
+            </a:r>
+            <a:r>
+              <a:rPr lang="ta-IN" dirty="0"/>
+              <a:t> – </a:t>
+            </a:r>
+            <a:r>
+              <a:rPr lang="en-US" dirty="0" err="1" smtClean="0"/>
+              <a:t>postcss</a:t>
+            </a:r>
+            <a:r>
+              <a:rPr lang="en-US" dirty="0" err="1"/>
+              <a:t>-pxtorem</a:t>
+            </a:r>
+            <a:endParaRPr lang="en-US" dirty="0"/>
+          </a:p>
+          <a:p>
+            <a:pPr marL="457200" indent="-457200">
+              <a:lnSpc>
+                <a:spcPct val="110000"/>
+              </a:lnSpc>
+              <a:buFont typeface="Arial"/>
+              <a:buChar char="•"/>
+            </a:pPr>
+            <a:r>
+              <a:rPr lang="ta-IN" dirty="0" smtClean="0"/>
+              <a:t>A</a:t>
+            </a:r>
+            <a:r>
+              <a:rPr lang="en-US" dirty="0" err="1" smtClean="0"/>
+              <a:t>utoprefixer</a:t>
+            </a:r>
+            <a:r>
+              <a:rPr lang="ta-IN" dirty="0"/>
+              <a:t> – </a:t>
+            </a:r>
+            <a:r>
+              <a:rPr lang="en-US" dirty="0" err="1" smtClean="0"/>
+              <a:t>autoprefixer</a:t>
+            </a:r>
+            <a:r>
+              <a:rPr lang="en-US" dirty="0"/>
+              <a:t>-core</a:t>
+            </a:r>
             <a:endParaRPr lang="en-US" dirty="0"/>
           </a:p>
         </p:txBody>
@@ -5136,6 +5351,141 @@
   <p:clrMapOvr>
     <a:masterClrMapping/>
   </p:clrMapOvr>
+  <p:timing>
+    <p:tnLst>
+      <p:par>
+        <p:cTn xmlns:p14="http://schemas.microsoft.com/office/powerpoint/2010/main" id="1" dur="indefinite" restart="never" nodeType="tmRoot"/>
+      </p:par>
+    </p:tnLst>
+  </p:timing>
+</p:sld>
+</file>
+
+<file path=ppt/slides/slide7.xml><?xml version="1.0" encoding="utf-8"?>
+<p:sld xmlns:a="http://schemas.openxmlformats.org/drawingml/2006/main" xmlns:r="http://schemas.openxmlformats.org/officeDocument/2006/relationships" xmlns:p="http://schemas.openxmlformats.org/presentationml/2006/main">
+  <p:cSld>
+    <p:spTree>
+      <p:nvGrpSpPr>
+        <p:cNvPr id="1" name=""/>
+        <p:cNvGrpSpPr/>
+        <p:nvPr/>
+      </p:nvGrpSpPr>
+      <p:grpSpPr>
+        <a:xfrm>
+          <a:off x="0" y="0"/>
+          <a:ext cx="0" cy="0"/>
+          <a:chOff x="0" y="0"/>
+          <a:chExt cx="0" cy="0"/>
+        </a:xfrm>
+      </p:grpSpPr>
+      <p:sp>
+        <p:nvSpPr>
+          <p:cNvPr id="4" name="Rectangle 3">
+            <a:hlinkClick r:id="rId2" action="ppaction://program"/>
+          </p:cNvPr>
+          <p:cNvSpPr/>
+          <p:nvPr/>
+        </p:nvSpPr>
+        <p:spPr>
+          <a:xfrm>
+            <a:off x="0" y="0"/>
+            <a:ext cx="9144000" cy="5143500"/>
+          </a:xfrm>
+          <a:prstGeom prst="rect">
+            <a:avLst/>
+          </a:prstGeom>
+          <a:solidFill>
+            <a:schemeClr val="tx1">
+              <a:lumMod val="85000"/>
+              <a:lumOff val="15000"/>
+            </a:schemeClr>
+          </a:solidFill>
+          <a:ln>
+            <a:noFill/>
+          </a:ln>
+        </p:spPr>
+        <p:style>
+          <a:lnRef idx="2">
+            <a:schemeClr val="dk1"/>
+          </a:lnRef>
+          <a:fillRef idx="1">
+            <a:schemeClr val="lt1"/>
+          </a:fillRef>
+          <a:effectRef idx="0">
+            <a:schemeClr val="dk1"/>
+          </a:effectRef>
+          <a:fontRef idx="minor">
+            <a:schemeClr val="dk1"/>
+          </a:fontRef>
+        </p:style>
+        <p:txBody>
+          <a:bodyPr rtlCol="0" anchor="ctr"/>
+          <a:lstStyle/>
+          <a:p>
+            <a:pPr algn="ctr"/>
+            <a:endParaRPr lang="en-US"/>
+          </a:p>
+        </p:txBody>
+      </p:sp>
+      <p:sp>
+        <p:nvSpPr>
+          <p:cNvPr id="2" name="Title 1"/>
+          <p:cNvSpPr>
+            <a:spLocks noGrp="1"/>
+          </p:cNvSpPr>
+          <p:nvPr>
+            <p:ph type="ctrTitle"/>
+          </p:nvPr>
+        </p:nvSpPr>
+        <p:spPr>
+          <a:xfrm>
+            <a:off x="685800" y="677143"/>
+            <a:ext cx="5830416" cy="1102519"/>
+          </a:xfrm>
+        </p:spPr>
+        <p:txBody>
+          <a:bodyPr>
+            <a:normAutofit/>
+          </a:bodyPr>
+          <a:lstStyle/>
+          <a:p>
+            <a:r>
+              <a:rPr lang="ta-IN" dirty="0" smtClean="0">
+                <a:solidFill>
+                  <a:srgbClr val="63DB22"/>
+                </a:solidFill>
+                <a:latin typeface="Source Code Pro"/>
+                <a:cs typeface="Source Code Pro"/>
+              </a:rPr>
+              <a:t>Let’s code...</a:t>
+            </a:r>
+            <a:endParaRPr lang="en-US" dirty="0">
+              <a:solidFill>
+                <a:srgbClr val="63DB22"/>
+              </a:solidFill>
+              <a:latin typeface="Source Code Pro"/>
+              <a:cs typeface="Source Code Pro"/>
+            </a:endParaRPr>
+          </a:p>
+        </p:txBody>
+      </p:sp>
+    </p:spTree>
+    <p:extLst>
+      <p:ext uri="{BB962C8B-B14F-4D97-AF65-F5344CB8AC3E}">
+        <p14:creationId xmlns:p14="http://schemas.microsoft.com/office/powerpoint/2010/main" val="3720604896"/>
+      </p:ext>
+    </p:extLst>
+  </p:cSld>
+  <p:clrMapOvr>
+    <a:masterClrMapping/>
+  </p:clrMapOvr>
+  <p:timing>
+    <p:tnLst>
+      <p:par>
+        <p:cTn xmlns:p14="http://schemas.microsoft.com/office/powerpoint/2010/main" id="1" dur="indefinite" restart="never" nodeType="tmRoot"/>
+      </p:par>
+    </p:tnLst>
+  </p:timing>
 </p:sld>
 </file>
 
@@ -5467,7 +5817,7 @@
     </a:clrScheme>
     <a:fontScheme name="Office">
       <a:majorFont>
-        <a:latin typeface="Calibri Light" panose="020F0302020204030204"/>
+        <a:latin typeface="Calibri Light"/>
         <a:ea typeface=""/>
         <a:cs typeface=""/>
         <a:font script="Jpan" typeface="ＭＳ Ｐゴシック"/>
@@ -5502,7 +5852,7 @@
         <a:font script="Geor" typeface="Sylfaen"/>
       </a:majorFont>
       <a:minorFont>
-        <a:latin typeface="Calibri" panose="020F0502020204030204"/>
+        <a:latin typeface="Calibri"/>
         <a:ea typeface=""/>
         <a:cs typeface=""/>
         <a:font script="Jpan" typeface="ＭＳ Ｐゴシック"/>
@@ -5679,7 +6029,7 @@
   <a:extraClrSchemeLst/>
   <a:extLst>
     <a:ext uri="{05A4C25C-085E-4340-85A3-A5531E510DB2}">
-      <thm15:themeFamily xmlns:thm15="http://schemas.microsoft.com/office/thememl/2012/main" name="Office Theme" id="{62F939B6-93AF-4DB8-9C6B-D6C7DFDC589F}" vid="{4A3C46E8-61CC-4603-A589-7422A47A8E4A}"/>
+      <thm15:themeFamily xmlns:thm15="http://schemas.microsoft.com/office/thememl/2012/main" xmlns="" name="Office Theme" id="{62F939B6-93AF-4DB8-9C6B-D6C7DFDC589F}" vid="{4A3C46E8-61CC-4603-A589-7422A47A8E4A}"/>
     </a:ext>
   </a:extLst>
 </a:theme>

--- a/PostCSS.pptx
+++ b/PostCSS.pptx
@@ -257,11 +257,11 @@
           <c:showBubbleSize val="0"/>
         </c:dLbls>
         <c:gapWidth val="182"/>
-        <c:axId val="401042608"/>
-        <c:axId val="401039864"/>
+        <c:axId val="246946432"/>
+        <c:axId val="246943688"/>
       </c:barChart>
       <c:catAx>
-        <c:axId val="401042608"/>
+        <c:axId val="246946432"/>
         <c:scaling>
           <c:orientation val="maxMin"/>
         </c:scaling>
@@ -296,7 +296,7 @@
             <a:endParaRPr lang="en-US"/>
           </a:p>
         </c:txPr>
-        <c:crossAx val="401039864"/>
+        <c:crossAx val="246943688"/>
         <c:crosses val="autoZero"/>
         <c:auto val="1"/>
         <c:lblAlgn val="ctr"/>
@@ -304,7 +304,7 @@
         <c:noMultiLvlLbl val="0"/>
       </c:catAx>
       <c:valAx>
-        <c:axId val="401039864"/>
+        <c:axId val="246943688"/>
         <c:scaling>
           <c:orientation val="minMax"/>
         </c:scaling>
@@ -314,7 +314,7 @@
         <c:majorTickMark val="none"/>
         <c:minorTickMark val="none"/>
         <c:tickLblPos val="nextTo"/>
-        <c:crossAx val="401042608"/>
+        <c:crossAx val="246946432"/>
         <c:crosses val="autoZero"/>
         <c:crossBetween val="between"/>
       </c:valAx>
@@ -980,7 +980,7 @@
           <a:p>
             <a:fld id="{12F3DFAC-2CAA-464E-91A0-2BBEFEA0B668}" type="datetimeFigureOut">
               <a:rPr lang="en-US" smtClean="0"/>
-              <a:t>8/20/2015</a:t>
+              <a:t>8/21/2015</a:t>
             </a:fld>
             <a:endParaRPr lang="en-US"/>
           </a:p>
@@ -4336,6 +4336,10 @@
           </a:bodyPr>
           <a:lstStyle/>
           <a:p>
+            <a:pPr marL="457200" indent="-457200">
+              <a:buFont typeface="Arial" panose="020B0604020202020204" pitchFamily="34" charset="0"/>
+              <a:buChar char="•"/>
+            </a:pPr>
             <a:r>
               <a:rPr lang="en-US" dirty="0" err="1"/>
               <a:t>PostCSS</a:t>
@@ -4382,6 +4386,10 @@
             </a:r>
           </a:p>
           <a:p>
+            <a:pPr marL="457200" indent="-457200">
+              <a:buFont typeface="Arial" panose="020B0604020202020204" pitchFamily="34" charset="0"/>
+              <a:buChar char="•"/>
+            </a:pPr>
             <a:r>
               <a:rPr lang="en-US" dirty="0"/>
               <a:t>These plugins can support variables and </a:t>
@@ -4395,12 +4403,80 @@
               <a:t>, </a:t>
             </a:r>
             <a:r>
-              <a:rPr lang="en-US" dirty="0" err="1"/>
-              <a:t>transpile</a:t>
+              <a:rPr lang="hr-HR" dirty="0"/>
+              <a:t>t</a:t>
+            </a:r>
+            <a:r>
+              <a:rPr lang="en-US" dirty="0" err="1" smtClean="0"/>
+              <a:t>ranspile</a:t>
+            </a:r>
+            <a:r>
+              <a:rPr lang="hr-HR" dirty="0"/>
+              <a:t> </a:t>
+            </a:r>
+            <a:r>
+              <a:rPr lang="en-US" dirty="0" smtClean="0"/>
+              <a:t>future</a:t>
+            </a:r>
+            <a:r>
+              <a:rPr lang="hr-HR" dirty="0" smtClean="0"/>
+              <a:t> </a:t>
+            </a:r>
+            <a:r>
+              <a:rPr lang="en-US" dirty="0" smtClean="0"/>
+              <a:t>CSS</a:t>
+            </a:r>
+            <a:r>
+              <a:rPr lang="hr-HR" dirty="0" smtClean="0"/>
+              <a:t> </a:t>
+            </a:r>
+            <a:r>
+              <a:rPr lang="en-US" dirty="0" smtClean="0"/>
+              <a:t>syntax,</a:t>
+            </a:r>
+            <a:r>
+              <a:rPr lang="hr-HR" dirty="0" smtClean="0"/>
+              <a:t> </a:t>
+            </a:r>
+            <a:r>
+              <a:rPr lang="en-US" dirty="0" smtClean="0"/>
+              <a:t>inline</a:t>
+            </a:r>
+            <a:r>
+              <a:rPr lang="hr-HR" dirty="0" smtClean="0"/>
+              <a:t> </a:t>
+            </a:r>
+            <a:r>
+              <a:rPr lang="en-US" dirty="0" smtClean="0"/>
+              <a:t>images</a:t>
+            </a:r>
+            <a:r>
+              <a:rPr lang="hr-HR" dirty="0" smtClean="0"/>
+              <a:t>,</a:t>
+            </a:r>
+            <a:r>
+              <a:rPr lang="hr-HR" dirty="0"/>
+              <a:t> </a:t>
+            </a:r>
+            <a:r>
+              <a:rPr lang="hr-HR" dirty="0" smtClean="0"/>
+              <a:t>a</a:t>
+            </a:r>
+            <a:r>
+              <a:rPr lang="en-US" dirty="0" err="1" smtClean="0"/>
+              <a:t>nd</a:t>
+            </a:r>
+            <a:r>
+              <a:rPr lang="hr-HR" dirty="0" smtClean="0"/>
+              <a:t> </a:t>
+            </a:r>
+            <a:r>
+              <a:rPr lang="en-US" dirty="0" smtClean="0"/>
+              <a:t>more</a:t>
             </a:r>
             <a:r>
               <a:rPr lang="en-US" dirty="0"/>
-              <a:t> future CSS syntax, inline images, and more.</a:t>
+              <a:t>.</a:t>
             </a:r>
           </a:p>
         </p:txBody>
@@ -5136,13 +5212,20 @@
   <p:clrMapOvr>
     <a:masterClrMapping/>
   </p:clrMapOvr>
+  <p:timing>
+    <p:tnLst>
+      <p:par>
+        <p:cTn id="1" dur="indefinite" restart="never" nodeType="tmRoot"/>
+      </p:par>
+    </p:tnLst>
+  </p:timing>
 </p:sld>
 </file>
 
 <file path=ppt/theme/theme1.xml><?xml version="1.0" encoding="utf-8"?>
 <a:theme xmlns:a="http://schemas.openxmlformats.org/drawingml/2006/main" name="Office Theme">
   <a:themeElements>
-    <a:clrScheme name="Office">
+    <a:clrScheme name="Custom 1">
       <a:dk1>
         <a:sysClr val="windowText" lastClr="000000"/>
       </a:dk1>
@@ -5174,7 +5257,7 @@
         <a:srgbClr val="F79646"/>
       </a:accent6>
       <a:hlink>
-        <a:srgbClr val="0000FF"/>
+        <a:srgbClr val="FFFFFF"/>
       </a:hlink>
       <a:folHlink>
         <a:srgbClr val="800080"/>

--- a/PostCSS.pptx
+++ b/PostCSS.pptx
@@ -10,10 +10,10 @@
   <p:sldIdLst>
     <p:sldId id="256" r:id="rId2"/>
     <p:sldId id="257" r:id="rId3"/>
-    <p:sldId id="260" r:id="rId4"/>
-    <p:sldId id="258" r:id="rId5"/>
-    <p:sldId id="259" r:id="rId6"/>
-    <p:sldId id="261" r:id="rId7"/>
+    <p:sldId id="258" r:id="rId4"/>
+    <p:sldId id="259" r:id="rId5"/>
+    <p:sldId id="261" r:id="rId6"/>
+    <p:sldId id="260" r:id="rId7"/>
     <p:sldId id="262" r:id="rId8"/>
   </p:sldIdLst>
   <p:sldSz cx="9144000" cy="5143500" type="screen16x9"/>
@@ -115,7 +115,7 @@
   </p:defaultTextStyle>
   <p:extLst>
     <p:ext uri="{EFAFB233-063F-42B5-8137-9DF3F51BA10A}">
-      <p15:sldGuideLst xmlns:p15="http://schemas.microsoft.com/office/powerpoint/2012/main" xmlns="">
+      <p15:sldGuideLst xmlns="" xmlns:p15="http://schemas.microsoft.com/office/powerpoint/2012/main">
         <p15:guide id="1" orient="horz" pos="1620">
           <p15:clr>
             <a:srgbClr val="A4A3A4"/>
@@ -258,11 +258,11 @@
           <c:showBubbleSize val="0"/>
         </c:dLbls>
         <c:gapWidth val="182"/>
-        <c:axId val="2087551720"/>
-        <c:axId val="2087555384"/>
+        <c:axId val="2053648936"/>
+        <c:axId val="2053652600"/>
       </c:barChart>
       <c:catAx>
-        <c:axId val="2087551720"/>
+        <c:axId val="2053648936"/>
         <c:scaling>
           <c:orientation val="maxMin"/>
         </c:scaling>
@@ -297,7 +297,7 @@
             <a:endParaRPr lang="en-US"/>
           </a:p>
         </c:txPr>
-        <c:crossAx val="2087555384"/>
+        <c:crossAx val="2053652600"/>
         <c:crosses val="autoZero"/>
         <c:auto val="1"/>
         <c:lblAlgn val="ctr"/>
@@ -305,7 +305,7 @@
         <c:noMultiLvlLbl val="0"/>
       </c:catAx>
       <c:valAx>
-        <c:axId val="2087555384"/>
+        <c:axId val="2053652600"/>
         <c:scaling>
           <c:orientation val="minMax"/>
         </c:scaling>
@@ -315,7 +315,7 @@
         <c:majorTickMark val="none"/>
         <c:minorTickMark val="none"/>
         <c:tickLblPos val="nextTo"/>
-        <c:crossAx val="2087551720"/>
+        <c:crossAx val="2053648936"/>
         <c:crosses val="autoZero"/>
         <c:crossBetween val="between"/>
       </c:valAx>
@@ -981,7 +981,7 @@
           <a:p>
             <a:fld id="{12F3DFAC-2CAA-464E-91A0-2BBEFEA0B668}" type="datetimeFigureOut">
               <a:rPr lang="en-US" smtClean="0"/>
-              <a:t>21/08/15</a:t>
+              <a:t>22/08/15</a:t>
             </a:fld>
             <a:endParaRPr lang="en-US"/>
           </a:p>
@@ -1418,7 +1418,7 @@
           <a:p>
             <a:fld id="{9BE8D5DA-E8A3-4A98-9BB8-9BE5526C08D6}" type="slidenum">
               <a:rPr lang="en-US" smtClean="0"/>
-              <a:t>3</a:t>
+              <a:t>6</a:t>
             </a:fld>
             <a:endParaRPr lang="en-US"/>
           </a:p>
@@ -1578,6 +1578,18 @@
   <p:clrMapOvr>
     <a:masterClrMapping/>
   </p:clrMapOvr>
+  <mc:AlternateContent xmlns:mc="http://schemas.openxmlformats.org/markup-compatibility/2006">
+    <mc:Choice xmlns:p14="http://schemas.microsoft.com/office/powerpoint/2010/main" Requires="p14">
+      <p:transition spd="med" p14:dur="700">
+        <p:fade/>
+      </p:transition>
+    </mc:Choice>
+    <mc:Fallback>
+      <p:transition xmlns:p14="http://schemas.microsoft.com/office/powerpoint/2010/main" spd="med">
+        <p:fade/>
+      </p:transition>
+    </mc:Fallback>
+  </mc:AlternateContent>
   <p:timing>
     <p:tnLst>
       <p:par>
@@ -1615,6 +1627,18 @@
   <p:clrMapOvr>
     <a:masterClrMapping/>
   </p:clrMapOvr>
+  <mc:AlternateContent xmlns:mc="http://schemas.openxmlformats.org/markup-compatibility/2006">
+    <mc:Choice xmlns:p14="http://schemas.microsoft.com/office/powerpoint/2010/main" Requires="p14">
+      <p:transition spd="med" p14:dur="700">
+        <p:fade/>
+      </p:transition>
+    </mc:Choice>
+    <mc:Fallback>
+      <p:transition xmlns:p14="http://schemas.microsoft.com/office/powerpoint/2010/main" spd="med">
+        <p:fade/>
+      </p:transition>
+    </mc:Fallback>
+  </mc:AlternateContent>
   <p:timing>
     <p:tnLst>
       <p:par>
@@ -1818,6 +1842,18 @@
   <p:clrMapOvr>
     <a:masterClrMapping/>
   </p:clrMapOvr>
+  <mc:AlternateContent xmlns:mc="http://schemas.openxmlformats.org/markup-compatibility/2006">
+    <mc:Choice xmlns:p14="http://schemas.microsoft.com/office/powerpoint/2010/main" Requires="p14">
+      <p:transition spd="med" p14:dur="700">
+        <p:fade/>
+      </p:transition>
+    </mc:Choice>
+    <mc:Fallback>
+      <p:transition xmlns:p14="http://schemas.microsoft.com/office/powerpoint/2010/main" spd="med">
+        <p:fade/>
+      </p:transition>
+    </mc:Fallback>
+  </mc:AlternateContent>
   <p:timing>
     <p:tnLst>
       <p:par>
@@ -2086,6 +2122,18 @@
   <p:clrMapOvr>
     <a:masterClrMapping/>
   </p:clrMapOvr>
+  <mc:AlternateContent xmlns:mc="http://schemas.openxmlformats.org/markup-compatibility/2006">
+    <mc:Choice xmlns:p14="http://schemas.microsoft.com/office/powerpoint/2010/main" Requires="p14">
+      <p:transition spd="med" p14:dur="700">
+        <p:fade/>
+      </p:transition>
+    </mc:Choice>
+    <mc:Fallback>
+      <p:transition xmlns:p14="http://schemas.microsoft.com/office/powerpoint/2010/main" spd="med">
+        <p:fade/>
+      </p:transition>
+    </mc:Fallback>
+  </mc:AlternateContent>
   <p:timing>
     <p:tnLst>
       <p:par>
@@ -2146,6 +2194,18 @@
   <p:clrMapOvr>
     <a:masterClrMapping/>
   </p:clrMapOvr>
+  <mc:AlternateContent xmlns:mc="http://schemas.openxmlformats.org/markup-compatibility/2006">
+    <mc:Choice xmlns:p14="http://schemas.microsoft.com/office/powerpoint/2010/main" Requires="p14">
+      <p:transition spd="med" p14:dur="700">
+        <p:fade/>
+      </p:transition>
+    </mc:Choice>
+    <mc:Fallback>
+      <p:transition xmlns:p14="http://schemas.microsoft.com/office/powerpoint/2010/main" spd="med">
+        <p:fade/>
+      </p:transition>
+    </mc:Fallback>
+  </mc:AlternateContent>
   <p:timing>
     <p:tnLst>
       <p:par>
@@ -2310,6 +2370,18 @@
   <p:clrMapOvr>
     <a:masterClrMapping/>
   </p:clrMapOvr>
+  <mc:AlternateContent xmlns:mc="http://schemas.openxmlformats.org/markup-compatibility/2006">
+    <mc:Choice xmlns:p14="http://schemas.microsoft.com/office/powerpoint/2010/main" Requires="p14">
+      <p:transition spd="med" p14:dur="700">
+        <p:fade/>
+      </p:transition>
+    </mc:Choice>
+    <mc:Fallback>
+      <p:transition xmlns:p14="http://schemas.microsoft.com/office/powerpoint/2010/main" spd="med">
+        <p:fade/>
+      </p:transition>
+    </mc:Fallback>
+  </mc:AlternateContent>
   <p:timing>
     <p:tnLst>
       <p:par>
@@ -2551,6 +2623,18 @@
   <p:clrMapOvr>
     <a:masterClrMapping/>
   </p:clrMapOvr>
+  <mc:AlternateContent xmlns:mc="http://schemas.openxmlformats.org/markup-compatibility/2006">
+    <mc:Choice xmlns:p14="http://schemas.microsoft.com/office/powerpoint/2010/main" Requires="p14">
+      <p:transition spd="med" p14:dur="700">
+        <p:fade/>
+      </p:transition>
+    </mc:Choice>
+    <mc:Fallback>
+      <p:transition xmlns:p14="http://schemas.microsoft.com/office/powerpoint/2010/main" spd="med">
+        <p:fade/>
+      </p:transition>
+    </mc:Fallback>
+  </mc:AlternateContent>
   <p:timing>
     <p:tnLst>
       <p:par>
@@ -2693,6 +2777,18 @@
   <p:clrMapOvr>
     <a:masterClrMapping/>
   </p:clrMapOvr>
+  <mc:AlternateContent xmlns:mc="http://schemas.openxmlformats.org/markup-compatibility/2006">
+    <mc:Choice xmlns:p14="http://schemas.microsoft.com/office/powerpoint/2010/main" Requires="p14">
+      <p:transition spd="med" p14:dur="700">
+        <p:fade/>
+      </p:transition>
+    </mc:Choice>
+    <mc:Fallback>
+      <p:transition xmlns:p14="http://schemas.microsoft.com/office/powerpoint/2010/main" spd="med">
+        <p:fade/>
+      </p:transition>
+    </mc:Fallback>
+  </mc:AlternateContent>
   <p:timing>
     <p:tnLst>
       <p:par>
@@ -2928,6 +3024,18 @@
   <p:clrMapOvr>
     <a:masterClrMapping/>
   </p:clrMapOvr>
+  <mc:AlternateContent xmlns:mc="http://schemas.openxmlformats.org/markup-compatibility/2006">
+    <mc:Choice xmlns:p14="http://schemas.microsoft.com/office/powerpoint/2010/main" Requires="p14">
+      <p:transition spd="med" p14:dur="700">
+        <p:fade/>
+      </p:transition>
+    </mc:Choice>
+    <mc:Fallback>
+      <p:transition xmlns:p14="http://schemas.microsoft.com/office/powerpoint/2010/main" spd="med">
+        <p:fade/>
+      </p:transition>
+    </mc:Fallback>
+  </mc:AlternateContent>
   <p:timing>
     <p:tnLst>
       <p:par>
@@ -3179,6 +3287,18 @@
   <p:clrMapOvr>
     <a:masterClrMapping/>
   </p:clrMapOvr>
+  <mc:AlternateContent xmlns:mc="http://schemas.openxmlformats.org/markup-compatibility/2006">
+    <mc:Choice xmlns:p14="http://schemas.microsoft.com/office/powerpoint/2010/main" Requires="p14">
+      <p:transition spd="med" p14:dur="700">
+        <p:fade/>
+      </p:transition>
+    </mc:Choice>
+    <mc:Fallback>
+      <p:transition xmlns:p14="http://schemas.microsoft.com/office/powerpoint/2010/main" spd="med">
+        <p:fade/>
+      </p:transition>
+    </mc:Fallback>
+  </mc:AlternateContent>
   <p:timing>
     <p:tnLst>
       <p:par>
@@ -3571,6 +3691,18 @@
   <p:clrMapOvr>
     <a:masterClrMapping/>
   </p:clrMapOvr>
+  <mc:AlternateContent xmlns:mc="http://schemas.openxmlformats.org/markup-compatibility/2006">
+    <mc:Choice xmlns:p14="http://schemas.microsoft.com/office/powerpoint/2010/main" Requires="p14">
+      <p:transition spd="med" p14:dur="700">
+        <p:fade/>
+      </p:transition>
+    </mc:Choice>
+    <mc:Fallback>
+      <p:transition xmlns:p14="http://schemas.microsoft.com/office/powerpoint/2010/main" spd="med">
+        <p:fade/>
+      </p:transition>
+    </mc:Fallback>
+  </mc:AlternateContent>
   <p:timing>
     <p:tnLst>
       <p:par>
@@ -3799,6 +3931,18 @@
     <p:sldLayoutId id="2147483655" r:id="rId10"/>
     <p:sldLayoutId id="2147483657" r:id="rId11"/>
   </p:sldLayoutIdLst>
+  <mc:AlternateContent xmlns:mc="http://schemas.openxmlformats.org/markup-compatibility/2006">
+    <mc:Choice xmlns:p14="http://schemas.microsoft.com/office/powerpoint/2010/main" Requires="p14">
+      <p:transition spd="med" p14:dur="700">
+        <p:fade/>
+      </p:transition>
+    </mc:Choice>
+    <mc:Fallback>
+      <p:transition xmlns:p14="http://schemas.microsoft.com/office/powerpoint/2010/main" spd="med">
+        <p:fade/>
+      </p:transition>
+    </mc:Fallback>
+  </mc:AlternateContent>
   <p:timing>
     <p:tnLst>
       <p:par>
@@ -4269,6 +4413,18 @@
   <p:clrMapOvr>
     <a:masterClrMapping/>
   </p:clrMapOvr>
+  <mc:AlternateContent xmlns:mc="http://schemas.openxmlformats.org/markup-compatibility/2006">
+    <mc:Choice xmlns:p14="http://schemas.microsoft.com/office/powerpoint/2010/main" Requires="p14">
+      <p:transition spd="med" p14:dur="700">
+        <p:fade/>
+      </p:transition>
+    </mc:Choice>
+    <mc:Fallback>
+      <p:transition xmlns:p14="http://schemas.microsoft.com/office/powerpoint/2010/main" spd="med">
+        <p:fade/>
+      </p:transition>
+    </mc:Fallback>
+  </mc:AlternateContent>
   <p:timing>
     <p:tnLst>
       <p:par>
@@ -4351,6 +4507,10 @@
           </a:bodyPr>
           <a:lstStyle/>
           <a:p>
+            <a:pPr marL="457200" indent="-457200">
+              <a:buFont typeface="Arial"/>
+              <a:buChar char="•"/>
+            </a:pPr>
             <a:r>
               <a:rPr lang="en-US" dirty="0" err="1"/>
               <a:t>PostCSS</a:t>
@@ -4365,11 +4525,7 @@
             </a:r>
             <a:r>
               <a:rPr lang="hr-HR" dirty="0" smtClean="0"/>
-              <a:t> </a:t>
-            </a:r>
-            <a:r>
-              <a:rPr lang="hr-HR" dirty="0" smtClean="0"/>
-              <a:t>a</a:t>
+              <a:t> a</a:t>
             </a:r>
             <a:r>
               <a:rPr lang="ta-IN" dirty="0" smtClean="0"/>
@@ -4389,6 +4545,10 @@
             </a:r>
           </a:p>
           <a:p>
+            <a:pPr marL="457200" indent="-457200">
+              <a:buFont typeface="Arial"/>
+              <a:buChar char="•"/>
+            </a:pPr>
             <a:r>
               <a:rPr lang="en-US" dirty="0"/>
               <a:t>These plugins can support variables and </a:t>
@@ -4426,6 +4586,18 @@
   <p:clrMapOvr>
     <a:masterClrMapping/>
   </p:clrMapOvr>
+  <mc:AlternateContent xmlns:mc="http://schemas.openxmlformats.org/markup-compatibility/2006">
+    <mc:Choice xmlns:p14="http://schemas.microsoft.com/office/powerpoint/2010/main" Requires="p14">
+      <p:transition spd="med" p14:dur="700">
+        <p:fade/>
+      </p:transition>
+    </mc:Choice>
+    <mc:Fallback>
+      <p:transition xmlns:p14="http://schemas.microsoft.com/office/powerpoint/2010/main" spd="med">
+        <p:fade/>
+      </p:transition>
+    </mc:Fallback>
+  </mc:AlternateContent>
   <p:timing>
     <p:tnLst>
       <p:par>
@@ -4437,6 +4609,598 @@
 </file>
 
 <file path=ppt/slides/slide3.xml><?xml version="1.0" encoding="utf-8"?>
+<p:sld xmlns:a="http://schemas.openxmlformats.org/drawingml/2006/main" xmlns:r="http://schemas.openxmlformats.org/officeDocument/2006/relationships" xmlns:p="http://schemas.openxmlformats.org/presentationml/2006/main">
+  <p:cSld>
+    <p:spTree>
+      <p:nvGrpSpPr>
+        <p:cNvPr id="1" name=""/>
+        <p:cNvGrpSpPr/>
+        <p:nvPr/>
+      </p:nvGrpSpPr>
+      <p:grpSpPr>
+        <a:xfrm>
+          <a:off x="0" y="0"/>
+          <a:ext cx="0" cy="0"/>
+          <a:chOff x="0" y="0"/>
+          <a:chExt cx="0" cy="0"/>
+        </a:xfrm>
+      </p:grpSpPr>
+      <p:sp>
+        <p:nvSpPr>
+          <p:cNvPr id="2" name="Title 1"/>
+          <p:cNvSpPr>
+            <a:spLocks noGrp="1"/>
+          </p:cNvSpPr>
+          <p:nvPr>
+            <p:ph type="ctrTitle"/>
+          </p:nvPr>
+        </p:nvSpPr>
+        <p:spPr/>
+        <p:txBody>
+          <a:bodyPr/>
+          <a:lstStyle/>
+          <a:p>
+            <a:r>
+              <a:rPr lang="ta-IN" dirty="0" smtClean="0"/>
+              <a:t>Tools</a:t>
+            </a:r>
+            <a:endParaRPr lang="en-US" dirty="0"/>
+          </a:p>
+        </p:txBody>
+      </p:sp>
+      <p:sp>
+        <p:nvSpPr>
+          <p:cNvPr id="3" name="Subtitle 2"/>
+          <p:cNvSpPr>
+            <a:spLocks noGrp="1"/>
+          </p:cNvSpPr>
+          <p:nvPr>
+            <p:ph type="subTitle" idx="1"/>
+          </p:nvPr>
+        </p:nvSpPr>
+        <p:spPr>
+          <a:xfrm>
+            <a:off x="611560" y="1977380"/>
+            <a:ext cx="5832648" cy="2250554"/>
+          </a:xfrm>
+        </p:spPr>
+        <p:txBody>
+          <a:bodyPr>
+            <a:normAutofit/>
+          </a:bodyPr>
+          <a:lstStyle/>
+          <a:p>
+            <a:pPr marL="457200" indent="-457200">
+              <a:buFont typeface="Arial" panose="020B0604020202020204" pitchFamily="34" charset="0"/>
+              <a:buChar char="•"/>
+            </a:pPr>
+            <a:r>
+              <a:rPr lang="en-US" dirty="0" smtClean="0"/>
+              <a:t>Node.js</a:t>
+            </a:r>
+          </a:p>
+          <a:p>
+            <a:pPr marL="457200" indent="-457200">
+              <a:buFont typeface="Arial" panose="020B0604020202020204" pitchFamily="34" charset="0"/>
+              <a:buChar char="•"/>
+            </a:pPr>
+            <a:r>
+              <a:rPr lang="en-US" dirty="0" err="1" smtClean="0"/>
+              <a:t>npm</a:t>
+            </a:r>
+            <a:r>
+              <a:rPr lang="en-US" dirty="0" smtClean="0"/>
+              <a:t> (node package manager)</a:t>
+            </a:r>
+          </a:p>
+          <a:p>
+            <a:pPr marL="457200" indent="-457200">
+              <a:buFont typeface="Arial" panose="020B0604020202020204" pitchFamily="34" charset="0"/>
+              <a:buChar char="•"/>
+            </a:pPr>
+            <a:r>
+              <a:rPr lang="en-US" dirty="0" smtClean="0"/>
+              <a:t>Gulp.js</a:t>
+            </a:r>
+          </a:p>
+          <a:p>
+            <a:pPr marL="457200" indent="-457200">
+              <a:buFont typeface="Arial" panose="020B0604020202020204" pitchFamily="34" charset="0"/>
+              <a:buChar char="•"/>
+            </a:pPr>
+            <a:r>
+              <a:rPr lang="en-US" dirty="0" smtClean="0"/>
+              <a:t>CSS</a:t>
+            </a:r>
+            <a:endParaRPr lang="en-US" dirty="0"/>
+          </a:p>
+        </p:txBody>
+      </p:sp>
+    </p:spTree>
+    <p:extLst>
+      <p:ext uri="{BB962C8B-B14F-4D97-AF65-F5344CB8AC3E}">
+        <p14:creationId xmlns:p14="http://schemas.microsoft.com/office/powerpoint/2010/main" val="3060360801"/>
+      </p:ext>
+    </p:extLst>
+  </p:cSld>
+  <p:clrMapOvr>
+    <a:masterClrMapping/>
+  </p:clrMapOvr>
+  <mc:AlternateContent xmlns:mc="http://schemas.openxmlformats.org/markup-compatibility/2006">
+    <mc:Choice xmlns:p14="http://schemas.microsoft.com/office/powerpoint/2010/main" Requires="p14">
+      <p:transition spd="med" p14:dur="700">
+        <p:fade/>
+      </p:transition>
+    </mc:Choice>
+    <mc:Fallback>
+      <p:transition xmlns:p14="http://schemas.microsoft.com/office/powerpoint/2010/main" spd="med">
+        <p:fade/>
+      </p:transition>
+    </mc:Fallback>
+  </mc:AlternateContent>
+  <p:timing>
+    <p:tnLst>
+      <p:par>
+        <p:cTn xmlns:p14="http://schemas.microsoft.com/office/powerpoint/2010/main" id="1" dur="indefinite" restart="never" nodeType="tmRoot"/>
+      </p:par>
+    </p:tnLst>
+  </p:timing>
+</p:sld>
+</file>
+
+<file path=ppt/slides/slide4.xml><?xml version="1.0" encoding="utf-8"?>
+<p:sld xmlns:a="http://schemas.openxmlformats.org/drawingml/2006/main" xmlns:r="http://schemas.openxmlformats.org/officeDocument/2006/relationships" xmlns:p="http://schemas.openxmlformats.org/presentationml/2006/main">
+  <p:cSld>
+    <p:spTree>
+      <p:nvGrpSpPr>
+        <p:cNvPr id="1" name=""/>
+        <p:cNvGrpSpPr/>
+        <p:nvPr/>
+      </p:nvGrpSpPr>
+      <p:grpSpPr>
+        <a:xfrm>
+          <a:off x="0" y="0"/>
+          <a:ext cx="0" cy="0"/>
+          <a:chOff x="0" y="0"/>
+          <a:chExt cx="0" cy="0"/>
+        </a:xfrm>
+      </p:grpSpPr>
+      <p:sp>
+        <p:nvSpPr>
+          <p:cNvPr id="2" name="Title 1"/>
+          <p:cNvSpPr>
+            <a:spLocks noGrp="1"/>
+          </p:cNvSpPr>
+          <p:nvPr>
+            <p:ph type="ctrTitle"/>
+          </p:nvPr>
+        </p:nvSpPr>
+        <p:spPr/>
+        <p:txBody>
+          <a:bodyPr/>
+          <a:lstStyle/>
+          <a:p>
+            <a:r>
+              <a:rPr lang="en-US" dirty="0" smtClean="0"/>
+              <a:t>Usage</a:t>
+            </a:r>
+            <a:endParaRPr lang="en-US" dirty="0"/>
+          </a:p>
+        </p:txBody>
+      </p:sp>
+      <p:sp>
+        <p:nvSpPr>
+          <p:cNvPr id="3" name="Subtitle 2"/>
+          <p:cNvSpPr>
+            <a:spLocks noGrp="1"/>
+          </p:cNvSpPr>
+          <p:nvPr>
+            <p:ph type="subTitle" idx="1"/>
+          </p:nvPr>
+        </p:nvSpPr>
+        <p:spPr>
+          <a:xfrm>
+            <a:off x="611560" y="1977380"/>
+            <a:ext cx="5832648" cy="2754610"/>
+          </a:xfrm>
+        </p:spPr>
+        <p:txBody>
+          <a:bodyPr>
+            <a:normAutofit/>
+          </a:bodyPr>
+          <a:lstStyle/>
+          <a:p>
+            <a:pPr marL="457200" indent="-457200">
+              <a:buFont typeface="Arial" panose="020B0604020202020204" pitchFamily="34" charset="0"/>
+              <a:buChar char="•"/>
+            </a:pPr>
+            <a:r>
+              <a:rPr lang="en-US" dirty="0"/>
+              <a:t>Add </a:t>
+            </a:r>
+            <a:r>
+              <a:rPr lang="en-US" dirty="0" err="1"/>
+              <a:t>PostCSS</a:t>
+            </a:r>
+            <a:r>
+              <a:rPr lang="en-US" dirty="0"/>
+              <a:t> to your build tool.</a:t>
+            </a:r>
+          </a:p>
+          <a:p>
+            <a:pPr marL="457200" indent="-457200">
+              <a:buFont typeface="Arial" panose="020B0604020202020204" pitchFamily="34" charset="0"/>
+              <a:buChar char="•"/>
+            </a:pPr>
+            <a:r>
+              <a:rPr lang="en-US" dirty="0"/>
+              <a:t>Select plugins </a:t>
+            </a:r>
+            <a:r>
+              <a:rPr lang="en-US" dirty="0" smtClean="0"/>
+              <a:t>and </a:t>
+            </a:r>
+            <a:r>
+              <a:rPr lang="en-US" dirty="0"/>
+              <a:t>add them to your </a:t>
+            </a:r>
+            <a:r>
+              <a:rPr lang="en-US" dirty="0" err="1"/>
+              <a:t>PostCSS</a:t>
+            </a:r>
+            <a:r>
+              <a:rPr lang="en-US" dirty="0"/>
+              <a:t> process.</a:t>
+            </a:r>
+          </a:p>
+          <a:p>
+            <a:pPr marL="457200" indent="-457200">
+              <a:buFont typeface="Arial" panose="020B0604020202020204" pitchFamily="34" charset="0"/>
+              <a:buChar char="•"/>
+            </a:pPr>
+            <a:r>
+              <a:rPr lang="en-US" dirty="0" smtClean="0"/>
+              <a:t>There are plugins for Grunt, Gulp, </a:t>
+            </a:r>
+            <a:r>
+              <a:rPr lang="en-US" dirty="0" err="1" smtClean="0"/>
+              <a:t>webpack</a:t>
+            </a:r>
+            <a:r>
+              <a:rPr lang="en-US" dirty="0" smtClean="0"/>
+              <a:t>, Broccoli, Brunch and ENB.</a:t>
+            </a:r>
+            <a:endParaRPr lang="en-US" dirty="0"/>
+          </a:p>
+        </p:txBody>
+      </p:sp>
+    </p:spTree>
+    <p:extLst>
+      <p:ext uri="{BB962C8B-B14F-4D97-AF65-F5344CB8AC3E}">
+        <p14:creationId xmlns:p14="http://schemas.microsoft.com/office/powerpoint/2010/main" val="216392634"/>
+      </p:ext>
+    </p:extLst>
+  </p:cSld>
+  <p:clrMapOvr>
+    <a:masterClrMapping/>
+  </p:clrMapOvr>
+  <mc:AlternateContent xmlns:mc="http://schemas.openxmlformats.org/markup-compatibility/2006">
+    <mc:Choice xmlns:p14="http://schemas.microsoft.com/office/powerpoint/2010/main" Requires="p14">
+      <p:transition spd="med" p14:dur="700">
+        <p:fade/>
+      </p:transition>
+    </mc:Choice>
+    <mc:Fallback>
+      <p:transition xmlns:p14="http://schemas.microsoft.com/office/powerpoint/2010/main" spd="med">
+        <p:fade/>
+      </p:transition>
+    </mc:Fallback>
+  </mc:AlternateContent>
+  <p:timing>
+    <p:tnLst>
+      <p:par>
+        <p:cTn xmlns:p14="http://schemas.microsoft.com/office/powerpoint/2010/main" id="1" dur="indefinite" restart="never" nodeType="tmRoot"/>
+      </p:par>
+    </p:tnLst>
+  </p:timing>
+</p:sld>
+</file>
+
+<file path=ppt/slides/slide5.xml><?xml version="1.0" encoding="utf-8"?>
+<p:sld xmlns:a="http://schemas.openxmlformats.org/drawingml/2006/main" xmlns:r="http://schemas.openxmlformats.org/officeDocument/2006/relationships" xmlns:p="http://schemas.openxmlformats.org/presentationml/2006/main">
+  <p:cSld>
+    <p:spTree>
+      <p:nvGrpSpPr>
+        <p:cNvPr id="1" name=""/>
+        <p:cNvGrpSpPr/>
+        <p:nvPr/>
+      </p:nvGrpSpPr>
+      <p:grpSpPr>
+        <a:xfrm>
+          <a:off x="0" y="0"/>
+          <a:ext cx="0" cy="0"/>
+          <a:chOff x="0" y="0"/>
+          <a:chExt cx="0" cy="0"/>
+        </a:xfrm>
+      </p:grpSpPr>
+      <p:sp>
+        <p:nvSpPr>
+          <p:cNvPr id="2" name="Title 1"/>
+          <p:cNvSpPr>
+            <a:spLocks noGrp="1"/>
+          </p:cNvSpPr>
+          <p:nvPr>
+            <p:ph type="ctrTitle"/>
+          </p:nvPr>
+        </p:nvSpPr>
+        <p:spPr/>
+        <p:txBody>
+          <a:bodyPr/>
+          <a:lstStyle/>
+          <a:p>
+            <a:r>
+              <a:rPr lang="hr-HR" dirty="0" err="1" smtClean="0"/>
+              <a:t>Plugins</a:t>
+            </a:r>
+            <a:endParaRPr lang="en-US" dirty="0"/>
+          </a:p>
+        </p:txBody>
+      </p:sp>
+      <p:sp>
+        <p:nvSpPr>
+          <p:cNvPr id="3" name="Subtitle 2"/>
+          <p:cNvSpPr>
+            <a:spLocks noGrp="1"/>
+          </p:cNvSpPr>
+          <p:nvPr>
+            <p:ph type="subTitle" idx="1"/>
+          </p:nvPr>
+        </p:nvSpPr>
+        <p:spPr>
+          <a:xfrm>
+            <a:off x="611560" y="1563638"/>
+            <a:ext cx="6192688" cy="3384376"/>
+          </a:xfrm>
+        </p:spPr>
+        <p:txBody>
+          <a:bodyPr>
+            <a:normAutofit fontScale="92500" lnSpcReduction="20000"/>
+          </a:bodyPr>
+          <a:lstStyle/>
+          <a:p>
+            <a:pPr marL="457200" indent="-457200">
+              <a:lnSpc>
+                <a:spcPct val="110000"/>
+              </a:lnSpc>
+              <a:buFont typeface="Arial"/>
+              <a:buChar char="•"/>
+            </a:pPr>
+            <a:r>
+              <a:rPr lang="ta-IN" dirty="0" smtClean="0"/>
+              <a:t>Mixins</a:t>
+            </a:r>
+            <a:r>
+              <a:rPr lang="ta-IN" dirty="0"/>
+              <a:t> – </a:t>
+            </a:r>
+            <a:r>
+              <a:rPr lang="en-US" dirty="0" err="1" smtClean="0"/>
+              <a:t>postcss</a:t>
+            </a:r>
+            <a:r>
+              <a:rPr lang="en-US" dirty="0" err="1"/>
+              <a:t>-mixins</a:t>
+            </a:r>
+            <a:endParaRPr lang="en-US" dirty="0"/>
+          </a:p>
+          <a:p>
+            <a:pPr marL="457200" indent="-457200">
+              <a:lnSpc>
+                <a:spcPct val="110000"/>
+              </a:lnSpc>
+              <a:buFont typeface="Arial"/>
+              <a:buChar char="•"/>
+            </a:pPr>
+            <a:r>
+              <a:rPr lang="ta-IN" dirty="0"/>
+              <a:t>Variables – </a:t>
+            </a:r>
+            <a:r>
+              <a:rPr lang="en-US" dirty="0" err="1"/>
+              <a:t>postcss</a:t>
+            </a:r>
+            <a:r>
+              <a:rPr lang="en-US" dirty="0"/>
+              <a:t>-simple-</a:t>
+            </a:r>
+            <a:r>
+              <a:rPr lang="en-US" dirty="0" err="1"/>
+              <a:t>vars</a:t>
+            </a:r>
+            <a:endParaRPr lang="en-US" dirty="0"/>
+          </a:p>
+          <a:p>
+            <a:pPr marL="457200" indent="-457200">
+              <a:lnSpc>
+                <a:spcPct val="110000"/>
+              </a:lnSpc>
+              <a:buFont typeface="Arial"/>
+              <a:buChar char="•"/>
+            </a:pPr>
+            <a:r>
+              <a:rPr lang="ta-IN" dirty="0" smtClean="0"/>
+              <a:t>Nesting</a:t>
+            </a:r>
+            <a:r>
+              <a:rPr lang="ta-IN" dirty="0"/>
+              <a:t> – </a:t>
+            </a:r>
+            <a:r>
+              <a:rPr lang="en-US" dirty="0" err="1" smtClean="0"/>
+              <a:t>postcss</a:t>
+            </a:r>
+            <a:r>
+              <a:rPr lang="en-US" dirty="0"/>
+              <a:t>-nested</a:t>
+            </a:r>
+          </a:p>
+          <a:p>
+            <a:pPr marL="457200" indent="-457200">
+              <a:lnSpc>
+                <a:spcPct val="110000"/>
+              </a:lnSpc>
+              <a:buFont typeface="Arial"/>
+              <a:buChar char="•"/>
+            </a:pPr>
+            <a:r>
+              <a:rPr lang="ta-IN" dirty="0"/>
+              <a:t>C</a:t>
+            </a:r>
+            <a:r>
+              <a:rPr lang="en-US" dirty="0" err="1"/>
+              <a:t>ustom</a:t>
+            </a:r>
+            <a:r>
+              <a:rPr lang="ta-IN" dirty="0"/>
+              <a:t> </a:t>
+            </a:r>
+            <a:r>
+              <a:rPr lang="en-US" dirty="0"/>
+              <a:t>Media</a:t>
+            </a:r>
+            <a:r>
+              <a:rPr lang="ta-IN" dirty="0"/>
+              <a:t> </a:t>
+            </a:r>
+            <a:r>
+              <a:rPr lang="ta-IN" dirty="0" smtClean="0"/>
+              <a:t>Queries</a:t>
+            </a:r>
+            <a:r>
+              <a:rPr lang="ta-IN" dirty="0"/>
+              <a:t> – </a:t>
+            </a:r>
+            <a:r>
+              <a:rPr lang="en-US" dirty="0" err="1" smtClean="0"/>
+              <a:t>postcss</a:t>
+            </a:r>
+            <a:r>
+              <a:rPr lang="en-US" dirty="0"/>
+              <a:t>-custom-media</a:t>
+            </a:r>
+          </a:p>
+          <a:p>
+            <a:pPr marL="457200" indent="-457200">
+              <a:lnSpc>
+                <a:spcPct val="110000"/>
+              </a:lnSpc>
+              <a:buFont typeface="Arial"/>
+              <a:buChar char="•"/>
+            </a:pPr>
+            <a:r>
+              <a:rPr lang="ta-IN" dirty="0"/>
+              <a:t>Minification – </a:t>
+            </a:r>
+            <a:r>
+              <a:rPr lang="en-US" dirty="0" err="1"/>
+              <a:t>cssnano</a:t>
+            </a:r>
+            <a:endParaRPr lang="en-US" dirty="0"/>
+          </a:p>
+          <a:p>
+            <a:pPr marL="457200" indent="-457200">
+              <a:lnSpc>
+                <a:spcPct val="110000"/>
+              </a:lnSpc>
+              <a:buFont typeface="Arial"/>
+              <a:buChar char="•"/>
+            </a:pPr>
+            <a:r>
+              <a:rPr lang="ta-IN" dirty="0"/>
+              <a:t>Pixels to </a:t>
+            </a:r>
+            <a:r>
+              <a:rPr lang="ta-IN" dirty="0" smtClean="0"/>
+              <a:t>REM</a:t>
+            </a:r>
+            <a:r>
+              <a:rPr lang="ta-IN" dirty="0"/>
+              <a:t> – </a:t>
+            </a:r>
+            <a:r>
+              <a:rPr lang="en-US" dirty="0" err="1" smtClean="0"/>
+              <a:t>postcss</a:t>
+            </a:r>
+            <a:r>
+              <a:rPr lang="en-US" dirty="0" err="1"/>
+              <a:t>-pxtorem</a:t>
+            </a:r>
+            <a:endParaRPr lang="en-US" dirty="0"/>
+          </a:p>
+          <a:p>
+            <a:pPr marL="457200" indent="-457200">
+              <a:lnSpc>
+                <a:spcPct val="110000"/>
+              </a:lnSpc>
+              <a:buFont typeface="Arial"/>
+              <a:buChar char="•"/>
+            </a:pPr>
+            <a:r>
+              <a:rPr lang="ta-IN" dirty="0" smtClean="0"/>
+              <a:t>A</a:t>
+            </a:r>
+            <a:r>
+              <a:rPr lang="en-US" dirty="0" err="1" smtClean="0"/>
+              <a:t>utoprefixer</a:t>
+            </a:r>
+            <a:r>
+              <a:rPr lang="ta-IN" dirty="0"/>
+              <a:t> – </a:t>
+            </a:r>
+            <a:r>
+              <a:rPr lang="en-US" dirty="0" err="1" smtClean="0"/>
+              <a:t>autoprefixer</a:t>
+            </a:r>
+            <a:r>
+              <a:rPr lang="en-US" dirty="0"/>
+              <a:t>-core</a:t>
+            </a:r>
+          </a:p>
+        </p:txBody>
+      </p:sp>
+    </p:spTree>
+    <p:extLst>
+      <p:ext uri="{BB962C8B-B14F-4D97-AF65-F5344CB8AC3E}">
+        <p14:creationId xmlns:p14="http://schemas.microsoft.com/office/powerpoint/2010/main" val="3267037310"/>
+      </p:ext>
+    </p:extLst>
+  </p:cSld>
+  <p:clrMapOvr>
+    <a:masterClrMapping/>
+  </p:clrMapOvr>
+  <mc:AlternateContent xmlns:mc="http://schemas.openxmlformats.org/markup-compatibility/2006">
+    <mc:Choice xmlns:p14="http://schemas.microsoft.com/office/powerpoint/2010/main" Requires="p14">
+      <p:transition spd="med" p14:dur="700">
+        <p:fade/>
+      </p:transition>
+    </mc:Choice>
+    <mc:Fallback>
+      <p:transition xmlns:p14="http://schemas.microsoft.com/office/powerpoint/2010/main" spd="med">
+        <p:fade/>
+      </p:transition>
+    </mc:Fallback>
+  </mc:AlternateContent>
+  <p:timing>
+    <p:tnLst>
+      <p:par>
+        <p:cTn xmlns:p14="http://schemas.microsoft.com/office/powerpoint/2010/main" id="1" dur="indefinite" restart="never" nodeType="tmRoot"/>
+      </p:par>
+    </p:tnLst>
+  </p:timing>
+</p:sld>
+</file>
+
+<file path=ppt/slides/slide6.xml><?xml version="1.0" encoding="utf-8"?>
 <p:sld xmlns:a="http://schemas.openxmlformats.org/drawingml/2006/main" xmlns:r="http://schemas.openxmlformats.org/officeDocument/2006/relationships" xmlns:p="http://schemas.openxmlformats.org/presentationml/2006/main">
   <p:cSld>
     <p:spTree>
@@ -4794,563 +5558,18 @@
   <p:clrMapOvr>
     <a:masterClrMapping/>
   </p:clrMapOvr>
-  <p:timing>
-    <p:tnLst>
-      <p:par>
-        <p:cTn xmlns:p14="http://schemas.microsoft.com/office/powerpoint/2010/main" id="1" dur="indefinite" restart="never" nodeType="tmRoot"/>
-      </p:par>
-    </p:tnLst>
-  </p:timing>
-</p:sld>
-</file>
-
-<file path=ppt/slides/slide4.xml><?xml version="1.0" encoding="utf-8"?>
-<p:sld xmlns:a="http://schemas.openxmlformats.org/drawingml/2006/main" xmlns:r="http://schemas.openxmlformats.org/officeDocument/2006/relationships" xmlns:p="http://schemas.openxmlformats.org/presentationml/2006/main">
-  <p:cSld>
-    <p:spTree>
-      <p:nvGrpSpPr>
-        <p:cNvPr id="1" name=""/>
-        <p:cNvGrpSpPr/>
-        <p:nvPr/>
-      </p:nvGrpSpPr>
-      <p:grpSpPr>
-        <a:xfrm>
-          <a:off x="0" y="0"/>
-          <a:ext cx="0" cy="0"/>
-          <a:chOff x="0" y="0"/>
-          <a:chExt cx="0" cy="0"/>
-        </a:xfrm>
-      </p:grpSpPr>
-      <p:sp>
-        <p:nvSpPr>
-          <p:cNvPr id="2" name="Title 1"/>
-          <p:cNvSpPr>
-            <a:spLocks noGrp="1"/>
-          </p:cNvSpPr>
-          <p:nvPr>
-            <p:ph type="ctrTitle"/>
-          </p:nvPr>
-        </p:nvSpPr>
-        <p:spPr/>
-        <p:txBody>
-          <a:bodyPr/>
-          <a:lstStyle/>
-          <a:p>
-            <a:r>
-              <a:rPr lang="en-US" dirty="0" smtClean="0"/>
-              <a:t>How do we use it?</a:t>
-            </a:r>
-            <a:endParaRPr lang="en-US" dirty="0"/>
-          </a:p>
-        </p:txBody>
-      </p:sp>
-      <p:sp>
-        <p:nvSpPr>
-          <p:cNvPr id="3" name="Subtitle 2"/>
-          <p:cNvSpPr>
-            <a:spLocks noGrp="1"/>
-          </p:cNvSpPr>
-          <p:nvPr>
-            <p:ph type="subTitle" idx="1"/>
-          </p:nvPr>
-        </p:nvSpPr>
-        <p:spPr>
-          <a:xfrm>
-            <a:off x="611560" y="1977380"/>
-            <a:ext cx="5832648" cy="2250554"/>
-          </a:xfrm>
-        </p:spPr>
-        <p:txBody>
-          <a:bodyPr>
-            <a:normAutofit/>
-          </a:bodyPr>
-          <a:lstStyle/>
-          <a:p>
-            <a:pPr marL="457200" indent="-457200">
-              <a:buFont typeface="Arial" panose="020B0604020202020204" pitchFamily="34" charset="0"/>
-              <a:buChar char="•"/>
-            </a:pPr>
-            <a:r>
-              <a:rPr lang="en-US" dirty="0" smtClean="0"/>
-              <a:t>Node.js</a:t>
-            </a:r>
-          </a:p>
-          <a:p>
-            <a:pPr marL="457200" indent="-457200">
-              <a:buFont typeface="Arial" panose="020B0604020202020204" pitchFamily="34" charset="0"/>
-              <a:buChar char="•"/>
-            </a:pPr>
-            <a:r>
-              <a:rPr lang="en-US" dirty="0" err="1" smtClean="0"/>
-              <a:t>npm</a:t>
-            </a:r>
-            <a:r>
-              <a:rPr lang="en-US" dirty="0" smtClean="0"/>
-              <a:t> (node package manager)</a:t>
-            </a:r>
-          </a:p>
-          <a:p>
-            <a:pPr marL="457200" indent="-457200">
-              <a:buFont typeface="Arial" panose="020B0604020202020204" pitchFamily="34" charset="0"/>
-              <a:buChar char="•"/>
-            </a:pPr>
-            <a:r>
-              <a:rPr lang="en-US" dirty="0" smtClean="0"/>
-              <a:t>Gulp.js</a:t>
-            </a:r>
-          </a:p>
-          <a:p>
-            <a:pPr marL="457200" indent="-457200">
-              <a:buFont typeface="Arial" panose="020B0604020202020204" pitchFamily="34" charset="0"/>
-              <a:buChar char="•"/>
-            </a:pPr>
-            <a:r>
-              <a:rPr lang="en-US" dirty="0" smtClean="0"/>
-              <a:t>CSS</a:t>
-            </a:r>
-            <a:endParaRPr lang="en-US" dirty="0"/>
-          </a:p>
-        </p:txBody>
-      </p:sp>
-    </p:spTree>
-    <p:extLst>
-      <p:ext uri="{BB962C8B-B14F-4D97-AF65-F5344CB8AC3E}">
-        <p14:creationId xmlns:p14="http://schemas.microsoft.com/office/powerpoint/2010/main" val="3060360801"/>
-      </p:ext>
-    </p:extLst>
-  </p:cSld>
-  <p:clrMapOvr>
-    <a:masterClrMapping/>
-  </p:clrMapOvr>
-  <p:timing>
-    <p:tnLst>
-      <p:par>
-        <p:cTn xmlns:p14="http://schemas.microsoft.com/office/powerpoint/2010/main" id="1" dur="indefinite" restart="never" nodeType="tmRoot"/>
-      </p:par>
-    </p:tnLst>
-  </p:timing>
-</p:sld>
-</file>
-
-<file path=ppt/slides/slide5.xml><?xml version="1.0" encoding="utf-8"?>
-<p:sld xmlns:a="http://schemas.openxmlformats.org/drawingml/2006/main" xmlns:r="http://schemas.openxmlformats.org/officeDocument/2006/relationships" xmlns:p="http://schemas.openxmlformats.org/presentationml/2006/main">
-  <p:cSld>
-    <p:spTree>
-      <p:nvGrpSpPr>
-        <p:cNvPr id="1" name=""/>
-        <p:cNvGrpSpPr/>
-        <p:nvPr/>
-      </p:nvGrpSpPr>
-      <p:grpSpPr>
-        <a:xfrm>
-          <a:off x="0" y="0"/>
-          <a:ext cx="0" cy="0"/>
-          <a:chOff x="0" y="0"/>
-          <a:chExt cx="0" cy="0"/>
-        </a:xfrm>
-      </p:grpSpPr>
-      <p:sp>
-        <p:nvSpPr>
-          <p:cNvPr id="2" name="Title 1"/>
-          <p:cNvSpPr>
-            <a:spLocks noGrp="1"/>
-          </p:cNvSpPr>
-          <p:nvPr>
-            <p:ph type="ctrTitle"/>
-          </p:nvPr>
-        </p:nvSpPr>
-        <p:spPr/>
-        <p:txBody>
-          <a:bodyPr/>
-          <a:lstStyle/>
-          <a:p>
-            <a:r>
-              <a:rPr lang="en-US" dirty="0" smtClean="0"/>
-              <a:t>Usage</a:t>
-            </a:r>
-            <a:endParaRPr lang="en-US" dirty="0"/>
-          </a:p>
-        </p:txBody>
-      </p:sp>
-      <p:sp>
-        <p:nvSpPr>
-          <p:cNvPr id="3" name="Subtitle 2"/>
-          <p:cNvSpPr>
-            <a:spLocks noGrp="1"/>
-          </p:cNvSpPr>
-          <p:nvPr>
-            <p:ph type="subTitle" idx="1"/>
-          </p:nvPr>
-        </p:nvSpPr>
-        <p:spPr>
-          <a:xfrm>
-            <a:off x="611560" y="1977380"/>
-            <a:ext cx="5832648" cy="2754610"/>
-          </a:xfrm>
-        </p:spPr>
-        <p:txBody>
-          <a:bodyPr>
-            <a:normAutofit/>
-          </a:bodyPr>
-          <a:lstStyle/>
-          <a:p>
-            <a:pPr marL="457200" indent="-457200">
-              <a:buFont typeface="Arial" panose="020B0604020202020204" pitchFamily="34" charset="0"/>
-              <a:buChar char="•"/>
-            </a:pPr>
-            <a:r>
-              <a:rPr lang="en-US" dirty="0"/>
-              <a:t>Add </a:t>
-            </a:r>
-            <a:r>
-              <a:rPr lang="en-US" dirty="0" err="1"/>
-              <a:t>PostCSS</a:t>
-            </a:r>
-            <a:r>
-              <a:rPr lang="en-US" dirty="0"/>
-              <a:t> to your build tool.</a:t>
-            </a:r>
-          </a:p>
-          <a:p>
-            <a:pPr marL="457200" indent="-457200">
-              <a:buFont typeface="Arial" panose="020B0604020202020204" pitchFamily="34" charset="0"/>
-              <a:buChar char="•"/>
-            </a:pPr>
-            <a:r>
-              <a:rPr lang="en-US" dirty="0"/>
-              <a:t>Select plugins </a:t>
-            </a:r>
-            <a:r>
-              <a:rPr lang="en-US" dirty="0" smtClean="0"/>
-              <a:t>and </a:t>
-            </a:r>
-            <a:r>
-              <a:rPr lang="en-US" dirty="0"/>
-              <a:t>add them to your </a:t>
-            </a:r>
-            <a:r>
-              <a:rPr lang="en-US" dirty="0" err="1"/>
-              <a:t>PostCSS</a:t>
-            </a:r>
-            <a:r>
-              <a:rPr lang="en-US" dirty="0"/>
-              <a:t> process.</a:t>
-            </a:r>
-          </a:p>
-          <a:p>
-            <a:pPr marL="457200" indent="-457200">
-              <a:buFont typeface="Arial" panose="020B0604020202020204" pitchFamily="34" charset="0"/>
-              <a:buChar char="•"/>
-            </a:pPr>
-            <a:r>
-              <a:rPr lang="en-US" dirty="0" smtClean="0"/>
-              <a:t>There are plugins for Grunt, Gulp, </a:t>
-            </a:r>
-            <a:r>
-              <a:rPr lang="en-US" dirty="0" err="1" smtClean="0"/>
-              <a:t>webpack</a:t>
-            </a:r>
-            <a:r>
-              <a:rPr lang="en-US" dirty="0" smtClean="0"/>
-              <a:t>, Broccoli, Brunch and ENB.</a:t>
-            </a:r>
-            <a:endParaRPr lang="en-US" dirty="0"/>
-          </a:p>
-        </p:txBody>
-      </p:sp>
-    </p:spTree>
-    <p:extLst>
-      <p:ext uri="{BB962C8B-B14F-4D97-AF65-F5344CB8AC3E}">
-        <p14:creationId xmlns:p14="http://schemas.microsoft.com/office/powerpoint/2010/main" val="216392634"/>
-      </p:ext>
-    </p:extLst>
-  </p:cSld>
-  <p:clrMapOvr>
-    <a:masterClrMapping/>
-  </p:clrMapOvr>
-  <p:timing>
-    <p:tnLst>
-      <p:par>
-        <p:cTn xmlns:p14="http://schemas.microsoft.com/office/powerpoint/2010/main" id="1" dur="indefinite" restart="never" nodeType="tmRoot"/>
-      </p:par>
-    </p:tnLst>
-  </p:timing>
-</p:sld>
-</file>
-
-<file path=ppt/slides/slide6.xml><?xml version="1.0" encoding="utf-8"?>
-<p:sld xmlns:a="http://schemas.openxmlformats.org/drawingml/2006/main" xmlns:r="http://schemas.openxmlformats.org/officeDocument/2006/relationships" xmlns:p="http://schemas.openxmlformats.org/presentationml/2006/main">
-  <p:cSld>
-    <p:spTree>
-      <p:nvGrpSpPr>
-        <p:cNvPr id="1" name=""/>
-        <p:cNvGrpSpPr/>
-        <p:nvPr/>
-      </p:nvGrpSpPr>
-      <p:grpSpPr>
-        <a:xfrm>
-          <a:off x="0" y="0"/>
-          <a:ext cx="0" cy="0"/>
-          <a:chOff x="0" y="0"/>
-          <a:chExt cx="0" cy="0"/>
-        </a:xfrm>
-      </p:grpSpPr>
-      <p:sp>
-        <p:nvSpPr>
-          <p:cNvPr id="2" name="Title 1"/>
-          <p:cNvSpPr>
-            <a:spLocks noGrp="1"/>
-          </p:cNvSpPr>
-          <p:nvPr>
-            <p:ph type="ctrTitle"/>
-          </p:nvPr>
-        </p:nvSpPr>
-        <p:spPr/>
-        <p:txBody>
-          <a:bodyPr/>
-          <a:lstStyle/>
-          <a:p>
-            <a:r>
-              <a:rPr lang="hr-HR" dirty="0" err="1" smtClean="0"/>
-              <a:t>Plugins</a:t>
-            </a:r>
-            <a:endParaRPr lang="en-US" dirty="0"/>
-          </a:p>
-        </p:txBody>
-      </p:sp>
-      <p:sp>
-        <p:nvSpPr>
-          <p:cNvPr id="3" name="Subtitle 2"/>
-          <p:cNvSpPr>
-            <a:spLocks noGrp="1"/>
-          </p:cNvSpPr>
-          <p:nvPr>
-            <p:ph type="subTitle" idx="1"/>
-          </p:nvPr>
-        </p:nvSpPr>
-        <p:spPr>
-          <a:xfrm>
-            <a:off x="611560" y="1563638"/>
-            <a:ext cx="6192688" cy="3384376"/>
-          </a:xfrm>
-        </p:spPr>
-        <p:txBody>
-          <a:bodyPr>
-            <a:normAutofit fontScale="92500" lnSpcReduction="20000"/>
-          </a:bodyPr>
-          <a:lstStyle/>
-          <a:p>
-            <a:pPr marL="457200" indent="-457200">
-              <a:lnSpc>
-                <a:spcPct val="110000"/>
-              </a:lnSpc>
-              <a:buFont typeface="Arial"/>
-              <a:buChar char="•"/>
-            </a:pPr>
-            <a:r>
-              <a:rPr lang="ta-IN" dirty="0" smtClean="0"/>
-              <a:t>Mixins</a:t>
-            </a:r>
-            <a:r>
-              <a:rPr lang="ta-IN" dirty="0"/>
-              <a:t> – </a:t>
-            </a:r>
-            <a:r>
-              <a:rPr lang="en-US" dirty="0" err="1" smtClean="0"/>
-              <a:t>postcss</a:t>
-            </a:r>
-            <a:r>
-              <a:rPr lang="en-US" dirty="0" err="1"/>
-              <a:t>-mixins</a:t>
-            </a:r>
-            <a:endParaRPr lang="en-US" dirty="0"/>
-          </a:p>
-          <a:p>
-            <a:pPr marL="457200" indent="-457200">
-              <a:lnSpc>
-                <a:spcPct val="110000"/>
-              </a:lnSpc>
-              <a:buFont typeface="Arial"/>
-              <a:buChar char="•"/>
-            </a:pPr>
-            <a:r>
-              <a:rPr lang="ta-IN" dirty="0"/>
-              <a:t>Variables – </a:t>
-            </a:r>
-            <a:r>
-              <a:rPr lang="en-US" dirty="0" err="1"/>
-              <a:t>postcss</a:t>
-            </a:r>
-            <a:r>
-              <a:rPr lang="en-US" dirty="0"/>
-              <a:t>-simple-</a:t>
-            </a:r>
-            <a:r>
-              <a:rPr lang="en-US" dirty="0" err="1"/>
-              <a:t>vars</a:t>
-            </a:r>
-            <a:endParaRPr lang="en-US" dirty="0"/>
-          </a:p>
-          <a:p>
-            <a:pPr marL="457200" indent="-457200">
-              <a:lnSpc>
-                <a:spcPct val="110000"/>
-              </a:lnSpc>
-              <a:buFont typeface="Arial"/>
-              <a:buChar char="•"/>
-            </a:pPr>
-            <a:r>
-              <a:rPr lang="ta-IN" dirty="0" smtClean="0"/>
-              <a:t>Nesting</a:t>
-            </a:r>
-            <a:r>
-              <a:rPr lang="ta-IN" dirty="0"/>
-              <a:t> – </a:t>
-            </a:r>
-            <a:r>
-              <a:rPr lang="en-US" dirty="0" err="1" smtClean="0"/>
-              <a:t>postcss</a:t>
-            </a:r>
-            <a:r>
-              <a:rPr lang="en-US" dirty="0"/>
-              <a:t>-nested</a:t>
-            </a:r>
-          </a:p>
-          <a:p>
-            <a:pPr marL="457200" indent="-457200">
-              <a:lnSpc>
-                <a:spcPct val="110000"/>
-              </a:lnSpc>
-              <a:buFont typeface="Arial"/>
-              <a:buChar char="•"/>
-            </a:pPr>
-            <a:r>
-              <a:rPr lang="ta-IN" dirty="0"/>
-              <a:t>C</a:t>
-            </a:r>
-            <a:r>
-              <a:rPr lang="en-US" dirty="0" err="1"/>
-              <a:t>ustom</a:t>
-            </a:r>
-            <a:r>
-              <a:rPr lang="ta-IN" dirty="0"/>
-              <a:t> </a:t>
-            </a:r>
-            <a:r>
-              <a:rPr lang="en-US" dirty="0"/>
-              <a:t>Media</a:t>
-            </a:r>
-            <a:r>
-              <a:rPr lang="ta-IN" dirty="0"/>
-              <a:t> </a:t>
-            </a:r>
-            <a:r>
-              <a:rPr lang="ta-IN" dirty="0" smtClean="0"/>
-              <a:t>Queries</a:t>
-            </a:r>
-            <a:r>
-              <a:rPr lang="ta-IN" dirty="0"/>
-              <a:t> – </a:t>
-            </a:r>
-            <a:r>
-              <a:rPr lang="en-US" dirty="0" err="1" smtClean="0"/>
-              <a:t>postcss</a:t>
-            </a:r>
-            <a:r>
-              <a:rPr lang="en-US" dirty="0"/>
-              <a:t>-custom-media</a:t>
-            </a:r>
-          </a:p>
-          <a:p>
-            <a:pPr marL="457200" indent="-457200">
-              <a:lnSpc>
-                <a:spcPct val="110000"/>
-              </a:lnSpc>
-              <a:buFont typeface="Arial"/>
-              <a:buChar char="•"/>
-            </a:pPr>
-            <a:r>
-              <a:rPr lang="ta-IN" dirty="0"/>
-              <a:t>Minification – </a:t>
-            </a:r>
-            <a:r>
-              <a:rPr lang="en-US" dirty="0" err="1"/>
-              <a:t>cssnano</a:t>
-            </a:r>
-            <a:endParaRPr lang="en-US" dirty="0"/>
-          </a:p>
-          <a:p>
-            <a:pPr marL="457200" indent="-457200">
-              <a:lnSpc>
-                <a:spcPct val="110000"/>
-              </a:lnSpc>
-              <a:buFont typeface="Arial"/>
-              <a:buChar char="•"/>
-            </a:pPr>
-            <a:r>
-              <a:rPr lang="ta-IN" dirty="0"/>
-              <a:t>Pixels to </a:t>
-            </a:r>
-            <a:r>
-              <a:rPr lang="ta-IN" dirty="0" smtClean="0"/>
-              <a:t>REM</a:t>
-            </a:r>
-            <a:r>
-              <a:rPr lang="ta-IN" dirty="0"/>
-              <a:t> – </a:t>
-            </a:r>
-            <a:r>
-              <a:rPr lang="en-US" dirty="0" err="1" smtClean="0"/>
-              <a:t>postcss</a:t>
-            </a:r>
-            <a:r>
-              <a:rPr lang="en-US" dirty="0" err="1"/>
-              <a:t>-pxtorem</a:t>
-            </a:r>
-            <a:endParaRPr lang="en-US" dirty="0"/>
-          </a:p>
-          <a:p>
-            <a:pPr marL="457200" indent="-457200">
-              <a:lnSpc>
-                <a:spcPct val="110000"/>
-              </a:lnSpc>
-              <a:buFont typeface="Arial"/>
-              <a:buChar char="•"/>
-            </a:pPr>
-            <a:r>
-              <a:rPr lang="ta-IN" dirty="0" smtClean="0"/>
-              <a:t>A</a:t>
-            </a:r>
-            <a:r>
-              <a:rPr lang="en-US" dirty="0" err="1" smtClean="0"/>
-              <a:t>utoprefixer</a:t>
-            </a:r>
-            <a:r>
-              <a:rPr lang="ta-IN" dirty="0"/>
-              <a:t> – </a:t>
-            </a:r>
-            <a:r>
-              <a:rPr lang="en-US" dirty="0" err="1" smtClean="0"/>
-              <a:t>autoprefixer</a:t>
-            </a:r>
-            <a:r>
-              <a:rPr lang="en-US" dirty="0"/>
-              <a:t>-core</a:t>
-            </a:r>
-            <a:endParaRPr lang="en-US" dirty="0"/>
-          </a:p>
-        </p:txBody>
-      </p:sp>
-    </p:spTree>
-    <p:extLst>
-      <p:ext uri="{BB962C8B-B14F-4D97-AF65-F5344CB8AC3E}">
-        <p14:creationId xmlns:p14="http://schemas.microsoft.com/office/powerpoint/2010/main" val="3267037310"/>
-      </p:ext>
-    </p:extLst>
-  </p:cSld>
-  <p:clrMapOvr>
-    <a:masterClrMapping/>
-  </p:clrMapOvr>
+  <mc:AlternateContent xmlns:mc="http://schemas.openxmlformats.org/markup-compatibility/2006">
+    <mc:Choice xmlns:p14="http://schemas.microsoft.com/office/powerpoint/2010/main" Requires="p14">
+      <p:transition spd="med" p14:dur="700">
+        <p:fade/>
+      </p:transition>
+    </mc:Choice>
+    <mc:Fallback>
+      <p:transition xmlns:p14="http://schemas.microsoft.com/office/powerpoint/2010/main" spd="med">
+        <p:fade/>
+      </p:transition>
+    </mc:Fallback>
+  </mc:AlternateContent>
   <p:timing>
     <p:tnLst>
       <p:par>
@@ -5479,6 +5698,18 @@
   <p:clrMapOvr>
     <a:masterClrMapping/>
   </p:clrMapOvr>
+  <mc:AlternateContent xmlns:mc="http://schemas.openxmlformats.org/markup-compatibility/2006">
+    <mc:Choice xmlns:p14="http://schemas.microsoft.com/office/powerpoint/2010/main" Requires="p14">
+      <p:transition spd="med" p14:dur="700">
+        <p:fade/>
+      </p:transition>
+    </mc:Choice>
+    <mc:Fallback>
+      <p:transition xmlns:p14="http://schemas.microsoft.com/office/powerpoint/2010/main" spd="med">
+        <p:fade/>
+      </p:transition>
+    </mc:Fallback>
+  </mc:AlternateContent>
   <p:timing>
     <p:tnLst>
       <p:par>
@@ -5492,7 +5723,7 @@
 <file path=ppt/theme/theme1.xml><?xml version="1.0" encoding="utf-8"?>
 <a:theme xmlns:a="http://schemas.openxmlformats.org/drawingml/2006/main" name="Office Theme">
   <a:themeElements>
-    <a:clrScheme name="Office">
+    <a:clrScheme name="Custom 1">
       <a:dk1>
         <a:sysClr val="windowText" lastClr="000000"/>
       </a:dk1>
@@ -5524,7 +5755,7 @@
         <a:srgbClr val="F79646"/>
       </a:accent6>
       <a:hlink>
-        <a:srgbClr val="0000FF"/>
+        <a:srgbClr val="FFFCF1"/>
       </a:hlink>
       <a:folHlink>
         <a:srgbClr val="800080"/>
@@ -6029,7 +6260,7 @@
   <a:extraClrSchemeLst/>
   <a:extLst>
     <a:ext uri="{05A4C25C-085E-4340-85A3-A5531E510DB2}">
-      <thm15:themeFamily xmlns:thm15="http://schemas.microsoft.com/office/thememl/2012/main" xmlns="" name="Office Theme" id="{62F939B6-93AF-4DB8-9C6B-D6C7DFDC589F}" vid="{4A3C46E8-61CC-4603-A589-7422A47A8E4A}"/>
+      <thm15:themeFamily xmlns="" xmlns:thm15="http://schemas.microsoft.com/office/thememl/2012/main" name="Office Theme" id="{62F939B6-93AF-4DB8-9C6B-D6C7DFDC589F}" vid="{4A3C46E8-61CC-4603-A589-7422A47A8E4A}"/>
     </a:ext>
   </a:extLst>
 </a:theme>

--- a/PostCSS.pptx
+++ b/PostCSS.pptx
@@ -7,13 +7,16 @@
   <p:notesMasterIdLst>
     <p:notesMasterId r:id="rId9"/>
   </p:notesMasterIdLst>
+  <p:handoutMasterIdLst>
+    <p:handoutMasterId r:id="rId10"/>
+  </p:handoutMasterIdLst>
   <p:sldIdLst>
     <p:sldId id="256" r:id="rId2"/>
     <p:sldId id="257" r:id="rId3"/>
-    <p:sldId id="258" r:id="rId4"/>
-    <p:sldId id="259" r:id="rId5"/>
-    <p:sldId id="261" r:id="rId6"/>
-    <p:sldId id="260" r:id="rId7"/>
+    <p:sldId id="260" r:id="rId4"/>
+    <p:sldId id="258" r:id="rId5"/>
+    <p:sldId id="259" r:id="rId6"/>
+    <p:sldId id="261" r:id="rId7"/>
     <p:sldId id="262" r:id="rId8"/>
   </p:sldIdLst>
   <p:sldSz cx="9144000" cy="5143500" type="screen16x9"/>
@@ -115,7 +118,7 @@
   </p:defaultTextStyle>
   <p:extLst>
     <p:ext uri="{EFAFB233-063F-42B5-8137-9DF3F51BA10A}">
-      <p15:sldGuideLst xmlns="" xmlns:p15="http://schemas.microsoft.com/office/powerpoint/2012/main">
+      <p15:sldGuideLst xmlns:p15="http://schemas.microsoft.com/office/powerpoint/2012/main" xmlns="">
         <p15:guide id="1" orient="horz" pos="1620">
           <p15:clr>
             <a:srgbClr val="A4A3A4"/>
@@ -153,8 +156,8 @@
           <c:layoutTarget val="inner"/>
           <c:xMode val="edge"/>
           <c:yMode val="edge"/>
-          <c:x val="0.149333497375328"/>
-          <c:y val="0.0861338404259992"/>
+          <c:x val="0.141984802614524"/>
+          <c:y val="0.0902354518748563"/>
           <c:w val="0.846499835958005"/>
           <c:h val="0.909764548125144"/>
         </c:manualLayout>
@@ -193,7 +196,7 @@
             <c:bubble3D val="0"/>
             <c:spPr>
               <a:solidFill>
-                <a:schemeClr val="accent3"/>
+                <a:schemeClr val="bg2"/>
               </a:solidFill>
               <a:ln>
                 <a:noFill/>
@@ -203,22 +206,19 @@
           </c:dPt>
           <c:cat>
             <c:strRef>
-              <c:f>Sheet1!$A$2:$A$6</c:f>
+              <c:f>Sheet1!$A$2:$A$5</c:f>
               <c:strCache>
-                <c:ptCount val="5"/>
+                <c:ptCount val="4"/>
                 <c:pt idx="0">
-                  <c:v>PostCSS</c:v>
+                  <c:v>libsass</c:v>
                 </c:pt>
                 <c:pt idx="1">
-                  <c:v>libsass</c:v>
+                  <c:v>Less</c:v>
                 </c:pt>
                 <c:pt idx="2">
-                  <c:v>Less</c:v>
+                  <c:v>Stylus</c:v>
                 </c:pt>
                 <c:pt idx="3">
-                  <c:v>Stylus</c:v>
-                </c:pt>
-                <c:pt idx="4">
                   <c:v>Sass</c:v>
                 </c:pt>
               </c:strCache>
@@ -226,23 +226,20 @@
           </c:cat>
           <c:val>
             <c:numRef>
-              <c:f>Sheet1!$B$2:$B$6</c:f>
+              <c:f>Sheet1!$B$2:$B$5</c:f>
               <c:numCache>
                 <c:formatCode>General</c:formatCode>
-                <c:ptCount val="5"/>
+                <c:ptCount val="4"/>
                 <c:pt idx="0">
-                  <c:v>36.0</c:v>
+                  <c:v>136.0</c:v>
                 </c:pt>
                 <c:pt idx="1">
-                  <c:v>136.0</c:v>
+                  <c:v>160.0</c:v>
                 </c:pt>
                 <c:pt idx="2">
-                  <c:v>160.0</c:v>
+                  <c:v>167.0</c:v>
                 </c:pt>
                 <c:pt idx="3">
-                  <c:v>167.0</c:v>
-                </c:pt>
-                <c:pt idx="4">
                   <c:v>1084.0</c:v>
                 </c:pt>
               </c:numCache>
@@ -258,11 +255,11 @@
           <c:showBubbleSize val="0"/>
         </c:dLbls>
         <c:gapWidth val="182"/>
-        <c:axId val="2053648936"/>
-        <c:axId val="2053652600"/>
+        <c:axId val="2123625912"/>
+        <c:axId val="2123629576"/>
       </c:barChart>
       <c:catAx>
-        <c:axId val="2053648936"/>
+        <c:axId val="2123625912"/>
         <c:scaling>
           <c:orientation val="maxMin"/>
         </c:scaling>
@@ -297,7 +294,7 @@
             <a:endParaRPr lang="en-US"/>
           </a:p>
         </c:txPr>
-        <c:crossAx val="2053652600"/>
+        <c:crossAx val="2123629576"/>
         <c:crosses val="autoZero"/>
         <c:auto val="1"/>
         <c:lblAlgn val="ctr"/>
@@ -305,7 +302,7 @@
         <c:noMultiLvlLbl val="0"/>
       </c:catAx>
       <c:valAx>
-        <c:axId val="2053652600"/>
+        <c:axId val="2123629576"/>
         <c:scaling>
           <c:orientation val="minMax"/>
         </c:scaling>
@@ -315,7 +312,7 @@
         <c:majorTickMark val="none"/>
         <c:minorTickMark val="none"/>
         <c:tickLblPos val="nextTo"/>
-        <c:crossAx val="2053648936"/>
+        <c:crossAx val="2123625912"/>
         <c:crosses val="autoZero"/>
         <c:crossBetween val="between"/>
       </c:valAx>
@@ -899,6 +896,171 @@
 </cs:chartStyle>
 </file>
 
+<file path=ppt/handoutMasters/handoutMaster1.xml><?xml version="1.0" encoding="utf-8"?>
+<p:handoutMaster xmlns:a="http://schemas.openxmlformats.org/drawingml/2006/main" xmlns:r="http://schemas.openxmlformats.org/officeDocument/2006/relationships" xmlns:p="http://schemas.openxmlformats.org/presentationml/2006/main">
+  <p:cSld>
+    <p:bg>
+      <p:bgRef idx="1001">
+        <a:schemeClr val="bg1"/>
+      </p:bgRef>
+    </p:bg>
+    <p:spTree>
+      <p:nvGrpSpPr>
+        <p:cNvPr id="1" name=""/>
+        <p:cNvGrpSpPr/>
+        <p:nvPr/>
+      </p:nvGrpSpPr>
+      <p:grpSpPr>
+        <a:xfrm>
+          <a:off x="0" y="0"/>
+          <a:ext cx="0" cy="0"/>
+          <a:chOff x="0" y="0"/>
+          <a:chExt cx="0" cy="0"/>
+        </a:xfrm>
+      </p:grpSpPr>
+      <p:sp>
+        <p:nvSpPr>
+          <p:cNvPr id="2" name="Header Placeholder 1"/>
+          <p:cNvSpPr>
+            <a:spLocks noGrp="1"/>
+          </p:cNvSpPr>
+          <p:nvPr>
+            <p:ph type="hdr" sz="quarter"/>
+          </p:nvPr>
+        </p:nvSpPr>
+        <p:spPr>
+          <a:xfrm>
+            <a:off x="0" y="0"/>
+            <a:ext cx="2971800" cy="457200"/>
+          </a:xfrm>
+          <a:prstGeom prst="rect">
+            <a:avLst/>
+          </a:prstGeom>
+        </p:spPr>
+        <p:txBody>
+          <a:bodyPr vert="horz" lIns="91440" tIns="45720" rIns="91440" bIns="45720" rtlCol="0"/>
+          <a:lstStyle>
+            <a:lvl1pPr algn="l">
+              <a:defRPr sz="1200"/>
+            </a:lvl1pPr>
+          </a:lstStyle>
+          <a:p>
+            <a:endParaRPr lang="en-US"/>
+          </a:p>
+        </p:txBody>
+      </p:sp>
+      <p:sp>
+        <p:nvSpPr>
+          <p:cNvPr id="3" name="Date Placeholder 2"/>
+          <p:cNvSpPr>
+            <a:spLocks noGrp="1"/>
+          </p:cNvSpPr>
+          <p:nvPr>
+            <p:ph type="dt" sz="quarter" idx="1"/>
+          </p:nvPr>
+        </p:nvSpPr>
+        <p:spPr>
+          <a:xfrm>
+            <a:off x="3884613" y="0"/>
+            <a:ext cx="2971800" cy="457200"/>
+          </a:xfrm>
+          <a:prstGeom prst="rect">
+            <a:avLst/>
+          </a:prstGeom>
+        </p:spPr>
+        <p:txBody>
+          <a:bodyPr vert="horz" lIns="91440" tIns="45720" rIns="91440" bIns="45720" rtlCol="0"/>
+          <a:lstStyle>
+            <a:lvl1pPr algn="r">
+              <a:defRPr sz="1200"/>
+            </a:lvl1pPr>
+          </a:lstStyle>
+          <a:p>
+            <a:fld id="{78D58CAC-08B7-A14A-A803-4130755B2945}" type="datetimeFigureOut">
+              <a:rPr lang="en-US" smtClean="0"/>
+              <a:t>23/08/15</a:t>
+            </a:fld>
+            <a:endParaRPr lang="en-US"/>
+          </a:p>
+        </p:txBody>
+      </p:sp>
+      <p:sp>
+        <p:nvSpPr>
+          <p:cNvPr id="4" name="Footer Placeholder 3"/>
+          <p:cNvSpPr>
+            <a:spLocks noGrp="1"/>
+          </p:cNvSpPr>
+          <p:nvPr>
+            <p:ph type="ftr" sz="quarter" idx="2"/>
+          </p:nvPr>
+        </p:nvSpPr>
+        <p:spPr>
+          <a:xfrm>
+            <a:off x="0" y="8685213"/>
+            <a:ext cx="2971800" cy="457200"/>
+          </a:xfrm>
+          <a:prstGeom prst="rect">
+            <a:avLst/>
+          </a:prstGeom>
+        </p:spPr>
+        <p:txBody>
+          <a:bodyPr vert="horz" lIns="91440" tIns="45720" rIns="91440" bIns="45720" rtlCol="0" anchor="b"/>
+          <a:lstStyle>
+            <a:lvl1pPr algn="l">
+              <a:defRPr sz="1200"/>
+            </a:lvl1pPr>
+          </a:lstStyle>
+          <a:p>
+            <a:endParaRPr lang="en-US"/>
+          </a:p>
+        </p:txBody>
+      </p:sp>
+      <p:sp>
+        <p:nvSpPr>
+          <p:cNvPr id="5" name="Slide Number Placeholder 4"/>
+          <p:cNvSpPr>
+            <a:spLocks noGrp="1"/>
+          </p:cNvSpPr>
+          <p:nvPr>
+            <p:ph type="sldNum" sz="quarter" idx="3"/>
+          </p:nvPr>
+        </p:nvSpPr>
+        <p:spPr>
+          <a:xfrm>
+            <a:off x="3884613" y="8685213"/>
+            <a:ext cx="2971800" cy="457200"/>
+          </a:xfrm>
+          <a:prstGeom prst="rect">
+            <a:avLst/>
+          </a:prstGeom>
+        </p:spPr>
+        <p:txBody>
+          <a:bodyPr vert="horz" lIns="91440" tIns="45720" rIns="91440" bIns="45720" rtlCol="0" anchor="b"/>
+          <a:lstStyle>
+            <a:lvl1pPr algn="r">
+              <a:defRPr sz="1200"/>
+            </a:lvl1pPr>
+          </a:lstStyle>
+          <a:p>
+            <a:fld id="{0A3ABE54-A503-3A45-B164-5F6077EE20BD}" type="slidenum">
+              <a:rPr lang="en-US" smtClean="0"/>
+              <a:t>‹#›</a:t>
+            </a:fld>
+            <a:endParaRPr lang="en-US"/>
+          </a:p>
+        </p:txBody>
+      </p:sp>
+    </p:spTree>
+    <p:extLst>
+      <p:ext uri="{BB962C8B-B14F-4D97-AF65-F5344CB8AC3E}">
+        <p14:creationId xmlns:p14="http://schemas.microsoft.com/office/powerpoint/2010/main" val="241447657"/>
+      </p:ext>
+    </p:extLst>
+  </p:cSld>
+  <p:clrMap bg1="lt1" tx1="dk1" bg2="lt2" tx2="dk2" accent1="accent1" accent2="accent2" accent3="accent3" accent4="accent4" accent5="accent5" accent6="accent6" hlink="hlink" folHlink="folHlink"/>
+</p:handoutMaster>
+</file>
+
 <file path=ppt/notesMasters/notesMaster1.xml><?xml version="1.0" encoding="utf-8"?>
 <p:notesMaster xmlns:a="http://schemas.openxmlformats.org/drawingml/2006/main" xmlns:r="http://schemas.openxmlformats.org/officeDocument/2006/relationships" xmlns:p="http://schemas.openxmlformats.org/presentationml/2006/main">
   <p:cSld>
@@ -981,7 +1143,7 @@
           <a:p>
             <a:fld id="{12F3DFAC-2CAA-464E-91A0-2BBEFEA0B668}" type="datetimeFigureOut">
               <a:rPr lang="en-US" smtClean="0"/>
-              <a:t>22/08/15</a:t>
+              <a:t>23/08/15</a:t>
             </a:fld>
             <a:endParaRPr lang="en-US"/>
           </a:p>
@@ -1293,110 +1455,6 @@
           <a:bodyPr/>
           <a:lstStyle/>
           <a:p>
-            <a:r>
-              <a:rPr lang="en-US" dirty="0" smtClean="0"/>
-              <a:t>-   Bootstrap CSS</a:t>
-            </a:r>
-            <a:r>
-              <a:rPr lang="en-US" baseline="0" dirty="0" smtClean="0"/>
-              <a:t> – 100 </a:t>
-            </a:r>
-            <a:r>
-              <a:rPr lang="en-US" baseline="0" dirty="0" err="1" smtClean="0"/>
-              <a:t>mixina</a:t>
-            </a:r>
-            <a:r>
-              <a:rPr lang="en-US" baseline="0" dirty="0" smtClean="0"/>
-              <a:t>, </a:t>
-            </a:r>
-            <a:r>
-              <a:rPr lang="en-US" baseline="0" dirty="0" err="1" smtClean="0"/>
-              <a:t>variabli</a:t>
-            </a:r>
-            <a:r>
-              <a:rPr lang="en-US" baseline="0" dirty="0" smtClean="0"/>
-              <a:t> </a:t>
-            </a:r>
-            <a:r>
-              <a:rPr lang="en-US" baseline="0" dirty="0" err="1" smtClean="0"/>
-              <a:t>i</a:t>
-            </a:r>
-            <a:r>
-              <a:rPr lang="en-US" baseline="0" dirty="0" smtClean="0"/>
-              <a:t> </a:t>
-            </a:r>
-            <a:r>
-              <a:rPr lang="en-US" baseline="0" dirty="0" err="1" smtClean="0"/>
-              <a:t>nestanja</a:t>
-            </a:r>
-            <a:endParaRPr lang="en-US" dirty="0" smtClean="0"/>
-          </a:p>
-          <a:p>
-            <a:r>
-              <a:rPr lang="en-US" dirty="0" smtClean="0"/>
-              <a:t>-   </a:t>
-            </a:r>
-            <a:r>
-              <a:rPr lang="en-US" dirty="0" err="1" smtClean="0"/>
-              <a:t>PostCSS</a:t>
-            </a:r>
-            <a:r>
-              <a:rPr lang="en-US" dirty="0" smtClean="0"/>
-              <a:t> </a:t>
-            </a:r>
-            <a:r>
-              <a:rPr lang="en-US" dirty="0" err="1" smtClean="0"/>
-              <a:t>pisan</a:t>
-            </a:r>
-            <a:r>
-              <a:rPr lang="en-US" dirty="0" smtClean="0"/>
-              <a:t> u JS je 3 x </a:t>
-            </a:r>
-            <a:r>
-              <a:rPr lang="en-US" dirty="0" err="1" smtClean="0"/>
-              <a:t>brži</a:t>
-            </a:r>
-            <a:r>
-              <a:rPr lang="en-US" dirty="0" smtClean="0"/>
-              <a:t> </a:t>
-            </a:r>
-          </a:p>
-          <a:p>
-            <a:pPr marL="171450" indent="-171450">
-              <a:buFontTx/>
-              <a:buChar char="-"/>
-            </a:pPr>
-            <a:r>
-              <a:rPr lang="en-US" dirty="0" smtClean="0"/>
-              <a:t>Benefit je </a:t>
-            </a:r>
-            <a:r>
-              <a:rPr lang="en-US" dirty="0" err="1" smtClean="0"/>
-              <a:t>modularnost</a:t>
-            </a:r>
-            <a:r>
-              <a:rPr lang="en-US" dirty="0" smtClean="0"/>
-              <a:t> </a:t>
-            </a:r>
-            <a:r>
-              <a:rPr lang="en-US" dirty="0" err="1" smtClean="0"/>
-              <a:t>i</a:t>
-            </a:r>
-            <a:r>
-              <a:rPr lang="en-US" baseline="0" dirty="0" smtClean="0"/>
-              <a:t> </a:t>
-            </a:r>
-            <a:r>
-              <a:rPr lang="en-US" baseline="0" dirty="0" err="1" smtClean="0"/>
-              <a:t>optimizacija</a:t>
-            </a:r>
-            <a:endParaRPr lang="en-US" baseline="0" dirty="0" smtClean="0"/>
-          </a:p>
-          <a:p>
-            <a:pPr marL="0" indent="0">
-              <a:buFontTx/>
-              <a:buNone/>
-            </a:pPr>
             <a:endParaRPr lang="en-US" dirty="0"/>
           </a:p>
         </p:txBody>
@@ -1418,7 +1476,384 @@
           <a:p>
             <a:fld id="{9BE8D5DA-E8A3-4A98-9BB8-9BE5526C08D6}" type="slidenum">
               <a:rPr lang="en-US" smtClean="0"/>
-              <a:t>6</a:t>
+              <a:t>1</a:t>
+            </a:fld>
+            <a:endParaRPr lang="en-US"/>
+          </a:p>
+        </p:txBody>
+      </p:sp>
+    </p:spTree>
+    <p:extLst>
+      <p:ext uri="{BB962C8B-B14F-4D97-AF65-F5344CB8AC3E}">
+        <p14:creationId xmlns:p14="http://schemas.microsoft.com/office/powerpoint/2010/main" val="3914641879"/>
+      </p:ext>
+    </p:extLst>
+  </p:cSld>
+  <p:clrMapOvr>
+    <a:masterClrMapping/>
+  </p:clrMapOvr>
+</p:notes>
+</file>
+
+<file path=ppt/notesSlides/notesSlide2.xml><?xml version="1.0" encoding="utf-8"?>
+<p:notes xmlns:a="http://schemas.openxmlformats.org/drawingml/2006/main" xmlns:r="http://schemas.openxmlformats.org/officeDocument/2006/relationships" xmlns:p="http://schemas.openxmlformats.org/presentationml/2006/main">
+  <p:cSld>
+    <p:spTree>
+      <p:nvGrpSpPr>
+        <p:cNvPr id="1" name=""/>
+        <p:cNvGrpSpPr/>
+        <p:nvPr/>
+      </p:nvGrpSpPr>
+      <p:grpSpPr>
+        <a:xfrm>
+          <a:off x="0" y="0"/>
+          <a:ext cx="0" cy="0"/>
+          <a:chOff x="0" y="0"/>
+          <a:chExt cx="0" cy="0"/>
+        </a:xfrm>
+      </p:grpSpPr>
+      <p:sp>
+        <p:nvSpPr>
+          <p:cNvPr id="2" name="Slide Image Placeholder 1"/>
+          <p:cNvSpPr>
+            <a:spLocks noGrp="1" noRot="1" noChangeAspect="1"/>
+          </p:cNvSpPr>
+          <p:nvPr>
+            <p:ph type="sldImg"/>
+          </p:nvPr>
+        </p:nvSpPr>
+        <p:spPr/>
+      </p:sp>
+      <p:sp>
+        <p:nvSpPr>
+          <p:cNvPr id="3" name="Notes Placeholder 2"/>
+          <p:cNvSpPr>
+            <a:spLocks noGrp="1"/>
+          </p:cNvSpPr>
+          <p:nvPr>
+            <p:ph type="body" idx="1"/>
+          </p:nvPr>
+        </p:nvSpPr>
+        <p:spPr/>
+        <p:txBody>
+          <a:bodyPr/>
+          <a:lstStyle/>
+          <a:p>
+            <a:r>
+              <a:rPr lang="en-US" dirty="0" err="1" smtClean="0"/>
+              <a:t>Andrey</a:t>
+            </a:r>
+            <a:r>
+              <a:rPr lang="en-US" dirty="0" smtClean="0"/>
+              <a:t> </a:t>
+            </a:r>
+            <a:r>
+              <a:rPr lang="en-US" dirty="0" err="1" smtClean="0"/>
+              <a:t>Sitnik</a:t>
+            </a:r>
+            <a:r>
+              <a:rPr lang="ta-IN" dirty="0" smtClean="0"/>
+              <a:t>, Evil Martians</a:t>
+            </a:r>
+            <a:endParaRPr lang="en-US" dirty="0" smtClean="0"/>
+          </a:p>
+          <a:p>
+            <a:r>
+              <a:rPr lang="en-US" dirty="0" smtClean="0"/>
+              <a:t>- open source</a:t>
+            </a:r>
+            <a:endParaRPr lang="ta-IN" dirty="0" smtClean="0"/>
+          </a:p>
+          <a:p>
+            <a:pPr marL="171450" indent="-171450">
+              <a:buFontTx/>
+              <a:buChar char="-"/>
+            </a:pPr>
+            <a:r>
+              <a:rPr lang="en-US" dirty="0" smtClean="0"/>
+              <a:t>N</a:t>
+            </a:r>
+            <a:r>
+              <a:rPr lang="ta-IN" dirty="0" smtClean="0"/>
+              <a:t>ije post-processor</a:t>
+            </a:r>
+          </a:p>
+          <a:p>
+            <a:pPr marL="171450" indent="-171450">
+              <a:buFontTx/>
+              <a:buChar char="-"/>
+            </a:pPr>
+            <a:r>
+              <a:rPr lang="en-US" dirty="0" smtClean="0"/>
+              <a:t>-prefix-free </a:t>
+            </a:r>
+            <a:r>
+              <a:rPr lang="en-US" dirty="0" err="1" smtClean="0"/>
+              <a:t>alat</a:t>
+            </a:r>
+            <a:endParaRPr lang="ta-IN" dirty="0" smtClean="0"/>
+          </a:p>
+          <a:p>
+            <a:pPr marL="171450" indent="-171450">
+              <a:buFontTx/>
+              <a:buChar char="-"/>
+            </a:pPr>
+            <a:endParaRPr lang="en-US" dirty="0" smtClean="0"/>
+          </a:p>
+          <a:p>
+            <a:pPr marL="171450" indent="-171450">
+              <a:buFontTx/>
+              <a:buChar char="-"/>
+            </a:pPr>
+            <a:endParaRPr lang="en-US" dirty="0"/>
+          </a:p>
+        </p:txBody>
+      </p:sp>
+      <p:sp>
+        <p:nvSpPr>
+          <p:cNvPr id="4" name="Slide Number Placeholder 3"/>
+          <p:cNvSpPr>
+            <a:spLocks noGrp="1"/>
+          </p:cNvSpPr>
+          <p:nvPr>
+            <p:ph type="sldNum" sz="quarter" idx="10"/>
+          </p:nvPr>
+        </p:nvSpPr>
+        <p:spPr/>
+        <p:txBody>
+          <a:bodyPr/>
+          <a:lstStyle/>
+          <a:p>
+            <a:fld id="{9BE8D5DA-E8A3-4A98-9BB8-9BE5526C08D6}" type="slidenum">
+              <a:rPr lang="en-US" smtClean="0"/>
+              <a:t>2</a:t>
+            </a:fld>
+            <a:endParaRPr lang="en-US"/>
+          </a:p>
+        </p:txBody>
+      </p:sp>
+    </p:spTree>
+    <p:extLst>
+      <p:ext uri="{BB962C8B-B14F-4D97-AF65-F5344CB8AC3E}">
+        <p14:creationId xmlns:p14="http://schemas.microsoft.com/office/powerpoint/2010/main" val="3474310341"/>
+      </p:ext>
+    </p:extLst>
+  </p:cSld>
+  <p:clrMapOvr>
+    <a:masterClrMapping/>
+  </p:clrMapOvr>
+</p:notes>
+</file>
+
+<file path=ppt/notesSlides/notesSlide3.xml><?xml version="1.0" encoding="utf-8"?>
+<p:notes xmlns:a="http://schemas.openxmlformats.org/drawingml/2006/main" xmlns:r="http://schemas.openxmlformats.org/officeDocument/2006/relationships" xmlns:p="http://schemas.openxmlformats.org/presentationml/2006/main">
+  <p:cSld>
+    <p:spTree>
+      <p:nvGrpSpPr>
+        <p:cNvPr id="1" name=""/>
+        <p:cNvGrpSpPr/>
+        <p:nvPr/>
+      </p:nvGrpSpPr>
+      <p:grpSpPr>
+        <a:xfrm>
+          <a:off x="0" y="0"/>
+          <a:ext cx="0" cy="0"/>
+          <a:chOff x="0" y="0"/>
+          <a:chExt cx="0" cy="0"/>
+        </a:xfrm>
+      </p:grpSpPr>
+      <p:sp>
+        <p:nvSpPr>
+          <p:cNvPr id="2" name="Slide Image Placeholder 1"/>
+          <p:cNvSpPr>
+            <a:spLocks noGrp="1" noRot="1" noChangeAspect="1"/>
+          </p:cNvSpPr>
+          <p:nvPr>
+            <p:ph type="sldImg"/>
+          </p:nvPr>
+        </p:nvSpPr>
+        <p:spPr>
+          <a:xfrm>
+            <a:off x="685800" y="1143000"/>
+            <a:ext cx="5486400" cy="3086100"/>
+          </a:xfrm>
+        </p:spPr>
+      </p:sp>
+      <p:sp>
+        <p:nvSpPr>
+          <p:cNvPr id="3" name="Notes Placeholder 2"/>
+          <p:cNvSpPr>
+            <a:spLocks noGrp="1"/>
+          </p:cNvSpPr>
+          <p:nvPr>
+            <p:ph type="body" idx="1"/>
+          </p:nvPr>
+        </p:nvSpPr>
+        <p:spPr/>
+        <p:txBody>
+          <a:bodyPr/>
+          <a:lstStyle/>
+          <a:p>
+            <a:r>
+              <a:rPr lang="en-US" dirty="0" smtClean="0"/>
+              <a:t>-   Bootstrap CSS</a:t>
+            </a:r>
+            <a:r>
+              <a:rPr lang="en-US" baseline="0" dirty="0" smtClean="0"/>
+              <a:t> – 100 </a:t>
+            </a:r>
+            <a:r>
+              <a:rPr lang="en-US" baseline="0" dirty="0" err="1" smtClean="0"/>
+              <a:t>mixina</a:t>
+            </a:r>
+            <a:r>
+              <a:rPr lang="en-US" baseline="0" dirty="0" smtClean="0"/>
+              <a:t>, </a:t>
+            </a:r>
+            <a:r>
+              <a:rPr lang="en-US" baseline="0" dirty="0" err="1" smtClean="0"/>
+              <a:t>variabli</a:t>
+            </a:r>
+            <a:r>
+              <a:rPr lang="en-US" baseline="0" dirty="0" smtClean="0"/>
+              <a:t> </a:t>
+            </a:r>
+            <a:r>
+              <a:rPr lang="en-US" baseline="0" dirty="0" err="1" smtClean="0"/>
+              <a:t>i</a:t>
+            </a:r>
+            <a:r>
+              <a:rPr lang="en-US" baseline="0" dirty="0" smtClean="0"/>
+              <a:t> </a:t>
+            </a:r>
+            <a:r>
+              <a:rPr lang="en-US" baseline="0" dirty="0" err="1" smtClean="0"/>
+              <a:t>nestanja</a:t>
+            </a:r>
+            <a:endParaRPr lang="en-US" dirty="0" smtClean="0"/>
+          </a:p>
+          <a:p>
+            <a:r>
+              <a:rPr lang="en-US" dirty="0" smtClean="0"/>
+              <a:t>-   </a:t>
+            </a:r>
+            <a:r>
+              <a:rPr lang="en-US" dirty="0" err="1" smtClean="0"/>
+              <a:t>PostCSS</a:t>
+            </a:r>
+            <a:r>
+              <a:rPr lang="en-US" dirty="0" smtClean="0"/>
+              <a:t> </a:t>
+            </a:r>
+            <a:r>
+              <a:rPr lang="en-US" dirty="0" err="1" smtClean="0"/>
+              <a:t>pisan</a:t>
+            </a:r>
+            <a:r>
+              <a:rPr lang="en-US" dirty="0" smtClean="0"/>
+              <a:t> u JS je 3 x </a:t>
+            </a:r>
+            <a:r>
+              <a:rPr lang="en-US" dirty="0" err="1" smtClean="0"/>
+              <a:t>brži</a:t>
+            </a:r>
+            <a:r>
+              <a:rPr lang="en-US" dirty="0" smtClean="0"/>
+              <a:t> </a:t>
+            </a:r>
+          </a:p>
+          <a:p>
+            <a:pPr marL="171450" indent="-171450">
+              <a:buFontTx/>
+              <a:buChar char="-"/>
+            </a:pPr>
+            <a:r>
+              <a:rPr lang="en-US" dirty="0" smtClean="0"/>
+              <a:t>Benefit je </a:t>
+            </a:r>
+            <a:r>
+              <a:rPr lang="en-US" dirty="0" err="1" smtClean="0"/>
+              <a:t>modularnost</a:t>
+            </a:r>
+            <a:r>
+              <a:rPr lang="en-US" dirty="0" smtClean="0"/>
+              <a:t> </a:t>
+            </a:r>
+            <a:r>
+              <a:rPr lang="en-US" dirty="0" err="1" smtClean="0"/>
+              <a:t>i</a:t>
+            </a:r>
+            <a:r>
+              <a:rPr lang="en-US" baseline="0" dirty="0" smtClean="0"/>
+              <a:t> </a:t>
+            </a:r>
+            <a:r>
+              <a:rPr lang="en-US" baseline="0" dirty="0" err="1" smtClean="0"/>
+              <a:t>optimizacija</a:t>
+            </a:r>
+            <a:endParaRPr lang="ta-IN" baseline="0" dirty="0" smtClean="0"/>
+          </a:p>
+          <a:p>
+            <a:pPr marL="171450" marR="0" indent="-171450" algn="l" defTabSz="914400" rtl="0" eaLnBrk="1" fontAlgn="auto" latinLnBrk="0" hangingPunct="1">
+              <a:lnSpc>
+                <a:spcPct val="100000"/>
+              </a:lnSpc>
+              <a:spcBef>
+                <a:spcPts val="0"/>
+              </a:spcBef>
+              <a:spcAft>
+                <a:spcPts val="0"/>
+              </a:spcAft>
+              <a:buClrTx/>
+              <a:buSzTx/>
+              <a:buFontTx/>
+              <a:buChar char="-"/>
+              <a:tabLst/>
+              <a:defRPr/>
+            </a:pPr>
+            <a:r>
+              <a:rPr lang="en-US" dirty="0" smtClean="0"/>
+              <a:t>L</a:t>
+            </a:r>
+            <a:r>
+              <a:rPr lang="ta-IN" dirty="0" smtClean="0"/>
+              <a:t>ibasss 21 300 LOC</a:t>
+            </a:r>
+          </a:p>
+          <a:p>
+            <a:pPr marL="171450" indent="-171450">
+              <a:buFontTx/>
+              <a:buChar char="-"/>
+            </a:pPr>
+            <a:endParaRPr lang="en-US" baseline="0" dirty="0" smtClean="0"/>
+          </a:p>
+          <a:p>
+            <a:pPr marL="0" indent="0">
+              <a:buFontTx/>
+              <a:buNone/>
+            </a:pPr>
+            <a:endParaRPr lang="en-US" dirty="0"/>
+          </a:p>
+        </p:txBody>
+      </p:sp>
+      <p:sp>
+        <p:nvSpPr>
+          <p:cNvPr id="4" name="Slide Number Placeholder 3"/>
+          <p:cNvSpPr>
+            <a:spLocks noGrp="1"/>
+          </p:cNvSpPr>
+          <p:nvPr>
+            <p:ph type="sldNum" sz="quarter" idx="10"/>
+          </p:nvPr>
+        </p:nvSpPr>
+        <p:spPr/>
+        <p:txBody>
+          <a:bodyPr/>
+          <a:lstStyle/>
+          <a:p>
+            <a:fld id="{9BE8D5DA-E8A3-4A98-9BB8-9BE5526C08D6}" type="slidenum">
+              <a:rPr lang="en-US" smtClean="0"/>
+              <a:t>3</a:t>
             </a:fld>
             <a:endParaRPr lang="en-US"/>
           </a:p>
@@ -1428,6 +1863,296 @@
     <p:extLst>
       <p:ext uri="{BB962C8B-B14F-4D97-AF65-F5344CB8AC3E}">
         <p14:creationId xmlns:p14="http://schemas.microsoft.com/office/powerpoint/2010/main" val="2838505753"/>
+      </p:ext>
+    </p:extLst>
+  </p:cSld>
+  <p:clrMapOvr>
+    <a:masterClrMapping/>
+  </p:clrMapOvr>
+</p:notes>
+</file>
+
+<file path=ppt/notesSlides/notesSlide4.xml><?xml version="1.0" encoding="utf-8"?>
+<p:notes xmlns:a="http://schemas.openxmlformats.org/drawingml/2006/main" xmlns:r="http://schemas.openxmlformats.org/officeDocument/2006/relationships" xmlns:p="http://schemas.openxmlformats.org/presentationml/2006/main">
+  <p:cSld>
+    <p:spTree>
+      <p:nvGrpSpPr>
+        <p:cNvPr id="1" name=""/>
+        <p:cNvGrpSpPr/>
+        <p:nvPr/>
+      </p:nvGrpSpPr>
+      <p:grpSpPr>
+        <a:xfrm>
+          <a:off x="0" y="0"/>
+          <a:ext cx="0" cy="0"/>
+          <a:chOff x="0" y="0"/>
+          <a:chExt cx="0" cy="0"/>
+        </a:xfrm>
+      </p:grpSpPr>
+      <p:sp>
+        <p:nvSpPr>
+          <p:cNvPr id="2" name="Slide Image Placeholder 1"/>
+          <p:cNvSpPr>
+            <a:spLocks noGrp="1" noRot="1" noChangeAspect="1"/>
+          </p:cNvSpPr>
+          <p:nvPr>
+            <p:ph type="sldImg"/>
+          </p:nvPr>
+        </p:nvSpPr>
+        <p:spPr/>
+      </p:sp>
+      <p:sp>
+        <p:nvSpPr>
+          <p:cNvPr id="3" name="Notes Placeholder 2"/>
+          <p:cNvSpPr>
+            <a:spLocks noGrp="1"/>
+          </p:cNvSpPr>
+          <p:nvPr>
+            <p:ph type="body" idx="1"/>
+          </p:nvPr>
+        </p:nvSpPr>
+        <p:spPr/>
+        <p:txBody>
+          <a:bodyPr/>
+          <a:lstStyle/>
+          <a:p>
+            <a:endParaRPr lang="en-US" dirty="0"/>
+          </a:p>
+        </p:txBody>
+      </p:sp>
+      <p:sp>
+        <p:nvSpPr>
+          <p:cNvPr id="4" name="Slide Number Placeholder 3"/>
+          <p:cNvSpPr>
+            <a:spLocks noGrp="1"/>
+          </p:cNvSpPr>
+          <p:nvPr>
+            <p:ph type="sldNum" sz="quarter" idx="10"/>
+          </p:nvPr>
+        </p:nvSpPr>
+        <p:spPr/>
+        <p:txBody>
+          <a:bodyPr/>
+          <a:lstStyle/>
+          <a:p>
+            <a:fld id="{9BE8D5DA-E8A3-4A98-9BB8-9BE5526C08D6}" type="slidenum">
+              <a:rPr lang="en-US" smtClean="0"/>
+              <a:t>4</a:t>
+            </a:fld>
+            <a:endParaRPr lang="en-US"/>
+          </a:p>
+        </p:txBody>
+      </p:sp>
+    </p:spTree>
+    <p:extLst>
+      <p:ext uri="{BB962C8B-B14F-4D97-AF65-F5344CB8AC3E}">
+        <p14:creationId xmlns:p14="http://schemas.microsoft.com/office/powerpoint/2010/main" val="2232264283"/>
+      </p:ext>
+    </p:extLst>
+  </p:cSld>
+  <p:clrMapOvr>
+    <a:masterClrMapping/>
+  </p:clrMapOvr>
+</p:notes>
+</file>
+
+<file path=ppt/notesSlides/notesSlide5.xml><?xml version="1.0" encoding="utf-8"?>
+<p:notes xmlns:a="http://schemas.openxmlformats.org/drawingml/2006/main" xmlns:r="http://schemas.openxmlformats.org/officeDocument/2006/relationships" xmlns:p="http://schemas.openxmlformats.org/presentationml/2006/main">
+  <p:cSld>
+    <p:spTree>
+      <p:nvGrpSpPr>
+        <p:cNvPr id="1" name=""/>
+        <p:cNvGrpSpPr/>
+        <p:nvPr/>
+      </p:nvGrpSpPr>
+      <p:grpSpPr>
+        <a:xfrm>
+          <a:off x="0" y="0"/>
+          <a:ext cx="0" cy="0"/>
+          <a:chOff x="0" y="0"/>
+          <a:chExt cx="0" cy="0"/>
+        </a:xfrm>
+      </p:grpSpPr>
+      <p:sp>
+        <p:nvSpPr>
+          <p:cNvPr id="2" name="Slide Image Placeholder 1"/>
+          <p:cNvSpPr>
+            <a:spLocks noGrp="1" noRot="1" noChangeAspect="1"/>
+          </p:cNvSpPr>
+          <p:nvPr>
+            <p:ph type="sldImg"/>
+          </p:nvPr>
+        </p:nvSpPr>
+        <p:spPr/>
+      </p:sp>
+      <p:sp>
+        <p:nvSpPr>
+          <p:cNvPr id="3" name="Notes Placeholder 2"/>
+          <p:cNvSpPr>
+            <a:spLocks noGrp="1"/>
+          </p:cNvSpPr>
+          <p:nvPr>
+            <p:ph type="body" idx="1"/>
+          </p:nvPr>
+        </p:nvSpPr>
+        <p:spPr/>
+        <p:txBody>
+          <a:bodyPr/>
+          <a:lstStyle/>
+          <a:p>
+            <a:pPr marL="171450" indent="-171450">
+              <a:buFontTx/>
+              <a:buChar char="-"/>
+            </a:pPr>
+            <a:r>
+              <a:rPr lang="ta-IN" dirty="0" smtClean="0"/>
+              <a:t>Preko 120 pluginova</a:t>
+            </a:r>
+          </a:p>
+          <a:p>
+            <a:pPr marL="171450" indent="-171450">
+              <a:buFontTx/>
+              <a:buChar char="-"/>
+            </a:pPr>
+            <a:r>
+              <a:rPr lang="en-US" sz="1200" kern="1200" dirty="0" err="1" smtClean="0">
+                <a:solidFill>
+                  <a:schemeClr val="tx1"/>
+                </a:solidFill>
+                <a:latin typeface="+mn-lt"/>
+                <a:ea typeface="+mn-ea"/>
+                <a:cs typeface="+mn-cs"/>
+              </a:rPr>
+              <a:t>postcss</a:t>
+            </a:r>
+            <a:r>
+              <a:rPr lang="en-US" sz="1200" kern="1200" dirty="0" smtClean="0">
+                <a:solidFill>
+                  <a:schemeClr val="tx1"/>
+                </a:solidFill>
+                <a:latin typeface="+mn-lt"/>
+                <a:ea typeface="+mn-ea"/>
+                <a:cs typeface="+mn-cs"/>
+              </a:rPr>
+              <a:t>-nested: 68 LOC</a:t>
+            </a:r>
+          </a:p>
+          <a:p>
+            <a:pPr marL="171450" indent="-171450">
+              <a:buFontTx/>
+              <a:buChar char="-"/>
+            </a:pPr>
+            <a:r>
+              <a:rPr lang="en-US" sz="1200" kern="1200" dirty="0" err="1" smtClean="0">
+                <a:solidFill>
+                  <a:schemeClr val="tx1"/>
+                </a:solidFill>
+                <a:latin typeface="+mn-lt"/>
+                <a:ea typeface="+mn-ea"/>
+                <a:cs typeface="+mn-cs"/>
+              </a:rPr>
+              <a:t>postcss</a:t>
+            </a:r>
+            <a:r>
+              <a:rPr lang="en-US" sz="1200" kern="1200" dirty="0" smtClean="0">
+                <a:solidFill>
+                  <a:schemeClr val="tx1"/>
+                </a:solidFill>
+                <a:latin typeface="+mn-lt"/>
+                <a:ea typeface="+mn-ea"/>
+                <a:cs typeface="+mn-cs"/>
+              </a:rPr>
+              <a:t>-simple-</a:t>
+            </a:r>
+            <a:r>
+              <a:rPr lang="en-US" sz="1200" kern="1200" dirty="0" err="1" smtClean="0">
+                <a:solidFill>
+                  <a:schemeClr val="tx1"/>
+                </a:solidFill>
+                <a:latin typeface="+mn-lt"/>
+                <a:ea typeface="+mn-ea"/>
+                <a:cs typeface="+mn-cs"/>
+              </a:rPr>
+              <a:t>vars</a:t>
+            </a:r>
+            <a:r>
+              <a:rPr lang="en-US" sz="1200" kern="1200" dirty="0" smtClean="0">
+                <a:solidFill>
+                  <a:schemeClr val="tx1"/>
+                </a:solidFill>
+                <a:latin typeface="+mn-lt"/>
+                <a:ea typeface="+mn-ea"/>
+                <a:cs typeface="+mn-cs"/>
+              </a:rPr>
+              <a:t>: 74 LOC</a:t>
+            </a:r>
+            <a:endParaRPr lang="ta-IN" sz="1200" kern="1200" dirty="0" smtClean="0">
+              <a:solidFill>
+                <a:schemeClr val="tx1"/>
+              </a:solidFill>
+              <a:latin typeface="+mn-lt"/>
+              <a:ea typeface="+mn-ea"/>
+              <a:cs typeface="+mn-cs"/>
+            </a:endParaRPr>
+          </a:p>
+          <a:p>
+            <a:pPr marL="171450" indent="-171450">
+              <a:buFontTx/>
+              <a:buChar char="-"/>
+            </a:pPr>
+            <a:r>
+              <a:rPr lang="en-US" sz="1200" kern="1200" dirty="0" err="1" smtClean="0">
+                <a:solidFill>
+                  <a:schemeClr val="tx1"/>
+                </a:solidFill>
+                <a:latin typeface="+mn-lt"/>
+                <a:ea typeface="+mn-ea"/>
+                <a:cs typeface="+mn-cs"/>
+              </a:rPr>
+              <a:t>postcss-mixins</a:t>
+            </a:r>
+            <a:r>
+              <a:rPr lang="en-US" sz="1200" kern="1200" dirty="0" smtClean="0">
+                <a:solidFill>
+                  <a:schemeClr val="tx1"/>
+                </a:solidFill>
+                <a:latin typeface="+mn-lt"/>
+                <a:ea typeface="+mn-ea"/>
+                <a:cs typeface="+mn-cs"/>
+              </a:rPr>
+              <a:t>: 147 LOC</a:t>
+            </a:r>
+            <a:endParaRPr lang="en-US" dirty="0"/>
+          </a:p>
+        </p:txBody>
+      </p:sp>
+      <p:sp>
+        <p:nvSpPr>
+          <p:cNvPr id="4" name="Slide Number Placeholder 3"/>
+          <p:cNvSpPr>
+            <a:spLocks noGrp="1"/>
+          </p:cNvSpPr>
+          <p:nvPr>
+            <p:ph type="sldNum" sz="quarter" idx="10"/>
+          </p:nvPr>
+        </p:nvSpPr>
+        <p:spPr/>
+        <p:txBody>
+          <a:bodyPr/>
+          <a:lstStyle/>
+          <a:p>
+            <a:fld id="{9BE8D5DA-E8A3-4A98-9BB8-9BE5526C08D6}" type="slidenum">
+              <a:rPr lang="en-US" smtClean="0"/>
+              <a:t>6</a:t>
+            </a:fld>
+            <a:endParaRPr lang="en-US"/>
+          </a:p>
+        </p:txBody>
+      </p:sp>
+    </p:spTree>
+    <p:extLst>
+      <p:ext uri="{BB962C8B-B14F-4D97-AF65-F5344CB8AC3E}">
+        <p14:creationId xmlns:p14="http://schemas.microsoft.com/office/powerpoint/2010/main" val="419230072"/>
       </p:ext>
     </p:extLst>
   </p:cSld>
@@ -1512,7 +2237,7 @@
         </p:nvSpPr>
         <p:spPr>
           <a:xfrm>
-            <a:off x="613792" y="605135"/>
+            <a:off x="613792" y="605142"/>
             <a:ext cx="5830416" cy="1678583"/>
           </a:xfrm>
         </p:spPr>
@@ -1560,7 +2285,7 @@
         </p:blipFill>
         <p:spPr>
           <a:xfrm>
-            <a:off x="6804248" y="4227934"/>
+            <a:off x="6804248" y="4227946"/>
             <a:ext cx="1584176" cy="473473"/>
           </a:xfrm>
           <a:prstGeom prst="rect">
@@ -1578,18 +2303,9 @@
   <p:clrMapOvr>
     <a:masterClrMapping/>
   </p:clrMapOvr>
-  <mc:AlternateContent xmlns:mc="http://schemas.openxmlformats.org/markup-compatibility/2006">
-    <mc:Choice xmlns:p14="http://schemas.microsoft.com/office/powerpoint/2010/main" Requires="p14">
-      <p:transition spd="med" p14:dur="700">
-        <p:fade/>
-      </p:transition>
-    </mc:Choice>
-    <mc:Fallback>
-      <p:transition xmlns:p14="http://schemas.microsoft.com/office/powerpoint/2010/main" spd="med">
-        <p:fade/>
-      </p:transition>
-    </mc:Fallback>
-  </mc:AlternateContent>
+  <p:transition xmlns:p14="http://schemas.microsoft.com/office/powerpoint/2010/main" spd="slow">
+    <p:push/>
+  </p:transition>
   <p:timing>
     <p:tnLst>
       <p:par>
@@ -1627,18 +2343,9 @@
   <p:clrMapOvr>
     <a:masterClrMapping/>
   </p:clrMapOvr>
-  <mc:AlternateContent xmlns:mc="http://schemas.openxmlformats.org/markup-compatibility/2006">
-    <mc:Choice xmlns:p14="http://schemas.microsoft.com/office/powerpoint/2010/main" Requires="p14">
-      <p:transition spd="med" p14:dur="700">
-        <p:fade/>
-      </p:transition>
-    </mc:Choice>
-    <mc:Fallback>
-      <p:transition xmlns:p14="http://schemas.microsoft.com/office/powerpoint/2010/main" spd="med">
-        <p:fade/>
-      </p:transition>
-    </mc:Fallback>
-  </mc:AlternateContent>
+  <p:transition xmlns:p14="http://schemas.microsoft.com/office/powerpoint/2010/main" spd="slow">
+    <p:push/>
+  </p:transition>
   <p:timing>
     <p:tnLst>
       <p:par>
@@ -1678,7 +2385,7 @@
         </p:nvSpPr>
         <p:spPr>
           <a:xfrm>
-            <a:off x="1792288" y="3600450"/>
+            <a:off x="1792288" y="3600451"/>
             <a:ext cx="5486400" cy="425054"/>
           </a:xfrm>
         </p:spPr>
@@ -1775,7 +2482,7 @@
         </p:nvSpPr>
         <p:spPr>
           <a:xfrm>
-            <a:off x="1792288" y="4025503"/>
+            <a:off x="1792288" y="4025515"/>
             <a:ext cx="5486400" cy="603647"/>
           </a:xfrm>
         </p:spPr>
@@ -1842,18 +2549,9 @@
   <p:clrMapOvr>
     <a:masterClrMapping/>
   </p:clrMapOvr>
-  <mc:AlternateContent xmlns:mc="http://schemas.openxmlformats.org/markup-compatibility/2006">
-    <mc:Choice xmlns:p14="http://schemas.microsoft.com/office/powerpoint/2010/main" Requires="p14">
-      <p:transition spd="med" p14:dur="700">
-        <p:fade/>
-      </p:transition>
-    </mc:Choice>
-    <mc:Fallback>
-      <p:transition xmlns:p14="http://schemas.microsoft.com/office/powerpoint/2010/main" spd="med">
-        <p:fade/>
-      </p:transition>
-    </mc:Fallback>
-  </mc:AlternateContent>
+  <p:transition xmlns:p14="http://schemas.microsoft.com/office/powerpoint/2010/main" spd="slow">
+    <p:push/>
+  </p:transition>
   <p:timing>
     <p:tnLst>
       <p:par>
@@ -1939,7 +2637,7 @@
         </p:nvSpPr>
         <p:spPr>
           <a:xfrm>
-            <a:off x="613792" y="605135"/>
+            <a:off x="613792" y="605147"/>
             <a:ext cx="5830416" cy="1102519"/>
           </a:xfrm>
         </p:spPr>
@@ -2104,7 +2802,7 @@
         </p:blipFill>
         <p:spPr>
           <a:xfrm>
-            <a:off x="6804248" y="4227934"/>
+            <a:off x="6804248" y="4227946"/>
             <a:ext cx="1584176" cy="473473"/>
           </a:xfrm>
           <a:prstGeom prst="rect">
@@ -2122,18 +2820,9 @@
   <p:clrMapOvr>
     <a:masterClrMapping/>
   </p:clrMapOvr>
-  <mc:AlternateContent xmlns:mc="http://schemas.openxmlformats.org/markup-compatibility/2006">
-    <mc:Choice xmlns:p14="http://schemas.microsoft.com/office/powerpoint/2010/main" Requires="p14">
-      <p:transition spd="med" p14:dur="700">
-        <p:fade/>
-      </p:transition>
-    </mc:Choice>
-    <mc:Fallback>
-      <p:transition xmlns:p14="http://schemas.microsoft.com/office/powerpoint/2010/main" spd="med">
-        <p:fade/>
-      </p:transition>
-    </mc:Fallback>
-  </mc:AlternateContent>
+  <p:transition xmlns:p14="http://schemas.microsoft.com/office/powerpoint/2010/main" spd="slow">
+    <p:push/>
+  </p:transition>
   <p:timing>
     <p:tnLst>
       <p:par>
@@ -2194,18 +2883,9 @@
   <p:clrMapOvr>
     <a:masterClrMapping/>
   </p:clrMapOvr>
-  <mc:AlternateContent xmlns:mc="http://schemas.openxmlformats.org/markup-compatibility/2006">
-    <mc:Choice xmlns:p14="http://schemas.microsoft.com/office/powerpoint/2010/main" Requires="p14">
-      <p:transition spd="med" p14:dur="700">
-        <p:fade/>
-      </p:transition>
-    </mc:Choice>
-    <mc:Fallback>
-      <p:transition xmlns:p14="http://schemas.microsoft.com/office/powerpoint/2010/main" spd="med">
-        <p:fade/>
-      </p:transition>
-    </mc:Fallback>
-  </mc:AlternateContent>
+  <p:transition xmlns:p14="http://schemas.microsoft.com/office/powerpoint/2010/main" spd="slow">
+    <p:push/>
+  </p:transition>
   <p:timing>
     <p:tnLst>
       <p:par>
@@ -2279,7 +2959,7 @@
         </p:nvSpPr>
         <p:spPr>
           <a:xfrm>
-            <a:off x="590872" y="1779663"/>
+            <a:off x="590872" y="1779664"/>
             <a:ext cx="7941568" cy="2880320"/>
           </a:xfrm>
         </p:spPr>
@@ -2370,18 +3050,9 @@
   <p:clrMapOvr>
     <a:masterClrMapping/>
   </p:clrMapOvr>
-  <mc:AlternateContent xmlns:mc="http://schemas.openxmlformats.org/markup-compatibility/2006">
-    <mc:Choice xmlns:p14="http://schemas.microsoft.com/office/powerpoint/2010/main" Requires="p14">
-      <p:transition spd="med" p14:dur="700">
-        <p:fade/>
-      </p:transition>
-    </mc:Choice>
-    <mc:Fallback>
-      <p:transition xmlns:p14="http://schemas.microsoft.com/office/powerpoint/2010/main" spd="med">
-        <p:fade/>
-      </p:transition>
-    </mc:Fallback>
-  </mc:AlternateContent>
+  <p:transition xmlns:p14="http://schemas.microsoft.com/office/powerpoint/2010/main" spd="slow">
+    <p:push/>
+  </p:transition>
   <p:timing>
     <p:tnLst>
       <p:par>
@@ -2501,7 +3172,7 @@
         </p:nvSpPr>
         <p:spPr>
           <a:xfrm>
-            <a:off x="590872" y="1779663"/>
+            <a:off x="590872" y="1779664"/>
             <a:ext cx="7941568" cy="2880320"/>
           </a:xfrm>
         </p:spPr>
@@ -2605,7 +3276,7 @@
         </p:blipFill>
         <p:spPr>
           <a:xfrm>
-            <a:off x="8028384" y="4227796"/>
+            <a:off x="8028389" y="4227796"/>
             <a:ext cx="506487" cy="432186"/>
           </a:xfrm>
           <a:prstGeom prst="rect">
@@ -2623,18 +3294,9 @@
   <p:clrMapOvr>
     <a:masterClrMapping/>
   </p:clrMapOvr>
-  <mc:AlternateContent xmlns:mc="http://schemas.openxmlformats.org/markup-compatibility/2006">
-    <mc:Choice xmlns:p14="http://schemas.microsoft.com/office/powerpoint/2010/main" Requires="p14">
-      <p:transition spd="med" p14:dur="700">
-        <p:fade/>
-      </p:transition>
-    </mc:Choice>
-    <mc:Fallback>
-      <p:transition xmlns:p14="http://schemas.microsoft.com/office/powerpoint/2010/main" spd="med">
-        <p:fade/>
-      </p:transition>
-    </mc:Fallback>
-  </mc:AlternateContent>
+  <p:transition xmlns:p14="http://schemas.microsoft.com/office/powerpoint/2010/main" spd="slow">
+    <p:push/>
+  </p:transition>
   <p:timing>
     <p:tnLst>
       <p:par>
@@ -2708,7 +3370,7 @@
         </p:nvSpPr>
         <p:spPr>
           <a:xfrm>
-            <a:off x="4860032" y="699542"/>
+            <a:off x="4860032" y="699544"/>
             <a:ext cx="3672408" cy="1152128"/>
           </a:xfrm>
         </p:spPr>
@@ -2777,18 +3439,9 @@
   <p:clrMapOvr>
     <a:masterClrMapping/>
   </p:clrMapOvr>
-  <mc:AlternateContent xmlns:mc="http://schemas.openxmlformats.org/markup-compatibility/2006">
-    <mc:Choice xmlns:p14="http://schemas.microsoft.com/office/powerpoint/2010/main" Requires="p14">
-      <p:transition spd="med" p14:dur="700">
-        <p:fade/>
-      </p:transition>
-    </mc:Choice>
-    <mc:Fallback>
-      <p:transition xmlns:p14="http://schemas.microsoft.com/office/powerpoint/2010/main" spd="med">
-        <p:fade/>
-      </p:transition>
-    </mc:Fallback>
-  </mc:AlternateContent>
+  <p:transition xmlns:p14="http://schemas.microsoft.com/office/powerpoint/2010/main" spd="slow">
+    <p:push/>
+  </p:transition>
   <p:timing>
     <p:tnLst>
       <p:par>
@@ -2862,7 +3515,7 @@
         </p:nvSpPr>
         <p:spPr>
           <a:xfrm>
-            <a:off x="4860032" y="699542"/>
+            <a:off x="4860032" y="699544"/>
             <a:ext cx="3672408" cy="1152128"/>
           </a:xfrm>
         </p:spPr>
@@ -3024,18 +3677,9 @@
   <p:clrMapOvr>
     <a:masterClrMapping/>
   </p:clrMapOvr>
-  <mc:AlternateContent xmlns:mc="http://schemas.openxmlformats.org/markup-compatibility/2006">
-    <mc:Choice xmlns:p14="http://schemas.microsoft.com/office/powerpoint/2010/main" Requires="p14">
-      <p:transition spd="med" p14:dur="700">
-        <p:fade/>
-      </p:transition>
-    </mc:Choice>
-    <mc:Fallback>
-      <p:transition xmlns:p14="http://schemas.microsoft.com/office/powerpoint/2010/main" spd="med">
-        <p:fade/>
-      </p:transition>
-    </mc:Fallback>
-  </mc:AlternateContent>
+  <p:transition xmlns:p14="http://schemas.microsoft.com/office/powerpoint/2010/main" spd="slow">
+    <p:push/>
+  </p:transition>
   <p:timing>
     <p:tnLst>
       <p:par>
@@ -3103,7 +3747,7 @@
         </p:nvSpPr>
         <p:spPr>
           <a:xfrm>
-            <a:off x="590872" y="1779663"/>
+            <a:off x="590872" y="1779664"/>
             <a:ext cx="3765104" cy="2880320"/>
           </a:xfrm>
         </p:spPr>
@@ -3196,7 +3840,7 @@
         </p:nvSpPr>
         <p:spPr>
           <a:xfrm>
-            <a:off x="4788024" y="1779663"/>
+            <a:off x="4788024" y="1779664"/>
             <a:ext cx="3765104" cy="2880320"/>
           </a:xfrm>
         </p:spPr>
@@ -3287,18 +3931,9 @@
   <p:clrMapOvr>
     <a:masterClrMapping/>
   </p:clrMapOvr>
-  <mc:AlternateContent xmlns:mc="http://schemas.openxmlformats.org/markup-compatibility/2006">
-    <mc:Choice xmlns:p14="http://schemas.microsoft.com/office/powerpoint/2010/main" Requires="p14">
-      <p:transition spd="med" p14:dur="700">
-        <p:fade/>
-      </p:transition>
-    </mc:Choice>
-    <mc:Fallback>
-      <p:transition xmlns:p14="http://schemas.microsoft.com/office/powerpoint/2010/main" spd="med">
-        <p:fade/>
-      </p:transition>
-    </mc:Fallback>
-  </mc:AlternateContent>
+  <p:transition xmlns:p14="http://schemas.microsoft.com/office/powerpoint/2010/main" spd="slow">
+    <p:push/>
+  </p:transition>
   <p:timing>
     <p:tnLst>
       <p:par>
@@ -3691,18 +4326,9 @@
   <p:clrMapOvr>
     <a:masterClrMapping/>
   </p:clrMapOvr>
-  <mc:AlternateContent xmlns:mc="http://schemas.openxmlformats.org/markup-compatibility/2006">
-    <mc:Choice xmlns:p14="http://schemas.microsoft.com/office/powerpoint/2010/main" Requires="p14">
-      <p:transition spd="med" p14:dur="700">
-        <p:fade/>
-      </p:transition>
-    </mc:Choice>
-    <mc:Fallback>
-      <p:transition xmlns:p14="http://schemas.microsoft.com/office/powerpoint/2010/main" spd="med">
-        <p:fade/>
-      </p:transition>
-    </mc:Fallback>
-  </mc:AlternateContent>
+  <p:transition xmlns:p14="http://schemas.microsoft.com/office/powerpoint/2010/main" spd="slow">
+    <p:push/>
+  </p:transition>
   <p:timing>
     <p:tnLst>
       <p:par>
@@ -3807,7 +4433,7 @@
         </p:blipFill>
         <p:spPr>
           <a:xfrm>
-            <a:off x="8028384" y="4227796"/>
+            <a:off x="8028389" y="4227796"/>
             <a:ext cx="506487" cy="432186"/>
           </a:xfrm>
           <a:prstGeom prst="rect">
@@ -3860,7 +4486,7 @@
         </p:nvSpPr>
         <p:spPr>
           <a:xfrm>
-            <a:off x="590872" y="1779662"/>
+            <a:off x="590872" y="1779664"/>
             <a:ext cx="7941568" cy="2880320"/>
           </a:xfrm>
           <a:prstGeom prst="rect">
@@ -3931,18 +4557,9 @@
     <p:sldLayoutId id="2147483655" r:id="rId10"/>
     <p:sldLayoutId id="2147483657" r:id="rId11"/>
   </p:sldLayoutIdLst>
-  <mc:AlternateContent xmlns:mc="http://schemas.openxmlformats.org/markup-compatibility/2006">
-    <mc:Choice xmlns:p14="http://schemas.microsoft.com/office/powerpoint/2010/main" Requires="p14">
-      <p:transition spd="med" p14:dur="700">
-        <p:fade/>
-      </p:transition>
-    </mc:Choice>
-    <mc:Fallback>
-      <p:transition xmlns:p14="http://schemas.microsoft.com/office/powerpoint/2010/main" spd="med">
-        <p:fade/>
-      </p:transition>
-    </mc:Fallback>
-  </mc:AlternateContent>
+  <p:transition xmlns:p14="http://schemas.microsoft.com/office/powerpoint/2010/main" spd="slow">
+    <p:push/>
+  </p:transition>
   <p:timing>
     <p:tnLst>
       <p:par>
@@ -4266,7 +4883,7 @@
         </p:nvSpPr>
         <p:spPr>
           <a:xfrm>
-            <a:off x="613792" y="1635646"/>
+            <a:off x="613792" y="1635647"/>
             <a:ext cx="6118448" cy="1174527"/>
           </a:xfrm>
           <a:prstGeom prst="rect">
@@ -4413,24 +5030,132 @@
   <p:clrMapOvr>
     <a:masterClrMapping/>
   </p:clrMapOvr>
-  <mc:AlternateContent xmlns:mc="http://schemas.openxmlformats.org/markup-compatibility/2006">
-    <mc:Choice xmlns:p14="http://schemas.microsoft.com/office/powerpoint/2010/main" Requires="p14">
-      <p:transition spd="med" p14:dur="700">
-        <p:fade/>
-      </p:transition>
-    </mc:Choice>
-    <mc:Fallback>
-      <p:transition xmlns:p14="http://schemas.microsoft.com/office/powerpoint/2010/main" spd="med">
-        <p:fade/>
-      </p:transition>
-    </mc:Fallback>
-  </mc:AlternateContent>
+  <p:transition xmlns:p14="http://schemas.microsoft.com/office/powerpoint/2010/main" spd="slow">
+    <p:push/>
+  </p:transition>
   <p:timing>
     <p:tnLst>
       <p:par>
-        <p:cTn xmlns:p14="http://schemas.microsoft.com/office/powerpoint/2010/main" id="1" dur="indefinite" restart="never" nodeType="tmRoot"/>
+        <p:cTn xmlns:p14="http://schemas.microsoft.com/office/powerpoint/2010/main" id="1" dur="indefinite" restart="never" nodeType="tmRoot">
+          <p:childTnLst>
+            <p:seq concurrent="1" nextAc="seek">
+              <p:cTn id="2" dur="indefinite" nodeType="mainSeq">
+                <p:childTnLst>
+                  <p:par>
+                    <p:cTn id="3" fill="hold">
+                      <p:stCondLst>
+                        <p:cond delay="indefinite"/>
+                        <p:cond evt="onBegin" delay="0">
+                          <p:tn val="2"/>
+                        </p:cond>
+                      </p:stCondLst>
+                      <p:childTnLst>
+                        <p:par>
+                          <p:cTn id="4" fill="hold">
+                            <p:stCondLst>
+                              <p:cond delay="0"/>
+                            </p:stCondLst>
+                            <p:childTnLst>
+                              <p:par>
+                                <p:cTn id="5" presetID="12" presetClass="entr" presetSubtype="2" fill="hold" grpId="0" nodeType="withEffect">
+                                  <p:stCondLst>
+                                    <p:cond delay="0"/>
+                                  </p:stCondLst>
+                                  <p:childTnLst>
+                                    <p:set>
+                                      <p:cBhvr>
+                                        <p:cTn id="6" dur="1" fill="hold">
+                                          <p:stCondLst>
+                                            <p:cond delay="0"/>
+                                          </p:stCondLst>
+                                        </p:cTn>
+                                        <p:tgtEl>
+                                          <p:spTgt spid="3">
+                                            <p:txEl>
+                                              <p:pRg st="0" end="0"/>
+                                            </p:txEl>
+                                          </p:spTgt>
+                                        </p:tgtEl>
+                                        <p:attrNameLst>
+                                          <p:attrName>style.visibility</p:attrName>
+                                        </p:attrNameLst>
+                                      </p:cBhvr>
+                                      <p:to>
+                                        <p:strVal val="visible"/>
+                                      </p:to>
+                                    </p:set>
+                                    <p:anim calcmode="lin" valueType="num">
+                                      <p:cBhvr additive="base">
+                                        <p:cTn id="7" dur="500"/>
+                                        <p:tgtEl>
+                                          <p:spTgt spid="3">
+                                            <p:txEl>
+                                              <p:pRg st="0" end="0"/>
+                                            </p:txEl>
+                                          </p:spTgt>
+                                        </p:tgtEl>
+                                        <p:attrNameLst>
+                                          <p:attrName>ppt_x</p:attrName>
+                                        </p:attrNameLst>
+                                      </p:cBhvr>
+                                      <p:tavLst>
+                                        <p:tav tm="0">
+                                          <p:val>
+                                            <p:strVal val="#ppt_x+#ppt_w*1.125000"/>
+                                          </p:val>
+                                        </p:tav>
+                                        <p:tav tm="100000">
+                                          <p:val>
+                                            <p:strVal val="#ppt_x"/>
+                                          </p:val>
+                                        </p:tav>
+                                      </p:tavLst>
+                                    </p:anim>
+                                    <p:animEffect transition="in" filter="wipe(left)">
+                                      <p:cBhvr>
+                                        <p:cTn id="8" dur="500"/>
+                                        <p:tgtEl>
+                                          <p:spTgt spid="3">
+                                            <p:txEl>
+                                              <p:pRg st="0" end="0"/>
+                                            </p:txEl>
+                                          </p:spTgt>
+                                        </p:tgtEl>
+                                      </p:cBhvr>
+                                    </p:animEffect>
+                                  </p:childTnLst>
+                                </p:cTn>
+                              </p:par>
+                            </p:childTnLst>
+                          </p:cTn>
+                        </p:par>
+                      </p:childTnLst>
+                    </p:cTn>
+                  </p:par>
+                </p:childTnLst>
+              </p:cTn>
+              <p:prevCondLst>
+                <p:cond evt="onPrev" delay="0">
+                  <p:tgtEl>
+                    <p:sldTgt/>
+                  </p:tgtEl>
+                </p:cond>
+              </p:prevCondLst>
+              <p:nextCondLst>
+                <p:cond evt="onNext" delay="0">
+                  <p:tgtEl>
+                    <p:sldTgt/>
+                  </p:tgtEl>
+                </p:cond>
+              </p:nextCondLst>
+            </p:seq>
+          </p:childTnLst>
+        </p:cTn>
       </p:par>
     </p:tnLst>
+    <p:bldLst>
+      <p:bldP spid="3" grpId="0" build="p"/>
+    </p:bldLst>
   </p:timing>
 </p:sld>
 </file>
@@ -4459,13 +5184,13 @@
             <a:spLocks noGrp="1"/>
           </p:cNvSpPr>
           <p:nvPr>
-            <p:ph type="ctrTitle"/>
+            <p:ph type="title"/>
           </p:nvPr>
         </p:nvSpPr>
         <p:spPr/>
         <p:txBody>
           <a:bodyPr>
-            <a:normAutofit fontScale="90000"/>
+            <a:normAutofit/>
           </a:bodyPr>
           <a:lstStyle/>
           <a:p>
@@ -4492,15 +5217,10 @@
             <a:spLocks noGrp="1"/>
           </p:cNvSpPr>
           <p:nvPr>
-            <p:ph type="subTitle" idx="1"/>
+            <p:ph idx="1"/>
           </p:nvPr>
         </p:nvSpPr>
-        <p:spPr>
-          <a:xfrm>
-            <a:off x="611560" y="1977380"/>
-            <a:ext cx="6552728" cy="2538586"/>
-          </a:xfrm>
-        </p:spPr>
+        <p:spPr/>
         <p:txBody>
           <a:bodyPr>
             <a:normAutofit/>
@@ -4586,18 +5306,9 @@
   <p:clrMapOvr>
     <a:masterClrMapping/>
   </p:clrMapOvr>
-  <mc:AlternateContent xmlns:mc="http://schemas.openxmlformats.org/markup-compatibility/2006">
-    <mc:Choice xmlns:p14="http://schemas.microsoft.com/office/powerpoint/2010/main" Requires="p14">
-      <p:transition spd="med" p14:dur="700">
-        <p:fade/>
-      </p:transition>
-    </mc:Choice>
-    <mc:Fallback>
-      <p:transition xmlns:p14="http://schemas.microsoft.com/office/powerpoint/2010/main" spd="med">
-        <p:fade/>
-      </p:transition>
-    </mc:Fallback>
-  </mc:AlternateContent>
+  <p:transition xmlns:p14="http://schemas.microsoft.com/office/powerpoint/2010/main" spd="slow">
+    <p:push/>
+  </p:transition>
   <p:timing>
     <p:tnLst>
       <p:par>
@@ -4632,118 +5343,650 @@
             <a:spLocks noGrp="1"/>
           </p:cNvSpPr>
           <p:nvPr>
-            <p:ph type="ctrTitle"/>
+            <p:ph type="title"/>
           </p:nvPr>
         </p:nvSpPr>
         <p:spPr/>
-        <p:txBody>
-          <a:bodyPr/>
-          <a:lstStyle/>
-          <a:p>
-            <a:r>
-              <a:rPr lang="ta-IN" dirty="0" smtClean="0"/>
-              <a:t>Tools</a:t>
-            </a:r>
-            <a:endParaRPr lang="en-US" dirty="0"/>
-          </a:p>
-        </p:txBody>
-      </p:sp>
-      <p:sp>
-        <p:nvSpPr>
-          <p:cNvPr id="3" name="Subtitle 2"/>
-          <p:cNvSpPr>
-            <a:spLocks noGrp="1"/>
-          </p:cNvSpPr>
-          <p:nvPr>
-            <p:ph type="subTitle" idx="1"/>
-          </p:nvPr>
-        </p:nvSpPr>
-        <p:spPr>
-          <a:xfrm>
-            <a:off x="611560" y="1977380"/>
-            <a:ext cx="5832648" cy="2250554"/>
-          </a:xfrm>
-        </p:spPr>
         <p:txBody>
           <a:bodyPr>
             <a:normAutofit/>
           </a:bodyPr>
           <a:lstStyle/>
           <a:p>
-            <a:pPr marL="457200" indent="-457200">
-              <a:buFont typeface="Arial" panose="020B0604020202020204" pitchFamily="34" charset="0"/>
-              <a:buChar char="•"/>
-            </a:pPr>
             <a:r>
               <a:rPr lang="en-US" dirty="0" smtClean="0"/>
-              <a:t>Node.js</a:t>
-            </a:r>
-          </a:p>
-          <a:p>
-            <a:pPr marL="457200" indent="-457200">
-              <a:buFont typeface="Arial" panose="020B0604020202020204" pitchFamily="34" charset="0"/>
-              <a:buChar char="•"/>
-            </a:pPr>
-            <a:r>
-              <a:rPr lang="en-US" dirty="0" err="1" smtClean="0"/>
-              <a:t>npm</a:t>
-            </a:r>
-            <a:r>
-              <a:rPr lang="en-US" dirty="0" smtClean="0"/>
-              <a:t> (node package manager)</a:t>
-            </a:r>
-          </a:p>
-          <a:p>
-            <a:pPr marL="457200" indent="-457200">
-              <a:buFont typeface="Arial" panose="020B0604020202020204" pitchFamily="34" charset="0"/>
-              <a:buChar char="•"/>
-            </a:pPr>
-            <a:r>
-              <a:rPr lang="en-US" dirty="0" smtClean="0"/>
-              <a:t>Gulp.js</a:t>
-            </a:r>
-          </a:p>
-          <a:p>
-            <a:pPr marL="457200" indent="-457200">
-              <a:buFont typeface="Arial" panose="020B0604020202020204" pitchFamily="34" charset="0"/>
-              <a:buChar char="•"/>
-            </a:pPr>
-            <a:r>
-              <a:rPr lang="en-US" dirty="0" smtClean="0"/>
-              <a:t>CSS</a:t>
+              <a:t>Performance</a:t>
             </a:r>
             <a:endParaRPr lang="en-US" dirty="0"/>
           </a:p>
         </p:txBody>
       </p:sp>
+      <p:graphicFrame>
+        <p:nvGraphicFramePr>
+          <p:cNvPr id="7" name="Chart 6"/>
+          <p:cNvGraphicFramePr/>
+          <p:nvPr>
+            <p:extLst>
+              <p:ext uri="{D42A27DB-BD31-4B8C-83A1-F6EECF244321}">
+                <p14:modId xmlns:p14="http://schemas.microsoft.com/office/powerpoint/2010/main" val="1470113045"/>
+              </p:ext>
+            </p:extLst>
+          </p:nvPr>
+        </p:nvGraphicFramePr>
+        <p:xfrm>
+          <a:off x="672231" y="1779662"/>
+          <a:ext cx="5184576" cy="2448274"/>
+        </p:xfrm>
+        <a:graphic>
+          <a:graphicData uri="http://schemas.openxmlformats.org/drawingml/2006/chart">
+            <c:chart xmlns:c="http://schemas.openxmlformats.org/drawingml/2006/chart" xmlns:r="http://schemas.openxmlformats.org/officeDocument/2006/relationships" r:id="rId4"/>
+          </a:graphicData>
+        </a:graphic>
+      </p:graphicFrame>
+      <p:sp>
+        <p:nvSpPr>
+          <p:cNvPr id="8" name="TextBox 7"/>
+          <p:cNvSpPr txBox="1"/>
+          <p:nvPr/>
+        </p:nvSpPr>
+        <p:spPr>
+          <a:xfrm>
+            <a:off x="1597014" y="1661778"/>
+            <a:ext cx="620883" cy="307777"/>
+          </a:xfrm>
+          <a:prstGeom prst="rect">
+            <a:avLst/>
+          </a:prstGeom>
+          <a:noFill/>
+        </p:spPr>
+        <p:txBody>
+          <a:bodyPr wrap="none" rtlCol="0">
+            <a:spAutoFit/>
+          </a:bodyPr>
+          <a:lstStyle/>
+          <a:p>
+            <a:r>
+              <a:rPr lang="en-US" sz="1400" dirty="0" smtClean="0">
+                <a:solidFill>
+                  <a:schemeClr val="bg1"/>
+                </a:solidFill>
+              </a:rPr>
+              <a:t>36 </a:t>
+            </a:r>
+            <a:r>
+              <a:rPr lang="en-US" sz="1400" dirty="0" err="1" smtClean="0">
+                <a:solidFill>
+                  <a:schemeClr val="bg1"/>
+                </a:solidFill>
+              </a:rPr>
+              <a:t>ms</a:t>
+            </a:r>
+            <a:endParaRPr lang="en-US" sz="1400" dirty="0">
+              <a:solidFill>
+                <a:schemeClr val="bg1"/>
+              </a:solidFill>
+            </a:endParaRPr>
+          </a:p>
+        </p:txBody>
+      </p:sp>
+      <p:sp>
+        <p:nvSpPr>
+          <p:cNvPr id="9" name="TextBox 8"/>
+          <p:cNvSpPr txBox="1"/>
+          <p:nvPr/>
+        </p:nvSpPr>
+        <p:spPr>
+          <a:xfrm>
+            <a:off x="2029061" y="2091651"/>
+            <a:ext cx="711879" cy="307777"/>
+          </a:xfrm>
+          <a:prstGeom prst="rect">
+            <a:avLst/>
+          </a:prstGeom>
+          <a:noFill/>
+        </p:spPr>
+        <p:txBody>
+          <a:bodyPr wrap="none" rtlCol="0">
+            <a:spAutoFit/>
+          </a:bodyPr>
+          <a:lstStyle/>
+          <a:p>
+            <a:r>
+              <a:rPr lang="en-US" sz="1400" dirty="0" smtClean="0">
+                <a:solidFill>
+                  <a:schemeClr val="bg1"/>
+                </a:solidFill>
+              </a:rPr>
+              <a:t>136 </a:t>
+            </a:r>
+            <a:r>
+              <a:rPr lang="en-US" sz="1400" dirty="0" err="1" smtClean="0">
+                <a:solidFill>
+                  <a:schemeClr val="bg1"/>
+                </a:solidFill>
+              </a:rPr>
+              <a:t>ms</a:t>
+            </a:r>
+            <a:endParaRPr lang="en-US" sz="1400" dirty="0">
+              <a:solidFill>
+                <a:schemeClr val="bg1"/>
+              </a:solidFill>
+            </a:endParaRPr>
+          </a:p>
+        </p:txBody>
+      </p:sp>
+      <p:sp>
+        <p:nvSpPr>
+          <p:cNvPr id="10" name="TextBox 9"/>
+          <p:cNvSpPr txBox="1"/>
+          <p:nvPr/>
+        </p:nvSpPr>
+        <p:spPr>
+          <a:xfrm>
+            <a:off x="2101077" y="2657842"/>
+            <a:ext cx="711879" cy="307777"/>
+          </a:xfrm>
+          <a:prstGeom prst="rect">
+            <a:avLst/>
+          </a:prstGeom>
+          <a:noFill/>
+        </p:spPr>
+        <p:txBody>
+          <a:bodyPr wrap="none" rtlCol="0">
+            <a:spAutoFit/>
+          </a:bodyPr>
+          <a:lstStyle/>
+          <a:p>
+            <a:r>
+              <a:rPr lang="en-US" sz="1400" dirty="0" smtClean="0">
+                <a:solidFill>
+                  <a:schemeClr val="bg1"/>
+                </a:solidFill>
+              </a:rPr>
+              <a:t>160 </a:t>
+            </a:r>
+            <a:r>
+              <a:rPr lang="en-US" sz="1400" dirty="0" err="1" smtClean="0">
+                <a:solidFill>
+                  <a:schemeClr val="bg1"/>
+                </a:solidFill>
+              </a:rPr>
+              <a:t>ms</a:t>
+            </a:r>
+            <a:endParaRPr lang="en-US" sz="1400" dirty="0">
+              <a:solidFill>
+                <a:schemeClr val="bg1"/>
+              </a:solidFill>
+            </a:endParaRPr>
+          </a:p>
+        </p:txBody>
+      </p:sp>
+      <p:sp>
+        <p:nvSpPr>
+          <p:cNvPr id="11" name="TextBox 10"/>
+          <p:cNvSpPr txBox="1"/>
+          <p:nvPr/>
+        </p:nvSpPr>
+        <p:spPr>
+          <a:xfrm>
+            <a:off x="2173064" y="3215461"/>
+            <a:ext cx="711879" cy="307777"/>
+          </a:xfrm>
+          <a:prstGeom prst="rect">
+            <a:avLst/>
+          </a:prstGeom>
+          <a:noFill/>
+        </p:spPr>
+        <p:txBody>
+          <a:bodyPr wrap="none" rtlCol="0">
+            <a:spAutoFit/>
+          </a:bodyPr>
+          <a:lstStyle/>
+          <a:p>
+            <a:r>
+              <a:rPr lang="en-US" sz="1400" dirty="0" smtClean="0">
+                <a:solidFill>
+                  <a:schemeClr val="bg1"/>
+                </a:solidFill>
+              </a:rPr>
+              <a:t>167 </a:t>
+            </a:r>
+            <a:r>
+              <a:rPr lang="en-US" sz="1400" dirty="0" err="1" smtClean="0">
+                <a:solidFill>
+                  <a:schemeClr val="bg1"/>
+                </a:solidFill>
+              </a:rPr>
+              <a:t>ms</a:t>
+            </a:r>
+            <a:endParaRPr lang="en-US" sz="1400" dirty="0">
+              <a:solidFill>
+                <a:schemeClr val="bg1"/>
+              </a:solidFill>
+            </a:endParaRPr>
+          </a:p>
+        </p:txBody>
+      </p:sp>
+      <p:sp>
+        <p:nvSpPr>
+          <p:cNvPr id="12" name="TextBox 11"/>
+          <p:cNvSpPr txBox="1"/>
+          <p:nvPr/>
+        </p:nvSpPr>
+        <p:spPr>
+          <a:xfrm>
+            <a:off x="5424760" y="3795898"/>
+            <a:ext cx="802874" cy="307777"/>
+          </a:xfrm>
+          <a:prstGeom prst="rect">
+            <a:avLst/>
+          </a:prstGeom>
+          <a:noFill/>
+        </p:spPr>
+        <p:txBody>
+          <a:bodyPr wrap="none" rtlCol="0">
+            <a:spAutoFit/>
+          </a:bodyPr>
+          <a:lstStyle/>
+          <a:p>
+            <a:r>
+              <a:rPr lang="en-US" sz="1400" dirty="0" smtClean="0">
+                <a:solidFill>
+                  <a:schemeClr val="bg1"/>
+                </a:solidFill>
+              </a:rPr>
+              <a:t>1084 </a:t>
+            </a:r>
+            <a:r>
+              <a:rPr lang="en-US" sz="1400" dirty="0" err="1" smtClean="0">
+                <a:solidFill>
+                  <a:schemeClr val="bg1"/>
+                </a:solidFill>
+              </a:rPr>
+              <a:t>ms</a:t>
+            </a:r>
+            <a:endParaRPr lang="en-US" sz="1400" dirty="0">
+              <a:solidFill>
+                <a:schemeClr val="bg1"/>
+              </a:solidFill>
+            </a:endParaRPr>
+          </a:p>
+        </p:txBody>
+      </p:sp>
+      <p:sp>
+        <p:nvSpPr>
+          <p:cNvPr id="13" name="TextBox 12"/>
+          <p:cNvSpPr txBox="1"/>
+          <p:nvPr/>
+        </p:nvSpPr>
+        <p:spPr>
+          <a:xfrm>
+            <a:off x="607775" y="4304154"/>
+            <a:ext cx="2664511" cy="307777"/>
+          </a:xfrm>
+          <a:prstGeom prst="rect">
+            <a:avLst/>
+          </a:prstGeom>
+          <a:noFill/>
+        </p:spPr>
+        <p:txBody>
+          <a:bodyPr wrap="none" rtlCol="0">
+            <a:spAutoFit/>
+          </a:bodyPr>
+          <a:lstStyle/>
+          <a:p>
+            <a:r>
+              <a:rPr lang="en-US" sz="1400" dirty="0" smtClean="0">
+                <a:solidFill>
+                  <a:schemeClr val="bg1"/>
+                </a:solidFill>
+              </a:rPr>
+              <a:t>Source</a:t>
+            </a:r>
+            <a:r>
+              <a:rPr lang="en-US" sz="1400" dirty="0" smtClean="0">
+                <a:noFill/>
+              </a:rPr>
+              <a:t>: </a:t>
+            </a:r>
+            <a:r>
+              <a:rPr lang="en-US" sz="1400" dirty="0" smtClean="0">
+                <a:noFill/>
+                <a:hlinkClick r:id="rId5"/>
+              </a:rPr>
+              <a:t>Preprocessors benchmark</a:t>
+            </a:r>
+            <a:endParaRPr lang="en-US" sz="1400" dirty="0">
+              <a:noFill/>
+            </a:endParaRPr>
+          </a:p>
+        </p:txBody>
+      </p:sp>
+      <p:sp>
+        <p:nvSpPr>
+          <p:cNvPr id="4" name="Rectangle 3"/>
+          <p:cNvSpPr/>
+          <p:nvPr/>
+        </p:nvSpPr>
+        <p:spPr>
+          <a:xfrm>
+            <a:off x="1403648" y="1707654"/>
+            <a:ext cx="144016" cy="216024"/>
+          </a:xfrm>
+          <a:prstGeom prst="rect">
+            <a:avLst/>
+          </a:prstGeom>
+          <a:solidFill>
+            <a:srgbClr val="F42434"/>
+          </a:solidFill>
+          <a:ln>
+            <a:noFill/>
+          </a:ln>
+          <a:effectLst/>
+        </p:spPr>
+        <p:style>
+          <a:lnRef idx="1">
+            <a:schemeClr val="accent1"/>
+          </a:lnRef>
+          <a:fillRef idx="3">
+            <a:schemeClr val="accent1"/>
+          </a:fillRef>
+          <a:effectRef idx="2">
+            <a:schemeClr val="accent1"/>
+          </a:effectRef>
+          <a:fontRef idx="minor">
+            <a:schemeClr val="lt1"/>
+          </a:fontRef>
+        </p:style>
+        <p:txBody>
+          <a:bodyPr rtlCol="0" anchor="ctr"/>
+          <a:lstStyle/>
+          <a:p>
+            <a:pPr algn="ctr"/>
+            <a:endParaRPr lang="en-US"/>
+          </a:p>
+        </p:txBody>
+      </p:sp>
+      <p:sp>
+        <p:nvSpPr>
+          <p:cNvPr id="5" name="TextBox 4"/>
+          <p:cNvSpPr txBox="1"/>
+          <p:nvPr/>
+        </p:nvSpPr>
+        <p:spPr>
+          <a:xfrm>
+            <a:off x="611560" y="1684861"/>
+            <a:ext cx="723507" cy="261610"/>
+          </a:xfrm>
+          <a:prstGeom prst="rect">
+            <a:avLst/>
+          </a:prstGeom>
+          <a:noFill/>
+        </p:spPr>
+        <p:txBody>
+          <a:bodyPr wrap="none" rtlCol="0">
+            <a:spAutoFit/>
+          </a:bodyPr>
+          <a:lstStyle/>
+          <a:p>
+            <a:r>
+              <a:rPr lang="ta-IN" sz="1100" dirty="0">
+                <a:solidFill>
+                  <a:srgbClr val="FFFFFF"/>
+                </a:solidFill>
+              </a:rPr>
+              <a:t>PostCSS</a:t>
+            </a:r>
+            <a:endParaRPr lang="en-US" sz="1100" dirty="0">
+              <a:solidFill>
+                <a:srgbClr val="FFFFFF"/>
+              </a:solidFill>
+            </a:endParaRPr>
+          </a:p>
+        </p:txBody>
+      </p:sp>
     </p:spTree>
+    <p:custDataLst>
+      <p:tags r:id="rId1"/>
+    </p:custDataLst>
     <p:extLst>
       <p:ext uri="{BB962C8B-B14F-4D97-AF65-F5344CB8AC3E}">
-        <p14:creationId xmlns:p14="http://schemas.microsoft.com/office/powerpoint/2010/main" val="3060360801"/>
+        <p14:creationId xmlns:p14="http://schemas.microsoft.com/office/powerpoint/2010/main" val="1266343164"/>
       </p:ext>
     </p:extLst>
   </p:cSld>
   <p:clrMapOvr>
     <a:masterClrMapping/>
   </p:clrMapOvr>
-  <mc:AlternateContent xmlns:mc="http://schemas.openxmlformats.org/markup-compatibility/2006">
-    <mc:Choice xmlns:p14="http://schemas.microsoft.com/office/powerpoint/2010/main" Requires="p14">
-      <p:transition spd="med" p14:dur="700">
-        <p:fade/>
-      </p:transition>
-    </mc:Choice>
-    <mc:Fallback>
-      <p:transition xmlns:p14="http://schemas.microsoft.com/office/powerpoint/2010/main" spd="med">
-        <p:fade/>
-      </p:transition>
-    </mc:Fallback>
-  </mc:AlternateContent>
+  <p:transition xmlns:p14="http://schemas.microsoft.com/office/powerpoint/2010/main" spd="slow">
+    <p:push/>
+  </p:transition>
   <p:timing>
     <p:tnLst>
       <p:par>
-        <p:cTn xmlns:p14="http://schemas.microsoft.com/office/powerpoint/2010/main" id="1" dur="indefinite" restart="never" nodeType="tmRoot"/>
+        <p:cTn xmlns:p14="http://schemas.microsoft.com/office/powerpoint/2010/main" id="1" dur="indefinite" restart="never" nodeType="tmRoot">
+          <p:childTnLst>
+            <p:seq concurrent="1" nextAc="seek">
+              <p:cTn id="2" dur="indefinite" nodeType="mainSeq">
+                <p:childTnLst>
+                  <p:par>
+                    <p:cTn id="3" fill="hold">
+                      <p:stCondLst>
+                        <p:cond delay="indefinite"/>
+                      </p:stCondLst>
+                      <p:childTnLst>
+                        <p:par>
+                          <p:cTn id="4" fill="hold">
+                            <p:stCondLst>
+                              <p:cond delay="0"/>
+                            </p:stCondLst>
+                            <p:childTnLst>
+                              <p:par>
+                                <p:cTn id="5" presetID="12" presetClass="entr" presetSubtype="2" fill="hold" grpId="0" nodeType="clickEffect">
+                                  <p:stCondLst>
+                                    <p:cond delay="0"/>
+                                  </p:stCondLst>
+                                  <p:childTnLst>
+                                    <p:set>
+                                      <p:cBhvr>
+                                        <p:cTn id="6" dur="1" fill="hold">
+                                          <p:stCondLst>
+                                            <p:cond delay="0"/>
+                                          </p:stCondLst>
+                                        </p:cTn>
+                                        <p:tgtEl>
+                                          <p:spTgt spid="5"/>
+                                        </p:tgtEl>
+                                        <p:attrNameLst>
+                                          <p:attrName>style.visibility</p:attrName>
+                                        </p:attrNameLst>
+                                      </p:cBhvr>
+                                      <p:to>
+                                        <p:strVal val="visible"/>
+                                      </p:to>
+                                    </p:set>
+                                    <p:anim calcmode="lin" valueType="num">
+                                      <p:cBhvr additive="base">
+                                        <p:cTn id="7" dur="500"/>
+                                        <p:tgtEl>
+                                          <p:spTgt spid="5"/>
+                                        </p:tgtEl>
+                                        <p:attrNameLst>
+                                          <p:attrName>ppt_x</p:attrName>
+                                        </p:attrNameLst>
+                                      </p:cBhvr>
+                                      <p:tavLst>
+                                        <p:tav tm="0">
+                                          <p:val>
+                                            <p:strVal val="#ppt_x+#ppt_w*1.125000"/>
+                                          </p:val>
+                                        </p:tav>
+                                        <p:tav tm="100000">
+                                          <p:val>
+                                            <p:strVal val="#ppt_x"/>
+                                          </p:val>
+                                        </p:tav>
+                                      </p:tavLst>
+                                    </p:anim>
+                                    <p:animEffect transition="in" filter="wipe(left)">
+                                      <p:cBhvr>
+                                        <p:cTn id="8" dur="500"/>
+                                        <p:tgtEl>
+                                          <p:spTgt spid="5"/>
+                                        </p:tgtEl>
+                                      </p:cBhvr>
+                                    </p:animEffect>
+                                  </p:childTnLst>
+                                </p:cTn>
+                              </p:par>
+                              <p:par>
+                                <p:cTn id="9" presetID="12" presetClass="entr" presetSubtype="2" fill="hold" grpId="0" nodeType="withEffect">
+                                  <p:stCondLst>
+                                    <p:cond delay="0"/>
+                                  </p:stCondLst>
+                                  <p:childTnLst>
+                                    <p:set>
+                                      <p:cBhvr>
+                                        <p:cTn id="10" dur="1" fill="hold">
+                                          <p:stCondLst>
+                                            <p:cond delay="0"/>
+                                          </p:stCondLst>
+                                        </p:cTn>
+                                        <p:tgtEl>
+                                          <p:spTgt spid="4"/>
+                                        </p:tgtEl>
+                                        <p:attrNameLst>
+                                          <p:attrName>style.visibility</p:attrName>
+                                        </p:attrNameLst>
+                                      </p:cBhvr>
+                                      <p:to>
+                                        <p:strVal val="visible"/>
+                                      </p:to>
+                                    </p:set>
+                                    <p:anim calcmode="lin" valueType="num">
+                                      <p:cBhvr additive="base">
+                                        <p:cTn id="11" dur="500"/>
+                                        <p:tgtEl>
+                                          <p:spTgt spid="4"/>
+                                        </p:tgtEl>
+                                        <p:attrNameLst>
+                                          <p:attrName>ppt_x</p:attrName>
+                                        </p:attrNameLst>
+                                      </p:cBhvr>
+                                      <p:tavLst>
+                                        <p:tav tm="0">
+                                          <p:val>
+                                            <p:strVal val="#ppt_x+#ppt_w*1.125000"/>
+                                          </p:val>
+                                        </p:tav>
+                                        <p:tav tm="100000">
+                                          <p:val>
+                                            <p:strVal val="#ppt_x"/>
+                                          </p:val>
+                                        </p:tav>
+                                      </p:tavLst>
+                                    </p:anim>
+                                    <p:animEffect transition="in" filter="wipe(left)">
+                                      <p:cBhvr>
+                                        <p:cTn id="12" dur="500"/>
+                                        <p:tgtEl>
+                                          <p:spTgt spid="4"/>
+                                        </p:tgtEl>
+                                      </p:cBhvr>
+                                    </p:animEffect>
+                                  </p:childTnLst>
+                                </p:cTn>
+                              </p:par>
+                              <p:par>
+                                <p:cTn id="13" presetID="12" presetClass="entr" presetSubtype="2" fill="hold" grpId="0" nodeType="withEffect">
+                                  <p:stCondLst>
+                                    <p:cond delay="0"/>
+                                  </p:stCondLst>
+                                  <p:childTnLst>
+                                    <p:set>
+                                      <p:cBhvr>
+                                        <p:cTn id="14" dur="1" fill="hold">
+                                          <p:stCondLst>
+                                            <p:cond delay="0"/>
+                                          </p:stCondLst>
+                                        </p:cTn>
+                                        <p:tgtEl>
+                                          <p:spTgt spid="8"/>
+                                        </p:tgtEl>
+                                        <p:attrNameLst>
+                                          <p:attrName>style.visibility</p:attrName>
+                                        </p:attrNameLst>
+                                      </p:cBhvr>
+                                      <p:to>
+                                        <p:strVal val="visible"/>
+                                      </p:to>
+                                    </p:set>
+                                    <p:anim calcmode="lin" valueType="num">
+                                      <p:cBhvr additive="base">
+                                        <p:cTn id="15" dur="500"/>
+                                        <p:tgtEl>
+                                          <p:spTgt spid="8"/>
+                                        </p:tgtEl>
+                                        <p:attrNameLst>
+                                          <p:attrName>ppt_x</p:attrName>
+                                        </p:attrNameLst>
+                                      </p:cBhvr>
+                                      <p:tavLst>
+                                        <p:tav tm="0">
+                                          <p:val>
+                                            <p:strVal val="#ppt_x+#ppt_w*1.125000"/>
+                                          </p:val>
+                                        </p:tav>
+                                        <p:tav tm="100000">
+                                          <p:val>
+                                            <p:strVal val="#ppt_x"/>
+                                          </p:val>
+                                        </p:tav>
+                                      </p:tavLst>
+                                    </p:anim>
+                                    <p:animEffect transition="in" filter="wipe(left)">
+                                      <p:cBhvr>
+                                        <p:cTn id="16" dur="500"/>
+                                        <p:tgtEl>
+                                          <p:spTgt spid="8"/>
+                                        </p:tgtEl>
+                                      </p:cBhvr>
+                                    </p:animEffect>
+                                  </p:childTnLst>
+                                </p:cTn>
+                              </p:par>
+                            </p:childTnLst>
+                          </p:cTn>
+                        </p:par>
+                      </p:childTnLst>
+                    </p:cTn>
+                  </p:par>
+                </p:childTnLst>
+              </p:cTn>
+              <p:prevCondLst>
+                <p:cond evt="onPrev" delay="0">
+                  <p:tgtEl>
+                    <p:sldTgt/>
+                  </p:tgtEl>
+                </p:cond>
+              </p:prevCondLst>
+              <p:nextCondLst>
+                <p:cond evt="onNext" delay="0">
+                  <p:tgtEl>
+                    <p:sldTgt/>
+                  </p:tgtEl>
+                </p:cond>
+              </p:nextCondLst>
+            </p:seq>
+          </p:childTnLst>
+        </p:cTn>
       </p:par>
     </p:tnLst>
+    <p:bldLst>
+      <p:bldP spid="8" grpId="0"/>
+      <p:bldP spid="4" grpId="0" animBg="1"/>
+      <p:bldP spid="5" grpId="0"/>
+    </p:bldLst>
   </p:timing>
 </p:sld>
 </file>
@@ -4772,7 +6015,7 @@
             <a:spLocks noGrp="1"/>
           </p:cNvSpPr>
           <p:nvPr>
-            <p:ph type="ctrTitle"/>
+            <p:ph type="title"/>
           </p:nvPr>
         </p:nvSpPr>
         <p:spPr/>
@@ -4781,8 +6024,8 @@
           <a:lstStyle/>
           <a:p>
             <a:r>
-              <a:rPr lang="en-US" dirty="0" smtClean="0"/>
-              <a:t>Usage</a:t>
+              <a:rPr lang="ta-IN" dirty="0" smtClean="0"/>
+              <a:t>Tools</a:t>
             </a:r>
             <a:endParaRPr lang="en-US" dirty="0"/>
           </a:p>
@@ -4795,15 +6038,10 @@
             <a:spLocks noGrp="1"/>
           </p:cNvSpPr>
           <p:nvPr>
-            <p:ph type="subTitle" idx="1"/>
+            <p:ph idx="1"/>
           </p:nvPr>
         </p:nvSpPr>
-        <p:spPr>
-          <a:xfrm>
-            <a:off x="611560" y="1977380"/>
-            <a:ext cx="5832648" cy="2754610"/>
-          </a:xfrm>
-        </p:spPr>
+        <p:spPr/>
         <p:txBody>
           <a:bodyPr>
             <a:normAutofit/>
@@ -4815,16 +6053,8 @@
               <a:buChar char="•"/>
             </a:pPr>
             <a:r>
-              <a:rPr lang="en-US" dirty="0"/>
-              <a:t>Add </a:t>
-            </a:r>
-            <a:r>
-              <a:rPr lang="en-US" dirty="0" err="1"/>
-              <a:t>PostCSS</a:t>
-            </a:r>
-            <a:r>
-              <a:rPr lang="en-US" dirty="0"/>
-              <a:t> to your build tool.</a:t>
+              <a:rPr lang="en-US" dirty="0" smtClean="0"/>
+              <a:t>Node.js</a:t>
             </a:r>
           </a:p>
           <a:p>
@@ -4833,24 +6063,12 @@
               <a:buChar char="•"/>
             </a:pPr>
             <a:r>
-              <a:rPr lang="en-US" dirty="0"/>
-              <a:t>Select plugins </a:t>
+              <a:rPr lang="en-US" dirty="0" err="1" smtClean="0"/>
+              <a:t>npm</a:t>
             </a:r>
             <a:r>
               <a:rPr lang="en-US" dirty="0" smtClean="0"/>
-              <a:t>and </a:t>
-            </a:r>
-            <a:r>
-              <a:rPr lang="en-US" dirty="0"/>
-              <a:t>add them to your </a:t>
-            </a:r>
-            <a:r>
-              <a:rPr lang="en-US" dirty="0" err="1"/>
-              <a:t>PostCSS</a:t>
-            </a:r>
-            <a:r>
-              <a:rPr lang="en-US" dirty="0"/>
-              <a:t> process.</a:t>
+              <a:t> (node package manager)</a:t>
             </a:r>
           </a:p>
           <a:p>
@@ -4860,15 +6078,17 @@
             </a:pPr>
             <a:r>
               <a:rPr lang="en-US" dirty="0" smtClean="0"/>
-              <a:t>There are plugins for Grunt, Gulp, </a:t>
-            </a:r>
-            <a:r>
-              <a:rPr lang="en-US" dirty="0" err="1" smtClean="0"/>
-              <a:t>webpack</a:t>
-            </a:r>
+              <a:t>Gulp.js</a:t>
+            </a:r>
+          </a:p>
+          <a:p>
+            <a:pPr marL="457200" indent="-457200">
+              <a:buFont typeface="Arial" panose="020B0604020202020204" pitchFamily="34" charset="0"/>
+              <a:buChar char="•"/>
+            </a:pPr>
             <a:r>
               <a:rPr lang="en-US" dirty="0" smtClean="0"/>
-              <a:t>, Broccoli, Brunch and ENB.</a:t>
+              <a:t>CSS</a:t>
             </a:r>
             <a:endParaRPr lang="en-US" dirty="0"/>
           </a:p>
@@ -4877,25 +6097,16 @@
     </p:spTree>
     <p:extLst>
       <p:ext uri="{BB962C8B-B14F-4D97-AF65-F5344CB8AC3E}">
-        <p14:creationId xmlns:p14="http://schemas.microsoft.com/office/powerpoint/2010/main" val="216392634"/>
+        <p14:creationId xmlns:p14="http://schemas.microsoft.com/office/powerpoint/2010/main" val="3060360801"/>
       </p:ext>
     </p:extLst>
   </p:cSld>
   <p:clrMapOvr>
     <a:masterClrMapping/>
   </p:clrMapOvr>
-  <mc:AlternateContent xmlns:mc="http://schemas.openxmlformats.org/markup-compatibility/2006">
-    <mc:Choice xmlns:p14="http://schemas.microsoft.com/office/powerpoint/2010/main" Requires="p14">
-      <p:transition spd="med" p14:dur="700">
-        <p:fade/>
-      </p:transition>
-    </mc:Choice>
-    <mc:Fallback>
-      <p:transition xmlns:p14="http://schemas.microsoft.com/office/powerpoint/2010/main" spd="med">
-        <p:fade/>
-      </p:transition>
-    </mc:Fallback>
-  </mc:AlternateContent>
+  <p:transition xmlns:p14="http://schemas.microsoft.com/office/powerpoint/2010/main" spd="slow">
+    <p:push/>
+  </p:transition>
   <p:timing>
     <p:tnLst>
       <p:par>
@@ -4930,7 +6141,7 @@
             <a:spLocks noGrp="1"/>
           </p:cNvSpPr>
           <p:nvPr>
-            <p:ph type="ctrTitle"/>
+            <p:ph type="title"/>
           </p:nvPr>
         </p:nvSpPr>
         <p:spPr/>
@@ -4939,8 +6150,8 @@
           <a:lstStyle/>
           <a:p>
             <a:r>
-              <a:rPr lang="hr-HR" dirty="0" err="1" smtClean="0"/>
-              <a:t>Plugins</a:t>
+              <a:rPr lang="en-US" dirty="0" smtClean="0"/>
+              <a:t>Usage</a:t>
             </a:r>
             <a:endParaRPr lang="en-US" dirty="0"/>
           </a:p>
@@ -4953,243 +6164,93 @@
             <a:spLocks noGrp="1"/>
           </p:cNvSpPr>
           <p:nvPr>
-            <p:ph type="subTitle" idx="1"/>
+            <p:ph idx="1"/>
           </p:nvPr>
         </p:nvSpPr>
-        <p:spPr>
-          <a:xfrm>
-            <a:off x="611560" y="1563638"/>
-            <a:ext cx="6192688" cy="3384376"/>
-          </a:xfrm>
-        </p:spPr>
+        <p:spPr/>
         <p:txBody>
           <a:bodyPr>
-            <a:normAutofit fontScale="92500" lnSpcReduction="20000"/>
+            <a:normAutofit/>
           </a:bodyPr>
           <a:lstStyle/>
           <a:p>
             <a:pPr marL="457200" indent="-457200">
-              <a:lnSpc>
-                <a:spcPct val="110000"/>
-              </a:lnSpc>
-              <a:buFont typeface="Arial"/>
+              <a:buFont typeface="Arial" panose="020B0604020202020204" pitchFamily="34" charset="0"/>
               <a:buChar char="•"/>
             </a:pPr>
             <a:r>
-              <a:rPr lang="ta-IN" dirty="0" smtClean="0"/>
-              <a:t>Mixins</a:t>
-            </a:r>
-            <a:r>
-              <a:rPr lang="ta-IN" dirty="0"/>
-              <a:t> – </a:t>
-            </a:r>
-            <a:r>
-              <a:rPr lang="en-US" dirty="0" err="1" smtClean="0"/>
-              <a:t>postcss</a:t>
+              <a:rPr lang="en-US" dirty="0"/>
+              <a:t>Add </a:t>
             </a:r>
             <a:r>
               <a:rPr lang="en-US" dirty="0" err="1"/>
-              <a:t>-mixins</a:t>
-            </a:r>
-            <a:endParaRPr lang="en-US" dirty="0"/>
+              <a:t>PostCSS</a:t>
+            </a:r>
+            <a:r>
+              <a:rPr lang="en-US" dirty="0"/>
+              <a:t> to your build tool.</a:t>
+            </a:r>
           </a:p>
           <a:p>
             <a:pPr marL="457200" indent="-457200">
-              <a:lnSpc>
-                <a:spcPct val="110000"/>
-              </a:lnSpc>
-              <a:buFont typeface="Arial"/>
+              <a:buFont typeface="Arial" panose="020B0604020202020204" pitchFamily="34" charset="0"/>
               <a:buChar char="•"/>
             </a:pPr>
             <a:r>
-              <a:rPr lang="ta-IN" dirty="0"/>
-              <a:t>Variables – </a:t>
+              <a:rPr lang="en-US" dirty="0"/>
+              <a:t>Select plugins </a:t>
+            </a:r>
+            <a:r>
+              <a:rPr lang="en-US" dirty="0" smtClean="0"/>
+              <a:t>and </a:t>
+            </a:r>
+            <a:r>
+              <a:rPr lang="en-US" dirty="0"/>
+              <a:t>add them to your </a:t>
             </a:r>
             <a:r>
               <a:rPr lang="en-US" dirty="0" err="1"/>
-              <a:t>postcss</a:t>
+              <a:t>PostCSS</a:t>
             </a:r>
             <a:r>
               <a:rPr lang="en-US" dirty="0"/>
-              <a:t>-simple-</a:t>
-            </a:r>
-            <a:r>
-              <a:rPr lang="en-US" dirty="0" err="1"/>
-              <a:t>vars</a:t>
-            </a:r>
-            <a:endParaRPr lang="en-US" dirty="0"/>
+              <a:t> process.</a:t>
+            </a:r>
           </a:p>
           <a:p>
             <a:pPr marL="457200" indent="-457200">
-              <a:lnSpc>
-                <a:spcPct val="110000"/>
-              </a:lnSpc>
-              <a:buFont typeface="Arial"/>
+              <a:buFont typeface="Arial" panose="020B0604020202020204" pitchFamily="34" charset="0"/>
               <a:buChar char="•"/>
             </a:pPr>
             <a:r>
-              <a:rPr lang="ta-IN" dirty="0" smtClean="0"/>
-              <a:t>Nesting</a:t>
-            </a:r>
-            <a:r>
-              <a:rPr lang="ta-IN" dirty="0"/>
-              <a:t> – </a:t>
+              <a:rPr lang="en-US" dirty="0" smtClean="0"/>
+              <a:t>There are plugins for Grunt, Gulp, </a:t>
             </a:r>
             <a:r>
               <a:rPr lang="en-US" dirty="0" err="1" smtClean="0"/>
-              <a:t>postcss</a:t>
-            </a:r>
-            <a:r>
-              <a:rPr lang="en-US" dirty="0"/>
-              <a:t>-nested</a:t>
-            </a:r>
-          </a:p>
-          <a:p>
-            <a:pPr marL="457200" indent="-457200">
-              <a:lnSpc>
-                <a:spcPct val="110000"/>
-              </a:lnSpc>
-              <a:buFont typeface="Arial"/>
-              <a:buChar char="•"/>
-            </a:pPr>
-            <a:r>
-              <a:rPr lang="ta-IN" dirty="0"/>
-              <a:t>C</a:t>
-            </a:r>
-            <a:r>
-              <a:rPr lang="en-US" dirty="0" err="1"/>
-              <a:t>ustom</a:t>
-            </a:r>
-            <a:r>
-              <a:rPr lang="ta-IN" dirty="0"/>
-              <a:t> </a:t>
-            </a:r>
-            <a:r>
-              <a:rPr lang="en-US" dirty="0"/>
-              <a:t>Media</a:t>
-            </a:r>
-            <a:r>
-              <a:rPr lang="ta-IN" dirty="0"/>
-              <a:t> </a:t>
-            </a:r>
-            <a:r>
-              <a:rPr lang="ta-IN" dirty="0" smtClean="0"/>
-              <a:t>Queries</a:t>
-            </a:r>
-            <a:r>
-              <a:rPr lang="ta-IN" dirty="0"/>
-              <a:t> – </a:t>
-            </a:r>
-            <a:r>
-              <a:rPr lang="en-US" dirty="0" err="1" smtClean="0"/>
-              <a:t>postcss</a:t>
-            </a:r>
-            <a:r>
-              <a:rPr lang="en-US" dirty="0"/>
-              <a:t>-custom-media</a:t>
-            </a:r>
-          </a:p>
-          <a:p>
-            <a:pPr marL="457200" indent="-457200">
-              <a:lnSpc>
-                <a:spcPct val="110000"/>
-              </a:lnSpc>
-              <a:buFont typeface="Arial"/>
-              <a:buChar char="•"/>
-            </a:pPr>
-            <a:r>
-              <a:rPr lang="ta-IN" dirty="0"/>
-              <a:t>Minification – </a:t>
-            </a:r>
-            <a:r>
-              <a:rPr lang="en-US" dirty="0" err="1"/>
-              <a:t>cssnano</a:t>
+              <a:t>webpack</a:t>
+            </a:r>
+            <a:r>
+              <a:rPr lang="en-US" dirty="0" smtClean="0"/>
+              <a:t>, Broccoli, Brunch and ENB.</a:t>
             </a:r>
             <a:endParaRPr lang="en-US" dirty="0"/>
-          </a:p>
-          <a:p>
-            <a:pPr marL="457200" indent="-457200">
-              <a:lnSpc>
-                <a:spcPct val="110000"/>
-              </a:lnSpc>
-              <a:buFont typeface="Arial"/>
-              <a:buChar char="•"/>
-            </a:pPr>
-            <a:r>
-              <a:rPr lang="ta-IN" dirty="0"/>
-              <a:t>Pixels to </a:t>
-            </a:r>
-            <a:r>
-              <a:rPr lang="ta-IN" dirty="0" smtClean="0"/>
-              <a:t>REM</a:t>
-            </a:r>
-            <a:r>
-              <a:rPr lang="ta-IN" dirty="0"/>
-              <a:t> – </a:t>
-            </a:r>
-            <a:r>
-              <a:rPr lang="en-US" dirty="0" err="1" smtClean="0"/>
-              <a:t>postcss</a:t>
-            </a:r>
-            <a:r>
-              <a:rPr lang="en-US" dirty="0" err="1"/>
-              <a:t>-pxtorem</a:t>
-            </a:r>
-            <a:endParaRPr lang="en-US" dirty="0"/>
-          </a:p>
-          <a:p>
-            <a:pPr marL="457200" indent="-457200">
-              <a:lnSpc>
-                <a:spcPct val="110000"/>
-              </a:lnSpc>
-              <a:buFont typeface="Arial"/>
-              <a:buChar char="•"/>
-            </a:pPr>
-            <a:r>
-              <a:rPr lang="ta-IN" dirty="0" smtClean="0"/>
-              <a:t>A</a:t>
-            </a:r>
-            <a:r>
-              <a:rPr lang="en-US" dirty="0" err="1" smtClean="0"/>
-              <a:t>utoprefixer</a:t>
-            </a:r>
-            <a:r>
-              <a:rPr lang="ta-IN" dirty="0"/>
-              <a:t> – </a:t>
-            </a:r>
-            <a:r>
-              <a:rPr lang="en-US" dirty="0" err="1" smtClean="0"/>
-              <a:t>autoprefixer</a:t>
-            </a:r>
-            <a:r>
-              <a:rPr lang="en-US" dirty="0"/>
-              <a:t>-core</a:t>
-            </a:r>
           </a:p>
         </p:txBody>
       </p:sp>
     </p:spTree>
     <p:extLst>
       <p:ext uri="{BB962C8B-B14F-4D97-AF65-F5344CB8AC3E}">
-        <p14:creationId xmlns:p14="http://schemas.microsoft.com/office/powerpoint/2010/main" val="3267037310"/>
+        <p14:creationId xmlns:p14="http://schemas.microsoft.com/office/powerpoint/2010/main" val="216392634"/>
       </p:ext>
     </p:extLst>
   </p:cSld>
   <p:clrMapOvr>
     <a:masterClrMapping/>
   </p:clrMapOvr>
-  <mc:AlternateContent xmlns:mc="http://schemas.openxmlformats.org/markup-compatibility/2006">
-    <mc:Choice xmlns:p14="http://schemas.microsoft.com/office/powerpoint/2010/main" Requires="p14">
-      <p:transition spd="med" p14:dur="700">
-        <p:fade/>
-      </p:transition>
-    </mc:Choice>
-    <mc:Fallback>
-      <p:transition xmlns:p14="http://schemas.microsoft.com/office/powerpoint/2010/main" spd="med">
-        <p:fade/>
-      </p:transition>
-    </mc:Fallback>
-  </mc:AlternateContent>
+  <p:transition xmlns:p14="http://schemas.microsoft.com/office/powerpoint/2010/main" spd="slow">
+    <p:push/>
+  </p:transition>
   <p:timing>
     <p:tnLst>
       <p:par>
@@ -5224,352 +6285,252 @@
             <a:spLocks noGrp="1"/>
           </p:cNvSpPr>
           <p:nvPr>
-            <p:ph type="ctrTitle"/>
+            <p:ph type="title"/>
           </p:nvPr>
         </p:nvSpPr>
-        <p:spPr>
-          <a:xfrm>
-            <a:off x="613792" y="605135"/>
-            <a:ext cx="6910536" cy="1102519"/>
-          </a:xfrm>
-        </p:spPr>
+        <p:spPr/>
+        <p:txBody>
+          <a:bodyPr/>
+          <a:lstStyle/>
+          <a:p>
+            <a:r>
+              <a:rPr lang="hr-HR" dirty="0" err="1" smtClean="0"/>
+              <a:t>Plugins</a:t>
+            </a:r>
+            <a:endParaRPr lang="en-US" dirty="0"/>
+          </a:p>
+        </p:txBody>
+      </p:sp>
+      <p:sp>
+        <p:nvSpPr>
+          <p:cNvPr id="3" name="Subtitle 2"/>
+          <p:cNvSpPr>
+            <a:spLocks noGrp="1"/>
+          </p:cNvSpPr>
+          <p:nvPr>
+            <p:ph idx="1"/>
+          </p:nvPr>
+        </p:nvSpPr>
+        <p:spPr/>
         <p:txBody>
           <a:bodyPr>
-            <a:normAutofit/>
+            <a:normAutofit fontScale="92500" lnSpcReduction="20000"/>
           </a:bodyPr>
           <a:lstStyle/>
           <a:p>
-            <a:r>
-              <a:rPr lang="en-US" dirty="0" smtClean="0"/>
-              <a:t>Performance</a:t>
+            <a:pPr marL="457200" indent="-457200">
+              <a:lnSpc>
+                <a:spcPct val="110000"/>
+              </a:lnSpc>
+              <a:buFont typeface="Arial"/>
+              <a:buChar char="•"/>
+            </a:pPr>
+            <a:r>
+              <a:rPr lang="ta-IN" dirty="0" smtClean="0"/>
+              <a:t>Mixins</a:t>
+            </a:r>
+            <a:r>
+              <a:rPr lang="ta-IN" dirty="0"/>
+              <a:t> – </a:t>
+            </a:r>
+            <a:r>
+              <a:rPr lang="en-US" dirty="0" err="1" smtClean="0"/>
+              <a:t>postcss</a:t>
+            </a:r>
+            <a:r>
+              <a:rPr lang="en-US" dirty="0" err="1"/>
+              <a:t>-mixins</a:t>
             </a:r>
             <a:endParaRPr lang="en-US" dirty="0"/>
           </a:p>
-        </p:txBody>
-      </p:sp>
-      <p:graphicFrame>
-        <p:nvGraphicFramePr>
-          <p:cNvPr id="7" name="Chart 6"/>
-          <p:cNvGraphicFramePr/>
-          <p:nvPr>
-            <p:extLst>
-              <p:ext uri="{D42A27DB-BD31-4B8C-83A1-F6EECF244321}">
-                <p14:modId xmlns:p14="http://schemas.microsoft.com/office/powerpoint/2010/main" val="3631849556"/>
-              </p:ext>
-            </p:extLst>
-          </p:nvPr>
-        </p:nvGraphicFramePr>
-        <p:xfrm>
-          <a:off x="672231" y="1131590"/>
-          <a:ext cx="5184576" cy="3096344"/>
-        </p:xfrm>
-        <a:graphic>
-          <a:graphicData uri="http://schemas.openxmlformats.org/drawingml/2006/chart">
-            <c:chart xmlns:c="http://schemas.openxmlformats.org/drawingml/2006/chart" xmlns:r="http://schemas.openxmlformats.org/officeDocument/2006/relationships" r:id="rId3"/>
-          </a:graphicData>
-        </a:graphic>
-      </p:graphicFrame>
-      <p:sp>
-        <p:nvSpPr>
-          <p:cNvPr id="8" name="TextBox 7"/>
-          <p:cNvSpPr txBox="1"/>
-          <p:nvPr/>
-        </p:nvSpPr>
-        <p:spPr>
-          <a:xfrm>
-            <a:off x="1596998" y="1534020"/>
-            <a:ext cx="620683" cy="307777"/>
-          </a:xfrm>
-          <a:prstGeom prst="rect">
-            <a:avLst/>
-          </a:prstGeom>
-          <a:noFill/>
-        </p:spPr>
-        <p:txBody>
-          <a:bodyPr wrap="none" rtlCol="0">
-            <a:spAutoFit/>
-          </a:bodyPr>
-          <a:lstStyle/>
-          <a:p>
-            <a:r>
-              <a:rPr lang="en-US" sz="1400" dirty="0" smtClean="0">
-                <a:solidFill>
-                  <a:schemeClr val="bg1"/>
-                </a:solidFill>
-              </a:rPr>
-              <a:t>36 </a:t>
-            </a:r>
-            <a:r>
-              <a:rPr lang="en-US" sz="1400" dirty="0" err="1" smtClean="0">
-                <a:solidFill>
-                  <a:schemeClr val="bg1"/>
-                </a:solidFill>
-              </a:rPr>
-              <a:t>ms</a:t>
-            </a:r>
-            <a:endParaRPr lang="en-US" sz="1400" dirty="0">
-              <a:solidFill>
-                <a:schemeClr val="bg1"/>
-              </a:solidFill>
-            </a:endParaRPr>
-          </a:p>
-        </p:txBody>
-      </p:sp>
-      <p:sp>
-        <p:nvSpPr>
-          <p:cNvPr id="9" name="TextBox 8"/>
-          <p:cNvSpPr txBox="1"/>
-          <p:nvPr/>
-        </p:nvSpPr>
-        <p:spPr>
-          <a:xfrm>
-            <a:off x="2029045" y="2091639"/>
-            <a:ext cx="712054" cy="307777"/>
-          </a:xfrm>
-          <a:prstGeom prst="rect">
-            <a:avLst/>
-          </a:prstGeom>
-          <a:noFill/>
-        </p:spPr>
-        <p:txBody>
-          <a:bodyPr wrap="none" rtlCol="0">
-            <a:spAutoFit/>
-          </a:bodyPr>
-          <a:lstStyle/>
-          <a:p>
-            <a:r>
-              <a:rPr lang="en-US" sz="1400" dirty="0" smtClean="0">
-                <a:solidFill>
-                  <a:schemeClr val="bg1"/>
-                </a:solidFill>
-              </a:rPr>
-              <a:t>136 </a:t>
-            </a:r>
-            <a:r>
-              <a:rPr lang="en-US" sz="1400" dirty="0" err="1" smtClean="0">
-                <a:solidFill>
-                  <a:schemeClr val="bg1"/>
-                </a:solidFill>
-              </a:rPr>
-              <a:t>ms</a:t>
-            </a:r>
-            <a:endParaRPr lang="en-US" sz="1400" dirty="0">
-              <a:solidFill>
-                <a:schemeClr val="bg1"/>
-              </a:solidFill>
-            </a:endParaRPr>
-          </a:p>
-        </p:txBody>
-      </p:sp>
-      <p:sp>
-        <p:nvSpPr>
-          <p:cNvPr id="10" name="TextBox 9"/>
-          <p:cNvSpPr txBox="1"/>
-          <p:nvPr/>
-        </p:nvSpPr>
-        <p:spPr>
-          <a:xfrm>
-            <a:off x="2101054" y="2657830"/>
-            <a:ext cx="712054" cy="307777"/>
-          </a:xfrm>
-          <a:prstGeom prst="rect">
-            <a:avLst/>
-          </a:prstGeom>
-          <a:noFill/>
-        </p:spPr>
-        <p:txBody>
-          <a:bodyPr wrap="none" rtlCol="0">
-            <a:spAutoFit/>
-          </a:bodyPr>
-          <a:lstStyle/>
-          <a:p>
-            <a:r>
-              <a:rPr lang="en-US" sz="1400" dirty="0" smtClean="0">
-                <a:solidFill>
-                  <a:schemeClr val="bg1"/>
-                </a:solidFill>
-              </a:rPr>
-              <a:t>160 </a:t>
-            </a:r>
-            <a:r>
-              <a:rPr lang="en-US" sz="1400" dirty="0" err="1" smtClean="0">
-                <a:solidFill>
-                  <a:schemeClr val="bg1"/>
-                </a:solidFill>
-              </a:rPr>
-              <a:t>ms</a:t>
-            </a:r>
-            <a:endParaRPr lang="en-US" sz="1400" dirty="0">
-              <a:solidFill>
-                <a:schemeClr val="bg1"/>
-              </a:solidFill>
-            </a:endParaRPr>
-          </a:p>
-        </p:txBody>
-      </p:sp>
-      <p:sp>
-        <p:nvSpPr>
-          <p:cNvPr id="11" name="TextBox 10"/>
-          <p:cNvSpPr txBox="1"/>
-          <p:nvPr/>
-        </p:nvSpPr>
-        <p:spPr>
-          <a:xfrm>
-            <a:off x="2173062" y="3215449"/>
-            <a:ext cx="712054" cy="307777"/>
-          </a:xfrm>
-          <a:prstGeom prst="rect">
-            <a:avLst/>
-          </a:prstGeom>
-          <a:noFill/>
-        </p:spPr>
-        <p:txBody>
-          <a:bodyPr wrap="none" rtlCol="0">
-            <a:spAutoFit/>
-          </a:bodyPr>
-          <a:lstStyle/>
-          <a:p>
-            <a:r>
-              <a:rPr lang="en-US" sz="1400" dirty="0" smtClean="0">
-                <a:solidFill>
-                  <a:schemeClr val="bg1"/>
-                </a:solidFill>
-              </a:rPr>
-              <a:t>167 </a:t>
-            </a:r>
-            <a:r>
-              <a:rPr lang="en-US" sz="1400" dirty="0" err="1" smtClean="0">
-                <a:solidFill>
-                  <a:schemeClr val="bg1"/>
-                </a:solidFill>
-              </a:rPr>
-              <a:t>ms</a:t>
-            </a:r>
-            <a:endParaRPr lang="en-US" sz="1400" dirty="0">
-              <a:solidFill>
-                <a:schemeClr val="bg1"/>
-              </a:solidFill>
-            </a:endParaRPr>
-          </a:p>
-        </p:txBody>
-      </p:sp>
-      <p:sp>
-        <p:nvSpPr>
-          <p:cNvPr id="12" name="TextBox 11"/>
-          <p:cNvSpPr txBox="1"/>
-          <p:nvPr/>
-        </p:nvSpPr>
-        <p:spPr>
-          <a:xfrm>
-            <a:off x="5424759" y="3795886"/>
-            <a:ext cx="803425" cy="307777"/>
-          </a:xfrm>
-          <a:prstGeom prst="rect">
-            <a:avLst/>
-          </a:prstGeom>
-          <a:noFill/>
-        </p:spPr>
-        <p:txBody>
-          <a:bodyPr wrap="none" rtlCol="0">
-            <a:spAutoFit/>
-          </a:bodyPr>
-          <a:lstStyle/>
-          <a:p>
-            <a:r>
-              <a:rPr lang="en-US" sz="1400" dirty="0" smtClean="0">
-                <a:solidFill>
-                  <a:schemeClr val="bg1"/>
-                </a:solidFill>
-              </a:rPr>
-              <a:t>1084 </a:t>
-            </a:r>
-            <a:r>
-              <a:rPr lang="en-US" sz="1400" dirty="0" err="1" smtClean="0">
-                <a:solidFill>
-                  <a:schemeClr val="bg1"/>
-                </a:solidFill>
-              </a:rPr>
-              <a:t>ms</a:t>
-            </a:r>
-            <a:endParaRPr lang="en-US" sz="1400" dirty="0">
-              <a:solidFill>
-                <a:schemeClr val="bg1"/>
-              </a:solidFill>
-            </a:endParaRPr>
-          </a:p>
-        </p:txBody>
-      </p:sp>
-      <p:sp>
-        <p:nvSpPr>
-          <p:cNvPr id="13" name="TextBox 12"/>
-          <p:cNvSpPr txBox="1"/>
-          <p:nvPr/>
-        </p:nvSpPr>
-        <p:spPr>
-          <a:xfrm>
-            <a:off x="607770" y="4304142"/>
-            <a:ext cx="2653547" cy="307777"/>
-          </a:xfrm>
-          <a:prstGeom prst="rect">
-            <a:avLst/>
-          </a:prstGeom>
-          <a:noFill/>
-        </p:spPr>
-        <p:txBody>
-          <a:bodyPr wrap="none" rtlCol="0">
-            <a:spAutoFit/>
-          </a:bodyPr>
-          <a:lstStyle/>
-          <a:p>
-            <a:r>
-              <a:rPr lang="en-US" sz="1400" dirty="0" smtClean="0">
-                <a:solidFill>
-                  <a:schemeClr val="bg1"/>
-                </a:solidFill>
-              </a:rPr>
-              <a:t>Source</a:t>
-            </a:r>
-            <a:r>
-              <a:rPr lang="en-US" sz="1400" dirty="0" smtClean="0">
-                <a:noFill/>
-              </a:rPr>
-              <a:t>: </a:t>
-            </a:r>
-            <a:r>
-              <a:rPr lang="en-US" sz="1400" dirty="0" smtClean="0">
-                <a:noFill/>
-                <a:hlinkClick r:id="rId4"/>
-              </a:rPr>
-              <a:t>Preprocessors benchmark</a:t>
-            </a:r>
-            <a:endParaRPr lang="en-US" sz="1400" dirty="0">
-              <a:noFill/>
-            </a:endParaRPr>
+          <a:p>
+            <a:pPr marL="457200" indent="-457200">
+              <a:lnSpc>
+                <a:spcPct val="110000"/>
+              </a:lnSpc>
+              <a:buFont typeface="Arial"/>
+              <a:buChar char="•"/>
+            </a:pPr>
+            <a:r>
+              <a:rPr lang="ta-IN" dirty="0"/>
+              <a:t>Variables – </a:t>
+            </a:r>
+            <a:r>
+              <a:rPr lang="en-US" dirty="0" err="1"/>
+              <a:t>postcss</a:t>
+            </a:r>
+            <a:r>
+              <a:rPr lang="en-US" dirty="0"/>
+              <a:t>-simple-</a:t>
+            </a:r>
+            <a:r>
+              <a:rPr lang="en-US" dirty="0" err="1"/>
+              <a:t>vars</a:t>
+            </a:r>
+            <a:endParaRPr lang="en-US" dirty="0"/>
+          </a:p>
+          <a:p>
+            <a:pPr marL="457200" indent="-457200">
+              <a:lnSpc>
+                <a:spcPct val="110000"/>
+              </a:lnSpc>
+              <a:buFont typeface="Arial"/>
+              <a:buChar char="•"/>
+            </a:pPr>
+            <a:r>
+              <a:rPr lang="ta-IN" dirty="0" smtClean="0"/>
+              <a:t>Nesting</a:t>
+            </a:r>
+            <a:r>
+              <a:rPr lang="ta-IN" dirty="0"/>
+              <a:t> – </a:t>
+            </a:r>
+            <a:r>
+              <a:rPr lang="en-US" dirty="0" err="1" smtClean="0"/>
+              <a:t>postcss</a:t>
+            </a:r>
+            <a:r>
+              <a:rPr lang="en-US" dirty="0"/>
+              <a:t>-nested</a:t>
+            </a:r>
+          </a:p>
+          <a:p>
+            <a:pPr marL="457200" indent="-457200">
+              <a:lnSpc>
+                <a:spcPct val="110000"/>
+              </a:lnSpc>
+              <a:buFont typeface="Arial"/>
+              <a:buChar char="•"/>
+            </a:pPr>
+            <a:r>
+              <a:rPr lang="ta-IN" dirty="0"/>
+              <a:t>C</a:t>
+            </a:r>
+            <a:r>
+              <a:rPr lang="en-US" dirty="0" err="1"/>
+              <a:t>ustom</a:t>
+            </a:r>
+            <a:r>
+              <a:rPr lang="ta-IN" dirty="0"/>
+              <a:t> </a:t>
+            </a:r>
+            <a:r>
+              <a:rPr lang="en-US" dirty="0"/>
+              <a:t>Media</a:t>
+            </a:r>
+            <a:r>
+              <a:rPr lang="ta-IN" dirty="0"/>
+              <a:t> </a:t>
+            </a:r>
+            <a:r>
+              <a:rPr lang="ta-IN" dirty="0" smtClean="0"/>
+              <a:t>Queries</a:t>
+            </a:r>
+            <a:r>
+              <a:rPr lang="ta-IN" dirty="0"/>
+              <a:t> – </a:t>
+            </a:r>
+            <a:r>
+              <a:rPr lang="en-US" dirty="0" err="1" smtClean="0"/>
+              <a:t>postcss</a:t>
+            </a:r>
+            <a:r>
+              <a:rPr lang="en-US" dirty="0"/>
+              <a:t>-custom-media</a:t>
+            </a:r>
+          </a:p>
+          <a:p>
+            <a:pPr marL="457200" indent="-457200">
+              <a:lnSpc>
+                <a:spcPct val="110000"/>
+              </a:lnSpc>
+              <a:buFont typeface="Arial"/>
+              <a:buChar char="•"/>
+            </a:pPr>
+            <a:r>
+              <a:rPr lang="ta-IN" dirty="0"/>
+              <a:t>Minification – </a:t>
+            </a:r>
+            <a:r>
+              <a:rPr lang="en-US" dirty="0" err="1"/>
+              <a:t>cssnano</a:t>
+            </a:r>
+            <a:endParaRPr lang="en-US" dirty="0"/>
+          </a:p>
+          <a:p>
+            <a:pPr marL="457200" indent="-457200">
+              <a:lnSpc>
+                <a:spcPct val="110000"/>
+              </a:lnSpc>
+              <a:buFont typeface="Arial"/>
+              <a:buChar char="•"/>
+            </a:pPr>
+            <a:r>
+              <a:rPr lang="ta-IN" dirty="0"/>
+              <a:t>Pixels to </a:t>
+            </a:r>
+            <a:r>
+              <a:rPr lang="ta-IN" dirty="0" smtClean="0"/>
+              <a:t>REM</a:t>
+            </a:r>
+            <a:r>
+              <a:rPr lang="ta-IN" dirty="0"/>
+              <a:t> – </a:t>
+            </a:r>
+            <a:r>
+              <a:rPr lang="en-US" dirty="0" err="1" smtClean="0"/>
+              <a:t>postcss</a:t>
+            </a:r>
+            <a:r>
+              <a:rPr lang="en-US" dirty="0" err="1"/>
+              <a:t>-pxtorem</a:t>
+            </a:r>
+            <a:endParaRPr lang="en-US" dirty="0"/>
+          </a:p>
+          <a:p>
+            <a:pPr marL="457200" indent="-457200">
+              <a:lnSpc>
+                <a:spcPct val="110000"/>
+              </a:lnSpc>
+              <a:buFont typeface="Arial"/>
+              <a:buChar char="•"/>
+            </a:pPr>
+            <a:r>
+              <a:rPr lang="ta-IN" dirty="0" smtClean="0"/>
+              <a:t>A</a:t>
+            </a:r>
+            <a:r>
+              <a:rPr lang="en-US" dirty="0" err="1" smtClean="0"/>
+              <a:t>utoprefixer</a:t>
+            </a:r>
+            <a:r>
+              <a:rPr lang="ta-IN" dirty="0"/>
+              <a:t> – </a:t>
+            </a:r>
+            <a:r>
+              <a:rPr lang="en-US" dirty="0" err="1" smtClean="0"/>
+              <a:t>autoprefixer</a:t>
+            </a:r>
+            <a:r>
+              <a:rPr lang="en-US" dirty="0"/>
+              <a:t>-core</a:t>
+            </a:r>
           </a:p>
         </p:txBody>
       </p:sp>
     </p:spTree>
     <p:extLst>
       <p:ext uri="{BB962C8B-B14F-4D97-AF65-F5344CB8AC3E}">
-        <p14:creationId xmlns:p14="http://schemas.microsoft.com/office/powerpoint/2010/main" val="1266343164"/>
+        <p14:creationId xmlns:p14="http://schemas.microsoft.com/office/powerpoint/2010/main" val="3267037310"/>
       </p:ext>
     </p:extLst>
   </p:cSld>
   <p:clrMapOvr>
     <a:masterClrMapping/>
   </p:clrMapOvr>
-  <mc:AlternateContent xmlns:mc="http://schemas.openxmlformats.org/markup-compatibility/2006">
-    <mc:Choice xmlns:p14="http://schemas.microsoft.com/office/powerpoint/2010/main" Requires="p14">
-      <p:transition spd="med" p14:dur="700">
-        <p:fade/>
-      </p:transition>
-    </mc:Choice>
-    <mc:Fallback>
-      <p:transition xmlns:p14="http://schemas.microsoft.com/office/powerpoint/2010/main" spd="med">
-        <p:fade/>
-      </p:transition>
-    </mc:Fallback>
-  </mc:AlternateContent>
+  <p:transition xmlns:p14="http://schemas.microsoft.com/office/powerpoint/2010/main" spd="slow">
+    <p:push/>
+  </p:transition>
   <p:timing>
     <p:tnLst>
       <p:par>
@@ -5658,7 +6619,7 @@
         </p:nvSpPr>
         <p:spPr>
           <a:xfrm>
-            <a:off x="685800" y="677143"/>
+            <a:off x="685800" y="677155"/>
             <a:ext cx="5830416" cy="1102519"/>
           </a:xfrm>
         </p:spPr>
@@ -5698,18 +6659,9 @@
   <p:clrMapOvr>
     <a:masterClrMapping/>
   </p:clrMapOvr>
-  <mc:AlternateContent xmlns:mc="http://schemas.openxmlformats.org/markup-compatibility/2006">
-    <mc:Choice xmlns:p14="http://schemas.microsoft.com/office/powerpoint/2010/main" Requires="p14">
-      <p:transition spd="med" p14:dur="700">
-        <p:fade/>
-      </p:transition>
-    </mc:Choice>
-    <mc:Fallback>
-      <p:transition xmlns:p14="http://schemas.microsoft.com/office/powerpoint/2010/main" spd="med">
-        <p:fade/>
-      </p:transition>
-    </mc:Fallback>
-  </mc:AlternateContent>
+  <p:transition xmlns:p14="http://schemas.microsoft.com/office/powerpoint/2010/main" spd="slow">
+    <p:push/>
+  </p:transition>
   <p:timing>
     <p:tnLst>
       <p:par>
@@ -5720,10 +6672,16 @@
 </p:sld>
 </file>
 
+<file path=ppt/tags/tag1.xml><?xml version="1.0" encoding="utf-8"?>
+<p:tagLst xmlns:a="http://schemas.openxmlformats.org/drawingml/2006/main" xmlns:r="http://schemas.openxmlformats.org/officeDocument/2006/relationships" xmlns:p="http://schemas.openxmlformats.org/presentationml/2006/main">
+  <p:tag name="TIMING" val="|72.2"/>
+</p:tagLst>
+</file>
+
 <file path=ppt/theme/theme1.xml><?xml version="1.0" encoding="utf-8"?>
 <a:theme xmlns:a="http://schemas.openxmlformats.org/drawingml/2006/main" name="Office Theme">
   <a:themeElements>
-    <a:clrScheme name="Custom 1">
+    <a:clrScheme name="Custom 2">
       <a:dk1>
         <a:sysClr val="windowText" lastClr="000000"/>
       </a:dk1>
@@ -5755,7 +6713,7 @@
         <a:srgbClr val="F79646"/>
       </a:accent6>
       <a:hlink>
-        <a:srgbClr val="FFFCF1"/>
+        <a:srgbClr val="FF2435"/>
       </a:hlink>
       <a:folHlink>
         <a:srgbClr val="800080"/>
@@ -6260,8 +7218,328 @@
   <a:extraClrSchemeLst/>
   <a:extLst>
     <a:ext uri="{05A4C25C-085E-4340-85A3-A5531E510DB2}">
-      <thm15:themeFamily xmlns="" xmlns:thm15="http://schemas.microsoft.com/office/thememl/2012/main" name="Office Theme" id="{62F939B6-93AF-4DB8-9C6B-D6C7DFDC589F}" vid="{4A3C46E8-61CC-4603-A589-7422A47A8E4A}"/>
+      <thm15:themeFamily xmlns:thm15="http://schemas.microsoft.com/office/thememl/2012/main" xmlns="" name="Office Theme" id="{62F939B6-93AF-4DB8-9C6B-D6C7DFDC589F}" vid="{4A3C46E8-61CC-4603-A589-7422A47A8E4A}"/>
     </a:ext>
   </a:extLst>
 </a:theme>
+</file>
+
+<file path=ppt/theme/theme3.xml><?xml version="1.0" encoding="utf-8"?>
+<a:theme xmlns:a="http://schemas.openxmlformats.org/drawingml/2006/main" name="Office Theme">
+  <a:themeElements>
+    <a:clrScheme name="Office">
+      <a:dk1>
+        <a:sysClr val="windowText" lastClr="000000"/>
+      </a:dk1>
+      <a:lt1>
+        <a:sysClr val="window" lastClr="FFFFFF"/>
+      </a:lt1>
+      <a:dk2>
+        <a:srgbClr val="1F497D"/>
+      </a:dk2>
+      <a:lt2>
+        <a:srgbClr val="EEECE1"/>
+      </a:lt2>
+      <a:accent1>
+        <a:srgbClr val="4F81BD"/>
+      </a:accent1>
+      <a:accent2>
+        <a:srgbClr val="C0504D"/>
+      </a:accent2>
+      <a:accent3>
+        <a:srgbClr val="9BBB59"/>
+      </a:accent3>
+      <a:accent4>
+        <a:srgbClr val="8064A2"/>
+      </a:accent4>
+      <a:accent5>
+        <a:srgbClr val="4BACC6"/>
+      </a:accent5>
+      <a:accent6>
+        <a:srgbClr val="F79646"/>
+      </a:accent6>
+      <a:hlink>
+        <a:srgbClr val="0000FF"/>
+      </a:hlink>
+      <a:folHlink>
+        <a:srgbClr val="800080"/>
+      </a:folHlink>
+    </a:clrScheme>
+    <a:fontScheme name="Office">
+      <a:majorFont>
+        <a:latin typeface="Calibri"/>
+        <a:ea typeface=""/>
+        <a:cs typeface=""/>
+        <a:font script="Jpan" typeface="ＭＳ Ｐゴシック"/>
+        <a:font script="Hang" typeface="맑은 고딕"/>
+        <a:font script="Hans" typeface="宋体"/>
+        <a:font script="Hant" typeface="新細明體"/>
+        <a:font script="Arab" typeface="Times New Roman"/>
+        <a:font script="Hebr" typeface="Times New Roman"/>
+        <a:font script="Thai" typeface="Angsana New"/>
+        <a:font script="Ethi" typeface="Nyala"/>
+        <a:font script="Beng" typeface="Vrinda"/>
+        <a:font script="Gujr" typeface="Shruti"/>
+        <a:font script="Khmr" typeface="MoolBoran"/>
+        <a:font script="Knda" typeface="Tunga"/>
+        <a:font script="Guru" typeface="Raavi"/>
+        <a:font script="Cans" typeface="Euphemia"/>
+        <a:font script="Cher" typeface="Plantagenet Cherokee"/>
+        <a:font script="Yiii" typeface="Microsoft Yi Baiti"/>
+        <a:font script="Tibt" typeface="Microsoft Himalaya"/>
+        <a:font script="Thaa" typeface="MV Boli"/>
+        <a:font script="Deva" typeface="Mangal"/>
+        <a:font script="Telu" typeface="Gautami"/>
+        <a:font script="Taml" typeface="Latha"/>
+        <a:font script="Syrc" typeface="Estrangelo Edessa"/>
+        <a:font script="Orya" typeface="Kalinga"/>
+        <a:font script="Mlym" typeface="Kartika"/>
+        <a:font script="Laoo" typeface="DokChampa"/>
+        <a:font script="Sinh" typeface="Iskoola Pota"/>
+        <a:font script="Mong" typeface="Mongolian Baiti"/>
+        <a:font script="Viet" typeface="Times New Roman"/>
+        <a:font script="Uigh" typeface="Microsoft Uighur"/>
+        <a:font script="Geor" typeface="Sylfaen"/>
+      </a:majorFont>
+      <a:minorFont>
+        <a:latin typeface="Calibri"/>
+        <a:ea typeface=""/>
+        <a:cs typeface=""/>
+        <a:font script="Jpan" typeface="ＭＳ Ｐゴシック"/>
+        <a:font script="Hang" typeface="맑은 고딕"/>
+        <a:font script="Hans" typeface="宋体"/>
+        <a:font script="Hant" typeface="新細明體"/>
+        <a:font script="Arab" typeface="Arial"/>
+        <a:font script="Hebr" typeface="Arial"/>
+        <a:font script="Thai" typeface="Cordia New"/>
+        <a:font script="Ethi" typeface="Nyala"/>
+        <a:font script="Beng" typeface="Vrinda"/>
+        <a:font script="Gujr" typeface="Shruti"/>
+        <a:font script="Khmr" typeface="DaunPenh"/>
+        <a:font script="Knda" typeface="Tunga"/>
+        <a:font script="Guru" typeface="Raavi"/>
+        <a:font script="Cans" typeface="Euphemia"/>
+        <a:font script="Cher" typeface="Plantagenet Cherokee"/>
+        <a:font script="Yiii" typeface="Microsoft Yi Baiti"/>
+        <a:font script="Tibt" typeface="Microsoft Himalaya"/>
+        <a:font script="Thaa" typeface="MV Boli"/>
+        <a:font script="Deva" typeface="Mangal"/>
+        <a:font script="Telu" typeface="Gautami"/>
+        <a:font script="Taml" typeface="Latha"/>
+        <a:font script="Syrc" typeface="Estrangelo Edessa"/>
+        <a:font script="Orya" typeface="Kalinga"/>
+        <a:font script="Mlym" typeface="Kartika"/>
+        <a:font script="Laoo" typeface="DokChampa"/>
+        <a:font script="Sinh" typeface="Iskoola Pota"/>
+        <a:font script="Mong" typeface="Mongolian Baiti"/>
+        <a:font script="Viet" typeface="Arial"/>
+        <a:font script="Uigh" typeface="Microsoft Uighur"/>
+        <a:font script="Geor" typeface="Sylfaen"/>
+      </a:minorFont>
+    </a:fontScheme>
+    <a:fmtScheme name="Office">
+      <a:fillStyleLst>
+        <a:solidFill>
+          <a:schemeClr val="phClr"/>
+        </a:solidFill>
+        <a:gradFill rotWithShape="1">
+          <a:gsLst>
+            <a:gs pos="0">
+              <a:schemeClr val="phClr">
+                <a:tint val="50000"/>
+                <a:satMod val="300000"/>
+              </a:schemeClr>
+            </a:gs>
+            <a:gs pos="35000">
+              <a:schemeClr val="phClr">
+                <a:tint val="37000"/>
+                <a:satMod val="300000"/>
+              </a:schemeClr>
+            </a:gs>
+            <a:gs pos="100000">
+              <a:schemeClr val="phClr">
+                <a:tint val="15000"/>
+                <a:satMod val="350000"/>
+              </a:schemeClr>
+            </a:gs>
+          </a:gsLst>
+          <a:lin ang="16200000" scaled="1"/>
+        </a:gradFill>
+        <a:gradFill rotWithShape="1">
+          <a:gsLst>
+            <a:gs pos="0">
+              <a:schemeClr val="phClr">
+                <a:tint val="100000"/>
+                <a:shade val="100000"/>
+                <a:satMod val="130000"/>
+              </a:schemeClr>
+            </a:gs>
+            <a:gs pos="100000">
+              <a:schemeClr val="phClr">
+                <a:tint val="50000"/>
+                <a:shade val="100000"/>
+                <a:satMod val="350000"/>
+              </a:schemeClr>
+            </a:gs>
+          </a:gsLst>
+          <a:lin ang="16200000" scaled="0"/>
+        </a:gradFill>
+      </a:fillStyleLst>
+      <a:lnStyleLst>
+        <a:ln w="9525" cap="flat" cmpd="sng" algn="ctr">
+          <a:solidFill>
+            <a:schemeClr val="phClr">
+              <a:shade val="95000"/>
+              <a:satMod val="105000"/>
+            </a:schemeClr>
+          </a:solidFill>
+          <a:prstDash val="solid"/>
+        </a:ln>
+        <a:ln w="25400" cap="flat" cmpd="sng" algn="ctr">
+          <a:solidFill>
+            <a:schemeClr val="phClr"/>
+          </a:solidFill>
+          <a:prstDash val="solid"/>
+        </a:ln>
+        <a:ln w="38100" cap="flat" cmpd="sng" algn="ctr">
+          <a:solidFill>
+            <a:schemeClr val="phClr"/>
+          </a:solidFill>
+          <a:prstDash val="solid"/>
+        </a:ln>
+      </a:lnStyleLst>
+      <a:effectStyleLst>
+        <a:effectStyle>
+          <a:effectLst>
+            <a:outerShdw blurRad="40000" dist="20000" dir="5400000" rotWithShape="0">
+              <a:srgbClr val="000000">
+                <a:alpha val="38000"/>
+              </a:srgbClr>
+            </a:outerShdw>
+          </a:effectLst>
+        </a:effectStyle>
+        <a:effectStyle>
+          <a:effectLst>
+            <a:outerShdw blurRad="40000" dist="23000" dir="5400000" rotWithShape="0">
+              <a:srgbClr val="000000">
+                <a:alpha val="35000"/>
+              </a:srgbClr>
+            </a:outerShdw>
+          </a:effectLst>
+        </a:effectStyle>
+        <a:effectStyle>
+          <a:effectLst>
+            <a:outerShdw blurRad="40000" dist="23000" dir="5400000" rotWithShape="0">
+              <a:srgbClr val="000000">
+                <a:alpha val="35000"/>
+              </a:srgbClr>
+            </a:outerShdw>
+          </a:effectLst>
+          <a:scene3d>
+            <a:camera prst="orthographicFront">
+              <a:rot lat="0" lon="0" rev="0"/>
+            </a:camera>
+            <a:lightRig rig="threePt" dir="t">
+              <a:rot lat="0" lon="0" rev="1200000"/>
+            </a:lightRig>
+          </a:scene3d>
+          <a:sp3d>
+            <a:bevelT w="63500" h="25400"/>
+          </a:sp3d>
+        </a:effectStyle>
+      </a:effectStyleLst>
+      <a:bgFillStyleLst>
+        <a:solidFill>
+          <a:schemeClr val="phClr"/>
+        </a:solidFill>
+        <a:gradFill rotWithShape="1">
+          <a:gsLst>
+            <a:gs pos="0">
+              <a:schemeClr val="phClr">
+                <a:tint val="40000"/>
+                <a:satMod val="350000"/>
+              </a:schemeClr>
+            </a:gs>
+            <a:gs pos="40000">
+              <a:schemeClr val="phClr">
+                <a:tint val="45000"/>
+                <a:shade val="99000"/>
+                <a:satMod val="350000"/>
+              </a:schemeClr>
+            </a:gs>
+            <a:gs pos="100000">
+              <a:schemeClr val="phClr">
+                <a:shade val="20000"/>
+                <a:satMod val="255000"/>
+              </a:schemeClr>
+            </a:gs>
+          </a:gsLst>
+          <a:path path="circle">
+            <a:fillToRect l="50000" t="-80000" r="50000" b="180000"/>
+          </a:path>
+        </a:gradFill>
+        <a:gradFill rotWithShape="1">
+          <a:gsLst>
+            <a:gs pos="0">
+              <a:schemeClr val="phClr">
+                <a:tint val="80000"/>
+                <a:satMod val="300000"/>
+              </a:schemeClr>
+            </a:gs>
+            <a:gs pos="100000">
+              <a:schemeClr val="phClr">
+                <a:shade val="30000"/>
+                <a:satMod val="200000"/>
+              </a:schemeClr>
+            </a:gs>
+          </a:gsLst>
+          <a:path path="circle">
+            <a:fillToRect l="50000" t="50000" r="50000" b="50000"/>
+          </a:path>
+        </a:gradFill>
+      </a:bgFillStyleLst>
+    </a:fmtScheme>
+  </a:themeElements>
+  <a:objectDefaults>
+    <a:spDef>
+      <a:spPr/>
+      <a:bodyPr/>
+      <a:lstStyle/>
+      <a:style>
+        <a:lnRef idx="1">
+          <a:schemeClr val="accent1"/>
+        </a:lnRef>
+        <a:fillRef idx="3">
+          <a:schemeClr val="accent1"/>
+        </a:fillRef>
+        <a:effectRef idx="2">
+          <a:schemeClr val="accent1"/>
+        </a:effectRef>
+        <a:fontRef idx="minor">
+          <a:schemeClr val="lt1"/>
+        </a:fontRef>
+      </a:style>
+    </a:spDef>
+    <a:lnDef>
+      <a:spPr/>
+      <a:bodyPr/>
+      <a:lstStyle/>
+      <a:style>
+        <a:lnRef idx="2">
+          <a:schemeClr val="accent1"/>
+        </a:lnRef>
+        <a:fillRef idx="0">
+          <a:schemeClr val="accent1"/>
+        </a:fillRef>
+        <a:effectRef idx="1">
+          <a:schemeClr val="accent1"/>
+        </a:effectRef>
+        <a:fontRef idx="minor">
+          <a:schemeClr val="tx1"/>
+        </a:fontRef>
+      </a:style>
+    </a:lnDef>
+  </a:objectDefaults>
+  <a:extraClrSchemeLst/>
+</a:theme>
 </file>
--- a/PostCSS.pptx
+++ b/PostCSS.pptx
@@ -5,19 +5,22 @@
     <p:sldMasterId id="2147483648" r:id="rId1"/>
   </p:sldMasterIdLst>
   <p:notesMasterIdLst>
-    <p:notesMasterId r:id="rId9"/>
+    <p:notesMasterId r:id="rId12"/>
   </p:notesMasterIdLst>
   <p:handoutMasterIdLst>
-    <p:handoutMasterId r:id="rId10"/>
+    <p:handoutMasterId r:id="rId13"/>
   </p:handoutMasterIdLst>
   <p:sldIdLst>
     <p:sldId id="256" r:id="rId2"/>
     <p:sldId id="257" r:id="rId3"/>
-    <p:sldId id="260" r:id="rId4"/>
-    <p:sldId id="258" r:id="rId5"/>
-    <p:sldId id="259" r:id="rId6"/>
-    <p:sldId id="261" r:id="rId7"/>
-    <p:sldId id="262" r:id="rId8"/>
+    <p:sldId id="264" r:id="rId4"/>
+    <p:sldId id="263" r:id="rId5"/>
+    <p:sldId id="265" r:id="rId6"/>
+    <p:sldId id="260" r:id="rId7"/>
+    <p:sldId id="258" r:id="rId8"/>
+    <p:sldId id="259" r:id="rId9"/>
+    <p:sldId id="261" r:id="rId10"/>
+    <p:sldId id="262" r:id="rId11"/>
   </p:sldIdLst>
   <p:sldSz cx="9144000" cy="5143500" type="screen16x9"/>
   <p:notesSz cx="6858000" cy="9144000"/>
@@ -118,7 +121,7 @@
   </p:defaultTextStyle>
   <p:extLst>
     <p:ext uri="{EFAFB233-063F-42B5-8137-9DF3F51BA10A}">
-      <p15:sldGuideLst xmlns:p15="http://schemas.microsoft.com/office/powerpoint/2012/main" xmlns="">
+      <p15:sldGuideLst xmlns="" xmlns:p15="http://schemas.microsoft.com/office/powerpoint/2012/main">
         <p15:guide id="1" orient="horz" pos="1620">
           <p15:clr>
             <a:srgbClr val="A4A3A4"/>
@@ -255,11 +258,11 @@
           <c:showBubbleSize val="0"/>
         </c:dLbls>
         <c:gapWidth val="182"/>
-        <c:axId val="2123625912"/>
-        <c:axId val="2123629576"/>
+        <c:axId val="2133779192"/>
+        <c:axId val="2133782856"/>
       </c:barChart>
       <c:catAx>
-        <c:axId val="2123625912"/>
+        <c:axId val="2133779192"/>
         <c:scaling>
           <c:orientation val="maxMin"/>
         </c:scaling>
@@ -286,15 +289,15 @@
                 <a:solidFill>
                   <a:schemeClr val="bg1"/>
                 </a:solidFill>
-                <a:latin typeface="Theinhardt" panose="020B0503020202020204" pitchFamily="34" charset="0"/>
+                <a:latin typeface="Theinhardt Rg"/>
                 <a:ea typeface="+mn-ea"/>
-                <a:cs typeface="+mn-cs"/>
+                <a:cs typeface="Theinhardt Rg"/>
               </a:defRPr>
             </a:pPr>
             <a:endParaRPr lang="en-US"/>
           </a:p>
         </c:txPr>
-        <c:crossAx val="2123629576"/>
+        <c:crossAx val="2133782856"/>
         <c:crosses val="autoZero"/>
         <c:auto val="1"/>
         <c:lblAlgn val="ctr"/>
@@ -302,7 +305,7 @@
         <c:noMultiLvlLbl val="0"/>
       </c:catAx>
       <c:valAx>
-        <c:axId val="2123629576"/>
+        <c:axId val="2133782856"/>
         <c:scaling>
           <c:orientation val="minMax"/>
         </c:scaling>
@@ -312,7 +315,7 @@
         <c:majorTickMark val="none"/>
         <c:minorTickMark val="none"/>
         <c:tickLblPos val="nextTo"/>
-        <c:crossAx val="2123625912"/>
+        <c:crossAx val="2133779192"/>
         <c:crosses val="autoZero"/>
         <c:crossBetween val="between"/>
       </c:valAx>
@@ -1558,54 +1561,15 @@
             <a:endParaRPr lang="en-US" dirty="0" smtClean="0"/>
           </a:p>
           <a:p>
-            <a:r>
-              <a:rPr lang="en-US" dirty="0" smtClean="0"/>
-              <a:t>- open source</a:t>
-            </a:r>
-            <a:endParaRPr lang="ta-IN" dirty="0" smtClean="0"/>
-          </a:p>
-          <a:p>
             <a:pPr marL="171450" indent="-171450">
               <a:buFontTx/>
               <a:buChar char="-"/>
             </a:pPr>
             <a:r>
               <a:rPr lang="en-US" dirty="0" smtClean="0"/>
-              <a:t>N</a:t>
-            </a:r>
-            <a:r>
-              <a:rPr lang="ta-IN" dirty="0" smtClean="0"/>
-              <a:t>ije post-processor</a:t>
-            </a:r>
-          </a:p>
-          <a:p>
-            <a:pPr marL="171450" indent="-171450">
-              <a:buFontTx/>
-              <a:buChar char="-"/>
-            </a:pPr>
-            <a:r>
-              <a:rPr lang="en-US" dirty="0" smtClean="0"/>
-              <a:t>-prefix-free </a:t>
-            </a:r>
-            <a:r>
-              <a:rPr lang="en-US" dirty="0" err="1" smtClean="0"/>
-              <a:t>alat</a:t>
+              <a:t>open source</a:t>
             </a:r>
             <a:endParaRPr lang="ta-IN" dirty="0" smtClean="0"/>
-          </a:p>
-          <a:p>
-            <a:pPr marL="171450" indent="-171450">
-              <a:buFontTx/>
-              <a:buChar char="-"/>
-            </a:pPr>
-            <a:endParaRPr lang="en-US" dirty="0" smtClean="0"/>
-          </a:p>
-          <a:p>
-            <a:pPr marL="171450" indent="-171450">
-              <a:buFontTx/>
-              <a:buChar char="-"/>
-            </a:pPr>
-            <a:endParaRPr lang="en-US" dirty="0"/>
           </a:p>
         </p:txBody>
       </p:sp>
@@ -1672,12 +1636,7 @@
             <p:ph type="sldImg"/>
           </p:nvPr>
         </p:nvSpPr>
-        <p:spPr>
-          <a:xfrm>
-            <a:off x="685800" y="1143000"/>
-            <a:ext cx="5486400" cy="3086100"/>
-          </a:xfrm>
-        </p:spPr>
+        <p:spPr/>
       </p:sp>
       <p:sp>
         <p:nvSpPr>
@@ -1694,145 +1653,23 @@
           <a:bodyPr/>
           <a:lstStyle/>
           <a:p>
-            <a:r>
-              <a:rPr lang="en-US" dirty="0" smtClean="0"/>
-              <a:t>-   Bootstrap CSS</a:t>
-            </a:r>
-            <a:r>
-              <a:rPr lang="en-US" baseline="0" dirty="0" smtClean="0"/>
-              <a:t> – 100 </a:t>
-            </a:r>
-            <a:r>
-              <a:rPr lang="en-US" baseline="0" dirty="0" err="1" smtClean="0"/>
-              <a:t>mixina</a:t>
-            </a:r>
-            <a:r>
-              <a:rPr lang="en-US" baseline="0" dirty="0" smtClean="0"/>
-              <a:t>, </a:t>
-            </a:r>
-            <a:r>
-              <a:rPr lang="en-US" baseline="0" dirty="0" err="1" smtClean="0"/>
-              <a:t>variabli</a:t>
-            </a:r>
-            <a:r>
-              <a:rPr lang="en-US" baseline="0" dirty="0" smtClean="0"/>
-              <a:t> </a:t>
-            </a:r>
-            <a:r>
-              <a:rPr lang="en-US" baseline="0" dirty="0" err="1" smtClean="0"/>
-              <a:t>i</a:t>
-            </a:r>
-            <a:r>
-              <a:rPr lang="en-US" baseline="0" dirty="0" smtClean="0"/>
-              <a:t> </a:t>
-            </a:r>
-            <a:r>
-              <a:rPr lang="en-US" baseline="0" dirty="0" err="1" smtClean="0"/>
-              <a:t>nestanja</a:t>
-            </a:r>
-            <a:endParaRPr lang="en-US" dirty="0" smtClean="0"/>
-          </a:p>
-          <a:p>
-            <a:r>
-              <a:rPr lang="en-US" dirty="0" smtClean="0"/>
-              <a:t>-   </a:t>
-            </a:r>
-            <a:r>
-              <a:rPr lang="en-US" dirty="0" err="1" smtClean="0"/>
-              <a:t>PostCSS</a:t>
-            </a:r>
-            <a:r>
-              <a:rPr lang="en-US" dirty="0" smtClean="0"/>
-              <a:t> </a:t>
-            </a:r>
-            <a:r>
-              <a:rPr lang="en-US" dirty="0" err="1" smtClean="0"/>
-              <a:t>pisan</a:t>
-            </a:r>
-            <a:r>
-              <a:rPr lang="en-US" dirty="0" smtClean="0"/>
-              <a:t> u JS je 3 x </a:t>
-            </a:r>
-            <a:r>
-              <a:rPr lang="en-US" dirty="0" err="1" smtClean="0"/>
-              <a:t>brži</a:t>
-            </a:r>
-            <a:r>
-              <a:rPr lang="en-US" dirty="0" smtClean="0"/>
-              <a:t> </a:t>
-            </a:r>
-          </a:p>
-          <a:p>
             <a:pPr marL="171450" indent="-171450">
               <a:buFontTx/>
               <a:buChar char="-"/>
             </a:pPr>
             <a:r>
               <a:rPr lang="en-US" dirty="0" smtClean="0"/>
-              <a:t>Benefit je </a:t>
+              <a:t>-prefix-free </a:t>
+            </a:r>
+            <a:r>
+              <a:rPr lang="ta-IN" dirty="0" smtClean="0"/>
+              <a:t>.js file </a:t>
             </a:r>
             <a:r>
               <a:rPr lang="en-US" dirty="0" err="1" smtClean="0"/>
-              <a:t>modularnost</a:t>
-            </a:r>
-            <a:r>
-              <a:rPr lang="en-US" dirty="0" smtClean="0"/>
-              <a:t> </a:t>
-            </a:r>
-            <a:r>
-              <a:rPr lang="en-US" dirty="0" err="1" smtClean="0"/>
-              <a:t>i</a:t>
-            </a:r>
-            <a:r>
-              <a:rPr lang="en-US" baseline="0" dirty="0" smtClean="0"/>
-              <a:t> </a:t>
-            </a:r>
-            <a:r>
-              <a:rPr lang="en-US" baseline="0" dirty="0" err="1" smtClean="0"/>
-              <a:t>optimizacija</a:t>
-            </a:r>
-            <a:endParaRPr lang="ta-IN" baseline="0" dirty="0" smtClean="0"/>
-          </a:p>
-          <a:p>
-            <a:pPr marL="171450" marR="0" indent="-171450" algn="l" defTabSz="914400" rtl="0" eaLnBrk="1" fontAlgn="auto" latinLnBrk="0" hangingPunct="1">
-              <a:lnSpc>
-                <a:spcPct val="100000"/>
-              </a:lnSpc>
-              <a:spcBef>
-                <a:spcPts val="0"/>
-              </a:spcBef>
-              <a:spcAft>
-                <a:spcPts val="0"/>
-              </a:spcAft>
-              <a:buClrTx/>
-              <a:buSzTx/>
-              <a:buFontTx/>
-              <a:buChar char="-"/>
-              <a:tabLst/>
-              <a:defRPr/>
-            </a:pPr>
-            <a:r>
-              <a:rPr lang="en-US" dirty="0" smtClean="0"/>
-              <a:t>L</a:t>
-            </a:r>
-            <a:r>
-              <a:rPr lang="ta-IN" dirty="0" smtClean="0"/>
-              <a:t>ibasss 21 300 LOC</a:t>
-            </a:r>
-          </a:p>
-          <a:p>
-            <a:pPr marL="171450" indent="-171450">
-              <a:buFontTx/>
-              <a:buChar char="-"/>
-            </a:pPr>
-            <a:endParaRPr lang="en-US" baseline="0" dirty="0" smtClean="0"/>
-          </a:p>
-          <a:p>
-            <a:pPr marL="0" indent="0">
-              <a:buFontTx/>
-              <a:buNone/>
-            </a:pPr>
-            <a:endParaRPr lang="en-US" dirty="0"/>
+              <a:t>alat</a:t>
+            </a:r>
+            <a:endParaRPr lang="ta-IN" dirty="0" smtClean="0"/>
           </a:p>
         </p:txBody>
       </p:sp>
@@ -1862,7 +1699,7 @@
     </p:spTree>
     <p:extLst>
       <p:ext uri="{BB962C8B-B14F-4D97-AF65-F5344CB8AC3E}">
-        <p14:creationId xmlns:p14="http://schemas.microsoft.com/office/powerpoint/2010/main" val="2838505753"/>
+        <p14:creationId xmlns:p14="http://schemas.microsoft.com/office/powerpoint/2010/main" val="903969305"/>
       </p:ext>
     </p:extLst>
   </p:cSld>
@@ -1946,7 +1783,7 @@
     </p:spTree>
     <p:extLst>
       <p:ext uri="{BB962C8B-B14F-4D97-AF65-F5344CB8AC3E}">
-        <p14:creationId xmlns:p14="http://schemas.microsoft.com/office/powerpoint/2010/main" val="2232264283"/>
+        <p14:creationId xmlns:p14="http://schemas.microsoft.com/office/powerpoint/2010/main" val="1770819788"/>
       </p:ext>
     </p:extLst>
   </p:cSld>
@@ -1983,7 +1820,12 @@
             <p:ph type="sldImg"/>
           </p:nvPr>
         </p:nvSpPr>
-        <p:spPr/>
+        <p:spPr>
+          <a:xfrm>
+            <a:off x="685800" y="1143000"/>
+            <a:ext cx="5486400" cy="3086100"/>
+          </a:xfrm>
+        </p:spPr>
       </p:sp>
       <p:sp>
         <p:nvSpPr>
@@ -2000,13 +1842,72 @@
           <a:bodyPr/>
           <a:lstStyle/>
           <a:p>
+            <a:r>
+              <a:rPr lang="en-US" dirty="0" smtClean="0"/>
+              <a:t>-   Bootstrap CSS</a:t>
+            </a:r>
+            <a:r>
+              <a:rPr lang="en-US" baseline="0" dirty="0" smtClean="0"/>
+              <a:t> – 100 </a:t>
+            </a:r>
+            <a:r>
+              <a:rPr lang="en-US" baseline="0" dirty="0" err="1" smtClean="0"/>
+              <a:t>mixina</a:t>
+            </a:r>
+            <a:r>
+              <a:rPr lang="en-US" baseline="0" dirty="0" smtClean="0"/>
+              <a:t>, </a:t>
+            </a:r>
+            <a:r>
+              <a:rPr lang="en-US" baseline="0" dirty="0" err="1" smtClean="0"/>
+              <a:t>variabli</a:t>
+            </a:r>
+            <a:r>
+              <a:rPr lang="en-US" baseline="0" dirty="0" smtClean="0"/>
+              <a:t> </a:t>
+            </a:r>
+            <a:r>
+              <a:rPr lang="en-US" baseline="0" dirty="0" err="1" smtClean="0"/>
+              <a:t>i</a:t>
+            </a:r>
+            <a:r>
+              <a:rPr lang="en-US" baseline="0" dirty="0" smtClean="0"/>
+              <a:t> </a:t>
+            </a:r>
+            <a:r>
+              <a:rPr lang="en-US" baseline="0" dirty="0" smtClean="0"/>
+              <a:t>nest</a:t>
+            </a:r>
+            <a:r>
+              <a:rPr lang="ta-IN" baseline="0" dirty="0" smtClean="0"/>
+              <a:t>ing pravila</a:t>
+            </a:r>
+            <a:endParaRPr lang="en-US" dirty="0" smtClean="0"/>
+          </a:p>
+          <a:p>
             <a:pPr marL="171450" indent="-171450">
               <a:buFontTx/>
               <a:buChar char="-"/>
             </a:pPr>
             <a:r>
-              <a:rPr lang="ta-IN" dirty="0" smtClean="0"/>
-              <a:t>Preko 120 pluginova</a:t>
+              <a:rPr lang="en-US" dirty="0" smtClean="0"/>
+              <a:t>PostCSS </a:t>
+            </a:r>
+            <a:r>
+              <a:rPr lang="en-US" dirty="0" err="1" smtClean="0"/>
+              <a:t>pisan</a:t>
+            </a:r>
+            <a:r>
+              <a:rPr lang="en-US" dirty="0" smtClean="0"/>
+              <a:t> u JS je 3 x </a:t>
+            </a:r>
+            <a:r>
+              <a:rPr lang="en-US" dirty="0" err="1" smtClean="0"/>
+              <a:t>brži</a:t>
+            </a:r>
+            <a:r>
+              <a:rPr lang="en-US" dirty="0" smtClean="0"/>
+              <a:t> </a:t>
             </a:r>
           </a:p>
           <a:p>
@@ -2015,26 +1916,16 @@
               <a:buChar char="-"/>
             </a:pPr>
             <a:r>
-              <a:rPr lang="en-US" sz="1200" kern="1200" dirty="0" err="1" smtClean="0">
-                <a:solidFill>
-                  <a:schemeClr val="tx1"/>
-                </a:solidFill>
-                <a:latin typeface="+mn-lt"/>
-                <a:ea typeface="+mn-ea"/>
-                <a:cs typeface="+mn-cs"/>
-              </a:rPr>
-              <a:t>postcss</a:t>
-            </a:r>
-            <a:r>
-              <a:rPr lang="en-US" sz="1200" kern="1200" dirty="0" smtClean="0">
-                <a:solidFill>
-                  <a:schemeClr val="tx1"/>
-                </a:solidFill>
-                <a:latin typeface="+mn-lt"/>
-                <a:ea typeface="+mn-ea"/>
-                <a:cs typeface="+mn-cs"/>
-              </a:rPr>
-              <a:t>-nested: 68 LOC</a:t>
+              <a:rPr lang="en-US" dirty="0" smtClean="0"/>
+              <a:t>L</a:t>
+            </a:r>
+            <a:r>
+              <a:rPr lang="ta-IN" dirty="0" smtClean="0"/>
+              <a:t>ibasss </a:t>
+            </a:r>
+            <a:r>
+              <a:rPr lang="ta-IN" dirty="0" smtClean="0"/>
+              <a:t>21 300 LOC</a:t>
             </a:r>
           </a:p>
           <a:p>
@@ -2042,86 +1933,13 @@
               <a:buFontTx/>
               <a:buChar char="-"/>
             </a:pPr>
-            <a:r>
-              <a:rPr lang="en-US" sz="1200" kern="1200" dirty="0" err="1" smtClean="0">
-                <a:solidFill>
-                  <a:schemeClr val="tx1"/>
-                </a:solidFill>
-                <a:latin typeface="+mn-lt"/>
-                <a:ea typeface="+mn-ea"/>
-                <a:cs typeface="+mn-cs"/>
-              </a:rPr>
-              <a:t>postcss</a:t>
-            </a:r>
-            <a:r>
-              <a:rPr lang="en-US" sz="1200" kern="1200" dirty="0" smtClean="0">
-                <a:solidFill>
-                  <a:schemeClr val="tx1"/>
-                </a:solidFill>
-                <a:latin typeface="+mn-lt"/>
-                <a:ea typeface="+mn-ea"/>
-                <a:cs typeface="+mn-cs"/>
-              </a:rPr>
-              <a:t>-simple-</a:t>
-            </a:r>
-            <a:r>
-              <a:rPr lang="en-US" sz="1200" kern="1200" dirty="0" err="1" smtClean="0">
-                <a:solidFill>
-                  <a:schemeClr val="tx1"/>
-                </a:solidFill>
-                <a:latin typeface="+mn-lt"/>
-                <a:ea typeface="+mn-ea"/>
-                <a:cs typeface="+mn-cs"/>
-              </a:rPr>
-              <a:t>vars</a:t>
-            </a:r>
-            <a:r>
-              <a:rPr lang="en-US" sz="1200" kern="1200" dirty="0" smtClean="0">
-                <a:solidFill>
-                  <a:schemeClr val="tx1"/>
-                </a:solidFill>
-                <a:latin typeface="+mn-lt"/>
-                <a:ea typeface="+mn-ea"/>
-                <a:cs typeface="+mn-cs"/>
-              </a:rPr>
-              <a:t>: 74 LOC</a:t>
-            </a:r>
-            <a:endParaRPr lang="ta-IN" sz="1200" kern="1200" dirty="0" smtClean="0">
-              <a:solidFill>
-                <a:schemeClr val="tx1"/>
-              </a:solidFill>
-              <a:latin typeface="+mn-lt"/>
-              <a:ea typeface="+mn-ea"/>
-              <a:cs typeface="+mn-cs"/>
-            </a:endParaRPr>
-          </a:p>
-          <a:p>
-            <a:pPr marL="171450" indent="-171450">
+            <a:endParaRPr lang="en-US" baseline="0" dirty="0" smtClean="0"/>
+          </a:p>
+          <a:p>
+            <a:pPr marL="0" indent="0">
               <a:buFontTx/>
-              <a:buChar char="-"/>
+              <a:buNone/>
             </a:pPr>
-            <a:r>
-              <a:rPr lang="en-US" sz="1200" kern="1200" dirty="0" err="1" smtClean="0">
-                <a:solidFill>
-                  <a:schemeClr val="tx1"/>
-                </a:solidFill>
-                <a:latin typeface="+mn-lt"/>
-                <a:ea typeface="+mn-ea"/>
-                <a:cs typeface="+mn-cs"/>
-              </a:rPr>
-              <a:t>postcss-mixins</a:t>
-            </a:r>
-            <a:r>
-              <a:rPr lang="en-US" sz="1200" kern="1200" dirty="0" smtClean="0">
-                <a:solidFill>
-                  <a:schemeClr val="tx1"/>
-                </a:solidFill>
-                <a:latin typeface="+mn-lt"/>
-                <a:ea typeface="+mn-ea"/>
-                <a:cs typeface="+mn-cs"/>
-              </a:rPr>
-              <a:t>: 147 LOC</a:t>
-            </a:r>
             <a:endParaRPr lang="en-US" dirty="0"/>
           </a:p>
         </p:txBody>
@@ -2144,6 +1962,178 @@
             <a:fld id="{9BE8D5DA-E8A3-4A98-9BB8-9BE5526C08D6}" type="slidenum">
               <a:rPr lang="en-US" smtClean="0"/>
               <a:t>6</a:t>
+            </a:fld>
+            <a:endParaRPr lang="en-US"/>
+          </a:p>
+        </p:txBody>
+      </p:sp>
+    </p:spTree>
+    <p:extLst>
+      <p:ext uri="{BB962C8B-B14F-4D97-AF65-F5344CB8AC3E}">
+        <p14:creationId xmlns:p14="http://schemas.microsoft.com/office/powerpoint/2010/main" val="2838505753"/>
+      </p:ext>
+    </p:extLst>
+  </p:cSld>
+  <p:clrMapOvr>
+    <a:masterClrMapping/>
+  </p:clrMapOvr>
+</p:notes>
+</file>
+
+<file path=ppt/notesSlides/notesSlide6.xml><?xml version="1.0" encoding="utf-8"?>
+<p:notes xmlns:a="http://schemas.openxmlformats.org/drawingml/2006/main" xmlns:r="http://schemas.openxmlformats.org/officeDocument/2006/relationships" xmlns:p="http://schemas.openxmlformats.org/presentationml/2006/main">
+  <p:cSld>
+    <p:spTree>
+      <p:nvGrpSpPr>
+        <p:cNvPr id="1" name=""/>
+        <p:cNvGrpSpPr/>
+        <p:nvPr/>
+      </p:nvGrpSpPr>
+      <p:grpSpPr>
+        <a:xfrm>
+          <a:off x="0" y="0"/>
+          <a:ext cx="0" cy="0"/>
+          <a:chOff x="0" y="0"/>
+          <a:chExt cx="0" cy="0"/>
+        </a:xfrm>
+      </p:grpSpPr>
+      <p:sp>
+        <p:nvSpPr>
+          <p:cNvPr id="2" name="Slide Image Placeholder 1"/>
+          <p:cNvSpPr>
+            <a:spLocks noGrp="1" noRot="1" noChangeAspect="1"/>
+          </p:cNvSpPr>
+          <p:nvPr>
+            <p:ph type="sldImg"/>
+          </p:nvPr>
+        </p:nvSpPr>
+        <p:spPr/>
+      </p:sp>
+      <p:sp>
+        <p:nvSpPr>
+          <p:cNvPr id="3" name="Notes Placeholder 2"/>
+          <p:cNvSpPr>
+            <a:spLocks noGrp="1"/>
+          </p:cNvSpPr>
+          <p:nvPr>
+            <p:ph type="body" idx="1"/>
+          </p:nvPr>
+        </p:nvSpPr>
+        <p:spPr/>
+        <p:txBody>
+          <a:bodyPr/>
+          <a:lstStyle/>
+          <a:p>
+            <a:endParaRPr lang="en-US" dirty="0"/>
+          </a:p>
+        </p:txBody>
+      </p:sp>
+      <p:sp>
+        <p:nvSpPr>
+          <p:cNvPr id="4" name="Slide Number Placeholder 3"/>
+          <p:cNvSpPr>
+            <a:spLocks noGrp="1"/>
+          </p:cNvSpPr>
+          <p:nvPr>
+            <p:ph type="sldNum" sz="quarter" idx="10"/>
+          </p:nvPr>
+        </p:nvSpPr>
+        <p:spPr/>
+        <p:txBody>
+          <a:bodyPr/>
+          <a:lstStyle/>
+          <a:p>
+            <a:fld id="{9BE8D5DA-E8A3-4A98-9BB8-9BE5526C08D6}" type="slidenum">
+              <a:rPr lang="en-US" smtClean="0"/>
+              <a:t>7</a:t>
+            </a:fld>
+            <a:endParaRPr lang="en-US"/>
+          </a:p>
+        </p:txBody>
+      </p:sp>
+    </p:spTree>
+    <p:extLst>
+      <p:ext uri="{BB962C8B-B14F-4D97-AF65-F5344CB8AC3E}">
+        <p14:creationId xmlns:p14="http://schemas.microsoft.com/office/powerpoint/2010/main" val="2232264283"/>
+      </p:ext>
+    </p:extLst>
+  </p:cSld>
+  <p:clrMapOvr>
+    <a:masterClrMapping/>
+  </p:clrMapOvr>
+</p:notes>
+</file>
+
+<file path=ppt/notesSlides/notesSlide7.xml><?xml version="1.0" encoding="utf-8"?>
+<p:notes xmlns:a="http://schemas.openxmlformats.org/drawingml/2006/main" xmlns:r="http://schemas.openxmlformats.org/officeDocument/2006/relationships" xmlns:p="http://schemas.openxmlformats.org/presentationml/2006/main">
+  <p:cSld>
+    <p:spTree>
+      <p:nvGrpSpPr>
+        <p:cNvPr id="1" name=""/>
+        <p:cNvGrpSpPr/>
+        <p:nvPr/>
+      </p:nvGrpSpPr>
+      <p:grpSpPr>
+        <a:xfrm>
+          <a:off x="0" y="0"/>
+          <a:ext cx="0" cy="0"/>
+          <a:chOff x="0" y="0"/>
+          <a:chExt cx="0" cy="0"/>
+        </a:xfrm>
+      </p:grpSpPr>
+      <p:sp>
+        <p:nvSpPr>
+          <p:cNvPr id="2" name="Slide Image Placeholder 1"/>
+          <p:cNvSpPr>
+            <a:spLocks noGrp="1" noRot="1" noChangeAspect="1"/>
+          </p:cNvSpPr>
+          <p:nvPr>
+            <p:ph type="sldImg"/>
+          </p:nvPr>
+        </p:nvSpPr>
+        <p:spPr/>
+      </p:sp>
+      <p:sp>
+        <p:nvSpPr>
+          <p:cNvPr id="3" name="Notes Placeholder 2"/>
+          <p:cNvSpPr>
+            <a:spLocks noGrp="1"/>
+          </p:cNvSpPr>
+          <p:nvPr>
+            <p:ph type="body" idx="1"/>
+          </p:nvPr>
+        </p:nvSpPr>
+        <p:spPr/>
+        <p:txBody>
+          <a:bodyPr/>
+          <a:lstStyle/>
+          <a:p>
+            <a:pPr marL="171450" indent="-171450">
+              <a:buFontTx/>
+              <a:buChar char="-"/>
+            </a:pPr>
+            <a:endParaRPr lang="en-US" dirty="0"/>
+          </a:p>
+        </p:txBody>
+      </p:sp>
+      <p:sp>
+        <p:nvSpPr>
+          <p:cNvPr id="4" name="Slide Number Placeholder 3"/>
+          <p:cNvSpPr>
+            <a:spLocks noGrp="1"/>
+          </p:cNvSpPr>
+          <p:nvPr>
+            <p:ph type="sldNum" sz="quarter" idx="10"/>
+          </p:nvPr>
+        </p:nvSpPr>
+        <p:spPr/>
+        <p:txBody>
+          <a:bodyPr/>
+          <a:lstStyle/>
+          <a:p>
+            <a:fld id="{9BE8D5DA-E8A3-4A98-9BB8-9BE5526C08D6}" type="slidenum">
+              <a:rPr lang="en-US" smtClean="0"/>
+              <a:t>9</a:t>
             </a:fld>
             <a:endParaRPr lang="en-US"/>
           </a:p>
@@ -4863,11 +4853,17 @@
           <a:lstStyle/>
           <a:p>
             <a:r>
-              <a:rPr lang="hr-HR" sz="7200" dirty="0" err="1"/>
+              <a:rPr lang="hr-HR" sz="7200" dirty="0" err="1">
+                <a:latin typeface="Abril Text SemiBold"/>
+                <a:cs typeface="Abril Text SemiBold"/>
+              </a:rPr>
               <a:t>PostCSS</a:t>
             </a:r>
             <a:r>
-              <a:rPr lang="hr-HR" sz="7200" dirty="0"/>
+              <a:rPr lang="hr-HR" sz="7200" dirty="0">
+                <a:latin typeface="Abril Text SemiBold"/>
+                <a:cs typeface="Abril Text SemiBold"/>
+              </a:rPr>
               <a:t> </a:t>
             </a:r>
           </a:p>
@@ -4912,22 +4908,37 @@
           </a:lstStyle>
           <a:p>
             <a:r>
-              <a:rPr lang="en-US" sz="4000" dirty="0" smtClean="0"/>
+              <a:rPr lang="en-US" sz="4000" dirty="0" smtClean="0">
+                <a:latin typeface="Abril Text SemiBold"/>
+                <a:cs typeface="Abril Text SemiBold"/>
+              </a:rPr>
               <a:t>in </a:t>
             </a:r>
             <a:r>
-              <a:rPr lang="ta-IN" sz="4000" dirty="0" smtClean="0"/>
+              <a:rPr lang="ta-IN" sz="4000" dirty="0" smtClean="0">
+                <a:latin typeface="Abril Text SemiBold"/>
+                <a:cs typeface="Abril Text SemiBold"/>
+              </a:rPr>
               <a:t>a </a:t>
             </a:r>
             <a:r>
-              <a:rPr lang="en-US" sz="4000" dirty="0" smtClean="0"/>
+              <a:rPr lang="en-US" sz="4000" dirty="0" smtClean="0">
+                <a:latin typeface="Abril Text SemiBold"/>
+                <a:cs typeface="Abril Text SemiBold"/>
+              </a:rPr>
               <a:t>real</a:t>
             </a:r>
             <a:r>
-              <a:rPr lang="ta-IN" sz="4000" dirty="0" smtClean="0"/>
+              <a:rPr lang="ta-IN" sz="4000" dirty="0" smtClean="0">
+                <a:latin typeface="Abril Text SemiBold"/>
+                <a:cs typeface="Abril Text SemiBold"/>
+              </a:rPr>
               <a:t> life</a:t>
             </a:r>
-            <a:endParaRPr lang="hr-HR" sz="4000" dirty="0"/>
+            <a:endParaRPr lang="hr-HR" sz="4000" dirty="0">
+              <a:latin typeface="Abril Text SemiBold"/>
+              <a:cs typeface="Abril Text SemiBold"/>
+            </a:endParaRPr>
           </a:p>
         </p:txBody>
       </p:sp>
@@ -4978,19 +4989,22 @@
               </a:spcBef>
             </a:pPr>
             <a:r>
-              <a:rPr lang="en-US" sz="1200" dirty="0" smtClean="0">
-                <a:latin typeface="Theinhardt" panose="020B0503020202020204" pitchFamily="34" charset="0"/>
+              <a:rPr lang="en-US" sz="1400" dirty="0" smtClean="0">
+                <a:latin typeface="Theinhardt Rg"/>
+                <a:cs typeface="Theinhardt Rg"/>
               </a:rPr>
               <a:t>Ivan Bašić @</a:t>
             </a:r>
             <a:r>
-              <a:rPr lang="en-US" sz="1200" dirty="0" err="1" smtClean="0">
-                <a:latin typeface="Theinhardt" panose="020B0503020202020204" pitchFamily="34" charset="0"/>
+              <a:rPr lang="en-US" sz="1400" dirty="0" err="1" smtClean="0">
+                <a:latin typeface="Theinhardt Rg"/>
+                <a:cs typeface="Theinhardt Rg"/>
               </a:rPr>
               <a:t>ivanronga</a:t>
             </a:r>
-            <a:endParaRPr lang="en-US" sz="1200" dirty="0" smtClean="0">
-              <a:latin typeface="Theinhardt" panose="020B0503020202020204" pitchFamily="34" charset="0"/>
+            <a:endParaRPr lang="en-US" sz="1400" dirty="0" smtClean="0">
+              <a:latin typeface="Theinhardt Rg"/>
+              <a:cs typeface="Theinhardt Rg"/>
             </a:endParaRPr>
           </a:p>
           <a:p>
@@ -5003,19 +5017,22 @@
               </a:spcBef>
             </a:pPr>
             <a:r>
-              <a:rPr lang="en-US" sz="1200" dirty="0" smtClean="0">
-                <a:latin typeface="Theinhardt" panose="020B0503020202020204" pitchFamily="34" charset="0"/>
+              <a:rPr lang="en-US" sz="1400" dirty="0" smtClean="0">
+                <a:latin typeface="Theinhardt Rg"/>
+                <a:cs typeface="Theinhardt Rg"/>
               </a:rPr>
               <a:t>Mihael Tomić @</a:t>
             </a:r>
             <a:r>
-              <a:rPr lang="en-US" sz="1200" dirty="0" err="1" smtClean="0">
-                <a:latin typeface="Theinhardt" panose="020B0503020202020204" pitchFamily="34" charset="0"/>
+              <a:rPr lang="en-US" sz="1400" dirty="0" err="1" smtClean="0">
+                <a:latin typeface="Theinhardt Rg"/>
+                <a:cs typeface="Theinhardt Rg"/>
               </a:rPr>
               <a:t>tomic_mihael</a:t>
             </a:r>
-            <a:endParaRPr lang="hr-HR" sz="1200" dirty="0">
-              <a:latin typeface="Theinhardt" panose="020B0503020202020204" pitchFamily="34" charset="0"/>
+            <a:endParaRPr lang="hr-HR" sz="1400" dirty="0">
+              <a:latin typeface="Theinhardt Rg"/>
+              <a:cs typeface="Theinhardt Rg"/>
             </a:endParaRPr>
           </a:p>
         </p:txBody>
@@ -5160,6 +5177,137 @@
 </p:sld>
 </file>
 
+<file path=ppt/slides/slide10.xml><?xml version="1.0" encoding="utf-8"?>
+<p:sld xmlns:a="http://schemas.openxmlformats.org/drawingml/2006/main" xmlns:r="http://schemas.openxmlformats.org/officeDocument/2006/relationships" xmlns:p="http://schemas.openxmlformats.org/presentationml/2006/main">
+  <p:cSld>
+    <p:spTree>
+      <p:nvGrpSpPr>
+        <p:cNvPr id="1" name=""/>
+        <p:cNvGrpSpPr/>
+        <p:nvPr/>
+      </p:nvGrpSpPr>
+      <p:grpSpPr>
+        <a:xfrm>
+          <a:off x="0" y="0"/>
+          <a:ext cx="0" cy="0"/>
+          <a:chOff x="0" y="0"/>
+          <a:chExt cx="0" cy="0"/>
+        </a:xfrm>
+      </p:grpSpPr>
+      <p:sp>
+        <p:nvSpPr>
+          <p:cNvPr id="4" name="Rectangle 3">
+            <a:hlinkClick r:id="rId2" action="ppaction://program"/>
+          </p:cNvPr>
+          <p:cNvSpPr/>
+          <p:nvPr/>
+        </p:nvSpPr>
+        <p:spPr>
+          <a:xfrm>
+            <a:off x="0" y="0"/>
+            <a:ext cx="9144000" cy="5143500"/>
+          </a:xfrm>
+          <a:prstGeom prst="rect">
+            <a:avLst/>
+          </a:prstGeom>
+          <a:solidFill>
+            <a:schemeClr val="tx1">
+              <a:lumMod val="85000"/>
+              <a:lumOff val="15000"/>
+            </a:schemeClr>
+          </a:solidFill>
+          <a:ln>
+            <a:noFill/>
+          </a:ln>
+        </p:spPr>
+        <p:style>
+          <a:lnRef idx="2">
+            <a:schemeClr val="dk1"/>
+          </a:lnRef>
+          <a:fillRef idx="1">
+            <a:schemeClr val="lt1"/>
+          </a:fillRef>
+          <a:effectRef idx="0">
+            <a:schemeClr val="dk1"/>
+          </a:effectRef>
+          <a:fontRef idx="minor">
+            <a:schemeClr val="dk1"/>
+          </a:fontRef>
+        </p:style>
+        <p:txBody>
+          <a:bodyPr rtlCol="0" anchor="ctr"/>
+          <a:lstStyle/>
+          <a:p>
+            <a:pPr algn="ctr"/>
+            <a:endParaRPr lang="en-US"/>
+          </a:p>
+        </p:txBody>
+      </p:sp>
+      <p:sp>
+        <p:nvSpPr>
+          <p:cNvPr id="2" name="Title 1"/>
+          <p:cNvSpPr>
+            <a:spLocks noGrp="1"/>
+          </p:cNvSpPr>
+          <p:nvPr>
+            <p:ph type="ctrTitle"/>
+          </p:nvPr>
+        </p:nvSpPr>
+        <p:spPr>
+          <a:xfrm>
+            <a:off x="685800" y="677155"/>
+            <a:ext cx="5830416" cy="1102519"/>
+          </a:xfrm>
+        </p:spPr>
+        <p:txBody>
+          <a:bodyPr>
+            <a:normAutofit/>
+          </a:bodyPr>
+          <a:lstStyle/>
+          <a:p>
+            <a:r>
+              <a:rPr lang="ta-IN" dirty="0" smtClean="0">
+                <a:solidFill>
+                  <a:srgbClr val="63DB22"/>
+                </a:solidFill>
+                <a:latin typeface="Source Code Pro"/>
+                <a:cs typeface="Source Code Pro"/>
+              </a:rPr>
+              <a:t>Let’s code...</a:t>
+            </a:r>
+            <a:endParaRPr lang="en-US" dirty="0">
+              <a:solidFill>
+                <a:srgbClr val="63DB22"/>
+              </a:solidFill>
+              <a:latin typeface="Source Code Pro"/>
+              <a:cs typeface="Source Code Pro"/>
+            </a:endParaRPr>
+          </a:p>
+        </p:txBody>
+      </p:sp>
+    </p:spTree>
+    <p:extLst>
+      <p:ext uri="{BB962C8B-B14F-4D97-AF65-F5344CB8AC3E}">
+        <p14:creationId xmlns:p14="http://schemas.microsoft.com/office/powerpoint/2010/main" val="3720604896"/>
+      </p:ext>
+    </p:extLst>
+  </p:cSld>
+  <p:clrMapOvr>
+    <a:masterClrMapping/>
+  </p:clrMapOvr>
+  <p:transition xmlns:p14="http://schemas.microsoft.com/office/powerpoint/2010/main" spd="slow">
+    <p:push/>
+  </p:transition>
+  <p:timing>
+    <p:tnLst>
+      <p:par>
+        <p:cTn xmlns:p14="http://schemas.microsoft.com/office/powerpoint/2010/main" id="1" dur="indefinite" restart="never" nodeType="tmRoot"/>
+      </p:par>
+    </p:tnLst>
+  </p:timing>
+</p:sld>
+</file>
+
 <file path=ppt/slides/slide2.xml><?xml version="1.0" encoding="utf-8"?>
 <p:sld xmlns:a="http://schemas.openxmlformats.org/drawingml/2006/main" xmlns:r="http://schemas.openxmlformats.org/officeDocument/2006/relationships" xmlns:p="http://schemas.openxmlformats.org/presentationml/2006/main">
   <p:cSld>
@@ -5195,18 +5343,16 @@
           <a:lstStyle/>
           <a:p>
             <a:r>
-              <a:rPr lang="en-US" dirty="0" smtClean="0"/>
-              <a:t>What is </a:t>
-            </a:r>
-            <a:r>
-              <a:rPr lang="en-US" dirty="0" err="1" smtClean="0"/>
-              <a:t>PostCSS</a:t>
-            </a:r>
-            <a:r>
-              <a:rPr lang="en-US" dirty="0" smtClean="0"/>
-              <a:t> anyway?</a:t>
-            </a:r>
-            <a:endParaRPr lang="en-US" dirty="0"/>
+              <a:rPr lang="en-US" sz="4000" dirty="0" smtClean="0">
+                <a:latin typeface="Abril Text SemiBold"/>
+                <a:cs typeface="Abril Text SemiBold"/>
+              </a:rPr>
+              <a:t>What is PostCSS anyway?</a:t>
+            </a:r>
+            <a:endParaRPr lang="en-US" sz="4000" dirty="0">
+              <a:latin typeface="Abril Text SemiBold"/>
+              <a:cs typeface="Abril Text SemiBold"/>
+            </a:endParaRPr>
           </a:p>
         </p:txBody>
       </p:sp>
@@ -5227,70 +5373,90 @@
           </a:bodyPr>
           <a:lstStyle/>
           <a:p>
-            <a:pPr marL="457200" indent="-457200">
-              <a:buFont typeface="Arial"/>
-              <a:buChar char="•"/>
-            </a:pPr>
-            <a:r>
-              <a:rPr lang="en-US" dirty="0" err="1"/>
-              <a:t>PostCSS</a:t>
-            </a:r>
-            <a:r>
-              <a:rPr lang="en-US" dirty="0"/>
+            <a:r>
+              <a:rPr lang="en-US" dirty="0">
+                <a:latin typeface="Theinhardt Rg"/>
+                <a:cs typeface="Theinhardt Rg"/>
+              </a:rPr>
+              <a:t>PostCSS </a:t>
+            </a:r>
+            <a:r>
+              <a:rPr lang="en-US" dirty="0" smtClean="0">
+                <a:latin typeface="Theinhardt Rg"/>
+                <a:cs typeface="Theinhardt Rg"/>
+              </a:rPr>
+              <a:t>is</a:t>
+            </a:r>
+            <a:r>
+              <a:rPr lang="hr-HR" dirty="0" smtClean="0">
+                <a:latin typeface="Theinhardt Rg"/>
+                <a:cs typeface="Theinhardt Rg"/>
+              </a:rPr>
+              <a:t> a</a:t>
+            </a:r>
+            <a:r>
+              <a:rPr lang="ta-IN" dirty="0" smtClean="0">
+                <a:latin typeface="Theinhardt Rg"/>
+                <a:cs typeface="Theinhardt Rg"/>
+              </a:rPr>
               <a:t> </a:t>
             </a:r>
             <a:r>
-              <a:rPr lang="en-US" dirty="0" smtClean="0"/>
-              <a:t>is</a:t>
-            </a:r>
-            <a:r>
-              <a:rPr lang="hr-HR" dirty="0" smtClean="0"/>
-              <a:t> a</a:t>
-            </a:r>
-            <a:r>
-              <a:rPr lang="ta-IN" dirty="0" smtClean="0"/>
+              <a:rPr lang="en-US" dirty="0" smtClean="0">
+                <a:latin typeface="Theinhardt Rg"/>
+                <a:cs typeface="Theinhardt Rg"/>
+              </a:rPr>
+              <a:t>tool to </a:t>
+            </a:r>
+            <a:r>
+              <a:rPr lang="en-US" dirty="0">
+                <a:latin typeface="Theinhardt Rg"/>
+                <a:cs typeface="Theinhardt Rg"/>
+              </a:rPr>
+              <a:t>transform styles with JS plugins</a:t>
+            </a:r>
+            <a:r>
+              <a:rPr lang="en-US" dirty="0" smtClean="0">
+                <a:latin typeface="Theinhardt Rg"/>
+                <a:cs typeface="Theinhardt Rg"/>
+              </a:rPr>
+              <a:t>.</a:t>
+            </a:r>
+          </a:p>
+          <a:p>
+            <a:r>
+              <a:rPr lang="en-US" dirty="0">
+                <a:latin typeface="Theinhardt Rg"/>
+                <a:cs typeface="Theinhardt Rg"/>
+              </a:rPr>
+              <a:t>These plugins can support variables and mixins</a:t>
+            </a:r>
+            <a:r>
+              <a:rPr lang="en-US" dirty="0" smtClean="0">
+                <a:latin typeface="Theinhardt Rg"/>
+                <a:cs typeface="Theinhardt Rg"/>
+              </a:rPr>
+              <a:t>,</a:t>
+            </a:r>
+            <a:r>
+              <a:rPr lang="ta-IN" dirty="0" smtClean="0">
+                <a:latin typeface="Theinhardt Rg"/>
+                <a:cs typeface="Theinhardt Rg"/>
+              </a:rPr>
               <a:t> </a:t>
             </a:r>
             <a:r>
-              <a:rPr lang="en-US" dirty="0" smtClean="0"/>
-              <a:t>tool to </a:t>
-            </a:r>
-            <a:r>
-              <a:rPr lang="en-US" dirty="0"/>
-              <a:t>transform styles with JS plugins</a:t>
-            </a:r>
-            <a:r>
-              <a:rPr lang="en-US" dirty="0" smtClean="0"/>
-              <a:t>.</a:t>
-            </a:r>
-          </a:p>
-          <a:p>
-            <a:pPr marL="457200" indent="-457200">
-              <a:buFont typeface="Arial"/>
-              <a:buChar char="•"/>
-            </a:pPr>
-            <a:r>
-              <a:rPr lang="en-US" dirty="0"/>
-              <a:t>These plugins can support variables and </a:t>
-            </a:r>
-            <a:r>
-              <a:rPr lang="en-US" dirty="0" err="1"/>
-              <a:t>mixins</a:t>
-            </a:r>
-            <a:r>
-              <a:rPr lang="en-US" dirty="0" smtClean="0"/>
-              <a:t>,</a:t>
-            </a:r>
-            <a:r>
-              <a:rPr lang="ta-IN" dirty="0" smtClean="0"/>
-              <a:t> </a:t>
-            </a:r>
-            <a:r>
-              <a:rPr lang="en-US" dirty="0" err="1" smtClean="0"/>
+              <a:rPr lang="en-US" dirty="0" smtClean="0">
+                <a:latin typeface="Theinhardt Rg"/>
+                <a:cs typeface="Theinhardt Rg"/>
+              </a:rPr>
               <a:t>transpile</a:t>
             </a:r>
             <a:r>
-              <a:rPr lang="en-US" dirty="0"/>
+              <a:rPr lang="en-US" dirty="0">
+                <a:latin typeface="Theinhardt Rg"/>
+                <a:cs typeface="Theinhardt Rg"/>
+              </a:rPr>
               <a:t> future CSS syntax, inline images, and more.</a:t>
             </a:r>
           </a:p>
@@ -5338,6 +5504,52 @@
       </p:grpSpPr>
       <p:sp>
         <p:nvSpPr>
+          <p:cNvPr id="4" name="TextBox 3"/>
+          <p:cNvSpPr txBox="1"/>
+          <p:nvPr/>
+        </p:nvSpPr>
+        <p:spPr>
+          <a:xfrm>
+            <a:off x="-252536" y="-1028650"/>
+            <a:ext cx="2334972" cy="6447919"/>
+          </a:xfrm>
+          <a:prstGeom prst="rect">
+            <a:avLst/>
+          </a:prstGeom>
+          <a:noFill/>
+        </p:spPr>
+        <p:txBody>
+          <a:bodyPr wrap="none" rtlCol="0">
+            <a:spAutoFit/>
+          </a:bodyPr>
+          <a:lstStyle/>
+          <a:p>
+            <a:r>
+              <a:rPr lang="ta-IN" sz="41300" dirty="0" smtClean="0">
+                <a:solidFill>
+                  <a:schemeClr val="bg1">
+                    <a:alpha val="14000"/>
+                  </a:schemeClr>
+                </a:solidFill>
+                <a:latin typeface="Abril Text Bold"/>
+                <a:cs typeface="Abril Text Bold"/>
+              </a:rPr>
+              <a:t>“</a:t>
+            </a:r>
+            <a:endParaRPr lang="en-US" sz="41300" dirty="0">
+              <a:solidFill>
+                <a:schemeClr val="bg1">
+                  <a:alpha val="14000"/>
+                </a:schemeClr>
+              </a:solidFill>
+              <a:latin typeface="Abril Text Bold"/>
+              <a:cs typeface="Abril Text Bold"/>
+            </a:endParaRPr>
+          </a:p>
+        </p:txBody>
+      </p:sp>
+      <p:sp>
+        <p:nvSpPr>
           <p:cNvPr id="2" name="Title 1"/>
           <p:cNvSpPr>
             <a:spLocks noGrp="1"/>
@@ -5346,6 +5558,147 @@
             <p:ph type="title"/>
           </p:nvPr>
         </p:nvSpPr>
+        <p:spPr>
+          <a:xfrm>
+            <a:off x="950912" y="872129"/>
+            <a:ext cx="7941568" cy="2304256"/>
+          </a:xfrm>
+        </p:spPr>
+        <p:txBody>
+          <a:bodyPr>
+            <a:noAutofit/>
+          </a:bodyPr>
+          <a:lstStyle/>
+          <a:p>
+            <a:pPr>
+              <a:lnSpc>
+                <a:spcPct val="120000"/>
+              </a:lnSpc>
+            </a:pPr>
+            <a:r>
+              <a:rPr lang="en-US" sz="4000" b="1" i="1" dirty="0">
+                <a:latin typeface="Abril Text Bold"/>
+                <a:cs typeface="Abril Text Bold"/>
+              </a:rPr>
+              <a:t>It's not post-processing if it happens before hitting the browser</a:t>
+            </a:r>
+            <a:r>
+              <a:rPr lang="en-US" sz="4000" b="1" i="1" dirty="0" smtClean="0">
+                <a:latin typeface="Abril Text Bold"/>
+                <a:cs typeface="Abril Text Bold"/>
+              </a:rPr>
+              <a:t>.</a:t>
+            </a:r>
+            <a:endParaRPr lang="en-US" sz="4000" b="1" i="1" dirty="0">
+              <a:latin typeface="Abril Text Bold"/>
+              <a:cs typeface="Abril Text Bold"/>
+            </a:endParaRPr>
+          </a:p>
+        </p:txBody>
+      </p:sp>
+      <p:sp>
+        <p:nvSpPr>
+          <p:cNvPr id="3" name="Content Placeholder 2"/>
+          <p:cNvSpPr>
+            <a:spLocks noGrp="1"/>
+          </p:cNvSpPr>
+          <p:nvPr>
+            <p:ph idx="1"/>
+          </p:nvPr>
+        </p:nvSpPr>
+        <p:spPr>
+          <a:xfrm>
+            <a:off x="950912" y="3320401"/>
+            <a:ext cx="7941568" cy="648072"/>
+          </a:xfrm>
+        </p:spPr>
+        <p:txBody>
+          <a:bodyPr>
+            <a:normAutofit/>
+          </a:bodyPr>
+          <a:lstStyle/>
+          <a:p>
+            <a:r>
+              <a:rPr lang="ta-IN" sz="2400" dirty="0" smtClean="0">
+                <a:latin typeface="Theinhardt Rg"/>
+                <a:cs typeface="Theinhardt Rg"/>
+              </a:rPr>
+              <a:t>- </a:t>
+            </a:r>
+            <a:r>
+              <a:rPr lang="en-US" sz="2400" dirty="0" smtClean="0">
+                <a:latin typeface="Theinhardt Rg"/>
+                <a:cs typeface="Theinhardt Rg"/>
+              </a:rPr>
+              <a:t>Hugo </a:t>
+            </a:r>
+            <a:r>
+              <a:rPr lang="en-US" sz="2400" dirty="0" err="1">
+                <a:latin typeface="Theinhardt Rg"/>
+                <a:cs typeface="Theinhardt Rg"/>
+              </a:rPr>
+              <a:t>Giraudel</a:t>
+            </a:r>
+            <a:r>
+              <a:rPr lang="en-US" sz="2400" dirty="0">
+                <a:latin typeface="Theinhardt Rg"/>
+                <a:cs typeface="Theinhardt Rg"/>
+              </a:rPr>
+              <a:t> </a:t>
+            </a:r>
+          </a:p>
+        </p:txBody>
+      </p:sp>
+    </p:spTree>
+    <p:extLst>
+      <p:ext uri="{BB962C8B-B14F-4D97-AF65-F5344CB8AC3E}">
+        <p14:creationId xmlns:p14="http://schemas.microsoft.com/office/powerpoint/2010/main" val="197205487"/>
+      </p:ext>
+    </p:extLst>
+  </p:cSld>
+  <p:clrMapOvr>
+    <a:masterClrMapping/>
+  </p:clrMapOvr>
+  <p:transition xmlns:p14="http://schemas.microsoft.com/office/powerpoint/2010/main" spd="slow">
+    <p:push/>
+  </p:transition>
+  <p:timing>
+    <p:tnLst>
+      <p:par>
+        <p:cTn xmlns:p14="http://schemas.microsoft.com/office/powerpoint/2010/main" id="1" dur="indefinite" restart="never" nodeType="tmRoot"/>
+      </p:par>
+    </p:tnLst>
+  </p:timing>
+</p:sld>
+</file>
+
+<file path=ppt/slides/slide4.xml><?xml version="1.0" encoding="utf-8"?>
+<p:sld xmlns:a="http://schemas.openxmlformats.org/drawingml/2006/main" xmlns:r="http://schemas.openxmlformats.org/officeDocument/2006/relationships" xmlns:p="http://schemas.openxmlformats.org/presentationml/2006/main">
+  <p:cSld>
+    <p:spTree>
+      <p:nvGrpSpPr>
+        <p:cNvPr id="1" name=""/>
+        <p:cNvGrpSpPr/>
+        <p:nvPr/>
+      </p:nvGrpSpPr>
+      <p:grpSpPr>
+        <a:xfrm>
+          <a:off x="0" y="0"/>
+          <a:ext cx="0" cy="0"/>
+          <a:chOff x="0" y="0"/>
+          <a:chExt cx="0" cy="0"/>
+        </a:xfrm>
+      </p:grpSpPr>
+      <p:sp>
+        <p:nvSpPr>
+          <p:cNvPr id="2" name="Title 1"/>
+          <p:cNvSpPr>
+            <a:spLocks noGrp="1"/>
+          </p:cNvSpPr>
+          <p:nvPr>
+            <p:ph type="title"/>
+          </p:nvPr>
+        </p:nvSpPr>
         <p:spPr/>
         <p:txBody>
           <a:bodyPr>
@@ -5354,10 +5707,384 @@
           <a:lstStyle/>
           <a:p>
             <a:r>
-              <a:rPr lang="en-US" dirty="0" smtClean="0"/>
+              <a:rPr lang="ta-IN" sz="4000" dirty="0" smtClean="0">
+                <a:latin typeface="Abril Text SemiBold"/>
+                <a:cs typeface="Abril Text SemiBold"/>
+              </a:rPr>
+              <a:t>CSS Pre-processors</a:t>
+            </a:r>
+            <a:endParaRPr lang="en-US" sz="4000" dirty="0">
+              <a:latin typeface="Abril Text SemiBold"/>
+              <a:cs typeface="Abril Text SemiBold"/>
+            </a:endParaRPr>
+          </a:p>
+        </p:txBody>
+      </p:sp>
+      <p:sp>
+        <p:nvSpPr>
+          <p:cNvPr id="3" name="Content Placeholder 2"/>
+          <p:cNvSpPr>
+            <a:spLocks noGrp="1"/>
+          </p:cNvSpPr>
+          <p:nvPr>
+            <p:ph idx="1"/>
+          </p:nvPr>
+        </p:nvSpPr>
+        <p:spPr/>
+        <p:txBody>
+          <a:bodyPr/>
+          <a:lstStyle/>
+          <a:p>
+            <a:r>
+              <a:rPr lang="ta-IN" dirty="0" smtClean="0">
+                <a:latin typeface="Theinhardt Rg"/>
+                <a:cs typeface="Theinhardt Rg"/>
+              </a:rPr>
+              <a:t>+</a:t>
+            </a:r>
+          </a:p>
+          <a:p>
+            <a:pPr marL="457200" indent="-457200">
+              <a:buFont typeface="Arial"/>
+              <a:buChar char="•"/>
+            </a:pPr>
+            <a:r>
+              <a:rPr lang="ta-IN" dirty="0">
+                <a:latin typeface="Theinhardt Rg"/>
+                <a:cs typeface="Theinhardt Rg"/>
+              </a:rPr>
+              <a:t>S</a:t>
+            </a:r>
+            <a:r>
+              <a:rPr lang="ta-IN" dirty="0" smtClean="0">
+                <a:latin typeface="Theinhardt Rg"/>
+                <a:cs typeface="Theinhardt Rg"/>
+              </a:rPr>
+              <a:t>yntax is very clear.</a:t>
+            </a:r>
+          </a:p>
+          <a:p>
+            <a:pPr marL="457200" indent="-457200">
+              <a:buFont typeface="Arial"/>
+              <a:buChar char="•"/>
+            </a:pPr>
+            <a:endParaRPr lang="ta-IN" dirty="0" smtClean="0">
+              <a:latin typeface="Theinhardt Rg"/>
+              <a:cs typeface="Theinhardt Rg"/>
+            </a:endParaRPr>
+          </a:p>
+          <a:p>
+            <a:r>
+              <a:rPr lang="ta-IN" dirty="0" smtClean="0">
+                <a:latin typeface="Theinhardt Rg"/>
+                <a:cs typeface="Theinhardt Rg"/>
+              </a:rPr>
+              <a:t>-</a:t>
+            </a:r>
+            <a:endParaRPr lang="ta-IN" dirty="0">
+              <a:latin typeface="Theinhardt Rg"/>
+              <a:cs typeface="Theinhardt Rg"/>
+            </a:endParaRPr>
+          </a:p>
+          <a:p>
+            <a:pPr marL="457200" indent="-457200">
+              <a:buFont typeface="Arial"/>
+              <a:buChar char="•"/>
+            </a:pPr>
+            <a:r>
+              <a:rPr lang="ta-IN" dirty="0">
+                <a:latin typeface="Theinhardt Rg"/>
+                <a:cs typeface="Theinhardt Rg"/>
+              </a:rPr>
+              <a:t>Large systems with </a:t>
+            </a:r>
+            <a:r>
+              <a:rPr lang="en-US" dirty="0">
+                <a:latin typeface="Theinhardt Rg"/>
+                <a:cs typeface="Theinhardt Rg"/>
+              </a:rPr>
+              <a:t>monolithic architecture</a:t>
+            </a:r>
+            <a:r>
+              <a:rPr lang="ta-IN" dirty="0">
+                <a:latin typeface="Theinhardt Rg"/>
+                <a:cs typeface="Theinhardt Rg"/>
+              </a:rPr>
+              <a:t>.</a:t>
+            </a:r>
+          </a:p>
+          <a:p>
+            <a:pPr marL="457200" indent="-457200">
+              <a:buFont typeface="Arial"/>
+              <a:buChar char="•"/>
+            </a:pPr>
+            <a:r>
+              <a:rPr lang="ta-IN" dirty="0">
+                <a:latin typeface="Theinhardt Rg"/>
+                <a:cs typeface="Theinhardt Rg"/>
+              </a:rPr>
+              <a:t>Huge build setup.</a:t>
+            </a:r>
+          </a:p>
+          <a:p>
+            <a:endParaRPr lang="en-US" dirty="0">
+              <a:latin typeface="Theinhardt Rg"/>
+              <a:cs typeface="Theinhardt Rg"/>
+            </a:endParaRPr>
+          </a:p>
+        </p:txBody>
+      </p:sp>
+    </p:spTree>
+    <p:extLst>
+      <p:ext uri="{BB962C8B-B14F-4D97-AF65-F5344CB8AC3E}">
+        <p14:creationId xmlns:p14="http://schemas.microsoft.com/office/powerpoint/2010/main" val="620326407"/>
+      </p:ext>
+    </p:extLst>
+  </p:cSld>
+  <p:clrMapOvr>
+    <a:masterClrMapping/>
+  </p:clrMapOvr>
+  <p:transition xmlns:p14="http://schemas.microsoft.com/office/powerpoint/2010/main" spd="slow">
+    <p:push/>
+  </p:transition>
+  <p:timing>
+    <p:tnLst>
+      <p:par>
+        <p:cTn xmlns:p14="http://schemas.microsoft.com/office/powerpoint/2010/main" id="1" dur="indefinite" restart="never" nodeType="tmRoot"/>
+      </p:par>
+    </p:tnLst>
+  </p:timing>
+</p:sld>
+</file>
+
+<file path=ppt/slides/slide5.xml><?xml version="1.0" encoding="utf-8"?>
+<p:sld xmlns:a="http://schemas.openxmlformats.org/drawingml/2006/main" xmlns:r="http://schemas.openxmlformats.org/officeDocument/2006/relationships" xmlns:p="http://schemas.openxmlformats.org/presentationml/2006/main">
+  <p:cSld>
+    <p:spTree>
+      <p:nvGrpSpPr>
+        <p:cNvPr id="1" name=""/>
+        <p:cNvGrpSpPr/>
+        <p:nvPr/>
+      </p:nvGrpSpPr>
+      <p:grpSpPr>
+        <a:xfrm>
+          <a:off x="0" y="0"/>
+          <a:ext cx="0" cy="0"/>
+          <a:chOff x="0" y="0"/>
+          <a:chExt cx="0" cy="0"/>
+        </a:xfrm>
+      </p:grpSpPr>
+      <p:sp>
+        <p:nvSpPr>
+          <p:cNvPr id="2" name="Title 1"/>
+          <p:cNvSpPr>
+            <a:spLocks noGrp="1"/>
+          </p:cNvSpPr>
+          <p:nvPr>
+            <p:ph type="title"/>
+          </p:nvPr>
+        </p:nvSpPr>
+        <p:spPr/>
+        <p:txBody>
+          <a:bodyPr>
+            <a:normAutofit/>
+          </a:bodyPr>
+          <a:lstStyle/>
+          <a:p>
+            <a:r>
+              <a:rPr lang="ta-IN" sz="4000" dirty="0" smtClean="0">
+                <a:latin typeface="Abril Text SemiBold"/>
+                <a:cs typeface="Abril Text SemiBold"/>
+              </a:rPr>
+              <a:t>PostCSS</a:t>
+            </a:r>
+            <a:endParaRPr lang="en-US" sz="4000" dirty="0">
+              <a:latin typeface="Abril Text SemiBold"/>
+              <a:cs typeface="Abril Text SemiBold"/>
+            </a:endParaRPr>
+          </a:p>
+        </p:txBody>
+      </p:sp>
+      <p:sp>
+        <p:nvSpPr>
+          <p:cNvPr id="3" name="Content Placeholder 2"/>
+          <p:cNvSpPr>
+            <a:spLocks noGrp="1"/>
+          </p:cNvSpPr>
+          <p:nvPr>
+            <p:ph idx="1"/>
+          </p:nvPr>
+        </p:nvSpPr>
+        <p:spPr/>
+        <p:txBody>
+          <a:bodyPr>
+            <a:normAutofit fontScale="92500" lnSpcReduction="10000"/>
+          </a:bodyPr>
+          <a:lstStyle/>
+          <a:p>
+            <a:r>
+              <a:rPr lang="ta-IN" dirty="0" smtClean="0">
+                <a:latin typeface="Theinhardt Rg"/>
+                <a:cs typeface="Theinhardt Rg"/>
+              </a:rPr>
+              <a:t>+</a:t>
+            </a:r>
+          </a:p>
+          <a:p>
+            <a:pPr marL="457200" indent="-457200">
+              <a:buFont typeface="Arial"/>
+              <a:buChar char="•"/>
+            </a:pPr>
+            <a:r>
+              <a:rPr lang="ta-IN" dirty="0" smtClean="0">
+                <a:latin typeface="Theinhardt Rg"/>
+                <a:cs typeface="Theinhardt Rg"/>
+              </a:rPr>
+              <a:t>Modularity </a:t>
+            </a:r>
+            <a:r>
+              <a:rPr lang="ta-IN" dirty="0">
+                <a:latin typeface="Theinhardt Rg"/>
+                <a:cs typeface="Theinhardt Rg"/>
+              </a:rPr>
+              <a:t>– adding your own </a:t>
+            </a:r>
+            <a:r>
+              <a:rPr lang="ta-IN" dirty="0" smtClean="0">
+                <a:latin typeface="Theinhardt Rg"/>
+                <a:cs typeface="Theinhardt Rg"/>
+              </a:rPr>
+              <a:t>features.</a:t>
+            </a:r>
+          </a:p>
+          <a:p>
+            <a:pPr marL="457200" indent="-457200">
+              <a:buFont typeface="Arial"/>
+              <a:buChar char="•"/>
+            </a:pPr>
+            <a:r>
+              <a:rPr lang="ta-IN" dirty="0" smtClean="0">
+                <a:latin typeface="Theinhardt Rg"/>
+                <a:cs typeface="Theinhardt Rg"/>
+              </a:rPr>
+              <a:t>Awsome optimisation with pipeline.</a:t>
+            </a:r>
+          </a:p>
+          <a:p>
+            <a:pPr marL="457200" indent="-457200">
+              <a:buFont typeface="Arial"/>
+              <a:buChar char="•"/>
+            </a:pPr>
+            <a:r>
+              <a:rPr lang="ta-IN" dirty="0" smtClean="0">
+                <a:latin typeface="Theinhardt Rg"/>
+                <a:cs typeface="Theinhardt Rg"/>
+              </a:rPr>
+              <a:t>Plugins ecosystem.</a:t>
+            </a:r>
+          </a:p>
+          <a:p>
+            <a:endParaRPr lang="ta-IN" dirty="0">
+              <a:latin typeface="Theinhardt Rg"/>
+              <a:cs typeface="Theinhardt Rg"/>
+            </a:endParaRPr>
+          </a:p>
+          <a:p>
+            <a:r>
+              <a:rPr lang="ta-IN" dirty="0" smtClean="0">
+                <a:latin typeface="Theinhardt Rg"/>
+                <a:cs typeface="Theinhardt Rg"/>
+              </a:rPr>
+              <a:t>-</a:t>
+            </a:r>
+          </a:p>
+          <a:p>
+            <a:pPr marL="457200" indent="-457200">
+              <a:buFont typeface="Arial"/>
+              <a:buChar char="•"/>
+            </a:pPr>
+            <a:r>
+              <a:rPr lang="ta-IN" dirty="0" smtClean="0">
+                <a:latin typeface="Theinhardt Rg"/>
+                <a:cs typeface="Theinhardt Rg"/>
+              </a:rPr>
+              <a:t>Tends to become a pre-processor.</a:t>
+            </a:r>
+            <a:endParaRPr lang="ta-IN" dirty="0">
+              <a:latin typeface="Theinhardt Rg"/>
+              <a:cs typeface="Theinhardt Rg"/>
+            </a:endParaRPr>
+          </a:p>
+        </p:txBody>
+      </p:sp>
+    </p:spTree>
+    <p:extLst>
+      <p:ext uri="{BB962C8B-B14F-4D97-AF65-F5344CB8AC3E}">
+        <p14:creationId xmlns:p14="http://schemas.microsoft.com/office/powerpoint/2010/main" val="1430612978"/>
+      </p:ext>
+    </p:extLst>
+  </p:cSld>
+  <p:clrMapOvr>
+    <a:masterClrMapping/>
+  </p:clrMapOvr>
+  <p:transition xmlns:p14="http://schemas.microsoft.com/office/powerpoint/2010/main" spd="slow">
+    <p:push/>
+  </p:transition>
+  <p:timing>
+    <p:tnLst>
+      <p:par>
+        <p:cTn xmlns:p14="http://schemas.microsoft.com/office/powerpoint/2010/main" id="1" dur="indefinite" restart="never" nodeType="tmRoot"/>
+      </p:par>
+    </p:tnLst>
+  </p:timing>
+</p:sld>
+</file>
+
+<file path=ppt/slides/slide6.xml><?xml version="1.0" encoding="utf-8"?>
+<p:sld xmlns:a="http://schemas.openxmlformats.org/drawingml/2006/main" xmlns:r="http://schemas.openxmlformats.org/officeDocument/2006/relationships" xmlns:p="http://schemas.openxmlformats.org/presentationml/2006/main">
+  <p:cSld>
+    <p:spTree>
+      <p:nvGrpSpPr>
+        <p:cNvPr id="1" name=""/>
+        <p:cNvGrpSpPr/>
+        <p:nvPr/>
+      </p:nvGrpSpPr>
+      <p:grpSpPr>
+        <a:xfrm>
+          <a:off x="0" y="0"/>
+          <a:ext cx="0" cy="0"/>
+          <a:chOff x="0" y="0"/>
+          <a:chExt cx="0" cy="0"/>
+        </a:xfrm>
+      </p:grpSpPr>
+      <p:sp>
+        <p:nvSpPr>
+          <p:cNvPr id="2" name="Title 1"/>
+          <p:cNvSpPr>
+            <a:spLocks noGrp="1"/>
+          </p:cNvSpPr>
+          <p:nvPr>
+            <p:ph type="title"/>
+          </p:nvPr>
+        </p:nvSpPr>
+        <p:spPr/>
+        <p:txBody>
+          <a:bodyPr>
+            <a:normAutofit/>
+          </a:bodyPr>
+          <a:lstStyle/>
+          <a:p>
+            <a:r>
+              <a:rPr lang="en-US" sz="4000" dirty="0" smtClean="0">
+                <a:latin typeface="Abril Text SemiBold"/>
+                <a:cs typeface="Abril Text SemiBold"/>
+              </a:rPr>
               <a:t>Performance</a:t>
             </a:r>
-            <a:endParaRPr lang="en-US" dirty="0"/>
+            <a:endParaRPr lang="en-US" dirty="0">
+              <a:latin typeface="Abril Text SemiBold"/>
+              <a:cs typeface="Abril Text SemiBold"/>
+            </a:endParaRPr>
           </a:p>
         </p:txBody>
       </p:sp>
@@ -5368,7 +6095,7 @@
           <p:nvPr>
             <p:extLst>
               <p:ext uri="{D42A27DB-BD31-4B8C-83A1-F6EECF244321}">
-                <p14:modId xmlns:p14="http://schemas.microsoft.com/office/powerpoint/2010/main" val="1470113045"/>
+                <p14:modId xmlns:p14="http://schemas.microsoft.com/office/powerpoint/2010/main" val="2350433921"/>
               </p:ext>
             </p:extLst>
           </p:nvPr>
@@ -5392,7 +6119,7 @@
         <p:spPr>
           <a:xfrm>
             <a:off x="1597014" y="1661778"/>
-            <a:ext cx="620883" cy="307777"/>
+            <a:ext cx="684803" cy="307777"/>
           </a:xfrm>
           <a:prstGeom prst="rect">
             <a:avLst/>
@@ -5410,6 +6137,8 @@
                 <a:solidFill>
                   <a:schemeClr val="bg1"/>
                 </a:solidFill>
+                <a:latin typeface="Theinhardt Rg"/>
+                <a:cs typeface="Theinhardt Rg"/>
               </a:rPr>
               <a:t>36 </a:t>
             </a:r>
@@ -5418,6 +6147,8 @@
                 <a:solidFill>
                   <a:schemeClr val="bg1"/>
                 </a:solidFill>
+                <a:latin typeface="Theinhardt Rg"/>
+                <a:cs typeface="Theinhardt Rg"/>
               </a:rPr>
               <a:t>ms</a:t>
             </a:r>
@@ -5425,6 +6156,8 @@
               <a:solidFill>
                 <a:schemeClr val="bg1"/>
               </a:solidFill>
+              <a:latin typeface="Theinhardt Rg"/>
+              <a:cs typeface="Theinhardt Rg"/>
             </a:endParaRPr>
           </a:p>
         </p:txBody>
@@ -5438,7 +6171,7 @@
         <p:spPr>
           <a:xfrm>
             <a:off x="2029061" y="2091651"/>
-            <a:ext cx="711879" cy="307777"/>
+            <a:ext cx="787395" cy="307777"/>
           </a:xfrm>
           <a:prstGeom prst="rect">
             <a:avLst/>
@@ -5456,6 +6189,8 @@
                 <a:solidFill>
                   <a:schemeClr val="bg1"/>
                 </a:solidFill>
+                <a:latin typeface="Theinhardt Rg"/>
+                <a:cs typeface="Theinhardt Rg"/>
               </a:rPr>
               <a:t>136 </a:t>
             </a:r>
@@ -5464,6 +6199,8 @@
                 <a:solidFill>
                   <a:schemeClr val="bg1"/>
                 </a:solidFill>
+                <a:latin typeface="Theinhardt Rg"/>
+                <a:cs typeface="Theinhardt Rg"/>
               </a:rPr>
               <a:t>ms</a:t>
             </a:r>
@@ -5471,6 +6208,8 @@
               <a:solidFill>
                 <a:schemeClr val="bg1"/>
               </a:solidFill>
+              <a:latin typeface="Theinhardt Rg"/>
+              <a:cs typeface="Theinhardt Rg"/>
             </a:endParaRPr>
           </a:p>
         </p:txBody>
@@ -5484,7 +6223,7 @@
         <p:spPr>
           <a:xfrm>
             <a:off x="2101077" y="2657842"/>
-            <a:ext cx="711879" cy="307777"/>
+            <a:ext cx="787395" cy="307777"/>
           </a:xfrm>
           <a:prstGeom prst="rect">
             <a:avLst/>
@@ -5502,6 +6241,8 @@
                 <a:solidFill>
                   <a:schemeClr val="bg1"/>
                 </a:solidFill>
+                <a:latin typeface="Theinhardt Rg"/>
+                <a:cs typeface="Theinhardt Rg"/>
               </a:rPr>
               <a:t>160 </a:t>
             </a:r>
@@ -5510,6 +6251,8 @@
                 <a:solidFill>
                   <a:schemeClr val="bg1"/>
                 </a:solidFill>
+                <a:latin typeface="Theinhardt Rg"/>
+                <a:cs typeface="Theinhardt Rg"/>
               </a:rPr>
               <a:t>ms</a:t>
             </a:r>
@@ -5517,6 +6260,8 @@
               <a:solidFill>
                 <a:schemeClr val="bg1"/>
               </a:solidFill>
+              <a:latin typeface="Theinhardt Rg"/>
+              <a:cs typeface="Theinhardt Rg"/>
             </a:endParaRPr>
           </a:p>
         </p:txBody>
@@ -5530,7 +6275,7 @@
         <p:spPr>
           <a:xfrm>
             <a:off x="2173064" y="3215461"/>
-            <a:ext cx="711879" cy="307777"/>
+            <a:ext cx="787395" cy="307777"/>
           </a:xfrm>
           <a:prstGeom prst="rect">
             <a:avLst/>
@@ -5548,6 +6293,8 @@
                 <a:solidFill>
                   <a:schemeClr val="bg1"/>
                 </a:solidFill>
+                <a:latin typeface="Theinhardt Rg"/>
+                <a:cs typeface="Theinhardt Rg"/>
               </a:rPr>
               <a:t>167 </a:t>
             </a:r>
@@ -5556,6 +6303,8 @@
                 <a:solidFill>
                   <a:schemeClr val="bg1"/>
                 </a:solidFill>
+                <a:latin typeface="Theinhardt Rg"/>
+                <a:cs typeface="Theinhardt Rg"/>
               </a:rPr>
               <a:t>ms</a:t>
             </a:r>
@@ -5563,6 +6312,8 @@
               <a:solidFill>
                 <a:schemeClr val="bg1"/>
               </a:solidFill>
+              <a:latin typeface="Theinhardt Rg"/>
+              <a:cs typeface="Theinhardt Rg"/>
             </a:endParaRPr>
           </a:p>
         </p:txBody>
@@ -5576,7 +6327,7 @@
         <p:spPr>
           <a:xfrm>
             <a:off x="5424760" y="3795898"/>
-            <a:ext cx="802874" cy="307777"/>
+            <a:ext cx="889987" cy="307777"/>
           </a:xfrm>
           <a:prstGeom prst="rect">
             <a:avLst/>
@@ -5594,6 +6345,8 @@
                 <a:solidFill>
                   <a:schemeClr val="bg1"/>
                 </a:solidFill>
+                <a:latin typeface="Theinhardt Rg"/>
+                <a:cs typeface="Theinhardt Rg"/>
               </a:rPr>
               <a:t>1084 </a:t>
             </a:r>
@@ -5602,6 +6355,8 @@
                 <a:solidFill>
                   <a:schemeClr val="bg1"/>
                 </a:solidFill>
+                <a:latin typeface="Theinhardt Rg"/>
+                <a:cs typeface="Theinhardt Rg"/>
               </a:rPr>
               <a:t>ms</a:t>
             </a:r>
@@ -5609,6 +6364,8 @@
               <a:solidFill>
                 <a:schemeClr val="bg1"/>
               </a:solidFill>
+              <a:latin typeface="Theinhardt Rg"/>
+              <a:cs typeface="Theinhardt Rg"/>
             </a:endParaRPr>
           </a:p>
         </p:txBody>
@@ -5622,7 +6379,7 @@
         <p:spPr>
           <a:xfrm>
             <a:off x="607775" y="4304154"/>
-            <a:ext cx="2664511" cy="307777"/>
+            <a:ext cx="2800767" cy="307777"/>
           </a:xfrm>
           <a:prstGeom prst="rect">
             <a:avLst/>
@@ -5640,24 +6397,32 @@
                 <a:solidFill>
                   <a:schemeClr val="bg1"/>
                 </a:solidFill>
+                <a:latin typeface="Theinhardt Rg"/>
+                <a:cs typeface="Theinhardt Rg"/>
               </a:rPr>
               <a:t>Source</a:t>
             </a:r>
             <a:r>
               <a:rPr lang="en-US" sz="1400" dirty="0" smtClean="0">
                 <a:noFill/>
+                <a:latin typeface="Theinhardt Rg"/>
+                <a:cs typeface="Theinhardt Rg"/>
               </a:rPr>
               <a:t>: </a:t>
             </a:r>
             <a:r>
               <a:rPr lang="en-US" sz="1400" dirty="0" smtClean="0">
                 <a:noFill/>
+                <a:latin typeface="Theinhardt Rg"/>
+                <a:cs typeface="Theinhardt Rg"/>
                 <a:hlinkClick r:id="rId5"/>
               </a:rPr>
               <a:t>Preprocessors benchmark</a:t>
             </a:r>
             <a:endParaRPr lang="en-US" sz="1400" dirty="0">
               <a:noFill/>
+              <a:latin typeface="Theinhardt Rg"/>
+              <a:cs typeface="Theinhardt Rg"/>
             </a:endParaRPr>
           </a:p>
         </p:txBody>
@@ -5716,7 +6481,7 @@
         <p:spPr>
           <a:xfrm>
             <a:off x="611560" y="1684861"/>
-            <a:ext cx="723507" cy="261610"/>
+            <a:ext cx="736099" cy="261610"/>
           </a:xfrm>
           <a:prstGeom prst="rect">
             <a:avLst/>
@@ -5734,6 +6499,8 @@
                 <a:solidFill>
                   <a:srgbClr val="FFFFFF"/>
                 </a:solidFill>
+                <a:latin typeface="Theinhardt Rg"/>
+                <a:cs typeface="Theinhardt Rg"/>
               </a:rPr>
               <a:t>PostCSS</a:t>
             </a:r>
@@ -5741,6 +6508,8 @@
               <a:solidFill>
                 <a:srgbClr val="FFFFFF"/>
               </a:solidFill>
+              <a:latin typeface="Theinhardt Rg"/>
+              <a:cs typeface="Theinhardt Rg"/>
             </a:endParaRPr>
           </a:p>
         </p:txBody>
@@ -5991,7 +6760,7 @@
 </p:sld>
 </file>
 
-<file path=ppt/slides/slide4.xml><?xml version="1.0" encoding="utf-8"?>
+<file path=ppt/slides/slide7.xml><?xml version="1.0" encoding="utf-8"?>
 <p:sld xmlns:a="http://schemas.openxmlformats.org/drawingml/2006/main" xmlns:r="http://schemas.openxmlformats.org/officeDocument/2006/relationships" xmlns:p="http://schemas.openxmlformats.org/presentationml/2006/main">
   <p:cSld>
     <p:spTree>
@@ -6020,14 +6789,22 @@
         </p:nvSpPr>
         <p:spPr/>
         <p:txBody>
-          <a:bodyPr/>
+          <a:bodyPr>
+            <a:normAutofit/>
+          </a:bodyPr>
           <a:lstStyle/>
           <a:p>
             <a:r>
-              <a:rPr lang="ta-IN" dirty="0" smtClean="0"/>
+              <a:rPr lang="ta-IN" sz="4000" dirty="0" smtClean="0">
+                <a:latin typeface="Abril Text SemiBold"/>
+                <a:cs typeface="Abril Text SemiBold"/>
+              </a:rPr>
               <a:t>Tools</a:t>
             </a:r>
-            <a:endParaRPr lang="en-US" dirty="0"/>
+            <a:endParaRPr lang="en-US" sz="4000" dirty="0">
+              <a:latin typeface="Abril Text SemiBold"/>
+              <a:cs typeface="Abril Text SemiBold"/>
+            </a:endParaRPr>
           </a:p>
         </p:txBody>
       </p:sp>
@@ -6053,9 +6830,16 @@
               <a:buChar char="•"/>
             </a:pPr>
             <a:r>
-              <a:rPr lang="en-US" dirty="0" smtClean="0"/>
+              <a:rPr lang="en-US" dirty="0" err="1" smtClean="0">
+                <a:latin typeface="Theinhardt Rg"/>
+                <a:cs typeface="Theinhardt Rg"/>
+              </a:rPr>
               <a:t>Node.js</a:t>
             </a:r>
+            <a:endParaRPr lang="ta-IN" dirty="0" smtClean="0">
+              <a:latin typeface="Theinhardt Rg"/>
+              <a:cs typeface="Theinhardt Rg"/>
+            </a:endParaRPr>
           </a:p>
           <a:p>
             <a:pPr marL="457200" indent="-457200">
@@ -6063,13 +6847,16 @@
               <a:buChar char="•"/>
             </a:pPr>
             <a:r>
-              <a:rPr lang="en-US" dirty="0" err="1" smtClean="0"/>
-              <a:t>npm</a:t>
-            </a:r>
-            <a:r>
-              <a:rPr lang="en-US" dirty="0" smtClean="0"/>
-              <a:t> (node package manager)</a:t>
-            </a:r>
+              <a:rPr lang="ta-IN" dirty="0" smtClean="0">
+                <a:latin typeface="Theinhardt Rg"/>
+                <a:cs typeface="Theinhardt Rg"/>
+              </a:rPr>
+              <a:t>Gulp.js</a:t>
+            </a:r>
+            <a:endParaRPr lang="en-US" dirty="0" smtClean="0">
+              <a:latin typeface="Theinhardt Rg"/>
+              <a:cs typeface="Theinhardt Rg"/>
+            </a:endParaRPr>
           </a:p>
           <a:p>
             <a:pPr marL="457200" indent="-457200">
@@ -6077,9 +6864,30 @@
               <a:buChar char="•"/>
             </a:pPr>
             <a:r>
-              <a:rPr lang="en-US" dirty="0" smtClean="0"/>
-              <a:t>Gulp.js</a:t>
-            </a:r>
+              <a:rPr lang="en-US" dirty="0" err="1" smtClean="0">
+                <a:latin typeface="Theinhardt Rg"/>
+                <a:cs typeface="Theinhardt Rg"/>
+              </a:rPr>
+              <a:t>npm</a:t>
+            </a:r>
+            <a:r>
+              <a:rPr lang="en-US" dirty="0" smtClean="0">
+                <a:latin typeface="Theinhardt Rg"/>
+                <a:cs typeface="Theinhardt Rg"/>
+              </a:rPr>
+              <a:t> (node package manager</a:t>
+            </a:r>
+            <a:r>
+              <a:rPr lang="en-US" dirty="0" smtClean="0">
+                <a:latin typeface="Theinhardt Rg"/>
+                <a:cs typeface="Theinhardt Rg"/>
+              </a:rPr>
+              <a:t>)</a:t>
+            </a:r>
+            <a:endParaRPr lang="en-US" dirty="0" smtClean="0">
+              <a:latin typeface="Theinhardt Rg"/>
+              <a:cs typeface="Theinhardt Rg"/>
+            </a:endParaRPr>
           </a:p>
           <a:p>
             <a:pPr marL="457200" indent="-457200">
@@ -6087,10 +6895,16 @@
               <a:buChar char="•"/>
             </a:pPr>
             <a:r>
-              <a:rPr lang="en-US" dirty="0" smtClean="0"/>
+              <a:rPr lang="en-US" dirty="0" smtClean="0">
+                <a:latin typeface="Theinhardt Rg"/>
+                <a:cs typeface="Theinhardt Rg"/>
+              </a:rPr>
               <a:t>CSS</a:t>
             </a:r>
-            <a:endParaRPr lang="en-US" dirty="0"/>
+            <a:endParaRPr lang="en-US" dirty="0">
+              <a:latin typeface="Theinhardt Rg"/>
+              <a:cs typeface="Theinhardt Rg"/>
+            </a:endParaRPr>
           </a:p>
         </p:txBody>
       </p:sp>
@@ -6117,7 +6931,7 @@
 </p:sld>
 </file>
 
-<file path=ppt/slides/slide5.xml><?xml version="1.0" encoding="utf-8"?>
+<file path=ppt/slides/slide8.xml><?xml version="1.0" encoding="utf-8"?>
 <p:sld xmlns:a="http://schemas.openxmlformats.org/drawingml/2006/main" xmlns:r="http://schemas.openxmlformats.org/officeDocument/2006/relationships" xmlns:p="http://schemas.openxmlformats.org/presentationml/2006/main">
   <p:cSld>
     <p:spTree>
@@ -6146,14 +6960,22 @@
         </p:nvSpPr>
         <p:spPr/>
         <p:txBody>
-          <a:bodyPr/>
+          <a:bodyPr>
+            <a:normAutofit/>
+          </a:bodyPr>
           <a:lstStyle/>
           <a:p>
             <a:r>
-              <a:rPr lang="en-US" dirty="0" smtClean="0"/>
+              <a:rPr lang="en-US" sz="4000" dirty="0" smtClean="0">
+                <a:latin typeface="Abril Text SemiBold"/>
+                <a:cs typeface="Abril Text SemiBold"/>
+              </a:rPr>
               <a:t>Usage</a:t>
             </a:r>
-            <a:endParaRPr lang="en-US" dirty="0"/>
+            <a:endParaRPr lang="en-US" sz="4000" dirty="0">
+              <a:latin typeface="Abril Text SemiBold"/>
+              <a:cs typeface="Abril Text SemiBold"/>
+            </a:endParaRPr>
           </a:p>
         </p:txBody>
       </p:sp>
@@ -6170,71 +6992,105 @@
         <p:spPr/>
         <p:txBody>
           <a:bodyPr>
-            <a:normAutofit/>
+            <a:normAutofit fontScale="92500"/>
           </a:bodyPr>
           <a:lstStyle/>
           <a:p>
-            <a:pPr marL="457200" indent="-457200">
-              <a:buFont typeface="Arial" panose="020B0604020202020204" pitchFamily="34" charset="0"/>
-              <a:buChar char="•"/>
+            <a:pPr marL="514350" indent="-514350">
+              <a:buFont typeface="+mj-lt"/>
+              <a:buAutoNum type="arabicPeriod"/>
             </a:pPr>
             <a:r>
-              <a:rPr lang="en-US" dirty="0"/>
-              <a:t>Add </a:t>
-            </a:r>
-            <a:r>
-              <a:rPr lang="en-US" dirty="0" err="1"/>
-              <a:t>PostCSS</a:t>
-            </a:r>
-            <a:r>
-              <a:rPr lang="en-US" dirty="0"/>
-              <a:t> to your build tool.</a:t>
-            </a:r>
-          </a:p>
-          <a:p>
-            <a:pPr marL="457200" indent="-457200">
-              <a:buFont typeface="Arial" panose="020B0604020202020204" pitchFamily="34" charset="0"/>
-              <a:buChar char="•"/>
+              <a:rPr lang="en-US" dirty="0">
+                <a:latin typeface="Theinhardt Rg"/>
+                <a:cs typeface="Theinhardt Rg"/>
+              </a:rPr>
+              <a:t>Add PostCSS to your build tool.</a:t>
+            </a:r>
+          </a:p>
+          <a:p>
+            <a:pPr marL="514350" indent="-514350">
+              <a:buFont typeface="+mj-lt"/>
+              <a:buAutoNum type="arabicPeriod"/>
             </a:pPr>
             <a:r>
-              <a:rPr lang="en-US" dirty="0"/>
+              <a:rPr lang="en-US" dirty="0">
+                <a:latin typeface="Theinhardt Rg"/>
+                <a:cs typeface="Theinhardt Rg"/>
+              </a:rPr>
               <a:t>Select plugins </a:t>
             </a:r>
             <a:r>
-              <a:rPr lang="en-US" dirty="0" smtClean="0"/>
+              <a:rPr lang="en-US" dirty="0" smtClean="0">
+                <a:latin typeface="Theinhardt Rg"/>
+                <a:cs typeface="Theinhardt Rg"/>
+              </a:rPr>
               <a:t>and </a:t>
             </a:r>
             <a:r>
-              <a:rPr lang="en-US" dirty="0"/>
-              <a:t>add them to your </a:t>
-            </a:r>
-            <a:r>
-              <a:rPr lang="en-US" dirty="0" err="1"/>
-              <a:t>PostCSS</a:t>
-            </a:r>
-            <a:r>
-              <a:rPr lang="en-US" dirty="0"/>
-              <a:t> process.</a:t>
-            </a:r>
-          </a:p>
-          <a:p>
-            <a:pPr marL="457200" indent="-457200">
-              <a:buFont typeface="Arial" panose="020B0604020202020204" pitchFamily="34" charset="0"/>
-              <a:buChar char="•"/>
+              <a:rPr lang="en-US" dirty="0">
+                <a:latin typeface="Theinhardt Rg"/>
+                <a:cs typeface="Theinhardt Rg"/>
+              </a:rPr>
+              <a:t>add them to your PostCSS process</a:t>
+            </a:r>
+            <a:r>
+              <a:rPr lang="en-US" dirty="0" smtClean="0">
+                <a:latin typeface="Theinhardt Rg"/>
+                <a:cs typeface="Theinhardt Rg"/>
+              </a:rPr>
+              <a:t>.</a:t>
+            </a:r>
+            <a:endParaRPr lang="ta-IN" dirty="0" smtClean="0">
+              <a:latin typeface="Theinhardt Rg"/>
+              <a:cs typeface="Theinhardt Rg"/>
+            </a:endParaRPr>
+          </a:p>
+          <a:p>
+            <a:pPr marL="514350" indent="-514350">
+              <a:buFont typeface="+mj-lt"/>
+              <a:buAutoNum type="arabicPeriod"/>
             </a:pPr>
             <a:r>
-              <a:rPr lang="en-US" dirty="0" smtClean="0"/>
-              <a:t>There are plugins for Grunt, Gulp, </a:t>
-            </a:r>
-            <a:r>
-              <a:rPr lang="en-US" dirty="0" err="1" smtClean="0"/>
-              <a:t>webpack</a:t>
-            </a:r>
-            <a:r>
-              <a:rPr lang="en-US" dirty="0" smtClean="0"/>
-              <a:t>, Broccoli, Brunch and ENB.</a:t>
-            </a:r>
-            <a:endParaRPr lang="en-US" dirty="0"/>
+              <a:rPr lang="ta-IN" dirty="0" smtClean="0">
+                <a:latin typeface="Theinhardt Rg"/>
+                <a:cs typeface="Theinhardt Rg"/>
+              </a:rPr>
+              <a:t>Setup gulp task and build your CSS.</a:t>
+            </a:r>
+          </a:p>
+          <a:p>
+            <a:endParaRPr lang="ta-IN" dirty="0" smtClean="0">
+              <a:latin typeface="Theinhardt Rg"/>
+              <a:cs typeface="Theinhardt Rg"/>
+            </a:endParaRPr>
+          </a:p>
+          <a:p>
+            <a:r>
+              <a:rPr lang="ta-IN" i="1" dirty="0" smtClean="0">
+                <a:latin typeface="Theinhardt Rg"/>
+                <a:cs typeface="Theinhardt Rg"/>
+              </a:rPr>
+              <a:t>* </a:t>
+            </a:r>
+            <a:r>
+              <a:rPr lang="en-US" i="1" dirty="0" smtClean="0">
+                <a:latin typeface="Theinhardt Rg"/>
+                <a:cs typeface="Theinhardt Rg"/>
+              </a:rPr>
+              <a:t>There </a:t>
+            </a:r>
+            <a:r>
+              <a:rPr lang="en-US" i="1" dirty="0" smtClean="0">
+                <a:latin typeface="Theinhardt Rg"/>
+                <a:cs typeface="Theinhardt Rg"/>
+              </a:rPr>
+              <a:t>are plugins for Grunt, Gulp, webpack, Broccoli, Brunch and ENB.</a:t>
+            </a:r>
+            <a:endParaRPr lang="en-US" i="1" dirty="0">
+              <a:latin typeface="Theinhardt Rg"/>
+              <a:cs typeface="Theinhardt Rg"/>
+            </a:endParaRPr>
           </a:p>
         </p:txBody>
       </p:sp>
@@ -6261,7 +7117,7 @@
 </p:sld>
 </file>
 
-<file path=ppt/slides/slide6.xml><?xml version="1.0" encoding="utf-8"?>
+<file path=ppt/slides/slide9.xml><?xml version="1.0" encoding="utf-8"?>
 <p:sld xmlns:a="http://schemas.openxmlformats.org/drawingml/2006/main" xmlns:r="http://schemas.openxmlformats.org/officeDocument/2006/relationships" xmlns:p="http://schemas.openxmlformats.org/presentationml/2006/main">
   <p:cSld>
     <p:spTree>
@@ -6290,14 +7146,22 @@
         </p:nvSpPr>
         <p:spPr/>
         <p:txBody>
-          <a:bodyPr/>
+          <a:bodyPr>
+            <a:normAutofit/>
+          </a:bodyPr>
           <a:lstStyle/>
           <a:p>
             <a:r>
-              <a:rPr lang="hr-HR" dirty="0" err="1" smtClean="0"/>
+              <a:rPr lang="hr-HR" sz="4000" dirty="0" err="1" smtClean="0">
+                <a:latin typeface="Abril Text SemiBold"/>
+                <a:cs typeface="Abril Text SemiBold"/>
+              </a:rPr>
               <a:t>Plugins</a:t>
             </a:r>
-            <a:endParaRPr lang="en-US" dirty="0"/>
+            <a:endParaRPr lang="en-US" sz="4000" dirty="0">
+              <a:latin typeface="Abril Text SemiBold"/>
+              <a:cs typeface="Abril Text SemiBold"/>
+            </a:endParaRPr>
           </a:p>
         </p:txBody>
       </p:sp>
@@ -6311,10 +7175,15 @@
             <p:ph idx="1"/>
           </p:nvPr>
         </p:nvSpPr>
-        <p:spPr/>
+        <p:spPr>
+          <a:xfrm>
+            <a:off x="590872" y="1563638"/>
+            <a:ext cx="7941568" cy="3096344"/>
+          </a:xfrm>
+        </p:spPr>
         <p:txBody>
           <a:bodyPr>
-            <a:normAutofit fontScale="92500" lnSpcReduction="20000"/>
+            <a:normAutofit fontScale="92500" lnSpcReduction="10000"/>
           </a:bodyPr>
           <a:lstStyle/>
           <a:p>
@@ -6326,22 +7195,12 @@
               <a:buChar char="•"/>
             </a:pPr>
             <a:r>
-              <a:rPr lang="ta-IN" dirty="0" smtClean="0"/>
-              <a:t>Mixins</a:t>
-            </a:r>
-            <a:r>
-              <a:rPr lang="ta-IN" dirty="0"/>
-              <a:t> – </a:t>
-            </a:r>
-            <a:r>
-              <a:rPr lang="en-US" dirty="0" err="1" smtClean="0"/>
-              <a:t>postcss</a:t>
-            </a:r>
-            <a:r>
-              <a:rPr lang="en-US" dirty="0" err="1"/>
-              <a:t>-mixins</a:t>
-            </a:r>
-            <a:endParaRPr lang="en-US" dirty="0"/>
+              <a:rPr lang="ta-IN" dirty="0" smtClean="0">
+                <a:latin typeface="Theinhardt Rg"/>
+                <a:cs typeface="Theinhardt Rg"/>
+              </a:rPr>
+              <a:t>Over 120 plugins; and growing.</a:t>
+            </a:r>
           </a:p>
           <a:p>
             <a:pPr marL="457200" indent="-457200">
@@ -6352,22 +7211,150 @@
               <a:buChar char="•"/>
             </a:pPr>
             <a:r>
-              <a:rPr lang="ta-IN" dirty="0"/>
-              <a:t>Variables – </a:t>
-            </a:r>
-            <a:r>
-              <a:rPr lang="en-US" dirty="0" err="1"/>
+              <a:rPr lang="ta-IN" dirty="0" smtClean="0">
+                <a:latin typeface="Theinhardt Rg"/>
+                <a:cs typeface="Theinhardt Rg"/>
+              </a:rPr>
+              <a:t>Small chunks of JS code:</a:t>
+            </a:r>
+          </a:p>
+          <a:p>
+            <a:pPr marL="995363" lvl="1" indent="-457200">
+              <a:lnSpc>
+                <a:spcPct val="110000"/>
+              </a:lnSpc>
+              <a:buFont typeface="Arial"/>
+              <a:buChar char="•"/>
+            </a:pPr>
+            <a:r>
+              <a:rPr lang="ta-IN" sz="2000" dirty="0">
+                <a:latin typeface="Source Code Pro"/>
+                <a:cs typeface="Source Code Pro"/>
+              </a:rPr>
+              <a:t>p</a:t>
+            </a:r>
+            <a:r>
+              <a:rPr lang="ta-IN" sz="2000" dirty="0" smtClean="0">
+                <a:latin typeface="Source Code Pro"/>
+                <a:cs typeface="Source Code Pro"/>
+              </a:rPr>
+              <a:t>ostcss-simple-vars </a:t>
+            </a:r>
+            <a:r>
+              <a:rPr lang="ta-IN" dirty="0" smtClean="0">
+                <a:latin typeface="Theinhardt Rg"/>
+                <a:cs typeface="Theinhardt Rg"/>
+              </a:rPr>
+              <a:t>– 74 LOC</a:t>
+            </a:r>
+          </a:p>
+          <a:p>
+            <a:pPr marL="995363" lvl="1" indent="-457200">
+              <a:lnSpc>
+                <a:spcPct val="110000"/>
+              </a:lnSpc>
+              <a:buFont typeface="Arial"/>
+              <a:buChar char="•"/>
+            </a:pPr>
+            <a:r>
+              <a:rPr lang="en-US" sz="2200" dirty="0" err="1" smtClean="0">
+                <a:latin typeface="Source Code Pro"/>
+                <a:cs typeface="Source Code Pro"/>
+              </a:rPr>
               <a:t>postcss</a:t>
             </a:r>
             <a:r>
-              <a:rPr lang="en-US" dirty="0"/>
-              <a:t>-simple-</a:t>
-            </a:r>
-            <a:r>
-              <a:rPr lang="en-US" dirty="0" err="1"/>
-              <a:t>vars</a:t>
-            </a:r>
-            <a:endParaRPr lang="en-US" dirty="0"/>
+              <a:rPr lang="en-US" sz="2200" dirty="0" smtClean="0">
+                <a:latin typeface="Source Code Pro"/>
+                <a:cs typeface="Source Code Pro"/>
+              </a:rPr>
+              <a:t>-nested</a:t>
+            </a:r>
+            <a:r>
+              <a:rPr lang="ta-IN" dirty="0" smtClean="0">
+                <a:latin typeface="Theinhardt Rg"/>
+                <a:cs typeface="Theinhardt Rg"/>
+              </a:rPr>
+              <a:t> -</a:t>
+            </a:r>
+            <a:r>
+              <a:rPr lang="en-US" dirty="0" smtClean="0">
+                <a:latin typeface="Theinhardt Rg"/>
+                <a:cs typeface="Theinhardt Rg"/>
+              </a:rPr>
+              <a:t> 68 LOC</a:t>
+            </a:r>
+          </a:p>
+          <a:p>
+            <a:pPr marL="995363" lvl="1" indent="-457200">
+              <a:lnSpc>
+                <a:spcPct val="110000"/>
+              </a:lnSpc>
+              <a:buFont typeface="Arial"/>
+              <a:buChar char="•"/>
+            </a:pPr>
+            <a:r>
+              <a:rPr lang="en-US" sz="2200" dirty="0" err="1" smtClean="0">
+                <a:latin typeface="Source Code Pro"/>
+                <a:cs typeface="Source Code Pro"/>
+              </a:rPr>
+              <a:t>postcss</a:t>
+            </a:r>
+            <a:r>
+              <a:rPr lang="en-US" sz="2200" dirty="0">
+                <a:latin typeface="Source Code Pro"/>
+                <a:cs typeface="Source Code Pro"/>
+              </a:rPr>
+              <a:t>-</a:t>
+            </a:r>
+            <a:r>
+              <a:rPr lang="en-US" sz="2200" dirty="0" smtClean="0">
+                <a:latin typeface="Source Code Pro"/>
+                <a:cs typeface="Source Code Pro"/>
+              </a:rPr>
+              <a:t>mixins</a:t>
+            </a:r>
+            <a:r>
+              <a:rPr lang="ta-IN" sz="2200" dirty="0" smtClean="0">
+                <a:latin typeface="Source Code Pro"/>
+                <a:cs typeface="Source Code Pro"/>
+              </a:rPr>
+              <a:t> </a:t>
+            </a:r>
+            <a:r>
+              <a:rPr lang="ta-IN" dirty="0" smtClean="0">
+                <a:latin typeface="Theinhardt Rg"/>
+                <a:cs typeface="Theinhardt Rg"/>
+              </a:rPr>
+              <a:t>-</a:t>
+            </a:r>
+            <a:r>
+              <a:rPr lang="en-US" dirty="0" smtClean="0">
+                <a:latin typeface="Theinhardt Rg"/>
+                <a:cs typeface="Theinhardt Rg"/>
+              </a:rPr>
+              <a:t> </a:t>
+            </a:r>
+            <a:r>
+              <a:rPr lang="en-US" dirty="0">
+                <a:latin typeface="Theinhardt Rg"/>
+                <a:cs typeface="Theinhardt Rg"/>
+              </a:rPr>
+              <a:t>147 LOC</a:t>
+            </a:r>
+          </a:p>
+          <a:p>
+            <a:pPr marL="995363" lvl="1" indent="-457200">
+              <a:lnSpc>
+                <a:spcPct val="110000"/>
+              </a:lnSpc>
+              <a:buFont typeface="Arial"/>
+              <a:buChar char="•"/>
+            </a:pPr>
+            <a:endParaRPr lang="ta-IN" dirty="0" smtClean="0">
+              <a:latin typeface="Theinhardt Rg"/>
+              <a:cs typeface="Theinhardt Rg"/>
+            </a:endParaRPr>
           </a:p>
           <a:p>
             <a:pPr marL="457200" indent="-457200">
@@ -6378,20 +7365,11 @@
               <a:buChar char="•"/>
             </a:pPr>
             <a:r>
-              <a:rPr lang="ta-IN" dirty="0" smtClean="0"/>
-              <a:t>Nesting</a:t>
-            </a:r>
-            <a:r>
-              <a:rPr lang="ta-IN" dirty="0"/>
-              <a:t> – </a:t>
-            </a:r>
-            <a:r>
-              <a:rPr lang="en-US" dirty="0" err="1" smtClean="0"/>
-              <a:t>postcss</a:t>
-            </a:r>
-            <a:r>
-              <a:rPr lang="en-US" dirty="0"/>
-              <a:t>-nested</a:t>
+              <a:rPr lang="ta-IN" dirty="0" smtClean="0">
+                <a:latin typeface="Theinhardt Rg"/>
+                <a:cs typeface="Theinhardt Rg"/>
+              </a:rPr>
+              <a:t>Maintainable code</a:t>
             </a:r>
           </a:p>
           <a:p>
@@ -6402,119 +7380,10 @@
               <a:buFont typeface="Arial"/>
               <a:buChar char="•"/>
             </a:pPr>
-            <a:r>
-              <a:rPr lang="ta-IN" dirty="0"/>
-              <a:t>C</a:t>
-            </a:r>
-            <a:r>
-              <a:rPr lang="en-US" dirty="0" err="1"/>
-              <a:t>ustom</a:t>
-            </a:r>
-            <a:r>
-              <a:rPr lang="ta-IN" dirty="0"/>
-              <a:t> </a:t>
-            </a:r>
-            <a:r>
-              <a:rPr lang="en-US" dirty="0"/>
-              <a:t>Media</a:t>
-            </a:r>
-            <a:r>
-              <a:rPr lang="ta-IN" dirty="0"/>
-              <a:t> </a:t>
-            </a:r>
-            <a:r>
-              <a:rPr lang="ta-IN" dirty="0" smtClean="0"/>
-              <a:t>Queries</a:t>
-            </a:r>
-            <a:r>
-              <a:rPr lang="ta-IN" dirty="0"/>
-              <a:t> – </a:t>
-            </a:r>
-            <a:r>
-              <a:rPr lang="en-US" dirty="0" err="1" smtClean="0"/>
-              <a:t>postcss</a:t>
-            </a:r>
-            <a:r>
-              <a:rPr lang="en-US" dirty="0"/>
-              <a:t>-custom-media</a:t>
-            </a:r>
-          </a:p>
-          <a:p>
-            <a:pPr marL="457200" indent="-457200">
-              <a:lnSpc>
-                <a:spcPct val="110000"/>
-              </a:lnSpc>
-              <a:buFont typeface="Arial"/>
-              <a:buChar char="•"/>
-            </a:pPr>
-            <a:r>
-              <a:rPr lang="ta-IN" dirty="0"/>
-              <a:t>Minification – </a:t>
-            </a:r>
-            <a:r>
-              <a:rPr lang="en-US" dirty="0" err="1"/>
-              <a:t>cssnano</a:t>
-            </a:r>
-            <a:endParaRPr lang="en-US" dirty="0"/>
-          </a:p>
-          <a:p>
-            <a:pPr marL="457200" indent="-457200">
-              <a:lnSpc>
-                <a:spcPct val="110000"/>
-              </a:lnSpc>
-              <a:buFont typeface="Arial"/>
-              <a:buChar char="•"/>
-            </a:pPr>
-            <a:r>
-              <a:rPr lang="ta-IN" dirty="0"/>
-              <a:t>Pixels to </a:t>
-            </a:r>
-            <a:r>
-              <a:rPr lang="ta-IN" dirty="0" smtClean="0"/>
-              <a:t>REM</a:t>
-            </a:r>
-            <a:r>
-              <a:rPr lang="ta-IN" dirty="0"/>
-              <a:t> – </a:t>
-            </a:r>
-            <a:r>
-              <a:rPr lang="en-US" dirty="0" err="1" smtClean="0"/>
-              <a:t>postcss</a:t>
-            </a:r>
-            <a:r>
-              <a:rPr lang="en-US" dirty="0" err="1"/>
-              <a:t>-pxtorem</a:t>
-            </a:r>
-            <a:endParaRPr lang="en-US" dirty="0"/>
-          </a:p>
-          <a:p>
-            <a:pPr marL="457200" indent="-457200">
-              <a:lnSpc>
-                <a:spcPct val="110000"/>
-              </a:lnSpc>
-              <a:buFont typeface="Arial"/>
-              <a:buChar char="•"/>
-            </a:pPr>
-            <a:r>
-              <a:rPr lang="ta-IN" dirty="0" smtClean="0"/>
-              <a:t>A</a:t>
-            </a:r>
-            <a:r>
-              <a:rPr lang="en-US" dirty="0" err="1" smtClean="0"/>
-              <a:t>utoprefixer</a:t>
-            </a:r>
-            <a:r>
-              <a:rPr lang="ta-IN" dirty="0"/>
-              <a:t> – </a:t>
-            </a:r>
-            <a:r>
-              <a:rPr lang="en-US" dirty="0" err="1" smtClean="0"/>
-              <a:t>autoprefixer</a:t>
-            </a:r>
-            <a:r>
-              <a:rPr lang="en-US" dirty="0"/>
-              <a:t>-core</a:t>
-            </a:r>
+            <a:endParaRPr lang="ta-IN" dirty="0" smtClean="0">
+              <a:latin typeface="Theinhardt Rg"/>
+              <a:cs typeface="Theinhardt Rg"/>
+            </a:endParaRPr>
           </a:p>
         </p:txBody>
       </p:sp>
@@ -6522,137 +7391,6 @@
     <p:extLst>
       <p:ext uri="{BB962C8B-B14F-4D97-AF65-F5344CB8AC3E}">
         <p14:creationId xmlns:p14="http://schemas.microsoft.com/office/powerpoint/2010/main" val="3267037310"/>
-      </p:ext>
-    </p:extLst>
-  </p:cSld>
-  <p:clrMapOvr>
-    <a:masterClrMapping/>
-  </p:clrMapOvr>
-  <p:transition xmlns:p14="http://schemas.microsoft.com/office/powerpoint/2010/main" spd="slow">
-    <p:push/>
-  </p:transition>
-  <p:timing>
-    <p:tnLst>
-      <p:par>
-        <p:cTn xmlns:p14="http://schemas.microsoft.com/office/powerpoint/2010/main" id="1" dur="indefinite" restart="never" nodeType="tmRoot"/>
-      </p:par>
-    </p:tnLst>
-  </p:timing>
-</p:sld>
-</file>
-
-<file path=ppt/slides/slide7.xml><?xml version="1.0" encoding="utf-8"?>
-<p:sld xmlns:a="http://schemas.openxmlformats.org/drawingml/2006/main" xmlns:r="http://schemas.openxmlformats.org/officeDocument/2006/relationships" xmlns:p="http://schemas.openxmlformats.org/presentationml/2006/main">
-  <p:cSld>
-    <p:spTree>
-      <p:nvGrpSpPr>
-        <p:cNvPr id="1" name=""/>
-        <p:cNvGrpSpPr/>
-        <p:nvPr/>
-      </p:nvGrpSpPr>
-      <p:grpSpPr>
-        <a:xfrm>
-          <a:off x="0" y="0"/>
-          <a:ext cx="0" cy="0"/>
-          <a:chOff x="0" y="0"/>
-          <a:chExt cx="0" cy="0"/>
-        </a:xfrm>
-      </p:grpSpPr>
-      <p:sp>
-        <p:nvSpPr>
-          <p:cNvPr id="4" name="Rectangle 3">
-            <a:hlinkClick r:id="rId2" action="ppaction://program"/>
-          </p:cNvPr>
-          <p:cNvSpPr/>
-          <p:nvPr/>
-        </p:nvSpPr>
-        <p:spPr>
-          <a:xfrm>
-            <a:off x="0" y="0"/>
-            <a:ext cx="9144000" cy="5143500"/>
-          </a:xfrm>
-          <a:prstGeom prst="rect">
-            <a:avLst/>
-          </a:prstGeom>
-          <a:solidFill>
-            <a:schemeClr val="tx1">
-              <a:lumMod val="85000"/>
-              <a:lumOff val="15000"/>
-            </a:schemeClr>
-          </a:solidFill>
-          <a:ln>
-            <a:noFill/>
-          </a:ln>
-        </p:spPr>
-        <p:style>
-          <a:lnRef idx="2">
-            <a:schemeClr val="dk1"/>
-          </a:lnRef>
-          <a:fillRef idx="1">
-            <a:schemeClr val="lt1"/>
-          </a:fillRef>
-          <a:effectRef idx="0">
-            <a:schemeClr val="dk1"/>
-          </a:effectRef>
-          <a:fontRef idx="minor">
-            <a:schemeClr val="dk1"/>
-          </a:fontRef>
-        </p:style>
-        <p:txBody>
-          <a:bodyPr rtlCol="0" anchor="ctr"/>
-          <a:lstStyle/>
-          <a:p>
-            <a:pPr algn="ctr"/>
-            <a:endParaRPr lang="en-US"/>
-          </a:p>
-        </p:txBody>
-      </p:sp>
-      <p:sp>
-        <p:nvSpPr>
-          <p:cNvPr id="2" name="Title 1"/>
-          <p:cNvSpPr>
-            <a:spLocks noGrp="1"/>
-          </p:cNvSpPr>
-          <p:nvPr>
-            <p:ph type="ctrTitle"/>
-          </p:nvPr>
-        </p:nvSpPr>
-        <p:spPr>
-          <a:xfrm>
-            <a:off x="685800" y="677155"/>
-            <a:ext cx="5830416" cy="1102519"/>
-          </a:xfrm>
-        </p:spPr>
-        <p:txBody>
-          <a:bodyPr>
-            <a:normAutofit/>
-          </a:bodyPr>
-          <a:lstStyle/>
-          <a:p>
-            <a:r>
-              <a:rPr lang="ta-IN" dirty="0" smtClean="0">
-                <a:solidFill>
-                  <a:srgbClr val="63DB22"/>
-                </a:solidFill>
-                <a:latin typeface="Source Code Pro"/>
-                <a:cs typeface="Source Code Pro"/>
-              </a:rPr>
-              <a:t>Let’s code...</a:t>
-            </a:r>
-            <a:endParaRPr lang="en-US" dirty="0">
-              <a:solidFill>
-                <a:srgbClr val="63DB22"/>
-              </a:solidFill>
-              <a:latin typeface="Source Code Pro"/>
-              <a:cs typeface="Source Code Pro"/>
-            </a:endParaRPr>
-          </a:p>
-        </p:txBody>
-      </p:sp>
-    </p:spTree>
-    <p:extLst>
-      <p:ext uri="{BB962C8B-B14F-4D97-AF65-F5344CB8AC3E}">
-        <p14:creationId xmlns:p14="http://schemas.microsoft.com/office/powerpoint/2010/main" val="3720604896"/>
       </p:ext>
     </p:extLst>
   </p:cSld>
@@ -7218,7 +7956,7 @@
   <a:extraClrSchemeLst/>
   <a:extLst>
     <a:ext uri="{05A4C25C-085E-4340-85A3-A5531E510DB2}">
-      <thm15:themeFamily xmlns:thm15="http://schemas.microsoft.com/office/thememl/2012/main" xmlns="" name="Office Theme" id="{62F939B6-93AF-4DB8-9C6B-D6C7DFDC589F}" vid="{4A3C46E8-61CC-4603-A589-7422A47A8E4A}"/>
+      <thm15:themeFamily xmlns="" xmlns:thm15="http://schemas.microsoft.com/office/thememl/2012/main" name="Office Theme" id="{62F939B6-93AF-4DB8-9C6B-D6C7DFDC589F}" vid="{4A3C46E8-61CC-4603-A589-7422A47A8E4A}"/>
     </a:ext>
   </a:extLst>
 </a:theme>

--- a/PostCSS.pptx
+++ b/PostCSS.pptx
@@ -121,7 +121,7 @@
   </p:defaultTextStyle>
   <p:extLst>
     <p:ext uri="{EFAFB233-063F-42B5-8137-9DF3F51BA10A}">
-      <p15:sldGuideLst xmlns="" xmlns:p15="http://schemas.microsoft.com/office/powerpoint/2012/main">
+      <p15:sldGuideLst xmlns:p15="http://schemas.microsoft.com/office/powerpoint/2012/main">
         <p15:guide id="1" orient="horz" pos="1620">
           <p15:clr>
             <a:srgbClr val="A4A3A4"/>
@@ -159,10 +159,10 @@
           <c:layoutTarget val="inner"/>
           <c:xMode val="edge"/>
           <c:yMode val="edge"/>
-          <c:x val="0.141984802614524"/>
-          <c:y val="0.0902354518748563"/>
-          <c:w val="0.846499835958005"/>
-          <c:h val="0.909764548125144"/>
+          <c:x val="0.14198480261452401"/>
+          <c:y val="9.0235451874856307E-2"/>
+          <c:w val="0.84649983595800504"/>
+          <c:h val="0.90976454812514396"/>
         </c:manualLayout>
       </c:layout>
       <c:barChart>
@@ -234,16 +234,16 @@
                 <c:formatCode>General</c:formatCode>
                 <c:ptCount val="4"/>
                 <c:pt idx="0">
-                  <c:v>136.0</c:v>
+                  <c:v>136</c:v>
                 </c:pt>
                 <c:pt idx="1">
-                  <c:v>160.0</c:v>
+                  <c:v>160</c:v>
                 </c:pt>
                 <c:pt idx="2">
-                  <c:v>167.0</c:v>
+                  <c:v>167</c:v>
                 </c:pt>
                 <c:pt idx="3">
-                  <c:v>1084.0</c:v>
+                  <c:v>1084</c:v>
                 </c:pt>
               </c:numCache>
             </c:numRef>
@@ -258,11 +258,11 @@
           <c:showBubbleSize val="0"/>
         </c:dLbls>
         <c:gapWidth val="182"/>
-        <c:axId val="2133779192"/>
-        <c:axId val="2133782856"/>
+        <c:axId val="324737712"/>
+        <c:axId val="324739280"/>
       </c:barChart>
       <c:catAx>
-        <c:axId val="2133779192"/>
+        <c:axId val="324737712"/>
         <c:scaling>
           <c:orientation val="maxMin"/>
         </c:scaling>
@@ -297,7 +297,7 @@
             <a:endParaRPr lang="en-US"/>
           </a:p>
         </c:txPr>
-        <c:crossAx val="2133782856"/>
+        <c:crossAx val="324739280"/>
         <c:crosses val="autoZero"/>
         <c:auto val="1"/>
         <c:lblAlgn val="ctr"/>
@@ -305,7 +305,7 @@
         <c:noMultiLvlLbl val="0"/>
       </c:catAx>
       <c:valAx>
-        <c:axId val="2133782856"/>
+        <c:axId val="324739280"/>
         <c:scaling>
           <c:orientation val="minMax"/>
         </c:scaling>
@@ -315,7 +315,7 @@
         <c:majorTickMark val="none"/>
         <c:minorTickMark val="none"/>
         <c:tickLblPos val="nextTo"/>
-        <c:crossAx val="2133779192"/>
+        <c:crossAx val="324737712"/>
         <c:crosses val="autoZero"/>
         <c:crossBetween val="between"/>
       </c:valAx>
@@ -348,7 +348,7 @@
       <a:endParaRPr lang="en-US"/>
     </a:p>
   </c:txPr>
-  <c:externalData r:id="rId1">
+  <c:externalData r:id="rId3">
     <c:autoUpdate val="0"/>
   </c:externalData>
 </c:chartSpace>
@@ -981,7 +981,7 @@
           <a:p>
             <a:fld id="{78D58CAC-08B7-A14A-A803-4130755B2945}" type="datetimeFigureOut">
               <a:rPr lang="en-US" smtClean="0"/>
-              <a:t>23/08/15</a:t>
+              <a:t>9/7/2015</a:t>
             </a:fld>
             <a:endParaRPr lang="en-US"/>
           </a:p>
@@ -1146,7 +1146,7 @@
           <a:p>
             <a:fld id="{12F3DFAC-2CAA-464E-91A0-2BBEFEA0B668}" type="datetimeFigureOut">
               <a:rPr lang="en-US" smtClean="0"/>
-              <a:t>23/08/15</a:t>
+              <a:t>9/7/2015</a:t>
             </a:fld>
             <a:endParaRPr lang="en-US"/>
           </a:p>
@@ -1543,12 +1543,20 @@
           <a:lstStyle/>
           <a:p>
             <a:r>
-              <a:rPr lang="en-US" dirty="0" err="1" smtClean="0"/>
-              <a:t>Andrey</a:t>
+              <a:rPr lang="hr-HR" dirty="0" smtClean="0"/>
+              <a:t>- </a:t>
+            </a:r>
+            <a:r>
+              <a:rPr lang="hr-HR" dirty="0" err="1" smtClean="0"/>
+              <a:t>author</a:t>
+            </a:r>
+            <a:r>
+              <a:rPr lang="hr-HR" dirty="0" smtClean="0"/>
+              <a:t>: </a:t>
             </a:r>
             <a:r>
               <a:rPr lang="en-US" dirty="0" smtClean="0"/>
-              <a:t> </a:t>
+              <a:t>Andrey </a:t>
             </a:r>
             <a:r>
               <a:rPr lang="en-US" dirty="0" err="1" smtClean="0"/>
@@ -1561,13 +1569,21 @@
             <a:endParaRPr lang="en-US" dirty="0" smtClean="0"/>
           </a:p>
           <a:p>
-            <a:pPr marL="171450" indent="-171450">
+            <a:pPr marL="0" indent="0">
               <a:buFontTx/>
-              <a:buChar char="-"/>
+              <a:buNone/>
             </a:pPr>
             <a:r>
+              <a:rPr lang="hr-HR" dirty="0" smtClean="0"/>
+              <a:t>- </a:t>
+            </a:r>
+            <a:r>
               <a:rPr lang="en-US" dirty="0" smtClean="0"/>
-              <a:t>open source</a:t>
+              <a:t>open </a:t>
+            </a:r>
+            <a:r>
+              <a:rPr lang="en-US" dirty="0" smtClean="0"/>
+              <a:t>source</a:t>
             </a:r>
             <a:endParaRPr lang="ta-IN" dirty="0" smtClean="0"/>
           </a:p>
@@ -1653,9 +1669,9 @@
           <a:bodyPr/>
           <a:lstStyle/>
           <a:p>
-            <a:pPr marL="171450" indent="-171450">
+            <a:pPr marL="0" indent="0">
               <a:buFontTx/>
-              <a:buChar char="-"/>
+              <a:buNone/>
             </a:pPr>
             <a:r>
               <a:rPr lang="en-US" dirty="0" smtClean="0"/>
@@ -1663,11 +1679,39 @@
             </a:r>
             <a:r>
               <a:rPr lang="ta-IN" dirty="0" smtClean="0"/>
-              <a:t>.js file </a:t>
-            </a:r>
-            <a:r>
-              <a:rPr lang="en-US" dirty="0" err="1" smtClean="0"/>
-              <a:t>alat</a:t>
+              <a:t>.js </a:t>
+            </a:r>
+            <a:r>
+              <a:rPr lang="hr-HR" dirty="0" err="1" smtClean="0"/>
+              <a:t>is</a:t>
+            </a:r>
+            <a:r>
+              <a:rPr lang="hr-HR" dirty="0" smtClean="0"/>
+              <a:t> a </a:t>
+            </a:r>
+            <a:r>
+              <a:rPr lang="hr-HR" baseline="0" dirty="0" smtClean="0"/>
+              <a:t>post-processing </a:t>
+            </a:r>
+            <a:r>
+              <a:rPr lang="hr-HR" dirty="0" err="1" smtClean="0"/>
+              <a:t>tool</a:t>
+            </a:r>
+            <a:r>
+              <a:rPr lang="hr-HR" dirty="0" smtClean="0"/>
+              <a:t> </a:t>
+            </a:r>
+            <a:r>
+              <a:rPr lang="hr-HR" dirty="0" err="1" smtClean="0"/>
+              <a:t>by</a:t>
+            </a:r>
+            <a:r>
+              <a:rPr lang="hr-HR" dirty="0" smtClean="0"/>
+              <a:t> </a:t>
+            </a:r>
+            <a:r>
+              <a:rPr lang="hr-HR" dirty="0" err="1" smtClean="0"/>
+              <a:t>definition</a:t>
             </a:r>
             <a:endParaRPr lang="ta-IN" dirty="0" smtClean="0"/>
           </a:p>
@@ -1844,45 +1888,28 @@
           <a:p>
             <a:r>
               <a:rPr lang="en-US" dirty="0" smtClean="0"/>
-              <a:t>-   Bootstrap CSS</a:t>
-            </a:r>
-            <a:r>
-              <a:rPr lang="en-US" baseline="0" dirty="0" smtClean="0"/>
-              <a:t> – 100 </a:t>
-            </a:r>
-            <a:r>
-              <a:rPr lang="en-US" baseline="0" dirty="0" err="1" smtClean="0"/>
-              <a:t>mixina</a:t>
-            </a:r>
-            <a:r>
-              <a:rPr lang="en-US" baseline="0" dirty="0" smtClean="0"/>
-              <a:t>, </a:t>
-            </a:r>
-            <a:r>
-              <a:rPr lang="en-US" baseline="0" dirty="0" err="1" smtClean="0"/>
-              <a:t>variabli</a:t>
-            </a:r>
-            <a:r>
-              <a:rPr lang="en-US" baseline="0" dirty="0" smtClean="0"/>
-              <a:t> </a:t>
-            </a:r>
-            <a:r>
-              <a:rPr lang="en-US" baseline="0" dirty="0" err="1" smtClean="0"/>
-              <a:t>i</a:t>
-            </a:r>
-            <a:r>
-              <a:rPr lang="en-US" baseline="0" dirty="0" smtClean="0"/>
-              <a:t> </a:t>
-            </a:r>
-            <a:r>
-              <a:rPr lang="en-US" baseline="0" dirty="0" smtClean="0"/>
-              <a:t>nest</a:t>
-            </a:r>
-            <a:r>
-              <a:rPr lang="ta-IN" baseline="0" dirty="0" smtClean="0"/>
-              <a:t>ing pravila</a:t>
-            </a:r>
-            <a:endParaRPr lang="en-US" dirty="0" smtClean="0"/>
+              <a:t>-   </a:t>
+            </a:r>
+            <a:r>
+              <a:rPr lang="en-US" dirty="0" smtClean="0"/>
+              <a:t>Compare CSS processors for </a:t>
+            </a:r>
+            <a:r>
+              <a:rPr lang="en-US" dirty="0" err="1" smtClean="0"/>
+              <a:t>parsings</a:t>
+            </a:r>
+            <a:r>
+              <a:rPr lang="en-US" dirty="0" smtClean="0"/>
+              <a:t>, nested rules, </a:t>
+            </a:r>
+            <a:r>
+              <a:rPr lang="en-US" dirty="0" err="1" smtClean="0"/>
+              <a:t>mixins</a:t>
+            </a:r>
+            <a:r>
+              <a:rPr lang="en-US" dirty="0" smtClean="0"/>
+              <a:t>, variables and math</a:t>
+            </a:r>
           </a:p>
           <a:p>
             <a:pPr marL="171450" indent="-171450">
@@ -1890,25 +1917,46 @@
               <a:buChar char="-"/>
             </a:pPr>
             <a:r>
-              <a:rPr lang="en-US" dirty="0" smtClean="0"/>
-              <a:t>PostCSS </a:t>
-            </a:r>
-            <a:r>
               <a:rPr lang="en-US" dirty="0" err="1" smtClean="0"/>
-              <a:t>pisan</a:t>
-            </a:r>
-            <a:r>
-              <a:rPr lang="en-US" dirty="0" smtClean="0"/>
-              <a:t> u JS je 3 x </a:t>
-            </a:r>
-            <a:r>
-              <a:rPr lang="en-US" dirty="0" err="1" smtClean="0"/>
-              <a:t>brži</a:t>
+              <a:t>PostCSS</a:t>
             </a:r>
             <a:r>
               <a:rPr lang="en-US" dirty="0" smtClean="0"/>
               <a:t> </a:t>
             </a:r>
+            <a:r>
+              <a:rPr lang="hr-HR" dirty="0" err="1" smtClean="0"/>
+              <a:t>writen</a:t>
+            </a:r>
+            <a:r>
+              <a:rPr lang="en-US" dirty="0" smtClean="0"/>
+              <a:t> </a:t>
+            </a:r>
+            <a:r>
+              <a:rPr lang="hr-HR" dirty="0" err="1" smtClean="0"/>
+              <a:t>in</a:t>
+            </a:r>
+            <a:r>
+              <a:rPr lang="en-US" dirty="0" smtClean="0"/>
+              <a:t> JS </a:t>
+            </a:r>
+            <a:r>
+              <a:rPr lang="hr-HR" dirty="0" err="1" smtClean="0"/>
+              <a:t>is</a:t>
+            </a:r>
+            <a:r>
+              <a:rPr lang="en-US" dirty="0" smtClean="0"/>
+              <a:t> 3 x</a:t>
+            </a:r>
+            <a:r>
+              <a:rPr lang="hr-HR" baseline="0" dirty="0" smtClean="0"/>
+              <a:t> </a:t>
+            </a:r>
+            <a:r>
+              <a:rPr lang="hr-HR" baseline="0" dirty="0" err="1" smtClean="0"/>
+              <a:t>faster</a:t>
+            </a:r>
+            <a:endParaRPr lang="en-US" dirty="0" smtClean="0"/>
           </a:p>
           <a:p>
             <a:pPr marL="171450" indent="-171450">
@@ -1921,11 +1969,7 @@
             </a:r>
             <a:r>
               <a:rPr lang="ta-IN" dirty="0" smtClean="0"/>
-              <a:t>ibasss </a:t>
-            </a:r>
-            <a:r>
-              <a:rPr lang="ta-IN" dirty="0" smtClean="0"/>
-              <a:t>21 300 LOC</a:t>
+              <a:t>ibasss 21 300 LOC</a:t>
             </a:r>
           </a:p>
           <a:p>
@@ -2293,13 +2337,13 @@
   <p:clrMapOvr>
     <a:masterClrMapping/>
   </p:clrMapOvr>
-  <p:transition xmlns:p14="http://schemas.microsoft.com/office/powerpoint/2010/main" spd="slow">
+  <p:transition spd="slow">
     <p:push/>
   </p:transition>
   <p:timing>
     <p:tnLst>
       <p:par>
-        <p:cTn xmlns:p14="http://schemas.microsoft.com/office/powerpoint/2010/main" id="1" dur="indefinite" restart="never" nodeType="tmRoot"/>
+        <p:cTn id="1" dur="indefinite" restart="never" nodeType="tmRoot"/>
       </p:par>
     </p:tnLst>
   </p:timing>
@@ -2333,13 +2377,13 @@
   <p:clrMapOvr>
     <a:masterClrMapping/>
   </p:clrMapOvr>
-  <p:transition xmlns:p14="http://schemas.microsoft.com/office/powerpoint/2010/main" spd="slow">
+  <p:transition spd="slow">
     <p:push/>
   </p:transition>
   <p:timing>
     <p:tnLst>
       <p:par>
-        <p:cTn xmlns:p14="http://schemas.microsoft.com/office/powerpoint/2010/main" id="1" dur="indefinite" restart="never" nodeType="tmRoot"/>
+        <p:cTn id="1" dur="indefinite" restart="never" nodeType="tmRoot"/>
       </p:par>
     </p:tnLst>
   </p:timing>
@@ -2539,13 +2583,13 @@
   <p:clrMapOvr>
     <a:masterClrMapping/>
   </p:clrMapOvr>
-  <p:transition xmlns:p14="http://schemas.microsoft.com/office/powerpoint/2010/main" spd="slow">
+  <p:transition spd="slow">
     <p:push/>
   </p:transition>
   <p:timing>
     <p:tnLst>
       <p:par>
-        <p:cTn xmlns:p14="http://schemas.microsoft.com/office/powerpoint/2010/main" id="1" dur="indefinite" restart="never" nodeType="tmRoot"/>
+        <p:cTn id="1" dur="indefinite" restart="never" nodeType="tmRoot"/>
       </p:par>
     </p:tnLst>
   </p:timing>
@@ -2810,13 +2854,13 @@
   <p:clrMapOvr>
     <a:masterClrMapping/>
   </p:clrMapOvr>
-  <p:transition xmlns:p14="http://schemas.microsoft.com/office/powerpoint/2010/main" spd="slow">
+  <p:transition spd="slow">
     <p:push/>
   </p:transition>
   <p:timing>
     <p:tnLst>
       <p:par>
-        <p:cTn xmlns:p14="http://schemas.microsoft.com/office/powerpoint/2010/main" id="1" dur="indefinite" restart="never" nodeType="tmRoot"/>
+        <p:cTn id="1" dur="indefinite" restart="never" nodeType="tmRoot"/>
       </p:par>
     </p:tnLst>
   </p:timing>
@@ -2873,13 +2917,13 @@
   <p:clrMapOvr>
     <a:masterClrMapping/>
   </p:clrMapOvr>
-  <p:transition xmlns:p14="http://schemas.microsoft.com/office/powerpoint/2010/main" spd="slow">
+  <p:transition spd="slow">
     <p:push/>
   </p:transition>
   <p:timing>
     <p:tnLst>
       <p:par>
-        <p:cTn xmlns:p14="http://schemas.microsoft.com/office/powerpoint/2010/main" id="1" dur="indefinite" restart="never" nodeType="tmRoot"/>
+        <p:cTn id="1" dur="indefinite" restart="never" nodeType="tmRoot"/>
       </p:par>
     </p:tnLst>
   </p:timing>
@@ -3040,13 +3084,13 @@
   <p:clrMapOvr>
     <a:masterClrMapping/>
   </p:clrMapOvr>
-  <p:transition xmlns:p14="http://schemas.microsoft.com/office/powerpoint/2010/main" spd="slow">
+  <p:transition spd="slow">
     <p:push/>
   </p:transition>
   <p:timing>
     <p:tnLst>
       <p:par>
-        <p:cTn xmlns:p14="http://schemas.microsoft.com/office/powerpoint/2010/main" id="1" dur="indefinite" restart="never" nodeType="tmRoot"/>
+        <p:cTn id="1" dur="indefinite" restart="never" nodeType="tmRoot"/>
       </p:par>
     </p:tnLst>
   </p:timing>
@@ -3284,13 +3328,13 @@
   <p:clrMapOvr>
     <a:masterClrMapping/>
   </p:clrMapOvr>
-  <p:transition xmlns:p14="http://schemas.microsoft.com/office/powerpoint/2010/main" spd="slow">
+  <p:transition spd="slow">
     <p:push/>
   </p:transition>
   <p:timing>
     <p:tnLst>
       <p:par>
-        <p:cTn xmlns:p14="http://schemas.microsoft.com/office/powerpoint/2010/main" id="1" dur="indefinite" restart="never" nodeType="tmRoot"/>
+        <p:cTn id="1" dur="indefinite" restart="never" nodeType="tmRoot"/>
       </p:par>
     </p:tnLst>
   </p:timing>
@@ -3429,13 +3473,13 @@
   <p:clrMapOvr>
     <a:masterClrMapping/>
   </p:clrMapOvr>
-  <p:transition xmlns:p14="http://schemas.microsoft.com/office/powerpoint/2010/main" spd="slow">
+  <p:transition spd="slow">
     <p:push/>
   </p:transition>
   <p:timing>
     <p:tnLst>
       <p:par>
-        <p:cTn xmlns:p14="http://schemas.microsoft.com/office/powerpoint/2010/main" id="1" dur="indefinite" restart="never" nodeType="tmRoot"/>
+        <p:cTn id="1" dur="indefinite" restart="never" nodeType="tmRoot"/>
       </p:par>
     </p:tnLst>
   </p:timing>
@@ -3667,13 +3711,13 @@
   <p:clrMapOvr>
     <a:masterClrMapping/>
   </p:clrMapOvr>
-  <p:transition xmlns:p14="http://schemas.microsoft.com/office/powerpoint/2010/main" spd="slow">
+  <p:transition spd="slow">
     <p:push/>
   </p:transition>
   <p:timing>
     <p:tnLst>
       <p:par>
-        <p:cTn xmlns:p14="http://schemas.microsoft.com/office/powerpoint/2010/main" id="1" dur="indefinite" restart="never" nodeType="tmRoot"/>
+        <p:cTn id="1" dur="indefinite" restart="never" nodeType="tmRoot"/>
       </p:par>
     </p:tnLst>
   </p:timing>
@@ -3921,13 +3965,13 @@
   <p:clrMapOvr>
     <a:masterClrMapping/>
   </p:clrMapOvr>
-  <p:transition xmlns:p14="http://schemas.microsoft.com/office/powerpoint/2010/main" spd="slow">
+  <p:transition spd="slow">
     <p:push/>
   </p:transition>
   <p:timing>
     <p:tnLst>
       <p:par>
-        <p:cTn xmlns:p14="http://schemas.microsoft.com/office/powerpoint/2010/main" id="1" dur="indefinite" restart="never" nodeType="tmRoot"/>
+        <p:cTn id="1" dur="indefinite" restart="never" nodeType="tmRoot"/>
       </p:par>
     </p:tnLst>
   </p:timing>
@@ -4316,13 +4360,13 @@
   <p:clrMapOvr>
     <a:masterClrMapping/>
   </p:clrMapOvr>
-  <p:transition xmlns:p14="http://schemas.microsoft.com/office/powerpoint/2010/main" spd="slow">
+  <p:transition spd="slow">
     <p:push/>
   </p:transition>
   <p:timing>
     <p:tnLst>
       <p:par>
-        <p:cTn xmlns:p14="http://schemas.microsoft.com/office/powerpoint/2010/main" id="1" dur="indefinite" restart="never" nodeType="tmRoot"/>
+        <p:cTn id="1" dur="indefinite" restart="never" nodeType="tmRoot"/>
       </p:par>
     </p:tnLst>
   </p:timing>
@@ -4547,13 +4591,13 @@
     <p:sldLayoutId id="2147483655" r:id="rId10"/>
     <p:sldLayoutId id="2147483657" r:id="rId11"/>
   </p:sldLayoutIdLst>
-  <p:transition xmlns:p14="http://schemas.microsoft.com/office/powerpoint/2010/main" spd="slow">
+  <p:transition spd="slow">
     <p:push/>
   </p:transition>
   <p:timing>
     <p:tnLst>
       <p:par>
-        <p:cTn xmlns:p14="http://schemas.microsoft.com/office/powerpoint/2010/main" id="1" dur="indefinite" restart="never" nodeType="tmRoot"/>
+        <p:cTn id="1" dur="indefinite" restart="never" nodeType="tmRoot"/>
       </p:par>
     </p:tnLst>
   </p:timing>
@@ -4854,7 +4898,7 @@
           <a:p>
             <a:r>
               <a:rPr lang="hr-HR" sz="7200" dirty="0" err="1">
-                <a:latin typeface="Abril Text SemiBold"/>
+                <a:latin typeface="Abril Text EB" panose="02000503070000020004" pitchFamily="50" charset="0"/>
                 <a:cs typeface="Abril Text SemiBold"/>
               </a:rPr>
               <a:t>PostCSS</a:t>
@@ -4909,34 +4953,34 @@
           <a:p>
             <a:r>
               <a:rPr lang="en-US" sz="4000" dirty="0" smtClean="0">
-                <a:latin typeface="Abril Text SemiBold"/>
+                <a:latin typeface="+mn-lt"/>
                 <a:cs typeface="Abril Text SemiBold"/>
               </a:rPr>
               <a:t>in </a:t>
             </a:r>
             <a:r>
               <a:rPr lang="ta-IN" sz="4000" dirty="0" smtClean="0">
-                <a:latin typeface="Abril Text SemiBold"/>
+                <a:latin typeface="+mn-lt"/>
                 <a:cs typeface="Abril Text SemiBold"/>
               </a:rPr>
               <a:t>a </a:t>
             </a:r>
             <a:r>
               <a:rPr lang="en-US" sz="4000" dirty="0" smtClean="0">
-                <a:latin typeface="Abril Text SemiBold"/>
+                <a:latin typeface="+mn-lt"/>
                 <a:cs typeface="Abril Text SemiBold"/>
               </a:rPr>
               <a:t>real</a:t>
             </a:r>
             <a:r>
               <a:rPr lang="ta-IN" sz="4000" dirty="0" smtClean="0">
-                <a:latin typeface="Abril Text SemiBold"/>
+                <a:latin typeface="+mn-lt"/>
                 <a:cs typeface="Abril Text SemiBold"/>
               </a:rPr>
               <a:t> life</a:t>
             </a:r>
             <a:endParaRPr lang="hr-HR" sz="4000" dirty="0">
-              <a:latin typeface="Abril Text SemiBold"/>
+              <a:latin typeface="+mn-lt"/>
               <a:cs typeface="Abril Text SemiBold"/>
             </a:endParaRPr>
           </a:p>
@@ -4990,20 +5034,20 @@
             </a:pPr>
             <a:r>
               <a:rPr lang="en-US" sz="1400" dirty="0" smtClean="0">
-                <a:latin typeface="Theinhardt Rg"/>
+                <a:latin typeface="+mn-lt"/>
                 <a:cs typeface="Theinhardt Rg"/>
               </a:rPr>
               <a:t>Ivan Bašić @</a:t>
             </a:r>
             <a:r>
               <a:rPr lang="en-US" sz="1400" dirty="0" err="1" smtClean="0">
-                <a:latin typeface="Theinhardt Rg"/>
+                <a:latin typeface="+mn-lt"/>
                 <a:cs typeface="Theinhardt Rg"/>
               </a:rPr>
               <a:t>ivanronga</a:t>
             </a:r>
             <a:endParaRPr lang="en-US" sz="1400" dirty="0" smtClean="0">
-              <a:latin typeface="Theinhardt Rg"/>
+              <a:latin typeface="+mn-lt"/>
               <a:cs typeface="Theinhardt Rg"/>
             </a:endParaRPr>
           </a:p>
@@ -5018,20 +5062,20 @@
             </a:pPr>
             <a:r>
               <a:rPr lang="en-US" sz="1400" dirty="0" smtClean="0">
-                <a:latin typeface="Theinhardt Rg"/>
+                <a:latin typeface="+mn-lt"/>
                 <a:cs typeface="Theinhardt Rg"/>
               </a:rPr>
               <a:t>Mihael Tomić @</a:t>
             </a:r>
             <a:r>
               <a:rPr lang="en-US" sz="1400" dirty="0" err="1" smtClean="0">
-                <a:latin typeface="Theinhardt Rg"/>
+                <a:latin typeface="+mn-lt"/>
                 <a:cs typeface="Theinhardt Rg"/>
               </a:rPr>
               <a:t>tomic_mihael</a:t>
             </a:r>
             <a:endParaRPr lang="hr-HR" sz="1400" dirty="0">
-              <a:latin typeface="Theinhardt Rg"/>
+              <a:latin typeface="+mn-lt"/>
               <a:cs typeface="Theinhardt Rg"/>
             </a:endParaRPr>
           </a:p>
@@ -5047,13 +5091,13 @@
   <p:clrMapOvr>
     <a:masterClrMapping/>
   </p:clrMapOvr>
-  <p:transition xmlns:p14="http://schemas.microsoft.com/office/powerpoint/2010/main" spd="slow">
+  <p:transition spd="slow">
     <p:push/>
   </p:transition>
   <p:timing>
     <p:tnLst>
       <p:par>
-        <p:cTn xmlns:p14="http://schemas.microsoft.com/office/powerpoint/2010/main" id="1" dur="indefinite" restart="never" nodeType="tmRoot">
+        <p:cTn id="1" dur="indefinite" restart="never" nodeType="tmRoot">
           <p:childTnLst>
             <p:seq concurrent="1" nextAc="seek">
               <p:cTn id="2" dur="indefinite" nodeType="mainSeq">
@@ -5295,13 +5339,13 @@
   <p:clrMapOvr>
     <a:masterClrMapping/>
   </p:clrMapOvr>
-  <p:transition xmlns:p14="http://schemas.microsoft.com/office/powerpoint/2010/main" spd="slow">
+  <p:transition spd="slow">
     <p:push/>
   </p:transition>
   <p:timing>
     <p:tnLst>
       <p:par>
-        <p:cTn xmlns:p14="http://schemas.microsoft.com/office/powerpoint/2010/main" id="1" dur="indefinite" restart="never" nodeType="tmRoot"/>
+        <p:cTn id="1" dur="indefinite" restart="never" nodeType="tmRoot"/>
       </p:par>
     </p:tnLst>
   </p:timing>
@@ -5344,13 +5388,13 @@
           <a:p>
             <a:r>
               <a:rPr lang="en-US" sz="4000" dirty="0" smtClean="0">
-                <a:latin typeface="Abril Text SemiBold"/>
+                <a:latin typeface="+mj-lt"/>
                 <a:cs typeface="Abril Text SemiBold"/>
               </a:rPr>
               <a:t>What is PostCSS anyway?</a:t>
             </a:r>
             <a:endParaRPr lang="en-US" sz="4000" dirty="0">
-              <a:latin typeface="Abril Text SemiBold"/>
+              <a:latin typeface="+mj-lt"/>
               <a:cs typeface="Abril Text SemiBold"/>
             </a:endParaRPr>
           </a:p>
@@ -5375,49 +5419,49 @@
           <a:p>
             <a:r>
               <a:rPr lang="en-US" dirty="0">
-                <a:latin typeface="Theinhardt Rg"/>
+                <a:latin typeface="+mn-lt"/>
                 <a:cs typeface="Theinhardt Rg"/>
               </a:rPr>
               <a:t>PostCSS </a:t>
             </a:r>
             <a:r>
               <a:rPr lang="en-US" dirty="0" smtClean="0">
-                <a:latin typeface="Theinhardt Rg"/>
+                <a:latin typeface="+mn-lt"/>
                 <a:cs typeface="Theinhardt Rg"/>
               </a:rPr>
               <a:t>is</a:t>
             </a:r>
             <a:r>
               <a:rPr lang="hr-HR" dirty="0" smtClean="0">
-                <a:latin typeface="Theinhardt Rg"/>
+                <a:latin typeface="+mn-lt"/>
                 <a:cs typeface="Theinhardt Rg"/>
               </a:rPr>
               <a:t> a</a:t>
             </a:r>
             <a:r>
               <a:rPr lang="ta-IN" dirty="0" smtClean="0">
-                <a:latin typeface="Theinhardt Rg"/>
+                <a:latin typeface="+mn-lt"/>
                 <a:cs typeface="Theinhardt Rg"/>
               </a:rPr>
               <a:t> </a:t>
             </a:r>
             <a:r>
               <a:rPr lang="en-US" dirty="0" smtClean="0">
-                <a:latin typeface="Theinhardt Rg"/>
+                <a:latin typeface="+mn-lt"/>
                 <a:cs typeface="Theinhardt Rg"/>
               </a:rPr>
               <a:t>tool to </a:t>
             </a:r>
             <a:r>
               <a:rPr lang="en-US" dirty="0">
-                <a:latin typeface="Theinhardt Rg"/>
+                <a:latin typeface="+mn-lt"/>
                 <a:cs typeface="Theinhardt Rg"/>
               </a:rPr>
               <a:t>transform styles with JS plugins</a:t>
             </a:r>
             <a:r>
               <a:rPr lang="en-US" dirty="0" smtClean="0">
-                <a:latin typeface="Theinhardt Rg"/>
+                <a:latin typeface="+mn-lt"/>
                 <a:cs typeface="Theinhardt Rg"/>
               </a:rPr>
               <a:t>.</a:t>
@@ -5426,38 +5470,80 @@
           <a:p>
             <a:r>
               <a:rPr lang="en-US" dirty="0">
-                <a:latin typeface="Theinhardt Rg"/>
+                <a:latin typeface="+mn-lt"/>
                 <a:cs typeface="Theinhardt Rg"/>
               </a:rPr>
               <a:t>These plugins can support variables and mixins</a:t>
             </a:r>
             <a:r>
               <a:rPr lang="en-US" dirty="0" smtClean="0">
-                <a:latin typeface="Theinhardt Rg"/>
+                <a:latin typeface="+mn-lt"/>
                 <a:cs typeface="Theinhardt Rg"/>
               </a:rPr>
               <a:t>,</a:t>
             </a:r>
             <a:r>
               <a:rPr lang="ta-IN" dirty="0" smtClean="0">
-                <a:latin typeface="Theinhardt Rg"/>
+                <a:latin typeface="+mn-lt"/>
                 <a:cs typeface="Theinhardt Rg"/>
               </a:rPr>
               <a:t> </a:t>
             </a:r>
             <a:r>
               <a:rPr lang="en-US" dirty="0" smtClean="0">
-                <a:latin typeface="Theinhardt Rg"/>
+                <a:latin typeface="+mn-lt"/>
                 <a:cs typeface="Theinhardt Rg"/>
               </a:rPr>
               <a:t>transpile</a:t>
             </a:r>
             <a:r>
               <a:rPr lang="en-US" dirty="0">
-                <a:latin typeface="Theinhardt Rg"/>
+                <a:latin typeface="+mn-lt"/>
                 <a:cs typeface="Theinhardt Rg"/>
               </a:rPr>
-              <a:t> future CSS syntax, inline images, and more.</a:t>
+              <a:t> future CSS syntax, </a:t>
+            </a:r>
+            <a:r>
+              <a:rPr lang="en-US" dirty="0" smtClean="0">
+                <a:latin typeface="+mn-lt"/>
+                <a:cs typeface="Theinhardt Rg"/>
+              </a:rPr>
+              <a:t>nesting</a:t>
+            </a:r>
+            <a:r>
+              <a:rPr lang="hr-HR" dirty="0" smtClean="0">
+                <a:latin typeface="+mn-lt"/>
+                <a:cs typeface="Theinhardt Rg"/>
+              </a:rPr>
+              <a:t>, </a:t>
+            </a:r>
+            <a:r>
+              <a:rPr lang="hr-HR" dirty="0" smtClean="0">
+                <a:latin typeface="+mn-lt"/>
+                <a:cs typeface="Theinhardt Rg"/>
+              </a:rPr>
+              <a:t>minification</a:t>
+            </a:r>
+            <a:r>
+              <a:rPr lang="hr-HR" dirty="0" smtClean="0">
+                <a:latin typeface="+mn-lt"/>
+                <a:cs typeface="Theinhardt Rg"/>
+              </a:rPr>
+              <a:t>, </a:t>
+            </a:r>
+            <a:r>
+              <a:rPr lang="en-US" dirty="0" smtClean="0">
+                <a:latin typeface="+mn-lt"/>
+                <a:cs typeface="Theinhardt Rg"/>
+              </a:rPr>
+              <a:t>inline</a:t>
+            </a:r>
+            <a:r>
+              <a:rPr lang="en-US" dirty="0">
+                <a:latin typeface="+mn-lt"/>
+                <a:cs typeface="Theinhardt Rg"/>
+              </a:rPr>
+              <a:t> images, and more.</a:t>
             </a:r>
           </a:p>
         </p:txBody>
@@ -5472,13 +5558,13 @@
   <p:clrMapOvr>
     <a:masterClrMapping/>
   </p:clrMapOvr>
-  <p:transition xmlns:p14="http://schemas.microsoft.com/office/powerpoint/2010/main" spd="slow">
+  <p:transition spd="slow">
     <p:push/>
   </p:transition>
   <p:timing>
     <p:tnLst>
       <p:par>
-        <p:cTn xmlns:p14="http://schemas.microsoft.com/office/powerpoint/2010/main" id="1" dur="indefinite" restart="never" nodeType="tmRoot"/>
+        <p:cTn id="1" dur="indefinite" restart="never" nodeType="tmRoot"/>
       </p:par>
     </p:tnLst>
   </p:timing>
@@ -5511,7 +5597,7 @@
         <p:spPr>
           <a:xfrm>
             <a:off x="-252536" y="-1028650"/>
-            <a:ext cx="2334972" cy="6447919"/>
+            <a:ext cx="1947969" cy="6447919"/>
           </a:xfrm>
           <a:prstGeom prst="rect">
             <a:avLst/>
@@ -5531,7 +5617,7 @@
                     <a:alpha val="14000"/>
                   </a:schemeClr>
                 </a:solidFill>
-                <a:latin typeface="Abril Text Bold"/>
+                <a:latin typeface="+mj-lt"/>
                 <a:cs typeface="Abril Text Bold"/>
               </a:rPr>
               <a:t>“</a:t>
@@ -5542,7 +5628,7 @@
                   <a:alpha val="14000"/>
                 </a:schemeClr>
               </a:solidFill>
-              <a:latin typeface="Abril Text Bold"/>
+              <a:latin typeface="+mj-lt"/>
               <a:cs typeface="Abril Text Bold"/>
             </a:endParaRPr>
           </a:p>
@@ -5577,20 +5663,20 @@
             </a:pPr>
             <a:r>
               <a:rPr lang="en-US" sz="4000" b="1" i="1" dirty="0">
-                <a:latin typeface="Abril Text Bold"/>
+                <a:latin typeface="+mj-lt"/>
                 <a:cs typeface="Abril Text Bold"/>
               </a:rPr>
               <a:t>It's not post-processing if it happens before hitting the browser</a:t>
             </a:r>
             <a:r>
               <a:rPr lang="en-US" sz="4000" b="1" i="1" dirty="0" smtClean="0">
-                <a:latin typeface="Abril Text Bold"/>
+                <a:latin typeface="+mj-lt"/>
                 <a:cs typeface="Abril Text Bold"/>
               </a:rPr>
               <a:t>.</a:t>
             </a:r>
             <a:endParaRPr lang="en-US" sz="4000" b="1" i="1" dirty="0">
-              <a:latin typeface="Abril Text Bold"/>
+              <a:latin typeface="+mj-lt"/>
               <a:cs typeface="Abril Text Bold"/>
             </a:endParaRPr>
           </a:p>
@@ -5620,28 +5706,28 @@
           <a:p>
             <a:r>
               <a:rPr lang="ta-IN" sz="2400" dirty="0" smtClean="0">
-                <a:latin typeface="Theinhardt Rg"/>
+                <a:latin typeface="+mn-lt"/>
                 <a:cs typeface="Theinhardt Rg"/>
               </a:rPr>
               <a:t>- </a:t>
             </a:r>
             <a:r>
               <a:rPr lang="en-US" sz="2400" dirty="0" smtClean="0">
-                <a:latin typeface="Theinhardt Rg"/>
+                <a:latin typeface="+mn-lt"/>
                 <a:cs typeface="Theinhardt Rg"/>
               </a:rPr>
               <a:t>Hugo </a:t>
             </a:r>
             <a:r>
-              <a:rPr lang="en-US" sz="2400" dirty="0" err="1">
-                <a:latin typeface="Theinhardt Rg"/>
+              <a:rPr lang="en-US" sz="2400" dirty="0">
+                <a:latin typeface="+mn-lt"/>
                 <a:cs typeface="Theinhardt Rg"/>
               </a:rPr>
               <a:t>Giraudel</a:t>
             </a:r>
             <a:r>
               <a:rPr lang="en-US" sz="2400" dirty="0">
-                <a:latin typeface="Theinhardt Rg"/>
+                <a:latin typeface="+mn-lt"/>
                 <a:cs typeface="Theinhardt Rg"/>
               </a:rPr>
               <a:t> </a:t>
@@ -5659,13 +5745,13 @@
   <p:clrMapOvr>
     <a:masterClrMapping/>
   </p:clrMapOvr>
-  <p:transition xmlns:p14="http://schemas.microsoft.com/office/powerpoint/2010/main" spd="slow">
+  <p:transition spd="slow">
     <p:push/>
   </p:transition>
   <p:timing>
     <p:tnLst>
       <p:par>
-        <p:cTn xmlns:p14="http://schemas.microsoft.com/office/powerpoint/2010/main" id="1" dur="indefinite" restart="never" nodeType="tmRoot"/>
+        <p:cTn id="1" dur="indefinite" restart="never" nodeType="tmRoot"/>
       </p:par>
     </p:tnLst>
   </p:timing>
@@ -5708,13 +5794,13 @@
           <a:p>
             <a:r>
               <a:rPr lang="ta-IN" sz="4000" dirty="0" smtClean="0">
-                <a:latin typeface="Abril Text SemiBold"/>
+                <a:latin typeface="+mj-lt"/>
                 <a:cs typeface="Abril Text SemiBold"/>
               </a:rPr>
               <a:t>CSS Pre-processors</a:t>
             </a:r>
             <a:endParaRPr lang="en-US" sz="4000" dirty="0">
-              <a:latin typeface="Abril Text SemiBold"/>
+              <a:latin typeface="+mj-lt"/>
               <a:cs typeface="Abril Text SemiBold"/>
             </a:endParaRPr>
           </a:p>
@@ -5737,7 +5823,7 @@
           <a:p>
             <a:r>
               <a:rPr lang="ta-IN" dirty="0" smtClean="0">
-                <a:latin typeface="Theinhardt Rg"/>
+                <a:latin typeface="+mn-lt"/>
                 <a:cs typeface="Theinhardt Rg"/>
               </a:rPr>
               <a:t>+</a:t>
@@ -5750,14 +5836,14 @@
             </a:pPr>
             <a:r>
               <a:rPr lang="ta-IN" dirty="0">
-                <a:latin typeface="Theinhardt Rg"/>
+                <a:latin typeface="+mn-lt"/>
                 <a:cs typeface="Theinhardt Rg"/>
               </a:rPr>
               <a:t>S</a:t>
             </a:r>
             <a:r>
               <a:rPr lang="ta-IN" dirty="0" smtClean="0">
-                <a:latin typeface="Theinhardt Rg"/>
+                <a:latin typeface="+mn-lt"/>
                 <a:cs typeface="Theinhardt Rg"/>
               </a:rPr>
               <a:t>yntax is very clear.</a:t>
@@ -5769,20 +5855,20 @@
               <a:buChar char="•"/>
             </a:pPr>
             <a:endParaRPr lang="ta-IN" dirty="0" smtClean="0">
-              <a:latin typeface="Theinhardt Rg"/>
+              <a:latin typeface="+mn-lt"/>
               <a:cs typeface="Theinhardt Rg"/>
             </a:endParaRPr>
           </a:p>
           <a:p>
             <a:r>
               <a:rPr lang="ta-IN" dirty="0" smtClean="0">
-                <a:latin typeface="Theinhardt Rg"/>
+                <a:latin typeface="+mn-lt"/>
                 <a:cs typeface="Theinhardt Rg"/>
               </a:rPr>
               <a:t>-</a:t>
             </a:r>
             <a:endParaRPr lang="ta-IN" dirty="0">
-              <a:latin typeface="Theinhardt Rg"/>
+              <a:latin typeface="+mn-lt"/>
               <a:cs typeface="Theinhardt Rg"/>
             </a:endParaRPr>
           </a:p>
@@ -5793,21 +5879,21 @@
             </a:pPr>
             <a:r>
               <a:rPr lang="ta-IN" dirty="0">
-                <a:latin typeface="Theinhardt Rg"/>
+                <a:latin typeface="+mn-lt"/>
                 <a:cs typeface="Theinhardt Rg"/>
               </a:rPr>
               <a:t>Large systems with </a:t>
             </a:r>
             <a:r>
               <a:rPr lang="en-US" dirty="0">
-                <a:latin typeface="Theinhardt Rg"/>
+                <a:latin typeface="+mn-lt"/>
                 <a:cs typeface="Theinhardt Rg"/>
               </a:rPr>
               <a:t>monolithic architecture</a:t>
             </a:r>
             <a:r>
               <a:rPr lang="ta-IN" dirty="0">
-                <a:latin typeface="Theinhardt Rg"/>
+                <a:latin typeface="+mn-lt"/>
                 <a:cs typeface="Theinhardt Rg"/>
               </a:rPr>
               <a:t>.</a:t>
@@ -5820,7 +5906,7 @@
             </a:pPr>
             <a:r>
               <a:rPr lang="ta-IN" dirty="0">
-                <a:latin typeface="Theinhardt Rg"/>
+                <a:latin typeface="+mn-lt"/>
                 <a:cs typeface="Theinhardt Rg"/>
               </a:rPr>
               <a:t>Huge build setup.</a:t>
@@ -5828,7 +5914,7 @@
           </a:p>
           <a:p>
             <a:endParaRPr lang="en-US" dirty="0">
-              <a:latin typeface="Theinhardt Rg"/>
+              <a:latin typeface="+mn-lt"/>
               <a:cs typeface="Theinhardt Rg"/>
             </a:endParaRPr>
           </a:p>
@@ -5844,13 +5930,13 @@
   <p:clrMapOvr>
     <a:masterClrMapping/>
   </p:clrMapOvr>
-  <p:transition xmlns:p14="http://schemas.microsoft.com/office/powerpoint/2010/main" spd="slow">
+  <p:transition spd="slow">
     <p:push/>
   </p:transition>
   <p:timing>
     <p:tnLst>
       <p:par>
-        <p:cTn xmlns:p14="http://schemas.microsoft.com/office/powerpoint/2010/main" id="1" dur="indefinite" restart="never" nodeType="tmRoot"/>
+        <p:cTn id="1" dur="indefinite" restart="never" nodeType="tmRoot"/>
       </p:par>
     </p:tnLst>
   </p:timing>
@@ -5893,13 +5979,13 @@
           <a:p>
             <a:r>
               <a:rPr lang="ta-IN" sz="4000" dirty="0" smtClean="0">
-                <a:latin typeface="Abril Text SemiBold"/>
+                <a:latin typeface="+mj-lt"/>
                 <a:cs typeface="Abril Text SemiBold"/>
               </a:rPr>
               <a:t>PostCSS</a:t>
             </a:r>
             <a:endParaRPr lang="en-US" sz="4000" dirty="0">
-              <a:latin typeface="Abril Text SemiBold"/>
+              <a:latin typeface="+mj-lt"/>
               <a:cs typeface="Abril Text SemiBold"/>
             </a:endParaRPr>
           </a:p>
@@ -5924,7 +6010,7 @@
           <a:p>
             <a:r>
               <a:rPr lang="ta-IN" dirty="0" smtClean="0">
-                <a:latin typeface="Theinhardt Rg"/>
+                <a:latin typeface="+mn-lt"/>
                 <a:cs typeface="Theinhardt Rg"/>
               </a:rPr>
               <a:t>+</a:t>
@@ -5937,21 +6023,21 @@
             </a:pPr>
             <a:r>
               <a:rPr lang="ta-IN" dirty="0" smtClean="0">
-                <a:latin typeface="Theinhardt Rg"/>
+                <a:latin typeface="+mn-lt"/>
                 <a:cs typeface="Theinhardt Rg"/>
               </a:rPr>
               <a:t>Modularity </a:t>
             </a:r>
             <a:r>
               <a:rPr lang="ta-IN" dirty="0">
-                <a:latin typeface="Theinhardt Rg"/>
+                <a:latin typeface="+mn-lt"/>
                 <a:cs typeface="Theinhardt Rg"/>
               </a:rPr>
               <a:t>– adding your own </a:t>
             </a:r>
             <a:r>
               <a:rPr lang="ta-IN" dirty="0" smtClean="0">
-                <a:latin typeface="Theinhardt Rg"/>
+                <a:latin typeface="+mn-lt"/>
                 <a:cs typeface="Theinhardt Rg"/>
               </a:rPr>
               <a:t>features.</a:t>
@@ -5964,7 +6050,7 @@
             </a:pPr>
             <a:r>
               <a:rPr lang="ta-IN" dirty="0" smtClean="0">
-                <a:latin typeface="Theinhardt Rg"/>
+                <a:latin typeface="+mn-lt"/>
                 <a:cs typeface="Theinhardt Rg"/>
               </a:rPr>
               <a:t>Awsome optimisation with pipeline.</a:t>
@@ -5977,7 +6063,7 @@
             </a:pPr>
             <a:r>
               <a:rPr lang="ta-IN" dirty="0" smtClean="0">
-                <a:latin typeface="Theinhardt Rg"/>
+                <a:latin typeface="+mn-lt"/>
                 <a:cs typeface="Theinhardt Rg"/>
               </a:rPr>
               <a:t>Plugins ecosystem.</a:t>
@@ -5985,14 +6071,14 @@
           </a:p>
           <a:p>
             <a:endParaRPr lang="ta-IN" dirty="0">
-              <a:latin typeface="Theinhardt Rg"/>
+              <a:latin typeface="+mn-lt"/>
               <a:cs typeface="Theinhardt Rg"/>
             </a:endParaRPr>
           </a:p>
           <a:p>
             <a:r>
               <a:rPr lang="ta-IN" dirty="0" smtClean="0">
-                <a:latin typeface="Theinhardt Rg"/>
+                <a:latin typeface="+mn-lt"/>
                 <a:cs typeface="Theinhardt Rg"/>
               </a:rPr>
               <a:t>-</a:t>
@@ -6005,13 +6091,13 @@
             </a:pPr>
             <a:r>
               <a:rPr lang="ta-IN" dirty="0" smtClean="0">
-                <a:latin typeface="Theinhardt Rg"/>
+                <a:latin typeface="+mn-lt"/>
                 <a:cs typeface="Theinhardt Rg"/>
               </a:rPr>
               <a:t>Tends to become a pre-processor.</a:t>
             </a:r>
             <a:endParaRPr lang="ta-IN" dirty="0">
-              <a:latin typeface="Theinhardt Rg"/>
+              <a:latin typeface="+mn-lt"/>
               <a:cs typeface="Theinhardt Rg"/>
             </a:endParaRPr>
           </a:p>
@@ -6027,13 +6113,13 @@
   <p:clrMapOvr>
     <a:masterClrMapping/>
   </p:clrMapOvr>
-  <p:transition xmlns:p14="http://schemas.microsoft.com/office/powerpoint/2010/main" spd="slow">
+  <p:transition spd="slow">
     <p:push/>
   </p:transition>
   <p:timing>
     <p:tnLst>
       <p:par>
-        <p:cTn xmlns:p14="http://schemas.microsoft.com/office/powerpoint/2010/main" id="1" dur="indefinite" restart="never" nodeType="tmRoot"/>
+        <p:cTn id="1" dur="indefinite" restart="never" nodeType="tmRoot"/>
       </p:par>
     </p:tnLst>
   </p:timing>
@@ -6076,13 +6162,13 @@
           <a:p>
             <a:r>
               <a:rPr lang="en-US" sz="4000" dirty="0" smtClean="0">
-                <a:latin typeface="Abril Text SemiBold"/>
+                <a:latin typeface="+mj-lt"/>
                 <a:cs typeface="Abril Text SemiBold"/>
               </a:rPr>
               <a:t>Performance</a:t>
             </a:r>
             <a:endParaRPr lang="en-US" dirty="0">
-              <a:latin typeface="Abril Text SemiBold"/>
+              <a:latin typeface="+mj-lt"/>
               <a:cs typeface="Abril Text SemiBold"/>
             </a:endParaRPr>
           </a:p>
@@ -6118,8 +6204,8 @@
         </p:nvSpPr>
         <p:spPr>
           <a:xfrm>
-            <a:off x="1597014" y="1661778"/>
-            <a:ext cx="684803" cy="307777"/>
+            <a:off x="1597014" y="1707654"/>
+            <a:ext cx="604653" cy="276999"/>
           </a:xfrm>
           <a:prstGeom prst="rect">
             <a:avLst/>
@@ -6133,30 +6219,27 @@
           <a:lstStyle/>
           <a:p>
             <a:r>
-              <a:rPr lang="en-US" sz="1400" dirty="0" smtClean="0">
+              <a:rPr lang="en-US" sz="1200" dirty="0" smtClean="0">
                 <a:solidFill>
                   <a:schemeClr val="bg1"/>
                 </a:solidFill>
-                <a:latin typeface="Theinhardt Rg"/>
                 <a:cs typeface="Theinhardt Rg"/>
               </a:rPr>
               <a:t>36 </a:t>
             </a:r>
             <a:r>
-              <a:rPr lang="en-US" sz="1400" dirty="0" err="1" smtClean="0">
+              <a:rPr lang="en-US" sz="1200" dirty="0" err="1" smtClean="0">
                 <a:solidFill>
                   <a:schemeClr val="bg1"/>
                 </a:solidFill>
-                <a:latin typeface="Theinhardt Rg"/>
                 <a:cs typeface="Theinhardt Rg"/>
               </a:rPr>
               <a:t>ms</a:t>
             </a:r>
-            <a:endParaRPr lang="en-US" sz="1400" dirty="0">
+            <a:endParaRPr lang="en-US" sz="1200" dirty="0">
               <a:solidFill>
                 <a:schemeClr val="bg1"/>
               </a:solidFill>
-              <a:latin typeface="Theinhardt Rg"/>
               <a:cs typeface="Theinhardt Rg"/>
             </a:endParaRPr>
           </a:p>
@@ -6170,8 +6253,8 @@
         </p:nvSpPr>
         <p:spPr>
           <a:xfrm>
-            <a:off x="2029061" y="2091651"/>
-            <a:ext cx="787395" cy="307777"/>
+            <a:off x="2029061" y="2137527"/>
+            <a:ext cx="696024" cy="276999"/>
           </a:xfrm>
           <a:prstGeom prst="rect">
             <a:avLst/>
@@ -6185,30 +6268,27 @@
           <a:lstStyle/>
           <a:p>
             <a:r>
-              <a:rPr lang="en-US" sz="1400" dirty="0" smtClean="0">
+              <a:rPr lang="en-US" sz="1200" dirty="0" smtClean="0">
                 <a:solidFill>
                   <a:schemeClr val="bg1"/>
                 </a:solidFill>
-                <a:latin typeface="Theinhardt Rg"/>
                 <a:cs typeface="Theinhardt Rg"/>
               </a:rPr>
               <a:t>136 </a:t>
             </a:r>
             <a:r>
-              <a:rPr lang="en-US" sz="1400" dirty="0" err="1" smtClean="0">
+              <a:rPr lang="en-US" sz="1200" dirty="0" err="1" smtClean="0">
                 <a:solidFill>
                   <a:schemeClr val="bg1"/>
                 </a:solidFill>
-                <a:latin typeface="Theinhardt Rg"/>
                 <a:cs typeface="Theinhardt Rg"/>
               </a:rPr>
               <a:t>ms</a:t>
             </a:r>
-            <a:endParaRPr lang="en-US" sz="1400" dirty="0">
+            <a:endParaRPr lang="en-US" sz="1200" dirty="0">
               <a:solidFill>
                 <a:schemeClr val="bg1"/>
               </a:solidFill>
-              <a:latin typeface="Theinhardt Rg"/>
               <a:cs typeface="Theinhardt Rg"/>
             </a:endParaRPr>
           </a:p>
@@ -6222,8 +6302,8 @@
         </p:nvSpPr>
         <p:spPr>
           <a:xfrm>
-            <a:off x="2101077" y="2657842"/>
-            <a:ext cx="787395" cy="307777"/>
+            <a:off x="2101077" y="2703718"/>
+            <a:ext cx="696024" cy="276999"/>
           </a:xfrm>
           <a:prstGeom prst="rect">
             <a:avLst/>
@@ -6237,30 +6317,27 @@
           <a:lstStyle/>
           <a:p>
             <a:r>
-              <a:rPr lang="en-US" sz="1400" dirty="0" smtClean="0">
+              <a:rPr lang="en-US" sz="1200" dirty="0" smtClean="0">
                 <a:solidFill>
                   <a:schemeClr val="bg1"/>
                 </a:solidFill>
-                <a:latin typeface="Theinhardt Rg"/>
                 <a:cs typeface="Theinhardt Rg"/>
               </a:rPr>
               <a:t>160 </a:t>
             </a:r>
             <a:r>
-              <a:rPr lang="en-US" sz="1400" dirty="0" err="1" smtClean="0">
+              <a:rPr lang="en-US" sz="1200" dirty="0" err="1" smtClean="0">
                 <a:solidFill>
                   <a:schemeClr val="bg1"/>
                 </a:solidFill>
-                <a:latin typeface="Theinhardt Rg"/>
                 <a:cs typeface="Theinhardt Rg"/>
               </a:rPr>
               <a:t>ms</a:t>
             </a:r>
-            <a:endParaRPr lang="en-US" sz="1400" dirty="0">
+            <a:endParaRPr lang="en-US" sz="1200" dirty="0">
               <a:solidFill>
                 <a:schemeClr val="bg1"/>
               </a:solidFill>
-              <a:latin typeface="Theinhardt Rg"/>
               <a:cs typeface="Theinhardt Rg"/>
             </a:endParaRPr>
           </a:p>
@@ -6274,8 +6351,8 @@
         </p:nvSpPr>
         <p:spPr>
           <a:xfrm>
-            <a:off x="2173064" y="3215461"/>
-            <a:ext cx="787395" cy="307777"/>
+            <a:off x="2173064" y="3261337"/>
+            <a:ext cx="696024" cy="276999"/>
           </a:xfrm>
           <a:prstGeom prst="rect">
             <a:avLst/>
@@ -6289,30 +6366,27 @@
           <a:lstStyle/>
           <a:p>
             <a:r>
-              <a:rPr lang="en-US" sz="1400" dirty="0" smtClean="0">
+              <a:rPr lang="en-US" sz="1200" dirty="0" smtClean="0">
                 <a:solidFill>
                   <a:schemeClr val="bg1"/>
                 </a:solidFill>
-                <a:latin typeface="Theinhardt Rg"/>
                 <a:cs typeface="Theinhardt Rg"/>
               </a:rPr>
               <a:t>167 </a:t>
             </a:r>
             <a:r>
-              <a:rPr lang="en-US" sz="1400" dirty="0" err="1" smtClean="0">
+              <a:rPr lang="en-US" sz="1200" dirty="0" err="1" smtClean="0">
                 <a:solidFill>
                   <a:schemeClr val="bg1"/>
                 </a:solidFill>
-                <a:latin typeface="Theinhardt Rg"/>
                 <a:cs typeface="Theinhardt Rg"/>
               </a:rPr>
               <a:t>ms</a:t>
             </a:r>
-            <a:endParaRPr lang="en-US" sz="1400" dirty="0">
+            <a:endParaRPr lang="en-US" sz="1200" dirty="0">
               <a:solidFill>
                 <a:schemeClr val="bg1"/>
               </a:solidFill>
-              <a:latin typeface="Theinhardt Rg"/>
               <a:cs typeface="Theinhardt Rg"/>
             </a:endParaRPr>
           </a:p>
@@ -6326,8 +6400,8 @@
         </p:nvSpPr>
         <p:spPr>
           <a:xfrm>
-            <a:off x="5424760" y="3795898"/>
-            <a:ext cx="889987" cy="307777"/>
+            <a:off x="5424760" y="3841774"/>
+            <a:ext cx="787395" cy="276999"/>
           </a:xfrm>
           <a:prstGeom prst="rect">
             <a:avLst/>
@@ -6341,30 +6415,27 @@
           <a:lstStyle/>
           <a:p>
             <a:r>
-              <a:rPr lang="en-US" sz="1400" dirty="0" smtClean="0">
+              <a:rPr lang="en-US" sz="1200" dirty="0" smtClean="0">
                 <a:solidFill>
                   <a:schemeClr val="bg1"/>
                 </a:solidFill>
-                <a:latin typeface="Theinhardt Rg"/>
                 <a:cs typeface="Theinhardt Rg"/>
               </a:rPr>
               <a:t>1084 </a:t>
             </a:r>
             <a:r>
-              <a:rPr lang="en-US" sz="1400" dirty="0" err="1" smtClean="0">
+              <a:rPr lang="en-US" sz="1200" dirty="0" err="1" smtClean="0">
                 <a:solidFill>
                   <a:schemeClr val="bg1"/>
                 </a:solidFill>
-                <a:latin typeface="Theinhardt Rg"/>
                 <a:cs typeface="Theinhardt Rg"/>
               </a:rPr>
               <a:t>ms</a:t>
             </a:r>
-            <a:endParaRPr lang="en-US" sz="1400" dirty="0">
+            <a:endParaRPr lang="en-US" sz="1200" dirty="0">
               <a:solidFill>
                 <a:schemeClr val="bg1"/>
               </a:solidFill>
-              <a:latin typeface="Theinhardt Rg"/>
               <a:cs typeface="Theinhardt Rg"/>
             </a:endParaRPr>
           </a:p>
@@ -6378,8 +6449,8 @@
         </p:nvSpPr>
         <p:spPr>
           <a:xfrm>
-            <a:off x="607775" y="4304154"/>
-            <a:ext cx="2800767" cy="307777"/>
+            <a:off x="607775" y="4382983"/>
+            <a:ext cx="2421176" cy="276999"/>
           </a:xfrm>
           <a:prstGeom prst="rect">
             <a:avLst/>
@@ -6393,35 +6464,31 @@
           <a:lstStyle/>
           <a:p>
             <a:r>
-              <a:rPr lang="en-US" sz="1400" dirty="0" smtClean="0">
+              <a:rPr lang="en-US" sz="1200" dirty="0" smtClean="0">
                 <a:solidFill>
                   <a:schemeClr val="bg1"/>
                 </a:solidFill>
-                <a:latin typeface="Theinhardt Rg"/>
                 <a:cs typeface="Theinhardt Rg"/>
               </a:rPr>
               <a:t>Source</a:t>
             </a:r>
             <a:r>
-              <a:rPr lang="en-US" sz="1400" dirty="0" smtClean="0">
+              <a:rPr lang="en-US" sz="1200" dirty="0" smtClean="0">
                 <a:noFill/>
-                <a:latin typeface="Theinhardt Rg"/>
                 <a:cs typeface="Theinhardt Rg"/>
               </a:rPr>
               <a:t>: </a:t>
             </a:r>
             <a:r>
-              <a:rPr lang="en-US" sz="1400" dirty="0" smtClean="0">
+              <a:rPr lang="en-US" sz="1200" dirty="0" smtClean="0">
                 <a:noFill/>
-                <a:latin typeface="Theinhardt Rg"/>
                 <a:cs typeface="Theinhardt Rg"/>
                 <a:hlinkClick r:id="rId5"/>
               </a:rPr>
               <a:t>Preprocessors benchmark</a:t>
             </a:r>
-            <a:endParaRPr lang="en-US" sz="1400" dirty="0">
+            <a:endParaRPr lang="en-US" sz="1200" dirty="0">
               <a:noFill/>
-              <a:latin typeface="Theinhardt Rg"/>
               <a:cs typeface="Theinhardt Rg"/>
             </a:endParaRPr>
           </a:p>
@@ -6527,13 +6594,13 @@
   <p:clrMapOvr>
     <a:masterClrMapping/>
   </p:clrMapOvr>
-  <p:transition xmlns:p14="http://schemas.microsoft.com/office/powerpoint/2010/main" spd="slow">
+  <p:transition spd="slow">
     <p:push/>
   </p:transition>
   <p:timing>
     <p:tnLst>
       <p:par>
-        <p:cTn xmlns:p14="http://schemas.microsoft.com/office/powerpoint/2010/main" id="1" dur="indefinite" restart="never" nodeType="tmRoot">
+        <p:cTn id="1" dur="indefinite" restart="never" nodeType="tmRoot">
           <p:childTnLst>
             <p:seq concurrent="1" nextAc="seek">
               <p:cTn id="2" dur="indefinite" nodeType="mainSeq">
@@ -6796,13 +6863,13 @@
           <a:p>
             <a:r>
               <a:rPr lang="ta-IN" sz="4000" dirty="0" smtClean="0">
-                <a:latin typeface="Abril Text SemiBold"/>
+                <a:latin typeface="+mj-lt"/>
                 <a:cs typeface="Abril Text SemiBold"/>
               </a:rPr>
               <a:t>Tools</a:t>
             </a:r>
             <a:endParaRPr lang="en-US" sz="4000" dirty="0">
-              <a:latin typeface="Abril Text SemiBold"/>
+              <a:latin typeface="+mj-lt"/>
               <a:cs typeface="Abril Text SemiBold"/>
             </a:endParaRPr>
           </a:p>
@@ -6831,13 +6898,13 @@
             </a:pPr>
             <a:r>
               <a:rPr lang="en-US" dirty="0" err="1" smtClean="0">
-                <a:latin typeface="Theinhardt Rg"/>
+                <a:latin typeface="+mn-lt"/>
                 <a:cs typeface="Theinhardt Rg"/>
               </a:rPr>
               <a:t>Node.js</a:t>
             </a:r>
             <a:endParaRPr lang="ta-IN" dirty="0" smtClean="0">
-              <a:latin typeface="Theinhardt Rg"/>
+              <a:latin typeface="+mn-lt"/>
               <a:cs typeface="Theinhardt Rg"/>
             </a:endParaRPr>
           </a:p>
@@ -6848,13 +6915,13 @@
             </a:pPr>
             <a:r>
               <a:rPr lang="ta-IN" dirty="0" smtClean="0">
-                <a:latin typeface="Theinhardt Rg"/>
+                <a:latin typeface="+mn-lt"/>
                 <a:cs typeface="Theinhardt Rg"/>
               </a:rPr>
               <a:t>Gulp.js</a:t>
             </a:r>
             <a:endParaRPr lang="en-US" dirty="0" smtClean="0">
-              <a:latin typeface="Theinhardt Rg"/>
+              <a:latin typeface="+mn-lt"/>
               <a:cs typeface="Theinhardt Rg"/>
             </a:endParaRPr>
           </a:p>
@@ -6865,29 +6932,18 @@
             </a:pPr>
             <a:r>
               <a:rPr lang="en-US" dirty="0" err="1" smtClean="0">
-                <a:latin typeface="Theinhardt Rg"/>
+                <a:latin typeface="+mn-lt"/>
                 <a:cs typeface="Theinhardt Rg"/>
               </a:rPr>
               <a:t>npm</a:t>
             </a:r>
             <a:r>
               <a:rPr lang="en-US" dirty="0" smtClean="0">
-                <a:latin typeface="Theinhardt Rg"/>
+                <a:latin typeface="+mn-lt"/>
                 <a:cs typeface="Theinhardt Rg"/>
               </a:rPr>
-              <a:t> (node package manager</a:t>
-            </a:r>
-            <a:r>
-              <a:rPr lang="en-US" dirty="0" smtClean="0">
-                <a:latin typeface="Theinhardt Rg"/>
-                <a:cs typeface="Theinhardt Rg"/>
-              </a:rPr>
-              <a:t>)</a:t>
-            </a:r>
-            <a:endParaRPr lang="en-US" dirty="0" smtClean="0">
-              <a:latin typeface="Theinhardt Rg"/>
-              <a:cs typeface="Theinhardt Rg"/>
-            </a:endParaRPr>
+              <a:t> (node package manager)</a:t>
+            </a:r>
           </a:p>
           <a:p>
             <a:pPr marL="457200" indent="-457200">
@@ -6896,13 +6952,13 @@
             </a:pPr>
             <a:r>
               <a:rPr lang="en-US" dirty="0" smtClean="0">
-                <a:latin typeface="Theinhardt Rg"/>
+                <a:latin typeface="+mn-lt"/>
                 <a:cs typeface="Theinhardt Rg"/>
               </a:rPr>
               <a:t>CSS</a:t>
             </a:r>
             <a:endParaRPr lang="en-US" dirty="0">
-              <a:latin typeface="Theinhardt Rg"/>
+              <a:latin typeface="+mn-lt"/>
               <a:cs typeface="Theinhardt Rg"/>
             </a:endParaRPr>
           </a:p>
@@ -6918,13 +6974,13 @@
   <p:clrMapOvr>
     <a:masterClrMapping/>
   </p:clrMapOvr>
-  <p:transition xmlns:p14="http://schemas.microsoft.com/office/powerpoint/2010/main" spd="slow">
+  <p:transition spd="slow">
     <p:push/>
   </p:transition>
   <p:timing>
     <p:tnLst>
       <p:par>
-        <p:cTn xmlns:p14="http://schemas.microsoft.com/office/powerpoint/2010/main" id="1" dur="indefinite" restart="never" nodeType="tmRoot"/>
+        <p:cTn id="1" dur="indefinite" restart="never" nodeType="tmRoot"/>
       </p:par>
     </p:tnLst>
   </p:timing>
@@ -6967,13 +7023,13 @@
           <a:p>
             <a:r>
               <a:rPr lang="en-US" sz="4000" dirty="0" smtClean="0">
-                <a:latin typeface="Abril Text SemiBold"/>
+                <a:latin typeface="+mj-lt"/>
                 <a:cs typeface="Abril Text SemiBold"/>
               </a:rPr>
               <a:t>Usage</a:t>
             </a:r>
             <a:endParaRPr lang="en-US" sz="4000" dirty="0">
-              <a:latin typeface="Abril Text SemiBold"/>
+              <a:latin typeface="+mj-lt"/>
               <a:cs typeface="Abril Text SemiBold"/>
             </a:endParaRPr>
           </a:p>
@@ -7002,7 +7058,7 @@
             </a:pPr>
             <a:r>
               <a:rPr lang="en-US" dirty="0">
-                <a:latin typeface="Theinhardt Rg"/>
+                <a:latin typeface="+mn-lt"/>
                 <a:cs typeface="Theinhardt Rg"/>
               </a:rPr>
               <a:t>Add PostCSS to your build tool.</a:t>
@@ -7015,34 +7071,34 @@
             </a:pPr>
             <a:r>
               <a:rPr lang="en-US" dirty="0">
-                <a:latin typeface="Theinhardt Rg"/>
+                <a:latin typeface="+mn-lt"/>
                 <a:cs typeface="Theinhardt Rg"/>
               </a:rPr>
               <a:t>Select plugins </a:t>
             </a:r>
             <a:r>
               <a:rPr lang="en-US" dirty="0" smtClean="0">
-                <a:latin typeface="Theinhardt Rg"/>
+                <a:latin typeface="+mn-lt"/>
                 <a:cs typeface="Theinhardt Rg"/>
               </a:rPr>
               <a:t>and </a:t>
             </a:r>
             <a:r>
               <a:rPr lang="en-US" dirty="0">
-                <a:latin typeface="Theinhardt Rg"/>
+                <a:latin typeface="+mn-lt"/>
                 <a:cs typeface="Theinhardt Rg"/>
               </a:rPr>
               <a:t>add them to your PostCSS process</a:t>
             </a:r>
             <a:r>
               <a:rPr lang="en-US" dirty="0" smtClean="0">
-                <a:latin typeface="Theinhardt Rg"/>
+                <a:latin typeface="+mn-lt"/>
                 <a:cs typeface="Theinhardt Rg"/>
               </a:rPr>
               <a:t>.</a:t>
             </a:r>
             <a:endParaRPr lang="ta-IN" dirty="0" smtClean="0">
-              <a:latin typeface="Theinhardt Rg"/>
+              <a:latin typeface="+mn-lt"/>
               <a:cs typeface="Theinhardt Rg"/>
             </a:endParaRPr>
           </a:p>
@@ -7053,7 +7109,7 @@
             </a:pPr>
             <a:r>
               <a:rPr lang="ta-IN" dirty="0" smtClean="0">
-                <a:latin typeface="Theinhardt Rg"/>
+                <a:latin typeface="+mn-lt"/>
                 <a:cs typeface="Theinhardt Rg"/>
               </a:rPr>
               <a:t>Setup gulp task and build your CSS.</a:t>
@@ -7061,34 +7117,27 @@
           </a:p>
           <a:p>
             <a:endParaRPr lang="ta-IN" dirty="0" smtClean="0">
-              <a:latin typeface="Theinhardt Rg"/>
+              <a:latin typeface="+mn-lt"/>
               <a:cs typeface="Theinhardt Rg"/>
             </a:endParaRPr>
           </a:p>
           <a:p>
             <a:r>
               <a:rPr lang="ta-IN" i="1" dirty="0" smtClean="0">
-                <a:latin typeface="Theinhardt Rg"/>
+                <a:latin typeface="+mn-lt"/>
                 <a:cs typeface="Theinhardt Rg"/>
               </a:rPr>
               <a:t>* </a:t>
             </a:r>
             <a:r>
               <a:rPr lang="en-US" i="1" dirty="0" smtClean="0">
-                <a:latin typeface="Theinhardt Rg"/>
+                <a:latin typeface="+mn-lt"/>
                 <a:cs typeface="Theinhardt Rg"/>
               </a:rPr>
-              <a:t>There </a:t>
-            </a:r>
-            <a:r>
-              <a:rPr lang="en-US" i="1" dirty="0" smtClean="0">
-                <a:latin typeface="Theinhardt Rg"/>
-                <a:cs typeface="Theinhardt Rg"/>
-              </a:rPr>
-              <a:t>are plugins for Grunt, Gulp, webpack, Broccoli, Brunch and ENB.</a:t>
+              <a:t>There are plugins for Grunt, Gulp, webpack, Broccoli, Brunch and ENB.</a:t>
             </a:r>
             <a:endParaRPr lang="en-US" i="1" dirty="0">
-              <a:latin typeface="Theinhardt Rg"/>
+              <a:latin typeface="+mn-lt"/>
               <a:cs typeface="Theinhardt Rg"/>
             </a:endParaRPr>
           </a:p>
@@ -7104,13 +7153,13 @@
   <p:clrMapOvr>
     <a:masterClrMapping/>
   </p:clrMapOvr>
-  <p:transition xmlns:p14="http://schemas.microsoft.com/office/powerpoint/2010/main" spd="slow">
+  <p:transition spd="slow">
     <p:push/>
   </p:transition>
   <p:timing>
     <p:tnLst>
       <p:par>
-        <p:cTn xmlns:p14="http://schemas.microsoft.com/office/powerpoint/2010/main" id="1" dur="indefinite" restart="never" nodeType="tmRoot"/>
+        <p:cTn id="1" dur="indefinite" restart="never" nodeType="tmRoot"/>
       </p:par>
     </p:tnLst>
   </p:timing>
@@ -7153,13 +7202,13 @@
           <a:p>
             <a:r>
               <a:rPr lang="hr-HR" sz="4000" dirty="0" err="1" smtClean="0">
-                <a:latin typeface="Abril Text SemiBold"/>
+                <a:latin typeface="+mj-lt"/>
                 <a:cs typeface="Abril Text SemiBold"/>
               </a:rPr>
               <a:t>Plugins</a:t>
             </a:r>
             <a:endParaRPr lang="en-US" sz="4000" dirty="0">
-              <a:latin typeface="Abril Text SemiBold"/>
+              <a:latin typeface="+mj-lt"/>
               <a:cs typeface="Abril Text SemiBold"/>
             </a:endParaRPr>
           </a:p>
@@ -7196,7 +7245,7 @@
             </a:pPr>
             <a:r>
               <a:rPr lang="ta-IN" dirty="0" smtClean="0">
-                <a:latin typeface="Theinhardt Rg"/>
+                <a:latin typeface="+mn-lt"/>
                 <a:cs typeface="Theinhardt Rg"/>
               </a:rPr>
               <a:t>Over 120 plugins; and growing.</a:t>
@@ -7212,7 +7261,7 @@
             </a:pPr>
             <a:r>
               <a:rPr lang="ta-IN" dirty="0" smtClean="0">
-                <a:latin typeface="Theinhardt Rg"/>
+                <a:latin typeface="+mn-lt"/>
                 <a:cs typeface="Theinhardt Rg"/>
               </a:rPr>
               <a:t>Small chunks of JS code:</a:t>
@@ -7245,7 +7294,14 @@
                 <a:latin typeface="Theinhardt Rg"/>
                 <a:cs typeface="Theinhardt Rg"/>
               </a:rPr>
-              <a:t>– 74 LOC</a:t>
+              <a:t>– </a:t>
+            </a:r>
+            <a:r>
+              <a:rPr lang="ta-IN" dirty="0" smtClean="0">
+                <a:latin typeface="+mn-lt"/>
+                <a:cs typeface="Theinhardt Rg"/>
+              </a:rPr>
+              <a:t>74 LOC</a:t>
             </a:r>
           </a:p>
           <a:p>
@@ -7282,7 +7338,14 @@
                 <a:latin typeface="Theinhardt Rg"/>
                 <a:cs typeface="Theinhardt Rg"/>
               </a:rPr>
-              <a:t> 68 LOC</a:t>
+              <a:t> </a:t>
+            </a:r>
+            <a:r>
+              <a:rPr lang="en-US" dirty="0" smtClean="0">
+                <a:latin typeface="+mn-lt"/>
+                <a:cs typeface="Theinhardt Rg"/>
+              </a:rPr>
+              <a:t>68 LOC</a:t>
             </a:r>
           </a:p>
           <a:p>
@@ -7337,7 +7400,7 @@
             </a:r>
             <a:r>
               <a:rPr lang="en-US" dirty="0">
-                <a:latin typeface="Theinhardt Rg"/>
+                <a:latin typeface="+mn-lt"/>
                 <a:cs typeface="Theinhardt Rg"/>
               </a:rPr>
               <a:t>147 LOC</a:t>
@@ -7366,7 +7429,7 @@
             </a:pPr>
             <a:r>
               <a:rPr lang="ta-IN" dirty="0" smtClean="0">
-                <a:latin typeface="Theinhardt Rg"/>
+                <a:latin typeface="+mn-lt"/>
                 <a:cs typeface="Theinhardt Rg"/>
               </a:rPr>
               <a:t>Maintainable code</a:t>
@@ -7397,13 +7460,13 @@
   <p:clrMapOvr>
     <a:masterClrMapping/>
   </p:clrMapOvr>
-  <p:transition xmlns:p14="http://schemas.microsoft.com/office/powerpoint/2010/main" spd="slow">
+  <p:transition spd="slow">
     <p:push/>
   </p:transition>
   <p:timing>
     <p:tnLst>
       <p:par>
-        <p:cTn xmlns:p14="http://schemas.microsoft.com/office/powerpoint/2010/main" id="1" dur="indefinite" restart="never" nodeType="tmRoot"/>
+        <p:cTn id="1" dur="indefinite" restart="never" nodeType="tmRoot"/>
       </p:par>
     </p:tnLst>
   </p:timing>
@@ -7457,76 +7520,16 @@
         <a:srgbClr val="800080"/>
       </a:folHlink>
     </a:clrScheme>
-    <a:fontScheme name="Office">
+    <a:fontScheme name="Mono">
       <a:majorFont>
-        <a:latin typeface="Calibri"/>
+        <a:latin typeface="Abril Text SB"/>
         <a:ea typeface=""/>
         <a:cs typeface=""/>
-        <a:font script="Jpan" typeface="ＭＳ Ｐゴシック"/>
-        <a:font script="Hang" typeface="맑은 고딕"/>
-        <a:font script="Hans" typeface="宋体"/>
-        <a:font script="Hant" typeface="新細明體"/>
-        <a:font script="Arab" typeface="Times New Roman"/>
-        <a:font script="Hebr" typeface="Times New Roman"/>
-        <a:font script="Thai" typeface="Angsana New"/>
-        <a:font script="Ethi" typeface="Nyala"/>
-        <a:font script="Beng" typeface="Vrinda"/>
-        <a:font script="Gujr" typeface="Shruti"/>
-        <a:font script="Khmr" typeface="MoolBoran"/>
-        <a:font script="Knda" typeface="Tunga"/>
-        <a:font script="Guru" typeface="Raavi"/>
-        <a:font script="Cans" typeface="Euphemia"/>
-        <a:font script="Cher" typeface="Plantagenet Cherokee"/>
-        <a:font script="Yiii" typeface="Microsoft Yi Baiti"/>
-        <a:font script="Tibt" typeface="Microsoft Himalaya"/>
-        <a:font script="Thaa" typeface="MV Boli"/>
-        <a:font script="Deva" typeface="Mangal"/>
-        <a:font script="Telu" typeface="Gautami"/>
-        <a:font script="Taml" typeface="Latha"/>
-        <a:font script="Syrc" typeface="Estrangelo Edessa"/>
-        <a:font script="Orya" typeface="Kalinga"/>
-        <a:font script="Mlym" typeface="Kartika"/>
-        <a:font script="Laoo" typeface="DokChampa"/>
-        <a:font script="Sinh" typeface="Iskoola Pota"/>
-        <a:font script="Mong" typeface="Mongolian Baiti"/>
-        <a:font script="Viet" typeface="Times New Roman"/>
-        <a:font script="Uigh" typeface="Microsoft Uighur"/>
-        <a:font script="Geor" typeface="Sylfaen"/>
       </a:majorFont>
       <a:minorFont>
-        <a:latin typeface="Calibri"/>
+        <a:latin typeface="Theinhardt"/>
         <a:ea typeface=""/>
         <a:cs typeface=""/>
-        <a:font script="Jpan" typeface="ＭＳ Ｐゴシック"/>
-        <a:font script="Hang" typeface="맑은 고딕"/>
-        <a:font script="Hans" typeface="宋体"/>
-        <a:font script="Hant" typeface="新細明體"/>
-        <a:font script="Arab" typeface="Arial"/>
-        <a:font script="Hebr" typeface="Arial"/>
-        <a:font script="Thai" typeface="Cordia New"/>
-        <a:font script="Ethi" typeface="Nyala"/>
-        <a:font script="Beng" typeface="Vrinda"/>
-        <a:font script="Gujr" typeface="Shruti"/>
-        <a:font script="Khmr" typeface="DaunPenh"/>
-        <a:font script="Knda" typeface="Tunga"/>
-        <a:font script="Guru" typeface="Raavi"/>
-        <a:font script="Cans" typeface="Euphemia"/>
-        <a:font script="Cher" typeface="Plantagenet Cherokee"/>
-        <a:font script="Yiii" typeface="Microsoft Yi Baiti"/>
-        <a:font script="Tibt" typeface="Microsoft Himalaya"/>
-        <a:font script="Thaa" typeface="MV Boli"/>
-        <a:font script="Deva" typeface="Mangal"/>
-        <a:font script="Telu" typeface="Gautami"/>
-        <a:font script="Taml" typeface="Latha"/>
-        <a:font script="Syrc" typeface="Estrangelo Edessa"/>
-        <a:font script="Orya" typeface="Kalinga"/>
-        <a:font script="Mlym" typeface="Kartika"/>
-        <a:font script="Laoo" typeface="DokChampa"/>
-        <a:font script="Sinh" typeface="Iskoola Pota"/>
-        <a:font script="Mong" typeface="Mongolian Baiti"/>
-        <a:font script="Viet" typeface="Arial"/>
-        <a:font script="Uigh" typeface="Microsoft Uighur"/>
-        <a:font script="Geor" typeface="Sylfaen"/>
       </a:minorFont>
     </a:fontScheme>
     <a:fmtScheme name="Office">
@@ -7956,7 +7959,7 @@
   <a:extraClrSchemeLst/>
   <a:extLst>
     <a:ext uri="{05A4C25C-085E-4340-85A3-A5531E510DB2}">
-      <thm15:themeFamily xmlns="" xmlns:thm15="http://schemas.microsoft.com/office/thememl/2012/main" name="Office Theme" id="{62F939B6-93AF-4DB8-9C6B-D6C7DFDC589F}" vid="{4A3C46E8-61CC-4603-A589-7422A47A8E4A}"/>
+      <thm15:themeFamily xmlns:thm15="http://schemas.microsoft.com/office/thememl/2012/main" name="Office Theme" id="{62F939B6-93AF-4DB8-9C6B-D6C7DFDC589F}" vid="{4A3C46E8-61CC-4603-A589-7422A47A8E4A}"/>
     </a:ext>
   </a:extLst>
 </a:theme>
